--- a/Презентация ВКР2017.pptx
+++ b/Презентация ВКР2017.pptx
@@ -5,14 +5,20 @@
     <p:sldMasterId id="2147483648" r:id="rId1"/>
   </p:sldMasterIdLst>
   <p:notesMasterIdLst>
-    <p:notesMasterId r:id="rId7"/>
+    <p:notesMasterId r:id="rId13"/>
   </p:notesMasterIdLst>
   <p:sldIdLst>
     <p:sldId id="256" r:id="rId2"/>
     <p:sldId id="257" r:id="rId3"/>
-    <p:sldId id="259" r:id="rId4"/>
-    <p:sldId id="258" r:id="rId5"/>
-    <p:sldId id="260" r:id="rId6"/>
+    <p:sldId id="262" r:id="rId4"/>
+    <p:sldId id="261" r:id="rId5"/>
+    <p:sldId id="263" r:id="rId6"/>
+    <p:sldId id="264" r:id="rId7"/>
+    <p:sldId id="265" r:id="rId8"/>
+    <p:sldId id="266" r:id="rId9"/>
+    <p:sldId id="259" r:id="rId10"/>
+    <p:sldId id="258" r:id="rId11"/>
+    <p:sldId id="260" r:id="rId12"/>
   </p:sldIdLst>
   <p:sldSz cx="12192000" cy="6858000"/>
   <p:notesSz cx="6858000" cy="9144000"/>
@@ -111,6 +117,11 @@
       </a:defRPr>
     </a:lvl9pPr>
   </p:defaultTextStyle>
+  <p:extLst>
+    <p:ext uri="{EFAFB233-063F-42B5-8137-9DF3F51BA10A}">
+      <p15:sldGuideLst xmlns:p15="http://schemas.microsoft.com/office/powerpoint/2012/main"/>
+    </p:ext>
+  </p:extLst>
 </p:presentation>
 </file>
 
@@ -196,7 +207,7 @@
           <a:p>
             <a:fld id="{44B54673-E2B9-49EF-B91E-CF34106CE466}" type="datetimeFigureOut">
               <a:rPr lang="ru-RU" smtClean="0"/>
-              <a:t>08.06.2017</a:t>
+              <a:t>13.06.2017</a:t>
             </a:fld>
             <a:endParaRPr lang="ru-RU"/>
           </a:p>
@@ -595,7 +606,7 @@
           <a:p>
             <a:fld id="{DD05A9AF-FAF5-4747-A801-82368DA06F85}" type="datetime1">
               <a:rPr lang="ru-RU" smtClean="0"/>
-              <a:t>08.06.2017</a:t>
+              <a:t>13.06.2017</a:t>
             </a:fld>
             <a:endParaRPr lang="ru-RU"/>
           </a:p>
@@ -765,7 +776,7 @@
           <a:p>
             <a:fld id="{1C232A49-8352-4C5F-A5E9-22B18C60A41B}" type="datetime1">
               <a:rPr lang="ru-RU" smtClean="0"/>
-              <a:t>08.06.2017</a:t>
+              <a:t>13.06.2017</a:t>
             </a:fld>
             <a:endParaRPr lang="ru-RU"/>
           </a:p>
@@ -945,7 +956,7 @@
           <a:p>
             <a:fld id="{3853B78D-04AE-4943-B473-05B084DDCDE0}" type="datetime1">
               <a:rPr lang="ru-RU" smtClean="0"/>
-              <a:t>08.06.2017</a:t>
+              <a:t>13.06.2017</a:t>
             </a:fld>
             <a:endParaRPr lang="ru-RU"/>
           </a:p>
@@ -1115,7 +1126,7 @@
           <a:p>
             <a:fld id="{CC6ECAAC-AA0D-4CDE-964F-CCA704E4CDE5}" type="datetime1">
               <a:rPr lang="ru-RU" smtClean="0"/>
-              <a:t>08.06.2017</a:t>
+              <a:t>13.06.2017</a:t>
             </a:fld>
             <a:endParaRPr lang="ru-RU"/>
           </a:p>
@@ -1361,7 +1372,7 @@
           <a:p>
             <a:fld id="{80BDFCAF-FBE1-4961-B416-F4A07E774DF3}" type="datetime1">
               <a:rPr lang="ru-RU" smtClean="0"/>
-              <a:t>08.06.2017</a:t>
+              <a:t>13.06.2017</a:t>
             </a:fld>
             <a:endParaRPr lang="ru-RU"/>
           </a:p>
@@ -1593,7 +1604,7 @@
           <a:p>
             <a:fld id="{1FEA90EA-B705-42B9-BBF6-268F2038FAF3}" type="datetime1">
               <a:rPr lang="ru-RU" smtClean="0"/>
-              <a:t>08.06.2017</a:t>
+              <a:t>13.06.2017</a:t>
             </a:fld>
             <a:endParaRPr lang="ru-RU"/>
           </a:p>
@@ -1960,7 +1971,7 @@
           <a:p>
             <a:fld id="{5F191AB6-3903-43B5-80FF-1EC98EAE59E7}" type="datetime1">
               <a:rPr lang="ru-RU" smtClean="0"/>
-              <a:t>08.06.2017</a:t>
+              <a:t>13.06.2017</a:t>
             </a:fld>
             <a:endParaRPr lang="ru-RU"/>
           </a:p>
@@ -2078,7 +2089,7 @@
           <a:p>
             <a:fld id="{B9C8298B-14B2-4D64-AF19-010909CD1156}" type="datetime1">
               <a:rPr lang="ru-RU" smtClean="0"/>
-              <a:t>08.06.2017</a:t>
+              <a:t>13.06.2017</a:t>
             </a:fld>
             <a:endParaRPr lang="ru-RU"/>
           </a:p>
@@ -2173,7 +2184,7 @@
           <a:p>
             <a:fld id="{F06230E2-CEBD-4965-B122-FEA485D88855}" type="datetime1">
               <a:rPr lang="ru-RU" smtClean="0"/>
-              <a:t>08.06.2017</a:t>
+              <a:t>13.06.2017</a:t>
             </a:fld>
             <a:endParaRPr lang="ru-RU"/>
           </a:p>
@@ -2450,7 +2461,7 @@
           <a:p>
             <a:fld id="{4463ADBD-CB87-4358-9CC5-F7B0D0893232}" type="datetime1">
               <a:rPr lang="ru-RU" smtClean="0"/>
-              <a:t>08.06.2017</a:t>
+              <a:t>13.06.2017</a:t>
             </a:fld>
             <a:endParaRPr lang="ru-RU"/>
           </a:p>
@@ -2703,7 +2714,7 @@
           <a:p>
             <a:fld id="{B312D136-29D0-4255-BB92-29C6409DB6B0}" type="datetime1">
               <a:rPr lang="ru-RU" smtClean="0"/>
-              <a:t>08.06.2017</a:t>
+              <a:t>13.06.2017</a:t>
             </a:fld>
             <a:endParaRPr lang="ru-RU"/>
           </a:p>
@@ -2916,7 +2927,7 @@
           <a:p>
             <a:fld id="{62F3AC5C-C3DB-4E26-96AE-698718F43F43}" type="datetime1">
               <a:rPr lang="ru-RU" smtClean="0"/>
-              <a:t>08.06.2017</a:t>
+              <a:t>13.06.2017</a:t>
             </a:fld>
             <a:endParaRPr lang="ru-RU"/>
           </a:p>
@@ -3546,7 +3557,7 @@
 </p:sld>
 </file>
 
-<file path=ppt/slides/slide2.xml><?xml version="1.0" encoding="utf-8"?>
+<file path=ppt/slides/slide10.xml><?xml version="1.0" encoding="utf-8"?>
 <p:sld xmlns:a="http://schemas.openxmlformats.org/drawingml/2006/main" xmlns:r="http://schemas.openxmlformats.org/officeDocument/2006/relationships" xmlns:p="http://schemas.openxmlformats.org/presentationml/2006/main">
   <p:cSld>
     <p:spTree>
@@ -3565,49 +3576,6 @@
       </p:grpSpPr>
       <p:sp>
         <p:nvSpPr>
-          <p:cNvPr id="2" name="Заголовок 1"/>
-          <p:cNvSpPr>
-            <a:spLocks noGrp="1"/>
-          </p:cNvSpPr>
-          <p:nvPr>
-            <p:ph type="title"/>
-          </p:nvPr>
-        </p:nvSpPr>
-        <p:spPr>
-          <a:xfrm>
-            <a:off x="812441" y="181938"/>
-            <a:ext cx="10701271" cy="1261167"/>
-          </a:xfrm>
-        </p:spPr>
-        <p:txBody>
-          <a:bodyPr>
-            <a:normAutofit/>
-          </a:bodyPr>
-          <a:lstStyle/>
-          <a:p>
-            <a:pPr algn="ctr"/>
-            <a:r>
-              <a:rPr lang="ru-RU" sz="3600" dirty="0" smtClean="0">
-                <a:solidFill>
-                  <a:srgbClr val="0070C0"/>
-                </a:solidFill>
-                <a:latin typeface="Times New Roman" panose="02020603050405020304" pitchFamily="18" charset="0"/>
-                <a:cs typeface="Times New Roman" panose="02020603050405020304" pitchFamily="18" charset="0"/>
-              </a:rPr>
-              <a:t>Цель и задачи выпускной квалификационной работы</a:t>
-            </a:r>
-            <a:endParaRPr lang="ru-RU" sz="3600" dirty="0">
-              <a:solidFill>
-                <a:srgbClr val="0070C0"/>
-              </a:solidFill>
-              <a:latin typeface="Times New Roman" panose="02020603050405020304" pitchFamily="18" charset="0"/>
-              <a:cs typeface="Times New Roman" panose="02020603050405020304" pitchFamily="18" charset="0"/>
-            </a:endParaRPr>
-          </a:p>
-        </p:txBody>
-      </p:sp>
-      <p:sp>
-        <p:nvSpPr>
           <p:cNvPr id="4" name="Номер слайда 3"/>
           <p:cNvSpPr>
             <a:spLocks noGrp="1"/>
@@ -3623,1617 +3591,7 @@
           <a:p>
             <a:fld id="{8AF177A2-331A-49A6-919F-173C51BBA4D7}" type="slidenum">
               <a:rPr lang="ru-RU" smtClean="0"/>
-              <a:t>2</a:t>
-            </a:fld>
-            <a:endParaRPr lang="ru-RU"/>
-          </a:p>
-        </p:txBody>
-      </p:sp>
-      <p:sp>
-        <p:nvSpPr>
-          <p:cNvPr id="5" name="Стрелка вправо 4"/>
-          <p:cNvSpPr/>
-          <p:nvPr/>
-        </p:nvSpPr>
-        <p:spPr>
-          <a:xfrm>
-            <a:off x="957982" y="1259918"/>
-            <a:ext cx="2201213" cy="1345170"/>
-          </a:xfrm>
-          <a:prstGeom prst="rightArrow">
-            <a:avLst/>
-          </a:prstGeom>
-        </p:spPr>
-        <p:style>
-          <a:lnRef idx="2">
-            <a:schemeClr val="accent1">
-              <a:shade val="50000"/>
-            </a:schemeClr>
-          </a:lnRef>
-          <a:fillRef idx="1">
-            <a:schemeClr val="accent1"/>
-          </a:fillRef>
-          <a:effectRef idx="0">
-            <a:schemeClr val="accent1"/>
-          </a:effectRef>
-          <a:fontRef idx="minor">
-            <a:schemeClr val="lt1"/>
-          </a:fontRef>
-        </p:style>
-        <p:txBody>
-          <a:bodyPr rtlCol="0" anchor="ctr"/>
-          <a:lstStyle/>
-          <a:p>
-            <a:pPr algn="ctr"/>
-            <a:r>
-              <a:rPr lang="ru-RU" sz="2400" dirty="0" smtClean="0">
-                <a:solidFill>
-                  <a:schemeClr val="tx1"/>
-                </a:solidFill>
-                <a:latin typeface="Times New Roman" panose="02020603050405020304" pitchFamily="18" charset="0"/>
-                <a:cs typeface="Times New Roman" panose="02020603050405020304" pitchFamily="18" charset="0"/>
-              </a:rPr>
-              <a:t>Цель</a:t>
-            </a:r>
-            <a:endParaRPr lang="ru-RU" sz="2400" dirty="0">
-              <a:solidFill>
-                <a:schemeClr val="tx1"/>
-              </a:solidFill>
-              <a:latin typeface="Times New Roman" panose="02020603050405020304" pitchFamily="18" charset="0"/>
-              <a:cs typeface="Times New Roman" panose="02020603050405020304" pitchFamily="18" charset="0"/>
-            </a:endParaRPr>
-          </a:p>
-        </p:txBody>
-      </p:sp>
-      <p:sp>
-        <p:nvSpPr>
-          <p:cNvPr id="6" name="Скругленный прямоугольник 5"/>
-          <p:cNvSpPr/>
-          <p:nvPr/>
-        </p:nvSpPr>
-        <p:spPr>
-          <a:xfrm>
-            <a:off x="3304736" y="1443105"/>
-            <a:ext cx="7251882" cy="978795"/>
-          </a:xfrm>
-          <a:prstGeom prst="roundRect">
-            <a:avLst/>
-          </a:prstGeom>
-          <a:solidFill>
-            <a:schemeClr val="bg1"/>
-          </a:solidFill>
-          <a:ln>
-            <a:solidFill>
-              <a:srgbClr val="0070C0"/>
-            </a:solidFill>
-          </a:ln>
-        </p:spPr>
-        <p:style>
-          <a:lnRef idx="2">
-            <a:schemeClr val="accent1">
-              <a:shade val="50000"/>
-            </a:schemeClr>
-          </a:lnRef>
-          <a:fillRef idx="1">
-            <a:schemeClr val="accent1"/>
-          </a:fillRef>
-          <a:effectRef idx="0">
-            <a:schemeClr val="accent1"/>
-          </a:effectRef>
-          <a:fontRef idx="minor">
-            <a:schemeClr val="lt1"/>
-          </a:fontRef>
-        </p:style>
-        <p:txBody>
-          <a:bodyPr rtlCol="0" anchor="ctr"/>
-          <a:lstStyle/>
-          <a:p>
-            <a:pPr algn="ctr"/>
-            <a:r>
-              <a:rPr lang="ru-RU" sz="2800" dirty="0" smtClean="0">
-                <a:ln w="0"/>
-                <a:solidFill>
-                  <a:schemeClr val="tx1"/>
-                </a:solidFill>
-                <a:latin typeface="Times New Roman" panose="02020603050405020304" pitchFamily="18" charset="0"/>
-                <a:cs typeface="Times New Roman" panose="02020603050405020304" pitchFamily="18" charset="0"/>
-              </a:rPr>
-              <a:t>Разработка </a:t>
-            </a:r>
-            <a:r>
-              <a:rPr lang="ru-RU" sz="2800" dirty="0" err="1" smtClean="0">
-                <a:ln w="0"/>
-                <a:solidFill>
-                  <a:schemeClr val="tx1"/>
-                </a:solidFill>
-                <a:latin typeface="Times New Roman" panose="02020603050405020304" pitchFamily="18" charset="0"/>
-                <a:cs typeface="Times New Roman" panose="02020603050405020304" pitchFamily="18" charset="0"/>
-              </a:rPr>
-              <a:t>графовой</a:t>
-            </a:r>
-            <a:r>
-              <a:rPr lang="ru-RU" sz="2800" dirty="0" smtClean="0">
-                <a:ln w="0"/>
-                <a:solidFill>
-                  <a:schemeClr val="tx1"/>
-                </a:solidFill>
-                <a:latin typeface="Times New Roman" panose="02020603050405020304" pitchFamily="18" charset="0"/>
-                <a:cs typeface="Times New Roman" panose="02020603050405020304" pitchFamily="18" charset="0"/>
-              </a:rPr>
-              <a:t> базы данных для системы управления проектами</a:t>
-            </a:r>
-            <a:endParaRPr lang="ru-RU" sz="2800" dirty="0">
-              <a:ln w="0"/>
-              <a:solidFill>
-                <a:schemeClr val="tx1"/>
-              </a:solidFill>
-              <a:latin typeface="Times New Roman" panose="02020603050405020304" pitchFamily="18" charset="0"/>
-              <a:cs typeface="Times New Roman" panose="02020603050405020304" pitchFamily="18" charset="0"/>
-            </a:endParaRPr>
-          </a:p>
-        </p:txBody>
-      </p:sp>
-      <p:sp>
-        <p:nvSpPr>
-          <p:cNvPr id="7" name="Стрелка вниз 6"/>
-          <p:cNvSpPr/>
-          <p:nvPr/>
-        </p:nvSpPr>
-        <p:spPr>
-          <a:xfrm>
-            <a:off x="5211347" y="2605088"/>
-            <a:ext cx="3438659" cy="685174"/>
-          </a:xfrm>
-          <a:prstGeom prst="downArrow">
-            <a:avLst/>
-          </a:prstGeom>
-        </p:spPr>
-        <p:style>
-          <a:lnRef idx="2">
-            <a:schemeClr val="accent1">
-              <a:shade val="50000"/>
-            </a:schemeClr>
-          </a:lnRef>
-          <a:fillRef idx="1">
-            <a:schemeClr val="accent1"/>
-          </a:fillRef>
-          <a:effectRef idx="0">
-            <a:schemeClr val="accent1"/>
-          </a:effectRef>
-          <a:fontRef idx="minor">
-            <a:schemeClr val="lt1"/>
-          </a:fontRef>
-        </p:style>
-        <p:txBody>
-          <a:bodyPr rtlCol="0" anchor="ctr"/>
-          <a:lstStyle/>
-          <a:p>
-            <a:pPr algn="ctr"/>
-            <a:r>
-              <a:rPr lang="ru-RU" sz="2400" dirty="0" smtClean="0">
-                <a:solidFill>
-                  <a:schemeClr val="tx1"/>
-                </a:solidFill>
-                <a:latin typeface="Times New Roman" panose="02020603050405020304" pitchFamily="18" charset="0"/>
-                <a:cs typeface="Times New Roman" panose="02020603050405020304" pitchFamily="18" charset="0"/>
-              </a:rPr>
-              <a:t>Задачи</a:t>
-            </a:r>
-            <a:endParaRPr lang="ru-RU" sz="2400" dirty="0">
-              <a:solidFill>
-                <a:schemeClr val="tx1"/>
-              </a:solidFill>
-              <a:latin typeface="Times New Roman" panose="02020603050405020304" pitchFamily="18" charset="0"/>
-              <a:cs typeface="Times New Roman" panose="02020603050405020304" pitchFamily="18" charset="0"/>
-            </a:endParaRPr>
-          </a:p>
-        </p:txBody>
-      </p:sp>
-      <p:sp>
-        <p:nvSpPr>
-          <p:cNvPr id="8" name="Скругленный прямоугольник 7"/>
-          <p:cNvSpPr/>
-          <p:nvPr/>
-        </p:nvSpPr>
-        <p:spPr>
-          <a:xfrm>
-            <a:off x="2734845" y="3473450"/>
-            <a:ext cx="8391661" cy="2882899"/>
-          </a:xfrm>
-          <a:prstGeom prst="roundRect">
-            <a:avLst/>
-          </a:prstGeom>
-          <a:solidFill>
-            <a:schemeClr val="bg1"/>
-          </a:solidFill>
-          <a:ln>
-            <a:solidFill>
-              <a:srgbClr val="0070C0"/>
-            </a:solidFill>
-          </a:ln>
-        </p:spPr>
-        <p:style>
-          <a:lnRef idx="2">
-            <a:schemeClr val="accent1">
-              <a:shade val="50000"/>
-            </a:schemeClr>
-          </a:lnRef>
-          <a:fillRef idx="1">
-            <a:schemeClr val="accent1"/>
-          </a:fillRef>
-          <a:effectRef idx="0">
-            <a:schemeClr val="accent1"/>
-          </a:effectRef>
-          <a:fontRef idx="minor">
-            <a:schemeClr val="lt1"/>
-          </a:fontRef>
-        </p:style>
-        <p:txBody>
-          <a:bodyPr rtlCol="0" anchor="ctr"/>
-          <a:lstStyle/>
-          <a:p>
-            <a:pPr marL="342900" indent="-342900">
-              <a:buFont typeface="+mj-lt"/>
-              <a:buAutoNum type="arabicPeriod"/>
-            </a:pPr>
-            <a:r>
-              <a:rPr lang="ru-RU" sz="2000" dirty="0" smtClean="0">
-                <a:solidFill>
-                  <a:schemeClr val="tx1"/>
-                </a:solidFill>
-                <a:latin typeface="Times New Roman" panose="02020603050405020304" pitchFamily="18" charset="0"/>
-                <a:cs typeface="Times New Roman" panose="02020603050405020304" pitchFamily="18" charset="0"/>
-              </a:rPr>
-              <a:t>Разработка </a:t>
-            </a:r>
-            <a:r>
-              <a:rPr lang="ru-RU" sz="2000" dirty="0" err="1" smtClean="0">
-                <a:solidFill>
-                  <a:schemeClr val="tx1"/>
-                </a:solidFill>
-                <a:latin typeface="Times New Roman" panose="02020603050405020304" pitchFamily="18" charset="0"/>
-                <a:cs typeface="Times New Roman" panose="02020603050405020304" pitchFamily="18" charset="0"/>
-              </a:rPr>
-              <a:t>графовой</a:t>
-            </a:r>
-            <a:r>
-              <a:rPr lang="ru-RU" sz="2000" dirty="0" smtClean="0">
-                <a:solidFill>
-                  <a:schemeClr val="tx1"/>
-                </a:solidFill>
-                <a:latin typeface="Times New Roman" panose="02020603050405020304" pitchFamily="18" charset="0"/>
-                <a:cs typeface="Times New Roman" panose="02020603050405020304" pitchFamily="18" charset="0"/>
-              </a:rPr>
-              <a:t> модели данных для системы управления проектами с целью интеграции данных о проектах из существующих систем;</a:t>
-            </a:r>
-          </a:p>
-          <a:p>
-            <a:pPr marL="342900" indent="-342900">
-              <a:buFont typeface="+mj-lt"/>
-              <a:buAutoNum type="arabicPeriod"/>
-            </a:pPr>
-            <a:r>
-              <a:rPr lang="ru-RU" sz="2000" dirty="0" smtClean="0">
-                <a:solidFill>
-                  <a:schemeClr val="tx1"/>
-                </a:solidFill>
-                <a:latin typeface="Times New Roman" panose="02020603050405020304" pitchFamily="18" charset="0"/>
-                <a:cs typeface="Times New Roman" panose="02020603050405020304" pitchFamily="18" charset="0"/>
-              </a:rPr>
-              <a:t>Создание тестовых скриптов для заполнения </a:t>
-            </a:r>
-            <a:r>
-              <a:rPr lang="ru-RU" sz="2000" dirty="0" err="1" smtClean="0">
-                <a:solidFill>
-                  <a:schemeClr val="tx1"/>
-                </a:solidFill>
-                <a:latin typeface="Times New Roman" panose="02020603050405020304" pitchFamily="18" charset="0"/>
-                <a:cs typeface="Times New Roman" panose="02020603050405020304" pitchFamily="18" charset="0"/>
-              </a:rPr>
-              <a:t>графовой</a:t>
-            </a:r>
-            <a:r>
-              <a:rPr lang="ru-RU" sz="2000" dirty="0" smtClean="0">
-                <a:solidFill>
-                  <a:schemeClr val="tx1"/>
-                </a:solidFill>
-                <a:latin typeface="Times New Roman" panose="02020603050405020304" pitchFamily="18" charset="0"/>
-                <a:cs typeface="Times New Roman" panose="02020603050405020304" pitchFamily="18" charset="0"/>
-              </a:rPr>
-              <a:t> базы данных;</a:t>
-            </a:r>
-          </a:p>
-          <a:p>
-            <a:pPr marL="342900" indent="-342900">
-              <a:buFont typeface="+mj-lt"/>
-              <a:buAutoNum type="arabicPeriod"/>
-            </a:pPr>
-            <a:r>
-              <a:rPr lang="ru-RU" sz="2000" dirty="0" smtClean="0">
-                <a:solidFill>
-                  <a:schemeClr val="tx1"/>
-                </a:solidFill>
-                <a:latin typeface="Times New Roman" panose="02020603050405020304" pitchFamily="18" charset="0"/>
-                <a:cs typeface="Times New Roman" panose="02020603050405020304" pitchFamily="18" charset="0"/>
-              </a:rPr>
-              <a:t>Создание запросов для извлечения информации о проектах с целью проверки работоспособности разработанной модели;</a:t>
-            </a:r>
-          </a:p>
-          <a:p>
-            <a:pPr marL="342900" indent="-342900">
-              <a:buFont typeface="+mj-lt"/>
-              <a:buAutoNum type="arabicPeriod"/>
-            </a:pPr>
-            <a:r>
-              <a:rPr lang="ru-RU" sz="2000" dirty="0" smtClean="0">
-                <a:solidFill>
-                  <a:schemeClr val="tx1"/>
-                </a:solidFill>
-                <a:latin typeface="Times New Roman" panose="02020603050405020304" pitchFamily="18" charset="0"/>
-                <a:cs typeface="Times New Roman" panose="02020603050405020304" pitchFamily="18" charset="0"/>
-              </a:rPr>
-              <a:t>Уменьшение времени отклика на запросы пользователей интегрированной системы за счёт использования </a:t>
-            </a:r>
-            <a:r>
-              <a:rPr lang="ru-RU" sz="2000" dirty="0" err="1" smtClean="0">
-                <a:solidFill>
-                  <a:schemeClr val="tx1"/>
-                </a:solidFill>
-                <a:latin typeface="Times New Roman" panose="02020603050405020304" pitchFamily="18" charset="0"/>
-                <a:cs typeface="Times New Roman" panose="02020603050405020304" pitchFamily="18" charset="0"/>
-              </a:rPr>
-              <a:t>графовой</a:t>
-            </a:r>
-            <a:r>
-              <a:rPr lang="ru-RU" sz="2000" dirty="0" smtClean="0">
-                <a:solidFill>
-                  <a:schemeClr val="tx1"/>
-                </a:solidFill>
-                <a:latin typeface="Times New Roman" panose="02020603050405020304" pitchFamily="18" charset="0"/>
-                <a:cs typeface="Times New Roman" panose="02020603050405020304" pitchFamily="18" charset="0"/>
-              </a:rPr>
-              <a:t> СУБД </a:t>
-            </a:r>
-            <a:r>
-              <a:rPr lang="en-US" sz="2000" dirty="0" smtClean="0">
-                <a:solidFill>
-                  <a:schemeClr val="tx1"/>
-                </a:solidFill>
-                <a:latin typeface="Times New Roman" panose="02020603050405020304" pitchFamily="18" charset="0"/>
-                <a:cs typeface="Times New Roman" panose="02020603050405020304" pitchFamily="18" charset="0"/>
-              </a:rPr>
-              <a:t>Neo4j.</a:t>
-            </a:r>
-          </a:p>
-        </p:txBody>
-      </p:sp>
-      <p:pic>
-        <p:nvPicPr>
-          <p:cNvPr id="10" name="Рисунок 9"/>
-          <p:cNvPicPr>
-            <a:picLocks noChangeAspect="1"/>
-          </p:cNvPicPr>
-          <p:nvPr/>
-        </p:nvPicPr>
-        <p:blipFill>
-          <a:blip r:embed="rId2">
-            <a:extLst>
-              <a:ext uri="{28A0092B-C50C-407E-A947-70E740481C1C}">
-                <a14:useLocalDpi xmlns:a14="http://schemas.microsoft.com/office/drawing/2010/main" val="0"/>
-              </a:ext>
-            </a:extLst>
-          </a:blip>
-          <a:stretch>
-            <a:fillRect/>
-          </a:stretch>
-        </p:blipFill>
-        <p:spPr>
-          <a:xfrm>
-            <a:off x="291981" y="3683068"/>
-            <a:ext cx="2215570" cy="2362297"/>
-          </a:xfrm>
-          <a:prstGeom prst="rect">
-            <a:avLst/>
-          </a:prstGeom>
-        </p:spPr>
-      </p:pic>
-    </p:spTree>
-    <p:extLst>
-      <p:ext uri="{BB962C8B-B14F-4D97-AF65-F5344CB8AC3E}">
-        <p14:creationId xmlns:p14="http://schemas.microsoft.com/office/powerpoint/2010/main" val="3534738465"/>
-      </p:ext>
-    </p:extLst>
-  </p:cSld>
-  <p:clrMapOvr>
-    <a:masterClrMapping/>
-  </p:clrMapOvr>
-  <p:timing>
-    <p:tnLst>
-      <p:par>
-        <p:cTn id="1" dur="indefinite" restart="never" nodeType="tmRoot">
-          <p:childTnLst>
-            <p:seq concurrent="1" nextAc="seek">
-              <p:cTn id="2" dur="indefinite" nodeType="mainSeq">
-                <p:childTnLst>
-                  <p:par>
-                    <p:cTn id="3" fill="hold">
-                      <p:stCondLst>
-                        <p:cond delay="indefinite"/>
-                      </p:stCondLst>
-                      <p:childTnLst>
-                        <p:par>
-                          <p:cTn id="4" fill="hold">
-                            <p:stCondLst>
-                              <p:cond delay="0"/>
-                            </p:stCondLst>
-                            <p:childTnLst>
-                              <p:par>
-                                <p:cTn id="5" presetID="53" presetClass="entr" presetSubtype="16" fill="hold" grpId="0" nodeType="clickEffect">
-                                  <p:stCondLst>
-                                    <p:cond delay="0"/>
-                                  </p:stCondLst>
-                                  <p:childTnLst>
-                                    <p:set>
-                                      <p:cBhvr>
-                                        <p:cTn id="6" dur="1" fill="hold">
-                                          <p:stCondLst>
-                                            <p:cond delay="0"/>
-                                          </p:stCondLst>
-                                        </p:cTn>
-                                        <p:tgtEl>
-                                          <p:spTgt spid="5"/>
-                                        </p:tgtEl>
-                                        <p:attrNameLst>
-                                          <p:attrName>style.visibility</p:attrName>
-                                        </p:attrNameLst>
-                                      </p:cBhvr>
-                                      <p:to>
-                                        <p:strVal val="visible"/>
-                                      </p:to>
-                                    </p:set>
-                                    <p:anim calcmode="lin" valueType="num">
-                                      <p:cBhvr>
-                                        <p:cTn id="7" dur="1000" fill="hold"/>
-                                        <p:tgtEl>
-                                          <p:spTgt spid="5"/>
-                                        </p:tgtEl>
-                                        <p:attrNameLst>
-                                          <p:attrName>ppt_w</p:attrName>
-                                        </p:attrNameLst>
-                                      </p:cBhvr>
-                                      <p:tavLst>
-                                        <p:tav tm="0">
-                                          <p:val>
-                                            <p:fltVal val="0"/>
-                                          </p:val>
-                                        </p:tav>
-                                        <p:tav tm="100000">
-                                          <p:val>
-                                            <p:strVal val="#ppt_w"/>
-                                          </p:val>
-                                        </p:tav>
-                                      </p:tavLst>
-                                    </p:anim>
-                                    <p:anim calcmode="lin" valueType="num">
-                                      <p:cBhvr>
-                                        <p:cTn id="8" dur="1000" fill="hold"/>
-                                        <p:tgtEl>
-                                          <p:spTgt spid="5"/>
-                                        </p:tgtEl>
-                                        <p:attrNameLst>
-                                          <p:attrName>ppt_h</p:attrName>
-                                        </p:attrNameLst>
-                                      </p:cBhvr>
-                                      <p:tavLst>
-                                        <p:tav tm="0">
-                                          <p:val>
-                                            <p:fltVal val="0"/>
-                                          </p:val>
-                                        </p:tav>
-                                        <p:tav tm="100000">
-                                          <p:val>
-                                            <p:strVal val="#ppt_h"/>
-                                          </p:val>
-                                        </p:tav>
-                                      </p:tavLst>
-                                    </p:anim>
-                                    <p:animEffect transition="in" filter="fade">
-                                      <p:cBhvr>
-                                        <p:cTn id="9" dur="1000"/>
-                                        <p:tgtEl>
-                                          <p:spTgt spid="5"/>
-                                        </p:tgtEl>
-                                      </p:cBhvr>
-                                    </p:animEffect>
-                                  </p:childTnLst>
-                                </p:cTn>
-                              </p:par>
-                              <p:par>
-                                <p:cTn id="10" presetID="53" presetClass="entr" presetSubtype="16" fill="hold" grpId="0" nodeType="withEffect">
-                                  <p:stCondLst>
-                                    <p:cond delay="0"/>
-                                  </p:stCondLst>
-                                  <p:childTnLst>
-                                    <p:set>
-                                      <p:cBhvr>
-                                        <p:cTn id="11" dur="1" fill="hold">
-                                          <p:stCondLst>
-                                            <p:cond delay="0"/>
-                                          </p:stCondLst>
-                                        </p:cTn>
-                                        <p:tgtEl>
-                                          <p:spTgt spid="6"/>
-                                        </p:tgtEl>
-                                        <p:attrNameLst>
-                                          <p:attrName>style.visibility</p:attrName>
-                                        </p:attrNameLst>
-                                      </p:cBhvr>
-                                      <p:to>
-                                        <p:strVal val="visible"/>
-                                      </p:to>
-                                    </p:set>
-                                    <p:anim calcmode="lin" valueType="num">
-                                      <p:cBhvr>
-                                        <p:cTn id="12" dur="1000" fill="hold"/>
-                                        <p:tgtEl>
-                                          <p:spTgt spid="6"/>
-                                        </p:tgtEl>
-                                        <p:attrNameLst>
-                                          <p:attrName>ppt_w</p:attrName>
-                                        </p:attrNameLst>
-                                      </p:cBhvr>
-                                      <p:tavLst>
-                                        <p:tav tm="0">
-                                          <p:val>
-                                            <p:fltVal val="0"/>
-                                          </p:val>
-                                        </p:tav>
-                                        <p:tav tm="100000">
-                                          <p:val>
-                                            <p:strVal val="#ppt_w"/>
-                                          </p:val>
-                                        </p:tav>
-                                      </p:tavLst>
-                                    </p:anim>
-                                    <p:anim calcmode="lin" valueType="num">
-                                      <p:cBhvr>
-                                        <p:cTn id="13" dur="1000" fill="hold"/>
-                                        <p:tgtEl>
-                                          <p:spTgt spid="6"/>
-                                        </p:tgtEl>
-                                        <p:attrNameLst>
-                                          <p:attrName>ppt_h</p:attrName>
-                                        </p:attrNameLst>
-                                      </p:cBhvr>
-                                      <p:tavLst>
-                                        <p:tav tm="0">
-                                          <p:val>
-                                            <p:fltVal val="0"/>
-                                          </p:val>
-                                        </p:tav>
-                                        <p:tav tm="100000">
-                                          <p:val>
-                                            <p:strVal val="#ppt_h"/>
-                                          </p:val>
-                                        </p:tav>
-                                      </p:tavLst>
-                                    </p:anim>
-                                    <p:animEffect transition="in" filter="fade">
-                                      <p:cBhvr>
-                                        <p:cTn id="14" dur="1000"/>
-                                        <p:tgtEl>
-                                          <p:spTgt spid="6"/>
-                                        </p:tgtEl>
-                                      </p:cBhvr>
-                                    </p:animEffect>
-                                  </p:childTnLst>
-                                </p:cTn>
-                              </p:par>
-                            </p:childTnLst>
-                          </p:cTn>
-                        </p:par>
-                      </p:childTnLst>
-                    </p:cTn>
-                  </p:par>
-                  <p:par>
-                    <p:cTn id="15" fill="hold">
-                      <p:stCondLst>
-                        <p:cond delay="indefinite"/>
-                      </p:stCondLst>
-                      <p:childTnLst>
-                        <p:par>
-                          <p:cTn id="16" fill="hold">
-                            <p:stCondLst>
-                              <p:cond delay="0"/>
-                            </p:stCondLst>
-                            <p:childTnLst>
-                              <p:par>
-                                <p:cTn id="17" presetID="42" presetClass="entr" presetSubtype="0" fill="hold" grpId="0" nodeType="clickEffect">
-                                  <p:stCondLst>
-                                    <p:cond delay="0"/>
-                                  </p:stCondLst>
-                                  <p:childTnLst>
-                                    <p:set>
-                                      <p:cBhvr>
-                                        <p:cTn id="18" dur="1" fill="hold">
-                                          <p:stCondLst>
-                                            <p:cond delay="0"/>
-                                          </p:stCondLst>
-                                        </p:cTn>
-                                        <p:tgtEl>
-                                          <p:spTgt spid="7"/>
-                                        </p:tgtEl>
-                                        <p:attrNameLst>
-                                          <p:attrName>style.visibility</p:attrName>
-                                        </p:attrNameLst>
-                                      </p:cBhvr>
-                                      <p:to>
-                                        <p:strVal val="visible"/>
-                                      </p:to>
-                                    </p:set>
-                                    <p:animEffect transition="in" filter="fade">
-                                      <p:cBhvr>
-                                        <p:cTn id="19" dur="1000"/>
-                                        <p:tgtEl>
-                                          <p:spTgt spid="7"/>
-                                        </p:tgtEl>
-                                      </p:cBhvr>
-                                    </p:animEffect>
-                                    <p:anim calcmode="lin" valueType="num">
-                                      <p:cBhvr>
-                                        <p:cTn id="20" dur="1000" fill="hold"/>
-                                        <p:tgtEl>
-                                          <p:spTgt spid="7"/>
-                                        </p:tgtEl>
-                                        <p:attrNameLst>
-                                          <p:attrName>ppt_x</p:attrName>
-                                        </p:attrNameLst>
-                                      </p:cBhvr>
-                                      <p:tavLst>
-                                        <p:tav tm="0">
-                                          <p:val>
-                                            <p:strVal val="#ppt_x"/>
-                                          </p:val>
-                                        </p:tav>
-                                        <p:tav tm="100000">
-                                          <p:val>
-                                            <p:strVal val="#ppt_x"/>
-                                          </p:val>
-                                        </p:tav>
-                                      </p:tavLst>
-                                    </p:anim>
-                                    <p:anim calcmode="lin" valueType="num">
-                                      <p:cBhvr>
-                                        <p:cTn id="21" dur="1000" fill="hold"/>
-                                        <p:tgtEl>
-                                          <p:spTgt spid="7"/>
-                                        </p:tgtEl>
-                                        <p:attrNameLst>
-                                          <p:attrName>ppt_y</p:attrName>
-                                        </p:attrNameLst>
-                                      </p:cBhvr>
-                                      <p:tavLst>
-                                        <p:tav tm="0">
-                                          <p:val>
-                                            <p:strVal val="#ppt_y+.1"/>
-                                          </p:val>
-                                        </p:tav>
-                                        <p:tav tm="100000">
-                                          <p:val>
-                                            <p:strVal val="#ppt_y"/>
-                                          </p:val>
-                                        </p:tav>
-                                      </p:tavLst>
-                                    </p:anim>
-                                  </p:childTnLst>
-                                </p:cTn>
-                              </p:par>
-                              <p:par>
-                                <p:cTn id="22" presetID="42" presetClass="entr" presetSubtype="0" fill="hold" grpId="0" nodeType="withEffect">
-                                  <p:stCondLst>
-                                    <p:cond delay="0"/>
-                                  </p:stCondLst>
-                                  <p:childTnLst>
-                                    <p:set>
-                                      <p:cBhvr>
-                                        <p:cTn id="23" dur="1" fill="hold">
-                                          <p:stCondLst>
-                                            <p:cond delay="0"/>
-                                          </p:stCondLst>
-                                        </p:cTn>
-                                        <p:tgtEl>
-                                          <p:spTgt spid="8"/>
-                                        </p:tgtEl>
-                                        <p:attrNameLst>
-                                          <p:attrName>style.visibility</p:attrName>
-                                        </p:attrNameLst>
-                                      </p:cBhvr>
-                                      <p:to>
-                                        <p:strVal val="visible"/>
-                                      </p:to>
-                                    </p:set>
-                                    <p:animEffect transition="in" filter="fade">
-                                      <p:cBhvr>
-                                        <p:cTn id="24" dur="1000"/>
-                                        <p:tgtEl>
-                                          <p:spTgt spid="8"/>
-                                        </p:tgtEl>
-                                      </p:cBhvr>
-                                    </p:animEffect>
-                                    <p:anim calcmode="lin" valueType="num">
-                                      <p:cBhvr>
-                                        <p:cTn id="25" dur="1000" fill="hold"/>
-                                        <p:tgtEl>
-                                          <p:spTgt spid="8"/>
-                                        </p:tgtEl>
-                                        <p:attrNameLst>
-                                          <p:attrName>ppt_x</p:attrName>
-                                        </p:attrNameLst>
-                                      </p:cBhvr>
-                                      <p:tavLst>
-                                        <p:tav tm="0">
-                                          <p:val>
-                                            <p:strVal val="#ppt_x"/>
-                                          </p:val>
-                                        </p:tav>
-                                        <p:tav tm="100000">
-                                          <p:val>
-                                            <p:strVal val="#ppt_x"/>
-                                          </p:val>
-                                        </p:tav>
-                                      </p:tavLst>
-                                    </p:anim>
-                                    <p:anim calcmode="lin" valueType="num">
-                                      <p:cBhvr>
-                                        <p:cTn id="26" dur="1000" fill="hold"/>
-                                        <p:tgtEl>
-                                          <p:spTgt spid="8"/>
-                                        </p:tgtEl>
-                                        <p:attrNameLst>
-                                          <p:attrName>ppt_y</p:attrName>
-                                        </p:attrNameLst>
-                                      </p:cBhvr>
-                                      <p:tavLst>
-                                        <p:tav tm="0">
-                                          <p:val>
-                                            <p:strVal val="#ppt_y+.1"/>
-                                          </p:val>
-                                        </p:tav>
-                                        <p:tav tm="100000">
-                                          <p:val>
-                                            <p:strVal val="#ppt_y"/>
-                                          </p:val>
-                                        </p:tav>
-                                      </p:tavLst>
-                                    </p:anim>
-                                  </p:childTnLst>
-                                </p:cTn>
-                              </p:par>
-                            </p:childTnLst>
-                          </p:cTn>
-                        </p:par>
-                      </p:childTnLst>
-                    </p:cTn>
-                  </p:par>
-                </p:childTnLst>
-              </p:cTn>
-              <p:prevCondLst>
-                <p:cond evt="onPrev" delay="0">
-                  <p:tgtEl>
-                    <p:sldTgt/>
-                  </p:tgtEl>
-                </p:cond>
-              </p:prevCondLst>
-              <p:nextCondLst>
-                <p:cond evt="onNext" delay="0">
-                  <p:tgtEl>
-                    <p:sldTgt/>
-                  </p:tgtEl>
-                </p:cond>
-              </p:nextCondLst>
-            </p:seq>
-          </p:childTnLst>
-        </p:cTn>
-      </p:par>
-    </p:tnLst>
-    <p:bldLst>
-      <p:bldP spid="5" grpId="0" animBg="1"/>
-      <p:bldP spid="6" grpId="0" animBg="1"/>
-      <p:bldP spid="7" grpId="0" animBg="1"/>
-      <p:bldP spid="8" grpId="0" animBg="1"/>
-    </p:bldLst>
-  </p:timing>
-</p:sld>
-</file>
-
-<file path=ppt/slides/slide3.xml><?xml version="1.0" encoding="utf-8"?>
-<p:sld xmlns:a="http://schemas.openxmlformats.org/drawingml/2006/main" xmlns:r="http://schemas.openxmlformats.org/officeDocument/2006/relationships" xmlns:p="http://schemas.openxmlformats.org/presentationml/2006/main">
-  <p:cSld>
-    <p:spTree>
-      <p:nvGrpSpPr>
-        <p:cNvPr id="1" name=""/>
-        <p:cNvGrpSpPr/>
-        <p:nvPr/>
-      </p:nvGrpSpPr>
-      <p:grpSpPr>
-        <a:xfrm>
-          <a:off x="0" y="0"/>
-          <a:ext cx="0" cy="0"/>
-          <a:chOff x="0" y="0"/>
-          <a:chExt cx="0" cy="0"/>
-        </a:xfrm>
-      </p:grpSpPr>
-      <p:sp>
-        <p:nvSpPr>
-          <p:cNvPr id="2" name="Номер слайда 1"/>
-          <p:cNvSpPr>
-            <a:spLocks noGrp="1"/>
-          </p:cNvSpPr>
-          <p:nvPr>
-            <p:ph type="sldNum" sz="quarter" idx="12"/>
-          </p:nvPr>
-        </p:nvSpPr>
-        <p:spPr/>
-        <p:txBody>
-          <a:bodyPr/>
-          <a:lstStyle/>
-          <a:p>
-            <a:fld id="{8AF177A2-331A-49A6-919F-173C51BBA4D7}" type="slidenum">
-              <a:rPr lang="ru-RU" smtClean="0"/>
-              <a:t>3</a:t>
-            </a:fld>
-            <a:endParaRPr lang="ru-RU"/>
-          </a:p>
-        </p:txBody>
-      </p:sp>
-      <p:sp>
-        <p:nvSpPr>
-          <p:cNvPr id="3" name="Заголовок 1"/>
-          <p:cNvSpPr txBox="1">
-            <a:spLocks/>
-          </p:cNvSpPr>
-          <p:nvPr/>
-        </p:nvSpPr>
-        <p:spPr>
-          <a:xfrm>
-            <a:off x="812441" y="476518"/>
-            <a:ext cx="10701271" cy="966587"/>
-          </a:xfrm>
-          <a:prstGeom prst="rect">
-            <a:avLst/>
-          </a:prstGeom>
-        </p:spPr>
-        <p:txBody>
-          <a:bodyPr>
-            <a:normAutofit/>
-          </a:bodyPr>
-          <a:lstStyle>
-            <a:lvl1pPr algn="l" defTabSz="914400" rtl="0" eaLnBrk="1" latinLnBrk="0" hangingPunct="1">
-              <a:lnSpc>
-                <a:spcPct val="90000"/>
-              </a:lnSpc>
-              <a:spcBef>
-                <a:spcPct val="0"/>
-              </a:spcBef>
-              <a:buNone/>
-              <a:defRPr sz="4400" kern="1200">
-                <a:solidFill>
-                  <a:schemeClr val="tx1"/>
-                </a:solidFill>
-                <a:latin typeface="+mj-lt"/>
-                <a:ea typeface="+mj-ea"/>
-                <a:cs typeface="+mj-cs"/>
-              </a:defRPr>
-            </a:lvl1pPr>
-          </a:lstStyle>
-          <a:p>
-            <a:pPr algn="ctr"/>
-            <a:r>
-              <a:rPr lang="ru-RU" sz="3600" dirty="0" smtClean="0">
-                <a:solidFill>
-                  <a:srgbClr val="0070C0"/>
-                </a:solidFill>
-                <a:latin typeface="Times New Roman" panose="02020603050405020304" pitchFamily="18" charset="0"/>
-                <a:cs typeface="Times New Roman" panose="02020603050405020304" pitchFamily="18" charset="0"/>
-              </a:rPr>
-              <a:t>Охрана труда</a:t>
-            </a:r>
-            <a:endParaRPr lang="ru-RU" sz="3600" dirty="0">
-              <a:solidFill>
-                <a:srgbClr val="0070C0"/>
-              </a:solidFill>
-              <a:latin typeface="Times New Roman" panose="02020603050405020304" pitchFamily="18" charset="0"/>
-              <a:cs typeface="Times New Roman" panose="02020603050405020304" pitchFamily="18" charset="0"/>
-            </a:endParaRPr>
-          </a:p>
-        </p:txBody>
-      </p:sp>
-      <p:pic>
-        <p:nvPicPr>
-          <p:cNvPr id="5" name="Рисунок 4"/>
-          <p:cNvPicPr>
-            <a:picLocks noChangeAspect="1"/>
-          </p:cNvPicPr>
-          <p:nvPr/>
-        </p:nvPicPr>
-        <p:blipFill>
-          <a:blip r:embed="rId2">
-            <a:extLst>
-              <a:ext uri="{28A0092B-C50C-407E-A947-70E740481C1C}">
-                <a14:useLocalDpi xmlns:a14="http://schemas.microsoft.com/office/drawing/2010/main" val="0"/>
-              </a:ext>
-            </a:extLst>
-          </a:blip>
-          <a:stretch>
-            <a:fillRect/>
-          </a:stretch>
-        </p:blipFill>
-        <p:spPr>
-          <a:xfrm>
-            <a:off x="10059473" y="476518"/>
-            <a:ext cx="1847517" cy="1847517"/>
-          </a:xfrm>
-          <a:prstGeom prst="rect">
-            <a:avLst/>
-          </a:prstGeom>
-        </p:spPr>
-      </p:pic>
-      <p:graphicFrame>
-        <p:nvGraphicFramePr>
-          <p:cNvPr id="7" name="Таблица 6"/>
-          <p:cNvGraphicFramePr>
-            <a:graphicFrameLocks noGrp="1"/>
-          </p:cNvGraphicFramePr>
-          <p:nvPr>
-            <p:extLst>
-              <p:ext uri="{D42A27DB-BD31-4B8C-83A1-F6EECF244321}">
-                <p14:modId xmlns:p14="http://schemas.microsoft.com/office/powerpoint/2010/main" val="2459899485"/>
-              </p:ext>
-            </p:extLst>
-          </p:nvPr>
-        </p:nvGraphicFramePr>
-        <p:xfrm>
-          <a:off x="892396" y="2452824"/>
-          <a:ext cx="10541359" cy="2458345"/>
-        </p:xfrm>
-        <a:graphic>
-          <a:graphicData uri="http://schemas.openxmlformats.org/drawingml/2006/table">
-            <a:tbl>
-              <a:tblPr firstRow="1" bandRow="1">
-                <a:tableStyleId>{5C22544A-7EE6-4342-B048-85BDC9FD1C3A}</a:tableStyleId>
-              </a:tblPr>
-              <a:tblGrid>
-                <a:gridCol w="4941261">
-                  <a:extLst>
-                    <a:ext uri="{9D8B030D-6E8A-4147-A177-3AD203B41FA5}">
-                      <a16:colId xmlns:a16="http://schemas.microsoft.com/office/drawing/2014/main" val="2344075321"/>
-                    </a:ext>
-                  </a:extLst>
-                </a:gridCol>
-                <a:gridCol w="2785074">
-                  <a:extLst>
-                    <a:ext uri="{9D8B030D-6E8A-4147-A177-3AD203B41FA5}">
-                      <a16:colId xmlns:a16="http://schemas.microsoft.com/office/drawing/2014/main" val="3613065358"/>
-                    </a:ext>
-                  </a:extLst>
-                </a:gridCol>
-                <a:gridCol w="2815024">
-                  <a:extLst>
-                    <a:ext uri="{9D8B030D-6E8A-4147-A177-3AD203B41FA5}">
-                      <a16:colId xmlns:a16="http://schemas.microsoft.com/office/drawing/2014/main" val="3996086893"/>
-                    </a:ext>
-                  </a:extLst>
-                </a:gridCol>
-              </a:tblGrid>
-              <a:tr h="491669">
-                <a:tc>
-                  <a:txBody>
-                    <a:bodyPr/>
-                    <a:lstStyle/>
-                    <a:p>
-                      <a:pPr algn="ctr"/>
-                      <a:r>
-                        <a:rPr lang="ru-RU" sz="2400" dirty="0" smtClean="0">
-                          <a:latin typeface="Times New Roman" panose="02020603050405020304" pitchFamily="18" charset="0"/>
-                          <a:cs typeface="Times New Roman" panose="02020603050405020304" pitchFamily="18" charset="0"/>
-                        </a:rPr>
-                        <a:t>Название показателя</a:t>
-                      </a:r>
-                      <a:endParaRPr lang="ru-RU" sz="2400" dirty="0">
-                        <a:latin typeface="Times New Roman" panose="02020603050405020304" pitchFamily="18" charset="0"/>
-                        <a:cs typeface="Times New Roman" panose="02020603050405020304" pitchFamily="18" charset="0"/>
-                      </a:endParaRPr>
-                    </a:p>
-                  </a:txBody>
-                  <a:tcPr anchor="ctr"/>
-                </a:tc>
-                <a:tc>
-                  <a:txBody>
-                    <a:bodyPr/>
-                    <a:lstStyle/>
-                    <a:p>
-                      <a:pPr algn="ctr"/>
-                      <a:r>
-                        <a:rPr lang="ru-RU" sz="2400" dirty="0" smtClean="0">
-                          <a:latin typeface="Times New Roman" panose="02020603050405020304" pitchFamily="18" charset="0"/>
-                          <a:cs typeface="Times New Roman" panose="02020603050405020304" pitchFamily="18" charset="0"/>
-                        </a:rPr>
-                        <a:t>До разработки</a:t>
-                      </a:r>
-                      <a:endParaRPr lang="ru-RU" sz="2400" dirty="0">
-                        <a:latin typeface="Times New Roman" panose="02020603050405020304" pitchFamily="18" charset="0"/>
-                        <a:cs typeface="Times New Roman" panose="02020603050405020304" pitchFamily="18" charset="0"/>
-                      </a:endParaRPr>
-                    </a:p>
-                  </a:txBody>
-                  <a:tcPr anchor="ctr"/>
-                </a:tc>
-                <a:tc>
-                  <a:txBody>
-                    <a:bodyPr/>
-                    <a:lstStyle/>
-                    <a:p>
-                      <a:pPr algn="ctr"/>
-                      <a:r>
-                        <a:rPr lang="ru-RU" sz="2400" dirty="0" smtClean="0">
-                          <a:latin typeface="Times New Roman" panose="02020603050405020304" pitchFamily="18" charset="0"/>
-                          <a:cs typeface="Times New Roman" panose="02020603050405020304" pitchFamily="18" charset="0"/>
-                        </a:rPr>
-                        <a:t>После разработки</a:t>
-                      </a:r>
-                      <a:endParaRPr lang="ru-RU" sz="2400" dirty="0">
-                        <a:latin typeface="Times New Roman" panose="02020603050405020304" pitchFamily="18" charset="0"/>
-                        <a:cs typeface="Times New Roman" panose="02020603050405020304" pitchFamily="18" charset="0"/>
-                      </a:endParaRPr>
-                    </a:p>
-                  </a:txBody>
-                  <a:tcPr anchor="ctr"/>
-                </a:tc>
-                <a:extLst>
-                  <a:ext uri="{0D108BD9-81ED-4DB2-BD59-A6C34878D82A}">
-                    <a16:rowId xmlns:a16="http://schemas.microsoft.com/office/drawing/2014/main" val="809668968"/>
-                  </a:ext>
-                </a:extLst>
-              </a:tr>
-              <a:tr h="491669">
-                <a:tc>
-                  <a:txBody>
-                    <a:bodyPr/>
-                    <a:lstStyle/>
-                    <a:p>
-                      <a:pPr algn="ctr"/>
-                      <a:r>
-                        <a:rPr lang="ru-RU" sz="2000" b="0" kern="1200" dirty="0" smtClean="0">
-                          <a:solidFill>
-                            <a:schemeClr val="dk1"/>
-                          </a:solidFill>
-                          <a:effectLst/>
-                          <a:latin typeface="Times New Roman" panose="02020603050405020304" pitchFamily="18" charset="0"/>
-                          <a:ea typeface="+mn-ea"/>
-                          <a:cs typeface="Times New Roman" panose="02020603050405020304" pitchFamily="18" charset="0"/>
-                        </a:rPr>
-                        <a:t>Физическая динамическая нагрузка</a:t>
-                      </a:r>
-                      <a:endParaRPr lang="ru-RU" sz="2000" b="0" dirty="0">
-                        <a:effectLst/>
-                        <a:latin typeface="Times New Roman" panose="02020603050405020304" pitchFamily="18" charset="0"/>
-                        <a:cs typeface="Times New Roman" panose="02020603050405020304" pitchFamily="18" charset="0"/>
-                      </a:endParaRPr>
-                    </a:p>
-                  </a:txBody>
-                  <a:tcPr anchor="ctr"/>
-                </a:tc>
-                <a:tc>
-                  <a:txBody>
-                    <a:bodyPr/>
-                    <a:lstStyle/>
-                    <a:p>
-                      <a:pPr algn="ctr"/>
-                      <a:r>
-                        <a:rPr lang="ru-RU" sz="2000" b="1" dirty="0" smtClean="0">
-                          <a:latin typeface="Times New Roman" panose="02020603050405020304" pitchFamily="18" charset="0"/>
-                          <a:cs typeface="Times New Roman" panose="02020603050405020304" pitchFamily="18" charset="0"/>
-                        </a:rPr>
-                        <a:t>175</a:t>
-                      </a:r>
-                      <a:r>
-                        <a:rPr lang="ru-RU" sz="2000" dirty="0" smtClean="0">
-                          <a:latin typeface="Times New Roman" panose="02020603050405020304" pitchFamily="18" charset="0"/>
-                          <a:cs typeface="Times New Roman" panose="02020603050405020304" pitchFamily="18" charset="0"/>
-                        </a:rPr>
-                        <a:t> кг</a:t>
-                      </a:r>
-                      <a:endParaRPr lang="ru-RU" sz="2000" dirty="0">
-                        <a:latin typeface="Times New Roman" panose="02020603050405020304" pitchFamily="18" charset="0"/>
-                        <a:cs typeface="Times New Roman" panose="02020603050405020304" pitchFamily="18" charset="0"/>
-                      </a:endParaRPr>
-                    </a:p>
-                  </a:txBody>
-                  <a:tcPr anchor="ctr"/>
-                </a:tc>
-                <a:tc>
-                  <a:txBody>
-                    <a:bodyPr/>
-                    <a:lstStyle/>
-                    <a:p>
-                      <a:pPr algn="ctr"/>
-                      <a:r>
-                        <a:rPr lang="ru-RU" sz="2000" b="1" dirty="0" smtClean="0">
-                          <a:latin typeface="Times New Roman" panose="02020603050405020304" pitchFamily="18" charset="0"/>
-                          <a:cs typeface="Times New Roman" panose="02020603050405020304" pitchFamily="18" charset="0"/>
-                        </a:rPr>
-                        <a:t>91</a:t>
-                      </a:r>
-                      <a:r>
-                        <a:rPr lang="ru-RU" sz="2000" dirty="0" smtClean="0">
-                          <a:latin typeface="Times New Roman" panose="02020603050405020304" pitchFamily="18" charset="0"/>
-                          <a:cs typeface="Times New Roman" panose="02020603050405020304" pitchFamily="18" charset="0"/>
-                        </a:rPr>
-                        <a:t> кг</a:t>
-                      </a:r>
-                      <a:endParaRPr lang="ru-RU" sz="2000" dirty="0">
-                        <a:latin typeface="Times New Roman" panose="02020603050405020304" pitchFamily="18" charset="0"/>
-                        <a:cs typeface="Times New Roman" panose="02020603050405020304" pitchFamily="18" charset="0"/>
-                      </a:endParaRPr>
-                    </a:p>
-                  </a:txBody>
-                  <a:tcPr anchor="ctr"/>
-                </a:tc>
-                <a:extLst>
-                  <a:ext uri="{0D108BD9-81ED-4DB2-BD59-A6C34878D82A}">
-                    <a16:rowId xmlns:a16="http://schemas.microsoft.com/office/drawing/2014/main" val="3752306081"/>
-                  </a:ext>
-                </a:extLst>
-              </a:tr>
-              <a:tr h="491669">
-                <a:tc>
-                  <a:txBody>
-                    <a:bodyPr/>
-                    <a:lstStyle/>
-                    <a:p>
-                      <a:pPr algn="ctr"/>
-                      <a:r>
-                        <a:rPr lang="ru-RU" sz="2000" b="0" kern="1200" dirty="0" smtClean="0">
-                          <a:solidFill>
-                            <a:schemeClr val="dk1"/>
-                          </a:solidFill>
-                          <a:effectLst/>
-                          <a:latin typeface="Times New Roman" panose="02020603050405020304" pitchFamily="18" charset="0"/>
-                          <a:ea typeface="+mn-ea"/>
-                          <a:cs typeface="Times New Roman" panose="02020603050405020304" pitchFamily="18" charset="0"/>
-                        </a:rPr>
-                        <a:t>Суммарная масс груза</a:t>
-                      </a:r>
-                      <a:r>
-                        <a:rPr lang="ru-RU" sz="2000" b="0" kern="1200" baseline="0" dirty="0" smtClean="0">
-                          <a:solidFill>
-                            <a:schemeClr val="dk1"/>
-                          </a:solidFill>
-                          <a:effectLst/>
-                          <a:latin typeface="Times New Roman" panose="02020603050405020304" pitchFamily="18" charset="0"/>
-                          <a:ea typeface="+mn-ea"/>
-                          <a:cs typeface="Times New Roman" panose="02020603050405020304" pitchFamily="18" charset="0"/>
-                        </a:rPr>
-                        <a:t> поднимаемого груза</a:t>
-                      </a:r>
-                      <a:endParaRPr lang="ru-RU" sz="2000" b="0" dirty="0">
-                        <a:effectLst/>
-                        <a:latin typeface="Times New Roman" panose="02020603050405020304" pitchFamily="18" charset="0"/>
-                        <a:cs typeface="Times New Roman" panose="02020603050405020304" pitchFamily="18" charset="0"/>
-                      </a:endParaRPr>
-                    </a:p>
-                  </a:txBody>
-                  <a:tcPr anchor="ctr"/>
-                </a:tc>
-                <a:tc>
-                  <a:txBody>
-                    <a:bodyPr/>
-                    <a:lstStyle/>
-                    <a:p>
-                      <a:pPr algn="ctr"/>
-                      <a:r>
-                        <a:rPr lang="ru-RU" sz="2000" b="1" dirty="0" smtClean="0">
-                          <a:latin typeface="Times New Roman" panose="02020603050405020304" pitchFamily="18" charset="0"/>
-                          <a:cs typeface="Times New Roman" panose="02020603050405020304" pitchFamily="18" charset="0"/>
-                        </a:rPr>
-                        <a:t>218,75 </a:t>
-                      </a:r>
-                      <a:r>
-                        <a:rPr lang="ru-RU" sz="2000" b="0" dirty="0" smtClean="0">
-                          <a:latin typeface="Times New Roman" panose="02020603050405020304" pitchFamily="18" charset="0"/>
-                          <a:cs typeface="Times New Roman" panose="02020603050405020304" pitchFamily="18" charset="0"/>
-                        </a:rPr>
-                        <a:t>кг</a:t>
-                      </a:r>
-                      <a:endParaRPr lang="ru-RU" sz="2000" b="1" dirty="0">
-                        <a:latin typeface="Times New Roman" panose="02020603050405020304" pitchFamily="18" charset="0"/>
-                        <a:cs typeface="Times New Roman" panose="02020603050405020304" pitchFamily="18" charset="0"/>
-                      </a:endParaRPr>
-                    </a:p>
-                  </a:txBody>
-                  <a:tcPr anchor="ctr"/>
-                </a:tc>
-                <a:tc>
-                  <a:txBody>
-                    <a:bodyPr/>
-                    <a:lstStyle/>
-                    <a:p>
-                      <a:pPr algn="ctr"/>
-                      <a:r>
-                        <a:rPr lang="ru-RU" sz="2000" b="1" dirty="0" smtClean="0">
-                          <a:latin typeface="Times New Roman" panose="02020603050405020304" pitchFamily="18" charset="0"/>
-                          <a:cs typeface="Times New Roman" panose="02020603050405020304" pitchFamily="18" charset="0"/>
-                        </a:rPr>
-                        <a:t>113,75</a:t>
-                      </a:r>
-                      <a:r>
-                        <a:rPr lang="ru-RU" sz="2000" dirty="0" smtClean="0">
-                          <a:latin typeface="Times New Roman" panose="02020603050405020304" pitchFamily="18" charset="0"/>
-                          <a:cs typeface="Times New Roman" panose="02020603050405020304" pitchFamily="18" charset="0"/>
-                        </a:rPr>
-                        <a:t> кг</a:t>
-                      </a:r>
-                      <a:endParaRPr lang="ru-RU" sz="2000" dirty="0">
-                        <a:latin typeface="Times New Roman" panose="02020603050405020304" pitchFamily="18" charset="0"/>
-                        <a:cs typeface="Times New Roman" panose="02020603050405020304" pitchFamily="18" charset="0"/>
-                      </a:endParaRPr>
-                    </a:p>
-                  </a:txBody>
-                  <a:tcPr anchor="ctr"/>
-                </a:tc>
-                <a:extLst>
-                  <a:ext uri="{0D108BD9-81ED-4DB2-BD59-A6C34878D82A}">
-                    <a16:rowId xmlns:a16="http://schemas.microsoft.com/office/drawing/2014/main" val="2630269369"/>
-                  </a:ext>
-                </a:extLst>
-              </a:tr>
-              <a:tr h="491669">
-                <a:tc>
-                  <a:txBody>
-                    <a:bodyPr/>
-                    <a:lstStyle/>
-                    <a:p>
-                      <a:pPr algn="ctr"/>
-                      <a:r>
-                        <a:rPr lang="ru-RU" sz="2000" b="0" kern="1200" dirty="0" smtClean="0">
-                          <a:solidFill>
-                            <a:schemeClr val="dk1"/>
-                          </a:solidFill>
-                          <a:effectLst/>
-                          <a:latin typeface="Times New Roman" panose="02020603050405020304" pitchFamily="18" charset="0"/>
-                          <a:ea typeface="+mn-ea"/>
-                          <a:cs typeface="Times New Roman" panose="02020603050405020304" pitchFamily="18" charset="0"/>
-                        </a:rPr>
-                        <a:t>Количество стереотипных движений </a:t>
-                      </a:r>
-                      <a:endParaRPr lang="ru-RU" sz="2000" b="0" dirty="0">
-                        <a:effectLst/>
-                        <a:latin typeface="Times New Roman" panose="02020603050405020304" pitchFamily="18" charset="0"/>
-                        <a:cs typeface="Times New Roman" panose="02020603050405020304" pitchFamily="18" charset="0"/>
-                      </a:endParaRPr>
-                    </a:p>
-                  </a:txBody>
-                  <a:tcPr anchor="ctr"/>
-                </a:tc>
-                <a:tc>
-                  <a:txBody>
-                    <a:bodyPr/>
-                    <a:lstStyle/>
-                    <a:p>
-                      <a:pPr algn="ctr"/>
-                      <a:r>
-                        <a:rPr lang="ru-RU" sz="2000" b="1" dirty="0" smtClean="0">
-                          <a:latin typeface="Times New Roman" panose="02020603050405020304" pitchFamily="18" charset="0"/>
-                          <a:cs typeface="Times New Roman" panose="02020603050405020304" pitchFamily="18" charset="0"/>
-                        </a:rPr>
-                        <a:t>10 000</a:t>
-                      </a:r>
-                      <a:endParaRPr lang="ru-RU" sz="2000" b="1" dirty="0">
-                        <a:latin typeface="Times New Roman" panose="02020603050405020304" pitchFamily="18" charset="0"/>
-                        <a:cs typeface="Times New Roman" panose="02020603050405020304" pitchFamily="18" charset="0"/>
-                      </a:endParaRPr>
-                    </a:p>
-                  </a:txBody>
-                  <a:tcPr anchor="ctr"/>
-                </a:tc>
-                <a:tc>
-                  <a:txBody>
-                    <a:bodyPr/>
-                    <a:lstStyle/>
-                    <a:p>
-                      <a:pPr algn="ctr"/>
-                      <a:r>
-                        <a:rPr lang="ru-RU" sz="2000" b="1" dirty="0" smtClean="0">
-                          <a:latin typeface="Times New Roman" panose="02020603050405020304" pitchFamily="18" charset="0"/>
-                          <a:cs typeface="Times New Roman" panose="02020603050405020304" pitchFamily="18" charset="0"/>
-                        </a:rPr>
-                        <a:t>5 200</a:t>
-                      </a:r>
-                      <a:endParaRPr lang="ru-RU" sz="2000" b="1" dirty="0">
-                        <a:latin typeface="Times New Roman" panose="02020603050405020304" pitchFamily="18" charset="0"/>
-                        <a:cs typeface="Times New Roman" panose="02020603050405020304" pitchFamily="18" charset="0"/>
-                      </a:endParaRPr>
-                    </a:p>
-                  </a:txBody>
-                  <a:tcPr anchor="ctr"/>
-                </a:tc>
-                <a:extLst>
-                  <a:ext uri="{0D108BD9-81ED-4DB2-BD59-A6C34878D82A}">
-                    <a16:rowId xmlns:a16="http://schemas.microsoft.com/office/drawing/2014/main" val="2159579969"/>
-                  </a:ext>
-                </a:extLst>
-              </a:tr>
-              <a:tr h="491669">
-                <a:tc>
-                  <a:txBody>
-                    <a:bodyPr/>
-                    <a:lstStyle/>
-                    <a:p>
-                      <a:pPr algn="ctr"/>
-                      <a:r>
-                        <a:rPr lang="ru-RU" sz="2000" b="0" kern="1200" dirty="0" smtClean="0">
-                          <a:solidFill>
-                            <a:schemeClr val="dk1"/>
-                          </a:solidFill>
-                          <a:effectLst/>
-                          <a:latin typeface="Times New Roman" panose="02020603050405020304" pitchFamily="18" charset="0"/>
-                          <a:ea typeface="+mn-ea"/>
-                          <a:cs typeface="Times New Roman" panose="02020603050405020304" pitchFamily="18" charset="0"/>
-                        </a:rPr>
-                        <a:t>Статическая нагрузка одной рукой</a:t>
-                      </a:r>
-                      <a:endParaRPr lang="ru-RU" sz="2000" b="0" dirty="0">
-                        <a:effectLst/>
-                        <a:latin typeface="Times New Roman" panose="02020603050405020304" pitchFamily="18" charset="0"/>
-                        <a:cs typeface="Times New Roman" panose="02020603050405020304" pitchFamily="18" charset="0"/>
-                      </a:endParaRPr>
-                    </a:p>
-                  </a:txBody>
-                  <a:tcPr anchor="ctr"/>
-                </a:tc>
-                <a:tc>
-                  <a:txBody>
-                    <a:bodyPr/>
-                    <a:lstStyle/>
-                    <a:p>
-                      <a:pPr algn="ctr"/>
-                      <a:r>
-                        <a:rPr lang="ru-RU" sz="2000" b="1" dirty="0" smtClean="0">
-                          <a:latin typeface="Times New Roman" panose="02020603050405020304" pitchFamily="18" charset="0"/>
-                          <a:cs typeface="Times New Roman" panose="02020603050405020304" pitchFamily="18" charset="0"/>
-                        </a:rPr>
-                        <a:t>875</a:t>
-                      </a:r>
-                      <a:r>
-                        <a:rPr lang="ru-RU" sz="2000" dirty="0" smtClean="0">
-                          <a:latin typeface="Times New Roman" panose="02020603050405020304" pitchFamily="18" charset="0"/>
-                          <a:cs typeface="Times New Roman" panose="02020603050405020304" pitchFamily="18" charset="0"/>
-                        </a:rPr>
-                        <a:t> кг</a:t>
-                      </a:r>
-                      <a:endParaRPr lang="ru-RU" sz="2000" dirty="0">
-                        <a:latin typeface="Times New Roman" panose="02020603050405020304" pitchFamily="18" charset="0"/>
-                        <a:cs typeface="Times New Roman" panose="02020603050405020304" pitchFamily="18" charset="0"/>
-                      </a:endParaRPr>
-                    </a:p>
-                  </a:txBody>
-                  <a:tcPr anchor="ctr"/>
-                </a:tc>
-                <a:tc>
-                  <a:txBody>
-                    <a:bodyPr/>
-                    <a:lstStyle/>
-                    <a:p>
-                      <a:pPr algn="ctr"/>
-                      <a:r>
-                        <a:rPr lang="ru-RU" sz="2000" b="1" dirty="0" smtClean="0">
-                          <a:latin typeface="Times New Roman" panose="02020603050405020304" pitchFamily="18" charset="0"/>
-                          <a:cs typeface="Times New Roman" panose="02020603050405020304" pitchFamily="18" charset="0"/>
-                        </a:rPr>
-                        <a:t>455</a:t>
-                      </a:r>
-                      <a:r>
-                        <a:rPr lang="ru-RU" sz="2000" dirty="0" smtClean="0">
-                          <a:latin typeface="Times New Roman" panose="02020603050405020304" pitchFamily="18" charset="0"/>
-                          <a:cs typeface="Times New Roman" panose="02020603050405020304" pitchFamily="18" charset="0"/>
-                        </a:rPr>
-                        <a:t> кг</a:t>
-                      </a:r>
-                      <a:endParaRPr lang="ru-RU" sz="2000" dirty="0">
-                        <a:latin typeface="Times New Roman" panose="02020603050405020304" pitchFamily="18" charset="0"/>
-                        <a:cs typeface="Times New Roman" panose="02020603050405020304" pitchFamily="18" charset="0"/>
-                      </a:endParaRPr>
-                    </a:p>
-                  </a:txBody>
-                  <a:tcPr anchor="ctr"/>
-                </a:tc>
-                <a:extLst>
-                  <a:ext uri="{0D108BD9-81ED-4DB2-BD59-A6C34878D82A}">
-                    <a16:rowId xmlns:a16="http://schemas.microsoft.com/office/drawing/2014/main" val="1003573373"/>
-                  </a:ext>
-                </a:extLst>
-              </a:tr>
-            </a:tbl>
-          </a:graphicData>
-        </a:graphic>
-      </p:graphicFrame>
-    </p:spTree>
-    <p:extLst>
-      <p:ext uri="{BB962C8B-B14F-4D97-AF65-F5344CB8AC3E}">
-        <p14:creationId xmlns:p14="http://schemas.microsoft.com/office/powerpoint/2010/main" val="175329452"/>
-      </p:ext>
-    </p:extLst>
-  </p:cSld>
-  <p:clrMapOvr>
-    <a:masterClrMapping/>
-  </p:clrMapOvr>
-  <p:timing>
-    <p:tnLst>
-      <p:par>
-        <p:cTn id="1" dur="indefinite" restart="never" nodeType="tmRoot">
-          <p:childTnLst>
-            <p:seq concurrent="1" nextAc="seek">
-              <p:cTn id="2" dur="indefinite" nodeType="mainSeq">
-                <p:childTnLst>
-                  <p:par>
-                    <p:cTn id="3" fill="hold">
-                      <p:stCondLst>
-                        <p:cond delay="indefinite"/>
-                      </p:stCondLst>
-                      <p:childTnLst>
-                        <p:par>
-                          <p:cTn id="4" fill="hold">
-                            <p:stCondLst>
-                              <p:cond delay="0"/>
-                            </p:stCondLst>
-                            <p:childTnLst>
-                              <p:par>
-                                <p:cTn id="5" presetID="53" presetClass="entr" presetSubtype="16" fill="hold" nodeType="clickEffect">
-                                  <p:stCondLst>
-                                    <p:cond delay="0"/>
-                                  </p:stCondLst>
-                                  <p:childTnLst>
-                                    <p:set>
-                                      <p:cBhvr>
-                                        <p:cTn id="6" dur="1" fill="hold">
-                                          <p:stCondLst>
-                                            <p:cond delay="0"/>
-                                          </p:stCondLst>
-                                        </p:cTn>
-                                        <p:tgtEl>
-                                          <p:spTgt spid="7"/>
-                                        </p:tgtEl>
-                                        <p:attrNameLst>
-                                          <p:attrName>style.visibility</p:attrName>
-                                        </p:attrNameLst>
-                                      </p:cBhvr>
-                                      <p:to>
-                                        <p:strVal val="visible"/>
-                                      </p:to>
-                                    </p:set>
-                                    <p:anim calcmode="lin" valueType="num">
-                                      <p:cBhvr>
-                                        <p:cTn id="7" dur="1000" fill="hold"/>
-                                        <p:tgtEl>
-                                          <p:spTgt spid="7"/>
-                                        </p:tgtEl>
-                                        <p:attrNameLst>
-                                          <p:attrName>ppt_w</p:attrName>
-                                        </p:attrNameLst>
-                                      </p:cBhvr>
-                                      <p:tavLst>
-                                        <p:tav tm="0">
-                                          <p:val>
-                                            <p:fltVal val="0"/>
-                                          </p:val>
-                                        </p:tav>
-                                        <p:tav tm="100000">
-                                          <p:val>
-                                            <p:strVal val="#ppt_w"/>
-                                          </p:val>
-                                        </p:tav>
-                                      </p:tavLst>
-                                    </p:anim>
-                                    <p:anim calcmode="lin" valueType="num">
-                                      <p:cBhvr>
-                                        <p:cTn id="8" dur="1000" fill="hold"/>
-                                        <p:tgtEl>
-                                          <p:spTgt spid="7"/>
-                                        </p:tgtEl>
-                                        <p:attrNameLst>
-                                          <p:attrName>ppt_h</p:attrName>
-                                        </p:attrNameLst>
-                                      </p:cBhvr>
-                                      <p:tavLst>
-                                        <p:tav tm="0">
-                                          <p:val>
-                                            <p:fltVal val="0"/>
-                                          </p:val>
-                                        </p:tav>
-                                        <p:tav tm="100000">
-                                          <p:val>
-                                            <p:strVal val="#ppt_h"/>
-                                          </p:val>
-                                        </p:tav>
-                                      </p:tavLst>
-                                    </p:anim>
-                                    <p:animEffect transition="in" filter="fade">
-                                      <p:cBhvr>
-                                        <p:cTn id="9" dur="1000"/>
-                                        <p:tgtEl>
-                                          <p:spTgt spid="7"/>
-                                        </p:tgtEl>
-                                      </p:cBhvr>
-                                    </p:animEffect>
-                                  </p:childTnLst>
-                                </p:cTn>
-                              </p:par>
-                            </p:childTnLst>
-                          </p:cTn>
-                        </p:par>
-                      </p:childTnLst>
-                    </p:cTn>
-                  </p:par>
-                </p:childTnLst>
-              </p:cTn>
-              <p:prevCondLst>
-                <p:cond evt="onPrev" delay="0">
-                  <p:tgtEl>
-                    <p:sldTgt/>
-                  </p:tgtEl>
-                </p:cond>
-              </p:prevCondLst>
-              <p:nextCondLst>
-                <p:cond evt="onNext" delay="0">
-                  <p:tgtEl>
-                    <p:sldTgt/>
-                  </p:tgtEl>
-                </p:cond>
-              </p:nextCondLst>
-            </p:seq>
-          </p:childTnLst>
-        </p:cTn>
-      </p:par>
-    </p:tnLst>
-  </p:timing>
-</p:sld>
-</file>
-
-<file path=ppt/slides/slide4.xml><?xml version="1.0" encoding="utf-8"?>
-<p:sld xmlns:a="http://schemas.openxmlformats.org/drawingml/2006/main" xmlns:r="http://schemas.openxmlformats.org/officeDocument/2006/relationships" xmlns:p="http://schemas.openxmlformats.org/presentationml/2006/main">
-  <p:cSld>
-    <p:spTree>
-      <p:nvGrpSpPr>
-        <p:cNvPr id="1" name=""/>
-        <p:cNvGrpSpPr/>
-        <p:nvPr/>
-      </p:nvGrpSpPr>
-      <p:grpSpPr>
-        <a:xfrm>
-          <a:off x="0" y="0"/>
-          <a:ext cx="0" cy="0"/>
-          <a:chOff x="0" y="0"/>
-          <a:chExt cx="0" cy="0"/>
-        </a:xfrm>
-      </p:grpSpPr>
-      <p:sp>
-        <p:nvSpPr>
-          <p:cNvPr id="4" name="Номер слайда 3"/>
-          <p:cNvSpPr>
-            <a:spLocks noGrp="1"/>
-          </p:cNvSpPr>
-          <p:nvPr>
-            <p:ph type="sldNum" sz="quarter" idx="12"/>
-          </p:nvPr>
-        </p:nvSpPr>
-        <p:spPr/>
-        <p:txBody>
-          <a:bodyPr/>
-          <a:lstStyle/>
-          <a:p>
-            <a:fld id="{8AF177A2-331A-49A6-919F-173C51BBA4D7}" type="slidenum">
-              <a:rPr lang="ru-RU" smtClean="0"/>
-              <a:t>4</a:t>
+              <a:t>10</a:t>
             </a:fld>
             <a:endParaRPr lang="ru-RU"/>
           </a:p>
@@ -6223,7 +4581,7 @@
 </p:sld>
 </file>
 
-<file path=ppt/slides/slide5.xml><?xml version="1.0" encoding="utf-8"?>
+<file path=ppt/slides/slide11.xml><?xml version="1.0" encoding="utf-8"?>
 <p:sld xmlns:a="http://schemas.openxmlformats.org/drawingml/2006/main" xmlns:r="http://schemas.openxmlformats.org/officeDocument/2006/relationships" xmlns:p="http://schemas.openxmlformats.org/presentationml/2006/main">
   <p:cSld>
     <p:bg>
@@ -6309,7 +4667,7 @@
           <a:p>
             <a:fld id="{8AF177A2-331A-49A6-919F-173C51BBA4D7}" type="slidenum">
               <a:rPr lang="ru-RU" smtClean="0"/>
-              <a:t>5</a:t>
+              <a:t>11</a:t>
             </a:fld>
             <a:endParaRPr lang="ru-RU"/>
           </a:p>
@@ -6787,6 +5145,2493 @@
     <p:bldLst>
       <p:bldP spid="3" grpId="0" build="allAtOnce"/>
     </p:bldLst>
+  </p:timing>
+</p:sld>
+</file>
+
+<file path=ppt/slides/slide2.xml><?xml version="1.0" encoding="utf-8"?>
+<p:sld xmlns:a="http://schemas.openxmlformats.org/drawingml/2006/main" xmlns:r="http://schemas.openxmlformats.org/officeDocument/2006/relationships" xmlns:p="http://schemas.openxmlformats.org/presentationml/2006/main">
+  <p:cSld>
+    <p:spTree>
+      <p:nvGrpSpPr>
+        <p:cNvPr id="1" name=""/>
+        <p:cNvGrpSpPr/>
+        <p:nvPr/>
+      </p:nvGrpSpPr>
+      <p:grpSpPr>
+        <a:xfrm>
+          <a:off x="0" y="0"/>
+          <a:ext cx="0" cy="0"/>
+          <a:chOff x="0" y="0"/>
+          <a:chExt cx="0" cy="0"/>
+        </a:xfrm>
+      </p:grpSpPr>
+      <p:sp>
+        <p:nvSpPr>
+          <p:cNvPr id="2" name="Заголовок 1"/>
+          <p:cNvSpPr>
+            <a:spLocks noGrp="1"/>
+          </p:cNvSpPr>
+          <p:nvPr>
+            <p:ph type="title"/>
+          </p:nvPr>
+        </p:nvSpPr>
+        <p:spPr>
+          <a:xfrm>
+            <a:off x="812441" y="181938"/>
+            <a:ext cx="10701271" cy="1261167"/>
+          </a:xfrm>
+        </p:spPr>
+        <p:txBody>
+          <a:bodyPr>
+            <a:normAutofit/>
+          </a:bodyPr>
+          <a:lstStyle/>
+          <a:p>
+            <a:pPr algn="ctr"/>
+            <a:r>
+              <a:rPr lang="ru-RU" sz="3600" dirty="0" smtClean="0">
+                <a:solidFill>
+                  <a:srgbClr val="0070C0"/>
+                </a:solidFill>
+                <a:latin typeface="Times New Roman" panose="02020603050405020304" pitchFamily="18" charset="0"/>
+                <a:cs typeface="Times New Roman" panose="02020603050405020304" pitchFamily="18" charset="0"/>
+              </a:rPr>
+              <a:t>Цель и задачи выпускной квалификационной работы</a:t>
+            </a:r>
+            <a:endParaRPr lang="ru-RU" sz="3600" dirty="0">
+              <a:solidFill>
+                <a:srgbClr val="0070C0"/>
+              </a:solidFill>
+              <a:latin typeface="Times New Roman" panose="02020603050405020304" pitchFamily="18" charset="0"/>
+              <a:cs typeface="Times New Roman" panose="02020603050405020304" pitchFamily="18" charset="0"/>
+            </a:endParaRPr>
+          </a:p>
+        </p:txBody>
+      </p:sp>
+      <p:sp>
+        <p:nvSpPr>
+          <p:cNvPr id="4" name="Номер слайда 3"/>
+          <p:cNvSpPr>
+            <a:spLocks noGrp="1"/>
+          </p:cNvSpPr>
+          <p:nvPr>
+            <p:ph type="sldNum" sz="quarter" idx="12"/>
+          </p:nvPr>
+        </p:nvSpPr>
+        <p:spPr/>
+        <p:txBody>
+          <a:bodyPr/>
+          <a:lstStyle/>
+          <a:p>
+            <a:fld id="{8AF177A2-331A-49A6-919F-173C51BBA4D7}" type="slidenum">
+              <a:rPr lang="ru-RU" smtClean="0"/>
+              <a:t>2</a:t>
+            </a:fld>
+            <a:endParaRPr lang="ru-RU"/>
+          </a:p>
+        </p:txBody>
+      </p:sp>
+      <p:sp>
+        <p:nvSpPr>
+          <p:cNvPr id="5" name="Стрелка вправо 4"/>
+          <p:cNvSpPr/>
+          <p:nvPr/>
+        </p:nvSpPr>
+        <p:spPr>
+          <a:xfrm>
+            <a:off x="957982" y="1259918"/>
+            <a:ext cx="2201213" cy="1345170"/>
+          </a:xfrm>
+          <a:prstGeom prst="rightArrow">
+            <a:avLst/>
+          </a:prstGeom>
+        </p:spPr>
+        <p:style>
+          <a:lnRef idx="2">
+            <a:schemeClr val="accent1">
+              <a:shade val="50000"/>
+            </a:schemeClr>
+          </a:lnRef>
+          <a:fillRef idx="1">
+            <a:schemeClr val="accent1"/>
+          </a:fillRef>
+          <a:effectRef idx="0">
+            <a:schemeClr val="accent1"/>
+          </a:effectRef>
+          <a:fontRef idx="minor">
+            <a:schemeClr val="lt1"/>
+          </a:fontRef>
+        </p:style>
+        <p:txBody>
+          <a:bodyPr rtlCol="0" anchor="ctr"/>
+          <a:lstStyle/>
+          <a:p>
+            <a:pPr algn="ctr"/>
+            <a:r>
+              <a:rPr lang="ru-RU" sz="2400" dirty="0" smtClean="0">
+                <a:solidFill>
+                  <a:schemeClr val="tx1"/>
+                </a:solidFill>
+                <a:latin typeface="Times New Roman" panose="02020603050405020304" pitchFamily="18" charset="0"/>
+                <a:cs typeface="Times New Roman" panose="02020603050405020304" pitchFamily="18" charset="0"/>
+              </a:rPr>
+              <a:t>Цель</a:t>
+            </a:r>
+            <a:endParaRPr lang="ru-RU" sz="2400" dirty="0">
+              <a:solidFill>
+                <a:schemeClr val="tx1"/>
+              </a:solidFill>
+              <a:latin typeface="Times New Roman" panose="02020603050405020304" pitchFamily="18" charset="0"/>
+              <a:cs typeface="Times New Roman" panose="02020603050405020304" pitchFamily="18" charset="0"/>
+            </a:endParaRPr>
+          </a:p>
+        </p:txBody>
+      </p:sp>
+      <p:sp>
+        <p:nvSpPr>
+          <p:cNvPr id="6" name="Скругленный прямоугольник 5"/>
+          <p:cNvSpPr/>
+          <p:nvPr/>
+        </p:nvSpPr>
+        <p:spPr>
+          <a:xfrm>
+            <a:off x="3304736" y="1443105"/>
+            <a:ext cx="7251882" cy="978795"/>
+          </a:xfrm>
+          <a:prstGeom prst="roundRect">
+            <a:avLst/>
+          </a:prstGeom>
+          <a:solidFill>
+            <a:schemeClr val="bg1"/>
+          </a:solidFill>
+          <a:ln>
+            <a:solidFill>
+              <a:srgbClr val="0070C0"/>
+            </a:solidFill>
+          </a:ln>
+        </p:spPr>
+        <p:style>
+          <a:lnRef idx="2">
+            <a:schemeClr val="accent1">
+              <a:shade val="50000"/>
+            </a:schemeClr>
+          </a:lnRef>
+          <a:fillRef idx="1">
+            <a:schemeClr val="accent1"/>
+          </a:fillRef>
+          <a:effectRef idx="0">
+            <a:schemeClr val="accent1"/>
+          </a:effectRef>
+          <a:fontRef idx="minor">
+            <a:schemeClr val="lt1"/>
+          </a:fontRef>
+        </p:style>
+        <p:txBody>
+          <a:bodyPr rtlCol="0" anchor="ctr"/>
+          <a:lstStyle/>
+          <a:p>
+            <a:pPr algn="ctr"/>
+            <a:r>
+              <a:rPr lang="ru-RU" sz="2800" dirty="0" smtClean="0">
+                <a:ln w="0"/>
+                <a:solidFill>
+                  <a:schemeClr val="tx1"/>
+                </a:solidFill>
+                <a:latin typeface="Times New Roman" panose="02020603050405020304" pitchFamily="18" charset="0"/>
+                <a:cs typeface="Times New Roman" panose="02020603050405020304" pitchFamily="18" charset="0"/>
+              </a:rPr>
+              <a:t>Разработка </a:t>
+            </a:r>
+            <a:r>
+              <a:rPr lang="ru-RU" sz="2800" dirty="0" err="1" smtClean="0">
+                <a:ln w="0"/>
+                <a:solidFill>
+                  <a:schemeClr val="tx1"/>
+                </a:solidFill>
+                <a:latin typeface="Times New Roman" panose="02020603050405020304" pitchFamily="18" charset="0"/>
+                <a:cs typeface="Times New Roman" panose="02020603050405020304" pitchFamily="18" charset="0"/>
+              </a:rPr>
+              <a:t>графовой</a:t>
+            </a:r>
+            <a:r>
+              <a:rPr lang="ru-RU" sz="2800" dirty="0" smtClean="0">
+                <a:ln w="0"/>
+                <a:solidFill>
+                  <a:schemeClr val="tx1"/>
+                </a:solidFill>
+                <a:latin typeface="Times New Roman" panose="02020603050405020304" pitchFamily="18" charset="0"/>
+                <a:cs typeface="Times New Roman" panose="02020603050405020304" pitchFamily="18" charset="0"/>
+              </a:rPr>
+              <a:t> базы данных для системы управления проектами</a:t>
+            </a:r>
+            <a:endParaRPr lang="ru-RU" sz="2800" dirty="0">
+              <a:ln w="0"/>
+              <a:solidFill>
+                <a:schemeClr val="tx1"/>
+              </a:solidFill>
+              <a:latin typeface="Times New Roman" panose="02020603050405020304" pitchFamily="18" charset="0"/>
+              <a:cs typeface="Times New Roman" panose="02020603050405020304" pitchFamily="18" charset="0"/>
+            </a:endParaRPr>
+          </a:p>
+        </p:txBody>
+      </p:sp>
+      <p:sp>
+        <p:nvSpPr>
+          <p:cNvPr id="7" name="Стрелка вниз 6"/>
+          <p:cNvSpPr/>
+          <p:nvPr/>
+        </p:nvSpPr>
+        <p:spPr>
+          <a:xfrm>
+            <a:off x="5211347" y="2605088"/>
+            <a:ext cx="3438659" cy="685174"/>
+          </a:xfrm>
+          <a:prstGeom prst="downArrow">
+            <a:avLst/>
+          </a:prstGeom>
+        </p:spPr>
+        <p:style>
+          <a:lnRef idx="2">
+            <a:schemeClr val="accent1">
+              <a:shade val="50000"/>
+            </a:schemeClr>
+          </a:lnRef>
+          <a:fillRef idx="1">
+            <a:schemeClr val="accent1"/>
+          </a:fillRef>
+          <a:effectRef idx="0">
+            <a:schemeClr val="accent1"/>
+          </a:effectRef>
+          <a:fontRef idx="minor">
+            <a:schemeClr val="lt1"/>
+          </a:fontRef>
+        </p:style>
+        <p:txBody>
+          <a:bodyPr rtlCol="0" anchor="ctr"/>
+          <a:lstStyle/>
+          <a:p>
+            <a:pPr algn="ctr"/>
+            <a:r>
+              <a:rPr lang="ru-RU" sz="2400" dirty="0" smtClean="0">
+                <a:solidFill>
+                  <a:schemeClr val="tx1"/>
+                </a:solidFill>
+                <a:latin typeface="Times New Roman" panose="02020603050405020304" pitchFamily="18" charset="0"/>
+                <a:cs typeface="Times New Roman" panose="02020603050405020304" pitchFamily="18" charset="0"/>
+              </a:rPr>
+              <a:t>Задачи</a:t>
+            </a:r>
+            <a:endParaRPr lang="ru-RU" sz="2400" dirty="0">
+              <a:solidFill>
+                <a:schemeClr val="tx1"/>
+              </a:solidFill>
+              <a:latin typeface="Times New Roman" panose="02020603050405020304" pitchFamily="18" charset="0"/>
+              <a:cs typeface="Times New Roman" panose="02020603050405020304" pitchFamily="18" charset="0"/>
+            </a:endParaRPr>
+          </a:p>
+        </p:txBody>
+      </p:sp>
+      <p:sp>
+        <p:nvSpPr>
+          <p:cNvPr id="8" name="Скругленный прямоугольник 7"/>
+          <p:cNvSpPr/>
+          <p:nvPr/>
+        </p:nvSpPr>
+        <p:spPr>
+          <a:xfrm>
+            <a:off x="2734845" y="3473450"/>
+            <a:ext cx="8391661" cy="2882899"/>
+          </a:xfrm>
+          <a:prstGeom prst="roundRect">
+            <a:avLst/>
+          </a:prstGeom>
+          <a:solidFill>
+            <a:schemeClr val="bg1"/>
+          </a:solidFill>
+          <a:ln>
+            <a:solidFill>
+              <a:srgbClr val="0070C0"/>
+            </a:solidFill>
+          </a:ln>
+        </p:spPr>
+        <p:style>
+          <a:lnRef idx="2">
+            <a:schemeClr val="accent1">
+              <a:shade val="50000"/>
+            </a:schemeClr>
+          </a:lnRef>
+          <a:fillRef idx="1">
+            <a:schemeClr val="accent1"/>
+          </a:fillRef>
+          <a:effectRef idx="0">
+            <a:schemeClr val="accent1"/>
+          </a:effectRef>
+          <a:fontRef idx="minor">
+            <a:schemeClr val="lt1"/>
+          </a:fontRef>
+        </p:style>
+        <p:txBody>
+          <a:bodyPr rtlCol="0" anchor="ctr"/>
+          <a:lstStyle/>
+          <a:p>
+            <a:pPr marL="342900" indent="-342900">
+              <a:buFont typeface="+mj-lt"/>
+              <a:buAutoNum type="arabicPeriod"/>
+            </a:pPr>
+            <a:r>
+              <a:rPr lang="ru-RU" sz="2000" dirty="0" smtClean="0">
+                <a:solidFill>
+                  <a:schemeClr val="tx1"/>
+                </a:solidFill>
+                <a:latin typeface="Times New Roman" panose="02020603050405020304" pitchFamily="18" charset="0"/>
+                <a:cs typeface="Times New Roman" panose="02020603050405020304" pitchFamily="18" charset="0"/>
+              </a:rPr>
+              <a:t>Разработка </a:t>
+            </a:r>
+            <a:r>
+              <a:rPr lang="ru-RU" sz="2000" dirty="0" err="1" smtClean="0">
+                <a:solidFill>
+                  <a:schemeClr val="tx1"/>
+                </a:solidFill>
+                <a:latin typeface="Times New Roman" panose="02020603050405020304" pitchFamily="18" charset="0"/>
+                <a:cs typeface="Times New Roman" panose="02020603050405020304" pitchFamily="18" charset="0"/>
+              </a:rPr>
+              <a:t>графовой</a:t>
+            </a:r>
+            <a:r>
+              <a:rPr lang="ru-RU" sz="2000" dirty="0" smtClean="0">
+                <a:solidFill>
+                  <a:schemeClr val="tx1"/>
+                </a:solidFill>
+                <a:latin typeface="Times New Roman" panose="02020603050405020304" pitchFamily="18" charset="0"/>
+                <a:cs typeface="Times New Roman" panose="02020603050405020304" pitchFamily="18" charset="0"/>
+              </a:rPr>
+              <a:t> модели данных для системы управления проектами с целью интеграции данных о проектах из существующих систем;</a:t>
+            </a:r>
+          </a:p>
+          <a:p>
+            <a:pPr marL="342900" indent="-342900">
+              <a:buFont typeface="+mj-lt"/>
+              <a:buAutoNum type="arabicPeriod"/>
+            </a:pPr>
+            <a:r>
+              <a:rPr lang="ru-RU" sz="2000" dirty="0" smtClean="0">
+                <a:solidFill>
+                  <a:schemeClr val="tx1"/>
+                </a:solidFill>
+                <a:latin typeface="Times New Roman" panose="02020603050405020304" pitchFamily="18" charset="0"/>
+                <a:cs typeface="Times New Roman" panose="02020603050405020304" pitchFamily="18" charset="0"/>
+              </a:rPr>
+              <a:t>Создание тестовых скриптов для заполнения </a:t>
+            </a:r>
+            <a:r>
+              <a:rPr lang="ru-RU" sz="2000" dirty="0" err="1" smtClean="0">
+                <a:solidFill>
+                  <a:schemeClr val="tx1"/>
+                </a:solidFill>
+                <a:latin typeface="Times New Roman" panose="02020603050405020304" pitchFamily="18" charset="0"/>
+                <a:cs typeface="Times New Roman" panose="02020603050405020304" pitchFamily="18" charset="0"/>
+              </a:rPr>
+              <a:t>графовой</a:t>
+            </a:r>
+            <a:r>
+              <a:rPr lang="ru-RU" sz="2000" dirty="0" smtClean="0">
+                <a:solidFill>
+                  <a:schemeClr val="tx1"/>
+                </a:solidFill>
+                <a:latin typeface="Times New Roman" panose="02020603050405020304" pitchFamily="18" charset="0"/>
+                <a:cs typeface="Times New Roman" panose="02020603050405020304" pitchFamily="18" charset="0"/>
+              </a:rPr>
+              <a:t> базы данных;</a:t>
+            </a:r>
+          </a:p>
+          <a:p>
+            <a:pPr marL="342900" indent="-342900">
+              <a:buFont typeface="+mj-lt"/>
+              <a:buAutoNum type="arabicPeriod"/>
+            </a:pPr>
+            <a:r>
+              <a:rPr lang="ru-RU" sz="2000" dirty="0" smtClean="0">
+                <a:solidFill>
+                  <a:schemeClr val="tx1"/>
+                </a:solidFill>
+                <a:latin typeface="Times New Roman" panose="02020603050405020304" pitchFamily="18" charset="0"/>
+                <a:cs typeface="Times New Roman" panose="02020603050405020304" pitchFamily="18" charset="0"/>
+              </a:rPr>
+              <a:t>Создание запросов для извлечения информации о проектах с целью проверки работоспособности разработанной модели;</a:t>
+            </a:r>
+          </a:p>
+          <a:p>
+            <a:pPr marL="342900" indent="-342900">
+              <a:buFont typeface="+mj-lt"/>
+              <a:buAutoNum type="arabicPeriod"/>
+            </a:pPr>
+            <a:r>
+              <a:rPr lang="ru-RU" sz="2000" dirty="0" smtClean="0">
+                <a:solidFill>
+                  <a:schemeClr val="tx1"/>
+                </a:solidFill>
+                <a:latin typeface="Times New Roman" panose="02020603050405020304" pitchFamily="18" charset="0"/>
+                <a:cs typeface="Times New Roman" panose="02020603050405020304" pitchFamily="18" charset="0"/>
+              </a:rPr>
+              <a:t>Уменьшение времени отклика на запросы пользователей интегрированной системы за счёт использования </a:t>
+            </a:r>
+            <a:r>
+              <a:rPr lang="ru-RU" sz="2000" dirty="0" err="1" smtClean="0">
+                <a:solidFill>
+                  <a:schemeClr val="tx1"/>
+                </a:solidFill>
+                <a:latin typeface="Times New Roman" panose="02020603050405020304" pitchFamily="18" charset="0"/>
+                <a:cs typeface="Times New Roman" panose="02020603050405020304" pitchFamily="18" charset="0"/>
+              </a:rPr>
+              <a:t>графовой</a:t>
+            </a:r>
+            <a:r>
+              <a:rPr lang="ru-RU" sz="2000" dirty="0" smtClean="0">
+                <a:solidFill>
+                  <a:schemeClr val="tx1"/>
+                </a:solidFill>
+                <a:latin typeface="Times New Roman" panose="02020603050405020304" pitchFamily="18" charset="0"/>
+                <a:cs typeface="Times New Roman" panose="02020603050405020304" pitchFamily="18" charset="0"/>
+              </a:rPr>
+              <a:t> </a:t>
+            </a:r>
+            <a:r>
+              <a:rPr lang="ru-RU" sz="2000" dirty="0" smtClean="0">
+                <a:solidFill>
+                  <a:schemeClr val="tx1"/>
+                </a:solidFill>
+                <a:latin typeface="Times New Roman" panose="02020603050405020304" pitchFamily="18" charset="0"/>
+                <a:cs typeface="Times New Roman" panose="02020603050405020304" pitchFamily="18" charset="0"/>
+              </a:rPr>
+              <a:t>модели данных и </a:t>
+            </a:r>
+            <a:r>
+              <a:rPr lang="ru-RU" sz="2000" dirty="0" smtClean="0">
+                <a:solidFill>
+                  <a:schemeClr val="tx1"/>
+                </a:solidFill>
+                <a:latin typeface="Times New Roman" panose="02020603050405020304" pitchFamily="18" charset="0"/>
+                <a:cs typeface="Times New Roman" panose="02020603050405020304" pitchFamily="18" charset="0"/>
+              </a:rPr>
+              <a:t>СУБД </a:t>
+            </a:r>
+            <a:r>
+              <a:rPr lang="en-US" sz="2000" dirty="0" smtClean="0">
+                <a:solidFill>
+                  <a:schemeClr val="tx1"/>
+                </a:solidFill>
+                <a:latin typeface="Times New Roman" panose="02020603050405020304" pitchFamily="18" charset="0"/>
+                <a:cs typeface="Times New Roman" panose="02020603050405020304" pitchFamily="18" charset="0"/>
+              </a:rPr>
+              <a:t>Neo4j.</a:t>
+            </a:r>
+          </a:p>
+        </p:txBody>
+      </p:sp>
+      <p:pic>
+        <p:nvPicPr>
+          <p:cNvPr id="10" name="Рисунок 9"/>
+          <p:cNvPicPr>
+            <a:picLocks noChangeAspect="1"/>
+          </p:cNvPicPr>
+          <p:nvPr/>
+        </p:nvPicPr>
+        <p:blipFill>
+          <a:blip r:embed="rId2">
+            <a:extLst>
+              <a:ext uri="{28A0092B-C50C-407E-A947-70E740481C1C}">
+                <a14:useLocalDpi xmlns:a14="http://schemas.microsoft.com/office/drawing/2010/main" val="0"/>
+              </a:ext>
+            </a:extLst>
+          </a:blip>
+          <a:stretch>
+            <a:fillRect/>
+          </a:stretch>
+        </p:blipFill>
+        <p:spPr>
+          <a:xfrm>
+            <a:off x="291981" y="3683068"/>
+            <a:ext cx="2215570" cy="2362297"/>
+          </a:xfrm>
+          <a:prstGeom prst="rect">
+            <a:avLst/>
+          </a:prstGeom>
+        </p:spPr>
+      </p:pic>
+    </p:spTree>
+    <p:extLst>
+      <p:ext uri="{BB962C8B-B14F-4D97-AF65-F5344CB8AC3E}">
+        <p14:creationId xmlns:p14="http://schemas.microsoft.com/office/powerpoint/2010/main" val="3534738465"/>
+      </p:ext>
+    </p:extLst>
+  </p:cSld>
+  <p:clrMapOvr>
+    <a:masterClrMapping/>
+  </p:clrMapOvr>
+  <p:timing>
+    <p:tnLst>
+      <p:par>
+        <p:cTn id="1" dur="indefinite" restart="never" nodeType="tmRoot">
+          <p:childTnLst>
+            <p:seq concurrent="1" nextAc="seek">
+              <p:cTn id="2" dur="indefinite" nodeType="mainSeq">
+                <p:childTnLst>
+                  <p:par>
+                    <p:cTn id="3" fill="hold">
+                      <p:stCondLst>
+                        <p:cond delay="indefinite"/>
+                      </p:stCondLst>
+                      <p:childTnLst>
+                        <p:par>
+                          <p:cTn id="4" fill="hold">
+                            <p:stCondLst>
+                              <p:cond delay="0"/>
+                            </p:stCondLst>
+                            <p:childTnLst>
+                              <p:par>
+                                <p:cTn id="5" presetID="53" presetClass="entr" presetSubtype="16" fill="hold" grpId="0" nodeType="clickEffect">
+                                  <p:stCondLst>
+                                    <p:cond delay="0"/>
+                                  </p:stCondLst>
+                                  <p:childTnLst>
+                                    <p:set>
+                                      <p:cBhvr>
+                                        <p:cTn id="6" dur="1" fill="hold">
+                                          <p:stCondLst>
+                                            <p:cond delay="0"/>
+                                          </p:stCondLst>
+                                        </p:cTn>
+                                        <p:tgtEl>
+                                          <p:spTgt spid="5"/>
+                                        </p:tgtEl>
+                                        <p:attrNameLst>
+                                          <p:attrName>style.visibility</p:attrName>
+                                        </p:attrNameLst>
+                                      </p:cBhvr>
+                                      <p:to>
+                                        <p:strVal val="visible"/>
+                                      </p:to>
+                                    </p:set>
+                                    <p:anim calcmode="lin" valueType="num">
+                                      <p:cBhvr>
+                                        <p:cTn id="7" dur="1000" fill="hold"/>
+                                        <p:tgtEl>
+                                          <p:spTgt spid="5"/>
+                                        </p:tgtEl>
+                                        <p:attrNameLst>
+                                          <p:attrName>ppt_w</p:attrName>
+                                        </p:attrNameLst>
+                                      </p:cBhvr>
+                                      <p:tavLst>
+                                        <p:tav tm="0">
+                                          <p:val>
+                                            <p:fltVal val="0"/>
+                                          </p:val>
+                                        </p:tav>
+                                        <p:tav tm="100000">
+                                          <p:val>
+                                            <p:strVal val="#ppt_w"/>
+                                          </p:val>
+                                        </p:tav>
+                                      </p:tavLst>
+                                    </p:anim>
+                                    <p:anim calcmode="lin" valueType="num">
+                                      <p:cBhvr>
+                                        <p:cTn id="8" dur="1000" fill="hold"/>
+                                        <p:tgtEl>
+                                          <p:spTgt spid="5"/>
+                                        </p:tgtEl>
+                                        <p:attrNameLst>
+                                          <p:attrName>ppt_h</p:attrName>
+                                        </p:attrNameLst>
+                                      </p:cBhvr>
+                                      <p:tavLst>
+                                        <p:tav tm="0">
+                                          <p:val>
+                                            <p:fltVal val="0"/>
+                                          </p:val>
+                                        </p:tav>
+                                        <p:tav tm="100000">
+                                          <p:val>
+                                            <p:strVal val="#ppt_h"/>
+                                          </p:val>
+                                        </p:tav>
+                                      </p:tavLst>
+                                    </p:anim>
+                                    <p:animEffect transition="in" filter="fade">
+                                      <p:cBhvr>
+                                        <p:cTn id="9" dur="1000"/>
+                                        <p:tgtEl>
+                                          <p:spTgt spid="5"/>
+                                        </p:tgtEl>
+                                      </p:cBhvr>
+                                    </p:animEffect>
+                                  </p:childTnLst>
+                                </p:cTn>
+                              </p:par>
+                              <p:par>
+                                <p:cTn id="10" presetID="53" presetClass="entr" presetSubtype="16" fill="hold" grpId="0" nodeType="withEffect">
+                                  <p:stCondLst>
+                                    <p:cond delay="0"/>
+                                  </p:stCondLst>
+                                  <p:childTnLst>
+                                    <p:set>
+                                      <p:cBhvr>
+                                        <p:cTn id="11" dur="1" fill="hold">
+                                          <p:stCondLst>
+                                            <p:cond delay="0"/>
+                                          </p:stCondLst>
+                                        </p:cTn>
+                                        <p:tgtEl>
+                                          <p:spTgt spid="6"/>
+                                        </p:tgtEl>
+                                        <p:attrNameLst>
+                                          <p:attrName>style.visibility</p:attrName>
+                                        </p:attrNameLst>
+                                      </p:cBhvr>
+                                      <p:to>
+                                        <p:strVal val="visible"/>
+                                      </p:to>
+                                    </p:set>
+                                    <p:anim calcmode="lin" valueType="num">
+                                      <p:cBhvr>
+                                        <p:cTn id="12" dur="1000" fill="hold"/>
+                                        <p:tgtEl>
+                                          <p:spTgt spid="6"/>
+                                        </p:tgtEl>
+                                        <p:attrNameLst>
+                                          <p:attrName>ppt_w</p:attrName>
+                                        </p:attrNameLst>
+                                      </p:cBhvr>
+                                      <p:tavLst>
+                                        <p:tav tm="0">
+                                          <p:val>
+                                            <p:fltVal val="0"/>
+                                          </p:val>
+                                        </p:tav>
+                                        <p:tav tm="100000">
+                                          <p:val>
+                                            <p:strVal val="#ppt_w"/>
+                                          </p:val>
+                                        </p:tav>
+                                      </p:tavLst>
+                                    </p:anim>
+                                    <p:anim calcmode="lin" valueType="num">
+                                      <p:cBhvr>
+                                        <p:cTn id="13" dur="1000" fill="hold"/>
+                                        <p:tgtEl>
+                                          <p:spTgt spid="6"/>
+                                        </p:tgtEl>
+                                        <p:attrNameLst>
+                                          <p:attrName>ppt_h</p:attrName>
+                                        </p:attrNameLst>
+                                      </p:cBhvr>
+                                      <p:tavLst>
+                                        <p:tav tm="0">
+                                          <p:val>
+                                            <p:fltVal val="0"/>
+                                          </p:val>
+                                        </p:tav>
+                                        <p:tav tm="100000">
+                                          <p:val>
+                                            <p:strVal val="#ppt_h"/>
+                                          </p:val>
+                                        </p:tav>
+                                      </p:tavLst>
+                                    </p:anim>
+                                    <p:animEffect transition="in" filter="fade">
+                                      <p:cBhvr>
+                                        <p:cTn id="14" dur="1000"/>
+                                        <p:tgtEl>
+                                          <p:spTgt spid="6"/>
+                                        </p:tgtEl>
+                                      </p:cBhvr>
+                                    </p:animEffect>
+                                  </p:childTnLst>
+                                </p:cTn>
+                              </p:par>
+                            </p:childTnLst>
+                          </p:cTn>
+                        </p:par>
+                      </p:childTnLst>
+                    </p:cTn>
+                  </p:par>
+                  <p:par>
+                    <p:cTn id="15" fill="hold">
+                      <p:stCondLst>
+                        <p:cond delay="indefinite"/>
+                      </p:stCondLst>
+                      <p:childTnLst>
+                        <p:par>
+                          <p:cTn id="16" fill="hold">
+                            <p:stCondLst>
+                              <p:cond delay="0"/>
+                            </p:stCondLst>
+                            <p:childTnLst>
+                              <p:par>
+                                <p:cTn id="17" presetID="42" presetClass="entr" presetSubtype="0" fill="hold" grpId="0" nodeType="clickEffect">
+                                  <p:stCondLst>
+                                    <p:cond delay="0"/>
+                                  </p:stCondLst>
+                                  <p:childTnLst>
+                                    <p:set>
+                                      <p:cBhvr>
+                                        <p:cTn id="18" dur="1" fill="hold">
+                                          <p:stCondLst>
+                                            <p:cond delay="0"/>
+                                          </p:stCondLst>
+                                        </p:cTn>
+                                        <p:tgtEl>
+                                          <p:spTgt spid="7"/>
+                                        </p:tgtEl>
+                                        <p:attrNameLst>
+                                          <p:attrName>style.visibility</p:attrName>
+                                        </p:attrNameLst>
+                                      </p:cBhvr>
+                                      <p:to>
+                                        <p:strVal val="visible"/>
+                                      </p:to>
+                                    </p:set>
+                                    <p:animEffect transition="in" filter="fade">
+                                      <p:cBhvr>
+                                        <p:cTn id="19" dur="1000"/>
+                                        <p:tgtEl>
+                                          <p:spTgt spid="7"/>
+                                        </p:tgtEl>
+                                      </p:cBhvr>
+                                    </p:animEffect>
+                                    <p:anim calcmode="lin" valueType="num">
+                                      <p:cBhvr>
+                                        <p:cTn id="20" dur="1000" fill="hold"/>
+                                        <p:tgtEl>
+                                          <p:spTgt spid="7"/>
+                                        </p:tgtEl>
+                                        <p:attrNameLst>
+                                          <p:attrName>ppt_x</p:attrName>
+                                        </p:attrNameLst>
+                                      </p:cBhvr>
+                                      <p:tavLst>
+                                        <p:tav tm="0">
+                                          <p:val>
+                                            <p:strVal val="#ppt_x"/>
+                                          </p:val>
+                                        </p:tav>
+                                        <p:tav tm="100000">
+                                          <p:val>
+                                            <p:strVal val="#ppt_x"/>
+                                          </p:val>
+                                        </p:tav>
+                                      </p:tavLst>
+                                    </p:anim>
+                                    <p:anim calcmode="lin" valueType="num">
+                                      <p:cBhvr>
+                                        <p:cTn id="21" dur="1000" fill="hold"/>
+                                        <p:tgtEl>
+                                          <p:spTgt spid="7"/>
+                                        </p:tgtEl>
+                                        <p:attrNameLst>
+                                          <p:attrName>ppt_y</p:attrName>
+                                        </p:attrNameLst>
+                                      </p:cBhvr>
+                                      <p:tavLst>
+                                        <p:tav tm="0">
+                                          <p:val>
+                                            <p:strVal val="#ppt_y+.1"/>
+                                          </p:val>
+                                        </p:tav>
+                                        <p:tav tm="100000">
+                                          <p:val>
+                                            <p:strVal val="#ppt_y"/>
+                                          </p:val>
+                                        </p:tav>
+                                      </p:tavLst>
+                                    </p:anim>
+                                  </p:childTnLst>
+                                </p:cTn>
+                              </p:par>
+                              <p:par>
+                                <p:cTn id="22" presetID="42" presetClass="entr" presetSubtype="0" fill="hold" grpId="0" nodeType="withEffect">
+                                  <p:stCondLst>
+                                    <p:cond delay="0"/>
+                                  </p:stCondLst>
+                                  <p:childTnLst>
+                                    <p:set>
+                                      <p:cBhvr>
+                                        <p:cTn id="23" dur="1" fill="hold">
+                                          <p:stCondLst>
+                                            <p:cond delay="0"/>
+                                          </p:stCondLst>
+                                        </p:cTn>
+                                        <p:tgtEl>
+                                          <p:spTgt spid="8"/>
+                                        </p:tgtEl>
+                                        <p:attrNameLst>
+                                          <p:attrName>style.visibility</p:attrName>
+                                        </p:attrNameLst>
+                                      </p:cBhvr>
+                                      <p:to>
+                                        <p:strVal val="visible"/>
+                                      </p:to>
+                                    </p:set>
+                                    <p:animEffect transition="in" filter="fade">
+                                      <p:cBhvr>
+                                        <p:cTn id="24" dur="1000"/>
+                                        <p:tgtEl>
+                                          <p:spTgt spid="8"/>
+                                        </p:tgtEl>
+                                      </p:cBhvr>
+                                    </p:animEffect>
+                                    <p:anim calcmode="lin" valueType="num">
+                                      <p:cBhvr>
+                                        <p:cTn id="25" dur="1000" fill="hold"/>
+                                        <p:tgtEl>
+                                          <p:spTgt spid="8"/>
+                                        </p:tgtEl>
+                                        <p:attrNameLst>
+                                          <p:attrName>ppt_x</p:attrName>
+                                        </p:attrNameLst>
+                                      </p:cBhvr>
+                                      <p:tavLst>
+                                        <p:tav tm="0">
+                                          <p:val>
+                                            <p:strVal val="#ppt_x"/>
+                                          </p:val>
+                                        </p:tav>
+                                        <p:tav tm="100000">
+                                          <p:val>
+                                            <p:strVal val="#ppt_x"/>
+                                          </p:val>
+                                        </p:tav>
+                                      </p:tavLst>
+                                    </p:anim>
+                                    <p:anim calcmode="lin" valueType="num">
+                                      <p:cBhvr>
+                                        <p:cTn id="26" dur="1000" fill="hold"/>
+                                        <p:tgtEl>
+                                          <p:spTgt spid="8"/>
+                                        </p:tgtEl>
+                                        <p:attrNameLst>
+                                          <p:attrName>ppt_y</p:attrName>
+                                        </p:attrNameLst>
+                                      </p:cBhvr>
+                                      <p:tavLst>
+                                        <p:tav tm="0">
+                                          <p:val>
+                                            <p:strVal val="#ppt_y+.1"/>
+                                          </p:val>
+                                        </p:tav>
+                                        <p:tav tm="100000">
+                                          <p:val>
+                                            <p:strVal val="#ppt_y"/>
+                                          </p:val>
+                                        </p:tav>
+                                      </p:tavLst>
+                                    </p:anim>
+                                  </p:childTnLst>
+                                </p:cTn>
+                              </p:par>
+                            </p:childTnLst>
+                          </p:cTn>
+                        </p:par>
+                      </p:childTnLst>
+                    </p:cTn>
+                  </p:par>
+                </p:childTnLst>
+              </p:cTn>
+              <p:prevCondLst>
+                <p:cond evt="onPrev" delay="0">
+                  <p:tgtEl>
+                    <p:sldTgt/>
+                  </p:tgtEl>
+                </p:cond>
+              </p:prevCondLst>
+              <p:nextCondLst>
+                <p:cond evt="onNext" delay="0">
+                  <p:tgtEl>
+                    <p:sldTgt/>
+                  </p:tgtEl>
+                </p:cond>
+              </p:nextCondLst>
+            </p:seq>
+          </p:childTnLst>
+        </p:cTn>
+      </p:par>
+    </p:tnLst>
+    <p:bldLst>
+      <p:bldP spid="5" grpId="0" animBg="1"/>
+      <p:bldP spid="6" grpId="0" animBg="1"/>
+      <p:bldP spid="7" grpId="0" animBg="1"/>
+      <p:bldP spid="8" grpId="0" animBg="1"/>
+    </p:bldLst>
+  </p:timing>
+</p:sld>
+</file>
+
+<file path=ppt/slides/slide3.xml><?xml version="1.0" encoding="utf-8"?>
+<p:sld xmlns:a="http://schemas.openxmlformats.org/drawingml/2006/main" xmlns:r="http://schemas.openxmlformats.org/officeDocument/2006/relationships" xmlns:p="http://schemas.openxmlformats.org/presentationml/2006/main">
+  <p:cSld>
+    <p:spTree>
+      <p:nvGrpSpPr>
+        <p:cNvPr id="1" name=""/>
+        <p:cNvGrpSpPr/>
+        <p:nvPr/>
+      </p:nvGrpSpPr>
+      <p:grpSpPr>
+        <a:xfrm>
+          <a:off x="0" y="0"/>
+          <a:ext cx="0" cy="0"/>
+          <a:chOff x="0" y="0"/>
+          <a:chExt cx="0" cy="0"/>
+        </a:xfrm>
+      </p:grpSpPr>
+      <p:sp>
+        <p:nvSpPr>
+          <p:cNvPr id="4" name="Объект 3"/>
+          <p:cNvSpPr>
+            <a:spLocks noGrp="1"/>
+          </p:cNvSpPr>
+          <p:nvPr>
+            <p:ph idx="1"/>
+          </p:nvPr>
+        </p:nvSpPr>
+        <p:spPr/>
+        <p:txBody>
+          <a:bodyPr/>
+          <a:lstStyle/>
+          <a:p>
+            <a:endParaRPr lang="ru-RU" dirty="0"/>
+          </a:p>
+        </p:txBody>
+      </p:sp>
+      <p:sp>
+        <p:nvSpPr>
+          <p:cNvPr id="2" name="Номер слайда 1"/>
+          <p:cNvSpPr>
+            <a:spLocks noGrp="1"/>
+          </p:cNvSpPr>
+          <p:nvPr>
+            <p:ph type="sldNum" sz="quarter" idx="12"/>
+          </p:nvPr>
+        </p:nvSpPr>
+        <p:spPr/>
+        <p:txBody>
+          <a:bodyPr/>
+          <a:lstStyle/>
+          <a:p>
+            <a:fld id="{8AF177A2-331A-49A6-919F-173C51BBA4D7}" type="slidenum">
+              <a:rPr lang="ru-RU" smtClean="0"/>
+              <a:t>3</a:t>
+            </a:fld>
+            <a:endParaRPr lang="ru-RU"/>
+          </a:p>
+        </p:txBody>
+      </p:sp>
+      <p:sp>
+        <p:nvSpPr>
+          <p:cNvPr id="6" name="Заголовок 1"/>
+          <p:cNvSpPr>
+            <a:spLocks noGrp="1"/>
+          </p:cNvSpPr>
+          <p:nvPr>
+            <p:ph type="title"/>
+          </p:nvPr>
+        </p:nvSpPr>
+        <p:spPr>
+          <a:xfrm>
+            <a:off x="812441" y="181938"/>
+            <a:ext cx="10701271" cy="1261167"/>
+          </a:xfrm>
+        </p:spPr>
+        <p:txBody>
+          <a:bodyPr>
+            <a:normAutofit/>
+          </a:bodyPr>
+          <a:lstStyle/>
+          <a:p>
+            <a:pPr algn="ctr"/>
+            <a:r>
+              <a:rPr lang="ru-RU" sz="3600" dirty="0" smtClean="0">
+                <a:solidFill>
+                  <a:srgbClr val="0070C0"/>
+                </a:solidFill>
+                <a:latin typeface="Times New Roman" panose="02020603050405020304" pitchFamily="18" charset="0"/>
+                <a:cs typeface="Times New Roman" panose="02020603050405020304" pitchFamily="18" charset="0"/>
+              </a:rPr>
+              <a:t>Интегрируемые системы управления проектами</a:t>
+            </a:r>
+            <a:endParaRPr lang="ru-RU" sz="3600" dirty="0">
+              <a:solidFill>
+                <a:srgbClr val="0070C0"/>
+              </a:solidFill>
+              <a:latin typeface="Times New Roman" panose="02020603050405020304" pitchFamily="18" charset="0"/>
+              <a:cs typeface="Times New Roman" panose="02020603050405020304" pitchFamily="18" charset="0"/>
+            </a:endParaRPr>
+          </a:p>
+        </p:txBody>
+      </p:sp>
+    </p:spTree>
+    <p:extLst>
+      <p:ext uri="{BB962C8B-B14F-4D97-AF65-F5344CB8AC3E}">
+        <p14:creationId xmlns:p14="http://schemas.microsoft.com/office/powerpoint/2010/main" val="1574078327"/>
+      </p:ext>
+    </p:extLst>
+  </p:cSld>
+  <p:clrMapOvr>
+    <a:masterClrMapping/>
+  </p:clrMapOvr>
+</p:sld>
+</file>
+
+<file path=ppt/slides/slide4.xml><?xml version="1.0" encoding="utf-8"?>
+<p:sld xmlns:a="http://schemas.openxmlformats.org/drawingml/2006/main" xmlns:r="http://schemas.openxmlformats.org/officeDocument/2006/relationships" xmlns:p="http://schemas.openxmlformats.org/presentationml/2006/main">
+  <p:cSld>
+    <p:spTree>
+      <p:nvGrpSpPr>
+        <p:cNvPr id="1" name=""/>
+        <p:cNvGrpSpPr/>
+        <p:nvPr/>
+      </p:nvGrpSpPr>
+      <p:grpSpPr>
+        <a:xfrm>
+          <a:off x="0" y="0"/>
+          <a:ext cx="0" cy="0"/>
+          <a:chOff x="0" y="0"/>
+          <a:chExt cx="0" cy="0"/>
+        </a:xfrm>
+      </p:grpSpPr>
+      <p:sp>
+        <p:nvSpPr>
+          <p:cNvPr id="4" name="Объект 3"/>
+          <p:cNvSpPr>
+            <a:spLocks noGrp="1"/>
+          </p:cNvSpPr>
+          <p:nvPr>
+            <p:ph idx="1"/>
+          </p:nvPr>
+        </p:nvSpPr>
+        <p:spPr/>
+        <p:txBody>
+          <a:bodyPr/>
+          <a:lstStyle/>
+          <a:p>
+            <a:endParaRPr lang="ru-RU" dirty="0"/>
+          </a:p>
+        </p:txBody>
+      </p:sp>
+      <p:sp>
+        <p:nvSpPr>
+          <p:cNvPr id="2" name="Номер слайда 1"/>
+          <p:cNvSpPr>
+            <a:spLocks noGrp="1"/>
+          </p:cNvSpPr>
+          <p:nvPr>
+            <p:ph type="sldNum" sz="quarter" idx="12"/>
+          </p:nvPr>
+        </p:nvSpPr>
+        <p:spPr/>
+        <p:txBody>
+          <a:bodyPr/>
+          <a:lstStyle/>
+          <a:p>
+            <a:fld id="{8AF177A2-331A-49A6-919F-173C51BBA4D7}" type="slidenum">
+              <a:rPr lang="ru-RU" smtClean="0"/>
+              <a:t>4</a:t>
+            </a:fld>
+            <a:endParaRPr lang="ru-RU"/>
+          </a:p>
+        </p:txBody>
+      </p:sp>
+      <p:sp>
+        <p:nvSpPr>
+          <p:cNvPr id="6" name="Заголовок 1"/>
+          <p:cNvSpPr>
+            <a:spLocks noGrp="1"/>
+          </p:cNvSpPr>
+          <p:nvPr>
+            <p:ph type="title"/>
+          </p:nvPr>
+        </p:nvSpPr>
+        <p:spPr>
+          <a:xfrm>
+            <a:off x="812441" y="181938"/>
+            <a:ext cx="10701271" cy="1261167"/>
+          </a:xfrm>
+        </p:spPr>
+        <p:txBody>
+          <a:bodyPr>
+            <a:normAutofit/>
+          </a:bodyPr>
+          <a:lstStyle/>
+          <a:p>
+            <a:pPr algn="ctr"/>
+            <a:r>
+              <a:rPr lang="ru-RU" sz="3600" dirty="0" smtClean="0">
+                <a:solidFill>
+                  <a:srgbClr val="0070C0"/>
+                </a:solidFill>
+                <a:latin typeface="Times New Roman" panose="02020603050405020304" pitchFamily="18" charset="0"/>
+                <a:cs typeface="Times New Roman" panose="02020603050405020304" pitchFamily="18" charset="0"/>
+              </a:rPr>
+              <a:t>Разработка модели </a:t>
+            </a:r>
+            <a:r>
+              <a:rPr lang="ru-RU" sz="3600" dirty="0" err="1" smtClean="0">
+                <a:solidFill>
+                  <a:srgbClr val="0070C0"/>
+                </a:solidFill>
+                <a:latin typeface="Times New Roman" panose="02020603050405020304" pitchFamily="18" charset="0"/>
+                <a:cs typeface="Times New Roman" panose="02020603050405020304" pitchFamily="18" charset="0"/>
+              </a:rPr>
+              <a:t>графовой</a:t>
+            </a:r>
+            <a:r>
+              <a:rPr lang="ru-RU" sz="3600" dirty="0" smtClean="0">
+                <a:solidFill>
+                  <a:srgbClr val="0070C0"/>
+                </a:solidFill>
+                <a:latin typeface="Times New Roman" panose="02020603050405020304" pitchFamily="18" charset="0"/>
+                <a:cs typeface="Times New Roman" panose="02020603050405020304" pitchFamily="18" charset="0"/>
+              </a:rPr>
+              <a:t> базы данных</a:t>
+            </a:r>
+            <a:endParaRPr lang="ru-RU" sz="3600" dirty="0">
+              <a:solidFill>
+                <a:srgbClr val="0070C0"/>
+              </a:solidFill>
+              <a:latin typeface="Times New Roman" panose="02020603050405020304" pitchFamily="18" charset="0"/>
+              <a:cs typeface="Times New Roman" panose="02020603050405020304" pitchFamily="18" charset="0"/>
+            </a:endParaRPr>
+          </a:p>
+        </p:txBody>
+      </p:sp>
+    </p:spTree>
+    <p:extLst>
+      <p:ext uri="{BB962C8B-B14F-4D97-AF65-F5344CB8AC3E}">
+        <p14:creationId xmlns:p14="http://schemas.microsoft.com/office/powerpoint/2010/main" val="1382114677"/>
+      </p:ext>
+    </p:extLst>
+  </p:cSld>
+  <p:clrMapOvr>
+    <a:masterClrMapping/>
+  </p:clrMapOvr>
+</p:sld>
+</file>
+
+<file path=ppt/slides/slide5.xml><?xml version="1.0" encoding="utf-8"?>
+<p:sld xmlns:a="http://schemas.openxmlformats.org/drawingml/2006/main" xmlns:r="http://schemas.openxmlformats.org/officeDocument/2006/relationships" xmlns:p="http://schemas.openxmlformats.org/presentationml/2006/main">
+  <p:cSld>
+    <p:spTree>
+      <p:nvGrpSpPr>
+        <p:cNvPr id="1" name=""/>
+        <p:cNvGrpSpPr/>
+        <p:nvPr/>
+      </p:nvGrpSpPr>
+      <p:grpSpPr>
+        <a:xfrm>
+          <a:off x="0" y="0"/>
+          <a:ext cx="0" cy="0"/>
+          <a:chOff x="0" y="0"/>
+          <a:chExt cx="0" cy="0"/>
+        </a:xfrm>
+      </p:grpSpPr>
+      <p:sp>
+        <p:nvSpPr>
+          <p:cNvPr id="4" name="Объект 3"/>
+          <p:cNvSpPr>
+            <a:spLocks noGrp="1"/>
+          </p:cNvSpPr>
+          <p:nvPr>
+            <p:ph idx="1"/>
+          </p:nvPr>
+        </p:nvSpPr>
+        <p:spPr/>
+        <p:txBody>
+          <a:bodyPr/>
+          <a:lstStyle/>
+          <a:p>
+            <a:endParaRPr lang="ru-RU" dirty="0"/>
+          </a:p>
+        </p:txBody>
+      </p:sp>
+      <p:sp>
+        <p:nvSpPr>
+          <p:cNvPr id="2" name="Номер слайда 1"/>
+          <p:cNvSpPr>
+            <a:spLocks noGrp="1"/>
+          </p:cNvSpPr>
+          <p:nvPr>
+            <p:ph type="sldNum" sz="quarter" idx="12"/>
+          </p:nvPr>
+        </p:nvSpPr>
+        <p:spPr/>
+        <p:txBody>
+          <a:bodyPr/>
+          <a:lstStyle/>
+          <a:p>
+            <a:fld id="{8AF177A2-331A-49A6-919F-173C51BBA4D7}" type="slidenum">
+              <a:rPr lang="ru-RU" smtClean="0"/>
+              <a:t>5</a:t>
+            </a:fld>
+            <a:endParaRPr lang="ru-RU"/>
+          </a:p>
+        </p:txBody>
+      </p:sp>
+      <p:sp>
+        <p:nvSpPr>
+          <p:cNvPr id="6" name="Заголовок 1"/>
+          <p:cNvSpPr>
+            <a:spLocks noGrp="1"/>
+          </p:cNvSpPr>
+          <p:nvPr>
+            <p:ph type="title"/>
+          </p:nvPr>
+        </p:nvSpPr>
+        <p:spPr>
+          <a:xfrm>
+            <a:off x="812441" y="181938"/>
+            <a:ext cx="10701271" cy="1261167"/>
+          </a:xfrm>
+        </p:spPr>
+        <p:txBody>
+          <a:bodyPr>
+            <a:normAutofit/>
+          </a:bodyPr>
+          <a:lstStyle/>
+          <a:p>
+            <a:pPr algn="ctr"/>
+            <a:r>
+              <a:rPr lang="ru-RU" sz="3600" dirty="0" smtClean="0">
+                <a:solidFill>
+                  <a:srgbClr val="0070C0"/>
+                </a:solidFill>
+                <a:latin typeface="Times New Roman" panose="02020603050405020304" pitchFamily="18" charset="0"/>
+                <a:cs typeface="Times New Roman" panose="02020603050405020304" pitchFamily="18" charset="0"/>
+              </a:rPr>
+              <a:t>Преимущества </a:t>
+            </a:r>
+            <a:r>
+              <a:rPr lang="ru-RU" sz="3600" dirty="0" err="1" smtClean="0">
+                <a:solidFill>
+                  <a:srgbClr val="0070C0"/>
+                </a:solidFill>
+                <a:latin typeface="Times New Roman" panose="02020603050405020304" pitchFamily="18" charset="0"/>
+                <a:cs typeface="Times New Roman" panose="02020603050405020304" pitchFamily="18" charset="0"/>
+              </a:rPr>
+              <a:t>графовой</a:t>
+            </a:r>
+            <a:r>
+              <a:rPr lang="ru-RU" sz="3600" dirty="0" smtClean="0">
+                <a:solidFill>
+                  <a:srgbClr val="0070C0"/>
+                </a:solidFill>
+                <a:latin typeface="Times New Roman" panose="02020603050405020304" pitchFamily="18" charset="0"/>
+                <a:cs typeface="Times New Roman" panose="02020603050405020304" pitchFamily="18" charset="0"/>
+              </a:rPr>
+              <a:t> модели данных</a:t>
+            </a:r>
+            <a:endParaRPr lang="ru-RU" sz="3600" dirty="0">
+              <a:solidFill>
+                <a:srgbClr val="0070C0"/>
+              </a:solidFill>
+              <a:latin typeface="Times New Roman" panose="02020603050405020304" pitchFamily="18" charset="0"/>
+              <a:cs typeface="Times New Roman" panose="02020603050405020304" pitchFamily="18" charset="0"/>
+            </a:endParaRPr>
+          </a:p>
+        </p:txBody>
+      </p:sp>
+    </p:spTree>
+    <p:extLst>
+      <p:ext uri="{BB962C8B-B14F-4D97-AF65-F5344CB8AC3E}">
+        <p14:creationId xmlns:p14="http://schemas.microsoft.com/office/powerpoint/2010/main" val="1801223586"/>
+      </p:ext>
+    </p:extLst>
+  </p:cSld>
+  <p:clrMapOvr>
+    <a:masterClrMapping/>
+  </p:clrMapOvr>
+</p:sld>
+</file>
+
+<file path=ppt/slides/slide6.xml><?xml version="1.0" encoding="utf-8"?>
+<p:sld xmlns:a="http://schemas.openxmlformats.org/drawingml/2006/main" xmlns:r="http://schemas.openxmlformats.org/officeDocument/2006/relationships" xmlns:p="http://schemas.openxmlformats.org/presentationml/2006/main">
+  <p:cSld>
+    <p:spTree>
+      <p:nvGrpSpPr>
+        <p:cNvPr id="1" name=""/>
+        <p:cNvGrpSpPr/>
+        <p:nvPr/>
+      </p:nvGrpSpPr>
+      <p:grpSpPr>
+        <a:xfrm>
+          <a:off x="0" y="0"/>
+          <a:ext cx="0" cy="0"/>
+          <a:chOff x="0" y="0"/>
+          <a:chExt cx="0" cy="0"/>
+        </a:xfrm>
+      </p:grpSpPr>
+      <p:sp>
+        <p:nvSpPr>
+          <p:cNvPr id="4" name="Объект 3"/>
+          <p:cNvSpPr>
+            <a:spLocks noGrp="1"/>
+          </p:cNvSpPr>
+          <p:nvPr>
+            <p:ph idx="1"/>
+          </p:nvPr>
+        </p:nvSpPr>
+        <p:spPr/>
+        <p:txBody>
+          <a:bodyPr/>
+          <a:lstStyle/>
+          <a:p>
+            <a:endParaRPr lang="ru-RU" dirty="0"/>
+          </a:p>
+        </p:txBody>
+      </p:sp>
+      <p:sp>
+        <p:nvSpPr>
+          <p:cNvPr id="2" name="Номер слайда 1"/>
+          <p:cNvSpPr>
+            <a:spLocks noGrp="1"/>
+          </p:cNvSpPr>
+          <p:nvPr>
+            <p:ph type="sldNum" sz="quarter" idx="12"/>
+          </p:nvPr>
+        </p:nvSpPr>
+        <p:spPr/>
+        <p:txBody>
+          <a:bodyPr/>
+          <a:lstStyle/>
+          <a:p>
+            <a:fld id="{8AF177A2-331A-49A6-919F-173C51BBA4D7}" type="slidenum">
+              <a:rPr lang="ru-RU" smtClean="0"/>
+              <a:t>6</a:t>
+            </a:fld>
+            <a:endParaRPr lang="ru-RU"/>
+          </a:p>
+        </p:txBody>
+      </p:sp>
+      <p:sp>
+        <p:nvSpPr>
+          <p:cNvPr id="6" name="Заголовок 1"/>
+          <p:cNvSpPr>
+            <a:spLocks noGrp="1"/>
+          </p:cNvSpPr>
+          <p:nvPr>
+            <p:ph type="title"/>
+          </p:nvPr>
+        </p:nvSpPr>
+        <p:spPr>
+          <a:xfrm>
+            <a:off x="812441" y="181938"/>
+            <a:ext cx="10701271" cy="1261167"/>
+          </a:xfrm>
+        </p:spPr>
+        <p:txBody>
+          <a:bodyPr>
+            <a:normAutofit/>
+          </a:bodyPr>
+          <a:lstStyle/>
+          <a:p>
+            <a:pPr algn="ctr"/>
+            <a:r>
+              <a:rPr lang="ru-RU" sz="3600" dirty="0" smtClean="0">
+                <a:solidFill>
+                  <a:srgbClr val="0070C0"/>
+                </a:solidFill>
+                <a:latin typeface="Times New Roman" panose="02020603050405020304" pitchFamily="18" charset="0"/>
+                <a:cs typeface="Times New Roman" panose="02020603050405020304" pitchFamily="18" charset="0"/>
+              </a:rPr>
+              <a:t>СУБД </a:t>
+            </a:r>
+            <a:r>
+              <a:rPr lang="en-US" sz="3600" dirty="0" smtClean="0">
+                <a:solidFill>
+                  <a:srgbClr val="0070C0"/>
+                </a:solidFill>
+                <a:latin typeface="Times New Roman" panose="02020603050405020304" pitchFamily="18" charset="0"/>
+                <a:cs typeface="Times New Roman" panose="02020603050405020304" pitchFamily="18" charset="0"/>
+              </a:rPr>
+              <a:t>Neo4j </a:t>
+            </a:r>
+            <a:r>
+              <a:rPr lang="ru-RU" sz="3600" dirty="0" smtClean="0">
+                <a:solidFill>
+                  <a:srgbClr val="0070C0"/>
+                </a:solidFill>
+                <a:latin typeface="Times New Roman" panose="02020603050405020304" pitchFamily="18" charset="0"/>
+                <a:cs typeface="Times New Roman" panose="02020603050405020304" pitchFamily="18" charset="0"/>
+              </a:rPr>
+              <a:t>и ее производительность</a:t>
+            </a:r>
+            <a:endParaRPr lang="ru-RU" sz="3600" dirty="0">
+              <a:solidFill>
+                <a:srgbClr val="0070C0"/>
+              </a:solidFill>
+              <a:latin typeface="Times New Roman" panose="02020603050405020304" pitchFamily="18" charset="0"/>
+              <a:cs typeface="Times New Roman" panose="02020603050405020304" pitchFamily="18" charset="0"/>
+            </a:endParaRPr>
+          </a:p>
+        </p:txBody>
+      </p:sp>
+    </p:spTree>
+    <p:extLst>
+      <p:ext uri="{BB962C8B-B14F-4D97-AF65-F5344CB8AC3E}">
+        <p14:creationId xmlns:p14="http://schemas.microsoft.com/office/powerpoint/2010/main" val="4282381654"/>
+      </p:ext>
+    </p:extLst>
+  </p:cSld>
+  <p:clrMapOvr>
+    <a:masterClrMapping/>
+  </p:clrMapOvr>
+</p:sld>
+</file>
+
+<file path=ppt/slides/slide7.xml><?xml version="1.0" encoding="utf-8"?>
+<p:sld xmlns:a="http://schemas.openxmlformats.org/drawingml/2006/main" xmlns:r="http://schemas.openxmlformats.org/officeDocument/2006/relationships" xmlns:p="http://schemas.openxmlformats.org/presentationml/2006/main">
+  <p:cSld>
+    <p:spTree>
+      <p:nvGrpSpPr>
+        <p:cNvPr id="1" name=""/>
+        <p:cNvGrpSpPr/>
+        <p:nvPr/>
+      </p:nvGrpSpPr>
+      <p:grpSpPr>
+        <a:xfrm>
+          <a:off x="0" y="0"/>
+          <a:ext cx="0" cy="0"/>
+          <a:chOff x="0" y="0"/>
+          <a:chExt cx="0" cy="0"/>
+        </a:xfrm>
+      </p:grpSpPr>
+      <p:sp>
+        <p:nvSpPr>
+          <p:cNvPr id="4" name="Объект 3"/>
+          <p:cNvSpPr>
+            <a:spLocks noGrp="1"/>
+          </p:cNvSpPr>
+          <p:nvPr>
+            <p:ph idx="1"/>
+          </p:nvPr>
+        </p:nvSpPr>
+        <p:spPr/>
+        <p:txBody>
+          <a:bodyPr/>
+          <a:lstStyle/>
+          <a:p>
+            <a:endParaRPr lang="ru-RU" dirty="0"/>
+          </a:p>
+        </p:txBody>
+      </p:sp>
+      <p:sp>
+        <p:nvSpPr>
+          <p:cNvPr id="2" name="Номер слайда 1"/>
+          <p:cNvSpPr>
+            <a:spLocks noGrp="1"/>
+          </p:cNvSpPr>
+          <p:nvPr>
+            <p:ph type="sldNum" sz="quarter" idx="12"/>
+          </p:nvPr>
+        </p:nvSpPr>
+        <p:spPr/>
+        <p:txBody>
+          <a:bodyPr/>
+          <a:lstStyle/>
+          <a:p>
+            <a:fld id="{8AF177A2-331A-49A6-919F-173C51BBA4D7}" type="slidenum">
+              <a:rPr lang="ru-RU" smtClean="0"/>
+              <a:t>7</a:t>
+            </a:fld>
+            <a:endParaRPr lang="ru-RU"/>
+          </a:p>
+        </p:txBody>
+      </p:sp>
+      <p:sp>
+        <p:nvSpPr>
+          <p:cNvPr id="6" name="Заголовок 1"/>
+          <p:cNvSpPr>
+            <a:spLocks noGrp="1"/>
+          </p:cNvSpPr>
+          <p:nvPr>
+            <p:ph type="title"/>
+          </p:nvPr>
+        </p:nvSpPr>
+        <p:spPr>
+          <a:xfrm>
+            <a:off x="812441" y="181938"/>
+            <a:ext cx="10701271" cy="1261167"/>
+          </a:xfrm>
+        </p:spPr>
+        <p:txBody>
+          <a:bodyPr>
+            <a:normAutofit/>
+          </a:bodyPr>
+          <a:lstStyle/>
+          <a:p>
+            <a:pPr algn="ctr"/>
+            <a:r>
+              <a:rPr lang="ru-RU" sz="3600" dirty="0" smtClean="0">
+                <a:solidFill>
+                  <a:srgbClr val="0070C0"/>
+                </a:solidFill>
+                <a:latin typeface="Times New Roman" panose="02020603050405020304" pitchFamily="18" charset="0"/>
+                <a:cs typeface="Times New Roman" panose="02020603050405020304" pitchFamily="18" charset="0"/>
+              </a:rPr>
+              <a:t>Язык запросов </a:t>
+            </a:r>
+            <a:r>
+              <a:rPr lang="en-US" sz="3600" dirty="0" smtClean="0">
+                <a:solidFill>
+                  <a:srgbClr val="0070C0"/>
+                </a:solidFill>
+                <a:latin typeface="Times New Roman" panose="02020603050405020304" pitchFamily="18" charset="0"/>
+                <a:cs typeface="Times New Roman" panose="02020603050405020304" pitchFamily="18" charset="0"/>
+              </a:rPr>
+              <a:t>Cypher</a:t>
+            </a:r>
+            <a:endParaRPr lang="ru-RU" sz="3600" dirty="0">
+              <a:solidFill>
+                <a:srgbClr val="0070C0"/>
+              </a:solidFill>
+              <a:latin typeface="Times New Roman" panose="02020603050405020304" pitchFamily="18" charset="0"/>
+              <a:cs typeface="Times New Roman" panose="02020603050405020304" pitchFamily="18" charset="0"/>
+            </a:endParaRPr>
+          </a:p>
+        </p:txBody>
+      </p:sp>
+    </p:spTree>
+    <p:extLst>
+      <p:ext uri="{BB962C8B-B14F-4D97-AF65-F5344CB8AC3E}">
+        <p14:creationId xmlns:p14="http://schemas.microsoft.com/office/powerpoint/2010/main" val="3998806085"/>
+      </p:ext>
+    </p:extLst>
+  </p:cSld>
+  <p:clrMapOvr>
+    <a:masterClrMapping/>
+  </p:clrMapOvr>
+</p:sld>
+</file>
+
+<file path=ppt/slides/slide8.xml><?xml version="1.0" encoding="utf-8"?>
+<p:sld xmlns:a="http://schemas.openxmlformats.org/drawingml/2006/main" xmlns:r="http://schemas.openxmlformats.org/officeDocument/2006/relationships" xmlns:p="http://schemas.openxmlformats.org/presentationml/2006/main">
+  <p:cSld>
+    <p:spTree>
+      <p:nvGrpSpPr>
+        <p:cNvPr id="1" name=""/>
+        <p:cNvGrpSpPr/>
+        <p:nvPr/>
+      </p:nvGrpSpPr>
+      <p:grpSpPr>
+        <a:xfrm>
+          <a:off x="0" y="0"/>
+          <a:ext cx="0" cy="0"/>
+          <a:chOff x="0" y="0"/>
+          <a:chExt cx="0" cy="0"/>
+        </a:xfrm>
+      </p:grpSpPr>
+      <p:pic>
+        <p:nvPicPr>
+          <p:cNvPr id="3" name="Объект 2"/>
+          <p:cNvPicPr>
+            <a:picLocks noGrp="1" noChangeAspect="1"/>
+          </p:cNvPicPr>
+          <p:nvPr>
+            <p:ph idx="1"/>
+          </p:nvPr>
+        </p:nvPicPr>
+        <p:blipFill>
+          <a:blip r:embed="rId2">
+            <a:extLst>
+              <a:ext uri="{28A0092B-C50C-407E-A947-70E740481C1C}">
+                <a14:useLocalDpi xmlns:a14="http://schemas.microsoft.com/office/drawing/2010/main" val="0"/>
+              </a:ext>
+            </a:extLst>
+          </a:blip>
+          <a:stretch>
+            <a:fillRect/>
+          </a:stretch>
+        </p:blipFill>
+        <p:spPr>
+          <a:xfrm>
+            <a:off x="742332" y="1171060"/>
+            <a:ext cx="10841488" cy="5185290"/>
+          </a:xfrm>
+        </p:spPr>
+      </p:pic>
+      <p:sp>
+        <p:nvSpPr>
+          <p:cNvPr id="2" name="Номер слайда 1"/>
+          <p:cNvSpPr>
+            <a:spLocks noGrp="1"/>
+          </p:cNvSpPr>
+          <p:nvPr>
+            <p:ph type="sldNum" sz="quarter" idx="12"/>
+          </p:nvPr>
+        </p:nvSpPr>
+        <p:spPr/>
+        <p:txBody>
+          <a:bodyPr/>
+          <a:lstStyle/>
+          <a:p>
+            <a:fld id="{8AF177A2-331A-49A6-919F-173C51BBA4D7}" type="slidenum">
+              <a:rPr lang="ru-RU" smtClean="0"/>
+              <a:t>8</a:t>
+            </a:fld>
+            <a:endParaRPr lang="ru-RU"/>
+          </a:p>
+        </p:txBody>
+      </p:sp>
+      <p:sp>
+        <p:nvSpPr>
+          <p:cNvPr id="6" name="Заголовок 1"/>
+          <p:cNvSpPr>
+            <a:spLocks noGrp="1"/>
+          </p:cNvSpPr>
+          <p:nvPr>
+            <p:ph type="title"/>
+          </p:nvPr>
+        </p:nvSpPr>
+        <p:spPr>
+          <a:xfrm>
+            <a:off x="812441" y="181938"/>
+            <a:ext cx="10701271" cy="1261167"/>
+          </a:xfrm>
+        </p:spPr>
+        <p:txBody>
+          <a:bodyPr>
+            <a:normAutofit/>
+          </a:bodyPr>
+          <a:lstStyle/>
+          <a:p>
+            <a:pPr algn="ctr"/>
+            <a:r>
+              <a:rPr lang="ru-RU" sz="3600" dirty="0" smtClean="0">
+                <a:solidFill>
+                  <a:srgbClr val="0070C0"/>
+                </a:solidFill>
+                <a:latin typeface="Times New Roman" panose="02020603050405020304" pitchFamily="18" charset="0"/>
+                <a:cs typeface="Times New Roman" panose="02020603050405020304" pitchFamily="18" charset="0"/>
+              </a:rPr>
+              <a:t>Схема разработанной </a:t>
+            </a:r>
+            <a:r>
+              <a:rPr lang="ru-RU" sz="3600" dirty="0" err="1" smtClean="0">
+                <a:solidFill>
+                  <a:srgbClr val="0070C0"/>
+                </a:solidFill>
+                <a:latin typeface="Times New Roman" panose="02020603050405020304" pitchFamily="18" charset="0"/>
+                <a:cs typeface="Times New Roman" panose="02020603050405020304" pitchFamily="18" charset="0"/>
+              </a:rPr>
+              <a:t>графовой</a:t>
+            </a:r>
+            <a:r>
+              <a:rPr lang="ru-RU" sz="3600" dirty="0" smtClean="0">
+                <a:solidFill>
+                  <a:srgbClr val="0070C0"/>
+                </a:solidFill>
+                <a:latin typeface="Times New Roman" panose="02020603050405020304" pitchFamily="18" charset="0"/>
+                <a:cs typeface="Times New Roman" panose="02020603050405020304" pitchFamily="18" charset="0"/>
+              </a:rPr>
+              <a:t> БД</a:t>
+            </a:r>
+            <a:endParaRPr lang="ru-RU" sz="3600" dirty="0">
+              <a:solidFill>
+                <a:srgbClr val="0070C0"/>
+              </a:solidFill>
+              <a:latin typeface="Times New Roman" panose="02020603050405020304" pitchFamily="18" charset="0"/>
+              <a:cs typeface="Times New Roman" panose="02020603050405020304" pitchFamily="18" charset="0"/>
+            </a:endParaRPr>
+          </a:p>
+        </p:txBody>
+      </p:sp>
+    </p:spTree>
+    <p:extLst>
+      <p:ext uri="{BB962C8B-B14F-4D97-AF65-F5344CB8AC3E}">
+        <p14:creationId xmlns:p14="http://schemas.microsoft.com/office/powerpoint/2010/main" val="4266571932"/>
+      </p:ext>
+    </p:extLst>
+  </p:cSld>
+  <p:clrMapOvr>
+    <a:masterClrMapping/>
+  </p:clrMapOvr>
+</p:sld>
+</file>
+
+<file path=ppt/slides/slide9.xml><?xml version="1.0" encoding="utf-8"?>
+<p:sld xmlns:a="http://schemas.openxmlformats.org/drawingml/2006/main" xmlns:r="http://schemas.openxmlformats.org/officeDocument/2006/relationships" xmlns:p="http://schemas.openxmlformats.org/presentationml/2006/main">
+  <p:cSld>
+    <p:spTree>
+      <p:nvGrpSpPr>
+        <p:cNvPr id="1" name=""/>
+        <p:cNvGrpSpPr/>
+        <p:nvPr/>
+      </p:nvGrpSpPr>
+      <p:grpSpPr>
+        <a:xfrm>
+          <a:off x="0" y="0"/>
+          <a:ext cx="0" cy="0"/>
+          <a:chOff x="0" y="0"/>
+          <a:chExt cx="0" cy="0"/>
+        </a:xfrm>
+      </p:grpSpPr>
+      <p:sp>
+        <p:nvSpPr>
+          <p:cNvPr id="2" name="Номер слайда 1"/>
+          <p:cNvSpPr>
+            <a:spLocks noGrp="1"/>
+          </p:cNvSpPr>
+          <p:nvPr>
+            <p:ph type="sldNum" sz="quarter" idx="12"/>
+          </p:nvPr>
+        </p:nvSpPr>
+        <p:spPr/>
+        <p:txBody>
+          <a:bodyPr/>
+          <a:lstStyle/>
+          <a:p>
+            <a:fld id="{8AF177A2-331A-49A6-919F-173C51BBA4D7}" type="slidenum">
+              <a:rPr lang="ru-RU" smtClean="0"/>
+              <a:t>9</a:t>
+            </a:fld>
+            <a:endParaRPr lang="ru-RU"/>
+          </a:p>
+        </p:txBody>
+      </p:sp>
+      <p:sp>
+        <p:nvSpPr>
+          <p:cNvPr id="3" name="Заголовок 1"/>
+          <p:cNvSpPr txBox="1">
+            <a:spLocks/>
+          </p:cNvSpPr>
+          <p:nvPr/>
+        </p:nvSpPr>
+        <p:spPr>
+          <a:xfrm>
+            <a:off x="812441" y="476518"/>
+            <a:ext cx="10701271" cy="966587"/>
+          </a:xfrm>
+          <a:prstGeom prst="rect">
+            <a:avLst/>
+          </a:prstGeom>
+        </p:spPr>
+        <p:txBody>
+          <a:bodyPr>
+            <a:normAutofit/>
+          </a:bodyPr>
+          <a:lstStyle>
+            <a:lvl1pPr algn="l" defTabSz="914400" rtl="0" eaLnBrk="1" latinLnBrk="0" hangingPunct="1">
+              <a:lnSpc>
+                <a:spcPct val="90000"/>
+              </a:lnSpc>
+              <a:spcBef>
+                <a:spcPct val="0"/>
+              </a:spcBef>
+              <a:buNone/>
+              <a:defRPr sz="4400" kern="1200">
+                <a:solidFill>
+                  <a:schemeClr val="tx1"/>
+                </a:solidFill>
+                <a:latin typeface="+mj-lt"/>
+                <a:ea typeface="+mj-ea"/>
+                <a:cs typeface="+mj-cs"/>
+              </a:defRPr>
+            </a:lvl1pPr>
+          </a:lstStyle>
+          <a:p>
+            <a:pPr algn="ctr"/>
+            <a:r>
+              <a:rPr lang="ru-RU" sz="3600" dirty="0" smtClean="0">
+                <a:solidFill>
+                  <a:srgbClr val="0070C0"/>
+                </a:solidFill>
+                <a:latin typeface="Times New Roman" panose="02020603050405020304" pitchFamily="18" charset="0"/>
+                <a:cs typeface="Times New Roman" panose="02020603050405020304" pitchFamily="18" charset="0"/>
+              </a:rPr>
+              <a:t>Охрана труда</a:t>
+            </a:r>
+            <a:endParaRPr lang="ru-RU" sz="3600" dirty="0">
+              <a:solidFill>
+                <a:srgbClr val="0070C0"/>
+              </a:solidFill>
+              <a:latin typeface="Times New Roman" panose="02020603050405020304" pitchFamily="18" charset="0"/>
+              <a:cs typeface="Times New Roman" panose="02020603050405020304" pitchFamily="18" charset="0"/>
+            </a:endParaRPr>
+          </a:p>
+        </p:txBody>
+      </p:sp>
+      <p:pic>
+        <p:nvPicPr>
+          <p:cNvPr id="5" name="Рисунок 4"/>
+          <p:cNvPicPr>
+            <a:picLocks noChangeAspect="1"/>
+          </p:cNvPicPr>
+          <p:nvPr/>
+        </p:nvPicPr>
+        <p:blipFill>
+          <a:blip r:embed="rId2">
+            <a:extLst>
+              <a:ext uri="{28A0092B-C50C-407E-A947-70E740481C1C}">
+                <a14:useLocalDpi xmlns:a14="http://schemas.microsoft.com/office/drawing/2010/main" val="0"/>
+              </a:ext>
+            </a:extLst>
+          </a:blip>
+          <a:stretch>
+            <a:fillRect/>
+          </a:stretch>
+        </p:blipFill>
+        <p:spPr>
+          <a:xfrm>
+            <a:off x="10059473" y="476518"/>
+            <a:ext cx="1847517" cy="1847517"/>
+          </a:xfrm>
+          <a:prstGeom prst="rect">
+            <a:avLst/>
+          </a:prstGeom>
+        </p:spPr>
+      </p:pic>
+      <p:graphicFrame>
+        <p:nvGraphicFramePr>
+          <p:cNvPr id="7" name="Таблица 6"/>
+          <p:cNvGraphicFramePr>
+            <a:graphicFrameLocks noGrp="1"/>
+          </p:cNvGraphicFramePr>
+          <p:nvPr>
+            <p:extLst>
+              <p:ext uri="{D42A27DB-BD31-4B8C-83A1-F6EECF244321}">
+                <p14:modId xmlns:p14="http://schemas.microsoft.com/office/powerpoint/2010/main" val="1267352394"/>
+              </p:ext>
+            </p:extLst>
+          </p:nvPr>
+        </p:nvGraphicFramePr>
+        <p:xfrm>
+          <a:off x="892396" y="2452824"/>
+          <a:ext cx="10541359" cy="2458345"/>
+        </p:xfrm>
+        <a:graphic>
+          <a:graphicData uri="http://schemas.openxmlformats.org/drawingml/2006/table">
+            <a:tbl>
+              <a:tblPr firstRow="1" bandRow="1">
+                <a:tableStyleId>{5C22544A-7EE6-4342-B048-85BDC9FD1C3A}</a:tableStyleId>
+              </a:tblPr>
+              <a:tblGrid>
+                <a:gridCol w="4941261">
+                  <a:extLst>
+                    <a:ext uri="{9D8B030D-6E8A-4147-A177-3AD203B41FA5}">
+                      <a16:colId xmlns:a16="http://schemas.microsoft.com/office/drawing/2014/main" val="2344075321"/>
+                    </a:ext>
+                  </a:extLst>
+                </a:gridCol>
+                <a:gridCol w="2785074">
+                  <a:extLst>
+                    <a:ext uri="{9D8B030D-6E8A-4147-A177-3AD203B41FA5}">
+                      <a16:colId xmlns:a16="http://schemas.microsoft.com/office/drawing/2014/main" val="3613065358"/>
+                    </a:ext>
+                  </a:extLst>
+                </a:gridCol>
+                <a:gridCol w="2815024">
+                  <a:extLst>
+                    <a:ext uri="{9D8B030D-6E8A-4147-A177-3AD203B41FA5}">
+                      <a16:colId xmlns:a16="http://schemas.microsoft.com/office/drawing/2014/main" val="3996086893"/>
+                    </a:ext>
+                  </a:extLst>
+                </a:gridCol>
+              </a:tblGrid>
+              <a:tr h="491669">
+                <a:tc>
+                  <a:txBody>
+                    <a:bodyPr/>
+                    <a:lstStyle/>
+                    <a:p>
+                      <a:pPr algn="ctr"/>
+                      <a:r>
+                        <a:rPr lang="ru-RU" sz="2400" dirty="0" smtClean="0">
+                          <a:latin typeface="Times New Roman" panose="02020603050405020304" pitchFamily="18" charset="0"/>
+                          <a:cs typeface="Times New Roman" panose="02020603050405020304" pitchFamily="18" charset="0"/>
+                        </a:rPr>
+                        <a:t>Название показателя</a:t>
+                      </a:r>
+                      <a:endParaRPr lang="ru-RU" sz="2400" dirty="0">
+                        <a:latin typeface="Times New Roman" panose="02020603050405020304" pitchFamily="18" charset="0"/>
+                        <a:cs typeface="Times New Roman" panose="02020603050405020304" pitchFamily="18" charset="0"/>
+                      </a:endParaRPr>
+                    </a:p>
+                  </a:txBody>
+                  <a:tcPr anchor="ctr"/>
+                </a:tc>
+                <a:tc>
+                  <a:txBody>
+                    <a:bodyPr/>
+                    <a:lstStyle/>
+                    <a:p>
+                      <a:pPr algn="ctr"/>
+                      <a:r>
+                        <a:rPr lang="ru-RU" sz="2400" dirty="0" smtClean="0">
+                          <a:latin typeface="Times New Roman" panose="02020603050405020304" pitchFamily="18" charset="0"/>
+                          <a:cs typeface="Times New Roman" panose="02020603050405020304" pitchFamily="18" charset="0"/>
+                        </a:rPr>
+                        <a:t>До разработки</a:t>
+                      </a:r>
+                      <a:endParaRPr lang="ru-RU" sz="2400" dirty="0">
+                        <a:latin typeface="Times New Roman" panose="02020603050405020304" pitchFamily="18" charset="0"/>
+                        <a:cs typeface="Times New Roman" panose="02020603050405020304" pitchFamily="18" charset="0"/>
+                      </a:endParaRPr>
+                    </a:p>
+                  </a:txBody>
+                  <a:tcPr anchor="ctr"/>
+                </a:tc>
+                <a:tc>
+                  <a:txBody>
+                    <a:bodyPr/>
+                    <a:lstStyle/>
+                    <a:p>
+                      <a:pPr algn="ctr"/>
+                      <a:r>
+                        <a:rPr lang="ru-RU" sz="2400" dirty="0" smtClean="0">
+                          <a:latin typeface="Times New Roman" panose="02020603050405020304" pitchFamily="18" charset="0"/>
+                          <a:cs typeface="Times New Roman" panose="02020603050405020304" pitchFamily="18" charset="0"/>
+                        </a:rPr>
+                        <a:t>После разработки</a:t>
+                      </a:r>
+                      <a:endParaRPr lang="ru-RU" sz="2400" dirty="0">
+                        <a:latin typeface="Times New Roman" panose="02020603050405020304" pitchFamily="18" charset="0"/>
+                        <a:cs typeface="Times New Roman" panose="02020603050405020304" pitchFamily="18" charset="0"/>
+                      </a:endParaRPr>
+                    </a:p>
+                  </a:txBody>
+                  <a:tcPr anchor="ctr"/>
+                </a:tc>
+                <a:extLst>
+                  <a:ext uri="{0D108BD9-81ED-4DB2-BD59-A6C34878D82A}">
+                    <a16:rowId xmlns:a16="http://schemas.microsoft.com/office/drawing/2014/main" val="809668968"/>
+                  </a:ext>
+                </a:extLst>
+              </a:tr>
+              <a:tr h="491669">
+                <a:tc>
+                  <a:txBody>
+                    <a:bodyPr/>
+                    <a:lstStyle/>
+                    <a:p>
+                      <a:pPr algn="ctr"/>
+                      <a:r>
+                        <a:rPr lang="ru-RU" sz="2000" b="0" kern="1200" dirty="0" smtClean="0">
+                          <a:solidFill>
+                            <a:schemeClr val="dk1"/>
+                          </a:solidFill>
+                          <a:effectLst/>
+                          <a:latin typeface="Times New Roman" panose="02020603050405020304" pitchFamily="18" charset="0"/>
+                          <a:ea typeface="+mn-ea"/>
+                          <a:cs typeface="Times New Roman" panose="02020603050405020304" pitchFamily="18" charset="0"/>
+                        </a:rPr>
+                        <a:t>Физическая динамическая нагрузка</a:t>
+                      </a:r>
+                      <a:endParaRPr lang="ru-RU" sz="2000" b="0" dirty="0">
+                        <a:effectLst/>
+                        <a:latin typeface="Times New Roman" panose="02020603050405020304" pitchFamily="18" charset="0"/>
+                        <a:cs typeface="Times New Roman" panose="02020603050405020304" pitchFamily="18" charset="0"/>
+                      </a:endParaRPr>
+                    </a:p>
+                  </a:txBody>
+                  <a:tcPr anchor="ctr"/>
+                </a:tc>
+                <a:tc>
+                  <a:txBody>
+                    <a:bodyPr/>
+                    <a:lstStyle/>
+                    <a:p>
+                      <a:pPr algn="ctr"/>
+                      <a:r>
+                        <a:rPr lang="ru-RU" sz="2000" b="1" dirty="0" smtClean="0">
+                          <a:latin typeface="Times New Roman" panose="02020603050405020304" pitchFamily="18" charset="0"/>
+                          <a:cs typeface="Times New Roman" panose="02020603050405020304" pitchFamily="18" charset="0"/>
+                        </a:rPr>
+                        <a:t>175</a:t>
+                      </a:r>
+                      <a:r>
+                        <a:rPr lang="ru-RU" sz="2000" dirty="0" smtClean="0">
+                          <a:latin typeface="Times New Roman" panose="02020603050405020304" pitchFamily="18" charset="0"/>
+                          <a:cs typeface="Times New Roman" panose="02020603050405020304" pitchFamily="18" charset="0"/>
+                        </a:rPr>
+                        <a:t> кг</a:t>
+                      </a:r>
+                      <a:endParaRPr lang="ru-RU" sz="2000" dirty="0">
+                        <a:latin typeface="Times New Roman" panose="02020603050405020304" pitchFamily="18" charset="0"/>
+                        <a:cs typeface="Times New Roman" panose="02020603050405020304" pitchFamily="18" charset="0"/>
+                      </a:endParaRPr>
+                    </a:p>
+                  </a:txBody>
+                  <a:tcPr anchor="ctr"/>
+                </a:tc>
+                <a:tc>
+                  <a:txBody>
+                    <a:bodyPr/>
+                    <a:lstStyle/>
+                    <a:p>
+                      <a:pPr algn="ctr"/>
+                      <a:r>
+                        <a:rPr lang="ru-RU" sz="2000" b="1" dirty="0" smtClean="0">
+                          <a:latin typeface="Times New Roman" panose="02020603050405020304" pitchFamily="18" charset="0"/>
+                          <a:cs typeface="Times New Roman" panose="02020603050405020304" pitchFamily="18" charset="0"/>
+                        </a:rPr>
+                        <a:t>91</a:t>
+                      </a:r>
+                      <a:r>
+                        <a:rPr lang="ru-RU" sz="2000" dirty="0" smtClean="0">
+                          <a:latin typeface="Times New Roman" panose="02020603050405020304" pitchFamily="18" charset="0"/>
+                          <a:cs typeface="Times New Roman" panose="02020603050405020304" pitchFamily="18" charset="0"/>
+                        </a:rPr>
+                        <a:t> кг</a:t>
+                      </a:r>
+                      <a:endParaRPr lang="ru-RU" sz="2000" dirty="0">
+                        <a:latin typeface="Times New Roman" panose="02020603050405020304" pitchFamily="18" charset="0"/>
+                        <a:cs typeface="Times New Roman" panose="02020603050405020304" pitchFamily="18" charset="0"/>
+                      </a:endParaRPr>
+                    </a:p>
+                  </a:txBody>
+                  <a:tcPr anchor="ctr"/>
+                </a:tc>
+                <a:extLst>
+                  <a:ext uri="{0D108BD9-81ED-4DB2-BD59-A6C34878D82A}">
+                    <a16:rowId xmlns:a16="http://schemas.microsoft.com/office/drawing/2014/main" val="3752306081"/>
+                  </a:ext>
+                </a:extLst>
+              </a:tr>
+              <a:tr h="491669">
+                <a:tc>
+                  <a:txBody>
+                    <a:bodyPr/>
+                    <a:lstStyle/>
+                    <a:p>
+                      <a:pPr algn="ctr"/>
+                      <a:r>
+                        <a:rPr lang="ru-RU" sz="2000" b="0" kern="1200" dirty="0" smtClean="0">
+                          <a:solidFill>
+                            <a:schemeClr val="dk1"/>
+                          </a:solidFill>
+                          <a:effectLst/>
+                          <a:latin typeface="Times New Roman" panose="02020603050405020304" pitchFamily="18" charset="0"/>
+                          <a:ea typeface="+mn-ea"/>
+                          <a:cs typeface="Times New Roman" panose="02020603050405020304" pitchFamily="18" charset="0"/>
+                        </a:rPr>
+                        <a:t>Суммарная </a:t>
+                      </a:r>
+                      <a:r>
+                        <a:rPr lang="ru-RU" sz="2000" b="0" kern="1200" dirty="0" smtClean="0">
+                          <a:solidFill>
+                            <a:schemeClr val="dk1"/>
+                          </a:solidFill>
+                          <a:effectLst/>
+                          <a:latin typeface="Times New Roman" panose="02020603050405020304" pitchFamily="18" charset="0"/>
+                          <a:ea typeface="+mn-ea"/>
+                          <a:cs typeface="Times New Roman" panose="02020603050405020304" pitchFamily="18" charset="0"/>
+                        </a:rPr>
+                        <a:t>масс</a:t>
+                      </a:r>
+                      <a:r>
+                        <a:rPr lang="ru-RU" sz="2000" b="0" kern="1200" baseline="0" dirty="0" smtClean="0">
+                          <a:solidFill>
+                            <a:schemeClr val="dk1"/>
+                          </a:solidFill>
+                          <a:effectLst/>
+                          <a:latin typeface="Times New Roman" panose="02020603050405020304" pitchFamily="18" charset="0"/>
+                          <a:ea typeface="+mn-ea"/>
+                          <a:cs typeface="Times New Roman" panose="02020603050405020304" pitchFamily="18" charset="0"/>
+                        </a:rPr>
+                        <a:t> </a:t>
+                      </a:r>
+                      <a:r>
+                        <a:rPr lang="ru-RU" sz="2000" b="0" kern="1200" baseline="0" dirty="0" smtClean="0">
+                          <a:solidFill>
+                            <a:schemeClr val="dk1"/>
+                          </a:solidFill>
+                          <a:effectLst/>
+                          <a:latin typeface="Times New Roman" panose="02020603050405020304" pitchFamily="18" charset="0"/>
+                          <a:ea typeface="+mn-ea"/>
+                          <a:cs typeface="Times New Roman" panose="02020603050405020304" pitchFamily="18" charset="0"/>
+                        </a:rPr>
+                        <a:t>поднимаемого груза</a:t>
+                      </a:r>
+                      <a:endParaRPr lang="ru-RU" sz="2000" b="0" dirty="0">
+                        <a:effectLst/>
+                        <a:latin typeface="Times New Roman" panose="02020603050405020304" pitchFamily="18" charset="0"/>
+                        <a:cs typeface="Times New Roman" panose="02020603050405020304" pitchFamily="18" charset="0"/>
+                      </a:endParaRPr>
+                    </a:p>
+                  </a:txBody>
+                  <a:tcPr anchor="ctr"/>
+                </a:tc>
+                <a:tc>
+                  <a:txBody>
+                    <a:bodyPr/>
+                    <a:lstStyle/>
+                    <a:p>
+                      <a:pPr algn="ctr"/>
+                      <a:r>
+                        <a:rPr lang="ru-RU" sz="2000" b="1" dirty="0" smtClean="0">
+                          <a:latin typeface="Times New Roman" panose="02020603050405020304" pitchFamily="18" charset="0"/>
+                          <a:cs typeface="Times New Roman" panose="02020603050405020304" pitchFamily="18" charset="0"/>
+                        </a:rPr>
+                        <a:t>218,75 </a:t>
+                      </a:r>
+                      <a:r>
+                        <a:rPr lang="ru-RU" sz="2000" b="0" dirty="0" smtClean="0">
+                          <a:latin typeface="Times New Roman" panose="02020603050405020304" pitchFamily="18" charset="0"/>
+                          <a:cs typeface="Times New Roman" panose="02020603050405020304" pitchFamily="18" charset="0"/>
+                        </a:rPr>
+                        <a:t>кг</a:t>
+                      </a:r>
+                      <a:endParaRPr lang="ru-RU" sz="2000" b="1" dirty="0">
+                        <a:latin typeface="Times New Roman" panose="02020603050405020304" pitchFamily="18" charset="0"/>
+                        <a:cs typeface="Times New Roman" panose="02020603050405020304" pitchFamily="18" charset="0"/>
+                      </a:endParaRPr>
+                    </a:p>
+                  </a:txBody>
+                  <a:tcPr anchor="ctr"/>
+                </a:tc>
+                <a:tc>
+                  <a:txBody>
+                    <a:bodyPr/>
+                    <a:lstStyle/>
+                    <a:p>
+                      <a:pPr algn="ctr"/>
+                      <a:r>
+                        <a:rPr lang="ru-RU" sz="2000" b="1" dirty="0" smtClean="0">
+                          <a:latin typeface="Times New Roman" panose="02020603050405020304" pitchFamily="18" charset="0"/>
+                          <a:cs typeface="Times New Roman" panose="02020603050405020304" pitchFamily="18" charset="0"/>
+                        </a:rPr>
+                        <a:t>113,75</a:t>
+                      </a:r>
+                      <a:r>
+                        <a:rPr lang="ru-RU" sz="2000" dirty="0" smtClean="0">
+                          <a:latin typeface="Times New Roman" panose="02020603050405020304" pitchFamily="18" charset="0"/>
+                          <a:cs typeface="Times New Roman" panose="02020603050405020304" pitchFamily="18" charset="0"/>
+                        </a:rPr>
+                        <a:t> кг</a:t>
+                      </a:r>
+                      <a:endParaRPr lang="ru-RU" sz="2000" dirty="0">
+                        <a:latin typeface="Times New Roman" panose="02020603050405020304" pitchFamily="18" charset="0"/>
+                        <a:cs typeface="Times New Roman" panose="02020603050405020304" pitchFamily="18" charset="0"/>
+                      </a:endParaRPr>
+                    </a:p>
+                  </a:txBody>
+                  <a:tcPr anchor="ctr"/>
+                </a:tc>
+                <a:extLst>
+                  <a:ext uri="{0D108BD9-81ED-4DB2-BD59-A6C34878D82A}">
+                    <a16:rowId xmlns:a16="http://schemas.microsoft.com/office/drawing/2014/main" val="2630269369"/>
+                  </a:ext>
+                </a:extLst>
+              </a:tr>
+              <a:tr h="491669">
+                <a:tc>
+                  <a:txBody>
+                    <a:bodyPr/>
+                    <a:lstStyle/>
+                    <a:p>
+                      <a:pPr algn="ctr"/>
+                      <a:r>
+                        <a:rPr lang="ru-RU" sz="2000" b="0" kern="1200" dirty="0" smtClean="0">
+                          <a:solidFill>
+                            <a:schemeClr val="dk1"/>
+                          </a:solidFill>
+                          <a:effectLst/>
+                          <a:latin typeface="Times New Roman" panose="02020603050405020304" pitchFamily="18" charset="0"/>
+                          <a:ea typeface="+mn-ea"/>
+                          <a:cs typeface="Times New Roman" panose="02020603050405020304" pitchFamily="18" charset="0"/>
+                        </a:rPr>
+                        <a:t>Количество стереотипных движений </a:t>
+                      </a:r>
+                      <a:endParaRPr lang="ru-RU" sz="2000" b="0" dirty="0">
+                        <a:effectLst/>
+                        <a:latin typeface="Times New Roman" panose="02020603050405020304" pitchFamily="18" charset="0"/>
+                        <a:cs typeface="Times New Roman" panose="02020603050405020304" pitchFamily="18" charset="0"/>
+                      </a:endParaRPr>
+                    </a:p>
+                  </a:txBody>
+                  <a:tcPr anchor="ctr"/>
+                </a:tc>
+                <a:tc>
+                  <a:txBody>
+                    <a:bodyPr/>
+                    <a:lstStyle/>
+                    <a:p>
+                      <a:pPr algn="ctr"/>
+                      <a:r>
+                        <a:rPr lang="ru-RU" sz="2000" b="1" dirty="0" smtClean="0">
+                          <a:latin typeface="Times New Roman" panose="02020603050405020304" pitchFamily="18" charset="0"/>
+                          <a:cs typeface="Times New Roman" panose="02020603050405020304" pitchFamily="18" charset="0"/>
+                        </a:rPr>
+                        <a:t>10 000</a:t>
+                      </a:r>
+                      <a:endParaRPr lang="ru-RU" sz="2000" b="1" dirty="0">
+                        <a:latin typeface="Times New Roman" panose="02020603050405020304" pitchFamily="18" charset="0"/>
+                        <a:cs typeface="Times New Roman" panose="02020603050405020304" pitchFamily="18" charset="0"/>
+                      </a:endParaRPr>
+                    </a:p>
+                  </a:txBody>
+                  <a:tcPr anchor="ctr"/>
+                </a:tc>
+                <a:tc>
+                  <a:txBody>
+                    <a:bodyPr/>
+                    <a:lstStyle/>
+                    <a:p>
+                      <a:pPr algn="ctr"/>
+                      <a:r>
+                        <a:rPr lang="ru-RU" sz="2000" b="1" dirty="0" smtClean="0">
+                          <a:latin typeface="Times New Roman" panose="02020603050405020304" pitchFamily="18" charset="0"/>
+                          <a:cs typeface="Times New Roman" panose="02020603050405020304" pitchFamily="18" charset="0"/>
+                        </a:rPr>
+                        <a:t>5 200</a:t>
+                      </a:r>
+                      <a:endParaRPr lang="ru-RU" sz="2000" b="1" dirty="0">
+                        <a:latin typeface="Times New Roman" panose="02020603050405020304" pitchFamily="18" charset="0"/>
+                        <a:cs typeface="Times New Roman" panose="02020603050405020304" pitchFamily="18" charset="0"/>
+                      </a:endParaRPr>
+                    </a:p>
+                  </a:txBody>
+                  <a:tcPr anchor="ctr"/>
+                </a:tc>
+                <a:extLst>
+                  <a:ext uri="{0D108BD9-81ED-4DB2-BD59-A6C34878D82A}">
+                    <a16:rowId xmlns:a16="http://schemas.microsoft.com/office/drawing/2014/main" val="2159579969"/>
+                  </a:ext>
+                </a:extLst>
+              </a:tr>
+              <a:tr h="491669">
+                <a:tc>
+                  <a:txBody>
+                    <a:bodyPr/>
+                    <a:lstStyle/>
+                    <a:p>
+                      <a:pPr algn="ctr"/>
+                      <a:r>
+                        <a:rPr lang="ru-RU" sz="2000" b="0" kern="1200" dirty="0" smtClean="0">
+                          <a:solidFill>
+                            <a:schemeClr val="dk1"/>
+                          </a:solidFill>
+                          <a:effectLst/>
+                          <a:latin typeface="Times New Roman" panose="02020603050405020304" pitchFamily="18" charset="0"/>
+                          <a:ea typeface="+mn-ea"/>
+                          <a:cs typeface="Times New Roman" panose="02020603050405020304" pitchFamily="18" charset="0"/>
+                        </a:rPr>
+                        <a:t>Статическая нагрузка одной рукой</a:t>
+                      </a:r>
+                      <a:endParaRPr lang="ru-RU" sz="2000" b="0" dirty="0">
+                        <a:effectLst/>
+                        <a:latin typeface="Times New Roman" panose="02020603050405020304" pitchFamily="18" charset="0"/>
+                        <a:cs typeface="Times New Roman" panose="02020603050405020304" pitchFamily="18" charset="0"/>
+                      </a:endParaRPr>
+                    </a:p>
+                  </a:txBody>
+                  <a:tcPr anchor="ctr"/>
+                </a:tc>
+                <a:tc>
+                  <a:txBody>
+                    <a:bodyPr/>
+                    <a:lstStyle/>
+                    <a:p>
+                      <a:pPr algn="ctr"/>
+                      <a:r>
+                        <a:rPr lang="ru-RU" sz="2000" b="1" dirty="0" smtClean="0">
+                          <a:latin typeface="Times New Roman" panose="02020603050405020304" pitchFamily="18" charset="0"/>
+                          <a:cs typeface="Times New Roman" panose="02020603050405020304" pitchFamily="18" charset="0"/>
+                        </a:rPr>
+                        <a:t>875</a:t>
+                      </a:r>
+                      <a:r>
+                        <a:rPr lang="ru-RU" sz="2000" dirty="0" smtClean="0">
+                          <a:latin typeface="Times New Roman" panose="02020603050405020304" pitchFamily="18" charset="0"/>
+                          <a:cs typeface="Times New Roman" panose="02020603050405020304" pitchFamily="18" charset="0"/>
+                        </a:rPr>
+                        <a:t> кг</a:t>
+                      </a:r>
+                      <a:endParaRPr lang="ru-RU" sz="2000" dirty="0">
+                        <a:latin typeface="Times New Roman" panose="02020603050405020304" pitchFamily="18" charset="0"/>
+                        <a:cs typeface="Times New Roman" panose="02020603050405020304" pitchFamily="18" charset="0"/>
+                      </a:endParaRPr>
+                    </a:p>
+                  </a:txBody>
+                  <a:tcPr anchor="ctr"/>
+                </a:tc>
+                <a:tc>
+                  <a:txBody>
+                    <a:bodyPr/>
+                    <a:lstStyle/>
+                    <a:p>
+                      <a:pPr algn="ctr"/>
+                      <a:r>
+                        <a:rPr lang="ru-RU" sz="2000" b="1" dirty="0" smtClean="0">
+                          <a:latin typeface="Times New Roman" panose="02020603050405020304" pitchFamily="18" charset="0"/>
+                          <a:cs typeface="Times New Roman" panose="02020603050405020304" pitchFamily="18" charset="0"/>
+                        </a:rPr>
+                        <a:t>455</a:t>
+                      </a:r>
+                      <a:r>
+                        <a:rPr lang="ru-RU" sz="2000" dirty="0" smtClean="0">
+                          <a:latin typeface="Times New Roman" panose="02020603050405020304" pitchFamily="18" charset="0"/>
+                          <a:cs typeface="Times New Roman" panose="02020603050405020304" pitchFamily="18" charset="0"/>
+                        </a:rPr>
+                        <a:t> кг</a:t>
+                      </a:r>
+                      <a:endParaRPr lang="ru-RU" sz="2000" dirty="0">
+                        <a:latin typeface="Times New Roman" panose="02020603050405020304" pitchFamily="18" charset="0"/>
+                        <a:cs typeface="Times New Roman" panose="02020603050405020304" pitchFamily="18" charset="0"/>
+                      </a:endParaRPr>
+                    </a:p>
+                  </a:txBody>
+                  <a:tcPr anchor="ctr"/>
+                </a:tc>
+                <a:extLst>
+                  <a:ext uri="{0D108BD9-81ED-4DB2-BD59-A6C34878D82A}">
+                    <a16:rowId xmlns:a16="http://schemas.microsoft.com/office/drawing/2014/main" val="1003573373"/>
+                  </a:ext>
+                </a:extLst>
+              </a:tr>
+            </a:tbl>
+          </a:graphicData>
+        </a:graphic>
+      </p:graphicFrame>
+    </p:spTree>
+    <p:extLst>
+      <p:ext uri="{BB962C8B-B14F-4D97-AF65-F5344CB8AC3E}">
+        <p14:creationId xmlns:p14="http://schemas.microsoft.com/office/powerpoint/2010/main" val="175329452"/>
+      </p:ext>
+    </p:extLst>
+  </p:cSld>
+  <p:clrMapOvr>
+    <a:masterClrMapping/>
+  </p:clrMapOvr>
+  <p:timing>
+    <p:tnLst>
+      <p:par>
+        <p:cTn id="1" dur="indefinite" restart="never" nodeType="tmRoot">
+          <p:childTnLst>
+            <p:seq concurrent="1" nextAc="seek">
+              <p:cTn id="2" dur="indefinite" nodeType="mainSeq">
+                <p:childTnLst>
+                  <p:par>
+                    <p:cTn id="3" fill="hold">
+                      <p:stCondLst>
+                        <p:cond delay="indefinite"/>
+                      </p:stCondLst>
+                      <p:childTnLst>
+                        <p:par>
+                          <p:cTn id="4" fill="hold">
+                            <p:stCondLst>
+                              <p:cond delay="0"/>
+                            </p:stCondLst>
+                            <p:childTnLst>
+                              <p:par>
+                                <p:cTn id="5" presetID="53" presetClass="entr" presetSubtype="16" fill="hold" nodeType="clickEffect">
+                                  <p:stCondLst>
+                                    <p:cond delay="0"/>
+                                  </p:stCondLst>
+                                  <p:childTnLst>
+                                    <p:set>
+                                      <p:cBhvr>
+                                        <p:cTn id="6" dur="1" fill="hold">
+                                          <p:stCondLst>
+                                            <p:cond delay="0"/>
+                                          </p:stCondLst>
+                                        </p:cTn>
+                                        <p:tgtEl>
+                                          <p:spTgt spid="7"/>
+                                        </p:tgtEl>
+                                        <p:attrNameLst>
+                                          <p:attrName>style.visibility</p:attrName>
+                                        </p:attrNameLst>
+                                      </p:cBhvr>
+                                      <p:to>
+                                        <p:strVal val="visible"/>
+                                      </p:to>
+                                    </p:set>
+                                    <p:anim calcmode="lin" valueType="num">
+                                      <p:cBhvr>
+                                        <p:cTn id="7" dur="1000" fill="hold"/>
+                                        <p:tgtEl>
+                                          <p:spTgt spid="7"/>
+                                        </p:tgtEl>
+                                        <p:attrNameLst>
+                                          <p:attrName>ppt_w</p:attrName>
+                                        </p:attrNameLst>
+                                      </p:cBhvr>
+                                      <p:tavLst>
+                                        <p:tav tm="0">
+                                          <p:val>
+                                            <p:fltVal val="0"/>
+                                          </p:val>
+                                        </p:tav>
+                                        <p:tav tm="100000">
+                                          <p:val>
+                                            <p:strVal val="#ppt_w"/>
+                                          </p:val>
+                                        </p:tav>
+                                      </p:tavLst>
+                                    </p:anim>
+                                    <p:anim calcmode="lin" valueType="num">
+                                      <p:cBhvr>
+                                        <p:cTn id="8" dur="1000" fill="hold"/>
+                                        <p:tgtEl>
+                                          <p:spTgt spid="7"/>
+                                        </p:tgtEl>
+                                        <p:attrNameLst>
+                                          <p:attrName>ppt_h</p:attrName>
+                                        </p:attrNameLst>
+                                      </p:cBhvr>
+                                      <p:tavLst>
+                                        <p:tav tm="0">
+                                          <p:val>
+                                            <p:fltVal val="0"/>
+                                          </p:val>
+                                        </p:tav>
+                                        <p:tav tm="100000">
+                                          <p:val>
+                                            <p:strVal val="#ppt_h"/>
+                                          </p:val>
+                                        </p:tav>
+                                      </p:tavLst>
+                                    </p:anim>
+                                    <p:animEffect transition="in" filter="fade">
+                                      <p:cBhvr>
+                                        <p:cTn id="9" dur="1000"/>
+                                        <p:tgtEl>
+                                          <p:spTgt spid="7"/>
+                                        </p:tgtEl>
+                                      </p:cBhvr>
+                                    </p:animEffect>
+                                  </p:childTnLst>
+                                </p:cTn>
+                              </p:par>
+                            </p:childTnLst>
+                          </p:cTn>
+                        </p:par>
+                      </p:childTnLst>
+                    </p:cTn>
+                  </p:par>
+                </p:childTnLst>
+              </p:cTn>
+              <p:prevCondLst>
+                <p:cond evt="onPrev" delay="0">
+                  <p:tgtEl>
+                    <p:sldTgt/>
+                  </p:tgtEl>
+                </p:cond>
+              </p:prevCondLst>
+              <p:nextCondLst>
+                <p:cond evt="onNext" delay="0">
+                  <p:tgtEl>
+                    <p:sldTgt/>
+                  </p:tgtEl>
+                </p:cond>
+              </p:nextCondLst>
+            </p:seq>
+          </p:childTnLst>
+        </p:cTn>
+      </p:par>
+    </p:tnLst>
   </p:timing>
 </p:sld>
 </file>

--- a/Презентация ВКР2017.pptx
+++ b/Презентация ВКР2017.pptx
@@ -207,7 +207,7 @@
           <a:p>
             <a:fld id="{44B54673-E2B9-49EF-B91E-CF34106CE466}" type="datetimeFigureOut">
               <a:rPr lang="ru-RU" smtClean="0"/>
-              <a:t>13.06.2017</a:t>
+              <a:t>15.06.2017</a:t>
             </a:fld>
             <a:endParaRPr lang="ru-RU"/>
           </a:p>
@@ -606,7 +606,7 @@
           <a:p>
             <a:fld id="{DD05A9AF-FAF5-4747-A801-82368DA06F85}" type="datetime1">
               <a:rPr lang="ru-RU" smtClean="0"/>
-              <a:t>13.06.2017</a:t>
+              <a:t>15.06.2017</a:t>
             </a:fld>
             <a:endParaRPr lang="ru-RU"/>
           </a:p>
@@ -776,7 +776,7 @@
           <a:p>
             <a:fld id="{1C232A49-8352-4C5F-A5E9-22B18C60A41B}" type="datetime1">
               <a:rPr lang="ru-RU" smtClean="0"/>
-              <a:t>13.06.2017</a:t>
+              <a:t>15.06.2017</a:t>
             </a:fld>
             <a:endParaRPr lang="ru-RU"/>
           </a:p>
@@ -956,7 +956,7 @@
           <a:p>
             <a:fld id="{3853B78D-04AE-4943-B473-05B084DDCDE0}" type="datetime1">
               <a:rPr lang="ru-RU" smtClean="0"/>
-              <a:t>13.06.2017</a:t>
+              <a:t>15.06.2017</a:t>
             </a:fld>
             <a:endParaRPr lang="ru-RU"/>
           </a:p>
@@ -1126,7 +1126,7 @@
           <a:p>
             <a:fld id="{CC6ECAAC-AA0D-4CDE-964F-CCA704E4CDE5}" type="datetime1">
               <a:rPr lang="ru-RU" smtClean="0"/>
-              <a:t>13.06.2017</a:t>
+              <a:t>15.06.2017</a:t>
             </a:fld>
             <a:endParaRPr lang="ru-RU"/>
           </a:p>
@@ -1372,7 +1372,7 @@
           <a:p>
             <a:fld id="{80BDFCAF-FBE1-4961-B416-F4A07E774DF3}" type="datetime1">
               <a:rPr lang="ru-RU" smtClean="0"/>
-              <a:t>13.06.2017</a:t>
+              <a:t>15.06.2017</a:t>
             </a:fld>
             <a:endParaRPr lang="ru-RU"/>
           </a:p>
@@ -1604,7 +1604,7 @@
           <a:p>
             <a:fld id="{1FEA90EA-B705-42B9-BBF6-268F2038FAF3}" type="datetime1">
               <a:rPr lang="ru-RU" smtClean="0"/>
-              <a:t>13.06.2017</a:t>
+              <a:t>15.06.2017</a:t>
             </a:fld>
             <a:endParaRPr lang="ru-RU"/>
           </a:p>
@@ -1971,7 +1971,7 @@
           <a:p>
             <a:fld id="{5F191AB6-3903-43B5-80FF-1EC98EAE59E7}" type="datetime1">
               <a:rPr lang="ru-RU" smtClean="0"/>
-              <a:t>13.06.2017</a:t>
+              <a:t>15.06.2017</a:t>
             </a:fld>
             <a:endParaRPr lang="ru-RU"/>
           </a:p>
@@ -2089,7 +2089,7 @@
           <a:p>
             <a:fld id="{B9C8298B-14B2-4D64-AF19-010909CD1156}" type="datetime1">
               <a:rPr lang="ru-RU" smtClean="0"/>
-              <a:t>13.06.2017</a:t>
+              <a:t>15.06.2017</a:t>
             </a:fld>
             <a:endParaRPr lang="ru-RU"/>
           </a:p>
@@ -2184,7 +2184,7 @@
           <a:p>
             <a:fld id="{F06230E2-CEBD-4965-B122-FEA485D88855}" type="datetime1">
               <a:rPr lang="ru-RU" smtClean="0"/>
-              <a:t>13.06.2017</a:t>
+              <a:t>15.06.2017</a:t>
             </a:fld>
             <a:endParaRPr lang="ru-RU"/>
           </a:p>
@@ -2461,7 +2461,7 @@
           <a:p>
             <a:fld id="{4463ADBD-CB87-4358-9CC5-F7B0D0893232}" type="datetime1">
               <a:rPr lang="ru-RU" smtClean="0"/>
-              <a:t>13.06.2017</a:t>
+              <a:t>15.06.2017</a:t>
             </a:fld>
             <a:endParaRPr lang="ru-RU"/>
           </a:p>
@@ -2714,7 +2714,7 @@
           <a:p>
             <a:fld id="{B312D136-29D0-4255-BB92-29C6409DB6B0}" type="datetime1">
               <a:rPr lang="ru-RU" smtClean="0"/>
-              <a:t>13.06.2017</a:t>
+              <a:t>15.06.2017</a:t>
             </a:fld>
             <a:endParaRPr lang="ru-RU"/>
           </a:p>
@@ -2927,7 +2927,7 @@
           <a:p>
             <a:fld id="{62F3AC5C-C3DB-4E26-96AE-698718F43F43}" type="datetime1">
               <a:rPr lang="ru-RU" smtClean="0"/>
-              <a:t>13.06.2017</a:t>
+              <a:t>15.06.2017</a:t>
             </a:fld>
             <a:endParaRPr lang="ru-RU"/>
           </a:p>
@@ -5595,27 +5595,7 @@
                 <a:latin typeface="Times New Roman" panose="02020603050405020304" pitchFamily="18" charset="0"/>
                 <a:cs typeface="Times New Roman" panose="02020603050405020304" pitchFamily="18" charset="0"/>
               </a:rPr>
-              <a:t> </a:t>
-            </a:r>
-            <a:r>
-              <a:rPr lang="ru-RU" sz="2000" dirty="0" smtClean="0">
-                <a:solidFill>
-                  <a:schemeClr val="tx1"/>
-                </a:solidFill>
-                <a:latin typeface="Times New Roman" panose="02020603050405020304" pitchFamily="18" charset="0"/>
-                <a:cs typeface="Times New Roman" panose="02020603050405020304" pitchFamily="18" charset="0"/>
-              </a:rPr>
-              <a:t>модели данных и </a:t>
-            </a:r>
-            <a:r>
-              <a:rPr lang="ru-RU" sz="2000" dirty="0" smtClean="0">
-                <a:solidFill>
-                  <a:schemeClr val="tx1"/>
-                </a:solidFill>
-                <a:latin typeface="Times New Roman" panose="02020603050405020304" pitchFamily="18" charset="0"/>
-                <a:cs typeface="Times New Roman" panose="02020603050405020304" pitchFamily="18" charset="0"/>
-              </a:rPr>
-              <a:t>СУБД </a:t>
+              <a:t> модели данных и СУБД </a:t>
             </a:r>
             <a:r>
               <a:rPr lang="en-US" sz="2000" dirty="0" smtClean="0">
@@ -6096,12 +6076,44 @@
             <p:ph idx="1"/>
           </p:nvPr>
         </p:nvSpPr>
-        <p:spPr/>
+        <p:spPr>
+          <a:xfrm>
+            <a:off x="838200" y="1326524"/>
+            <a:ext cx="9234152" cy="4850439"/>
+          </a:xfrm>
+        </p:spPr>
         <p:txBody>
           <a:bodyPr/>
           <a:lstStyle/>
           <a:p>
-            <a:endParaRPr lang="ru-RU" dirty="0"/>
+            <a:pPr marL="0" indent="0">
+              <a:buNone/>
+            </a:pPr>
+            <a:r>
+              <a:rPr lang="ru-RU" sz="3200" dirty="0" smtClean="0">
+                <a:latin typeface="Times New Roman" panose="02020603050405020304" pitchFamily="18" charset="0"/>
+                <a:cs typeface="Times New Roman" panose="02020603050405020304" pitchFamily="18" charset="0"/>
+              </a:rPr>
+              <a:t>Интегрируются данные о проектах следующих систем:</a:t>
+            </a:r>
+          </a:p>
+          <a:p>
+            <a:pPr marL="0" indent="0">
+              <a:buNone/>
+            </a:pPr>
+            <a:endParaRPr lang="ru-RU" sz="3200" dirty="0" smtClean="0">
+              <a:latin typeface="Times New Roman" panose="02020603050405020304" pitchFamily="18" charset="0"/>
+              <a:cs typeface="Times New Roman" panose="02020603050405020304" pitchFamily="18" charset="0"/>
+            </a:endParaRPr>
+          </a:p>
+          <a:p>
+            <a:pPr marL="0" indent="0">
+              <a:buNone/>
+            </a:pPr>
+            <a:endParaRPr lang="ru-RU" dirty="0">
+              <a:latin typeface="Times New Roman" panose="02020603050405020304" pitchFamily="18" charset="0"/>
+              <a:cs typeface="Times New Roman" panose="02020603050405020304" pitchFamily="18" charset="0"/>
+            </a:endParaRPr>
           </a:p>
         </p:txBody>
       </p:sp>
@@ -6168,6 +6180,458 @@
               <a:latin typeface="Times New Roman" panose="02020603050405020304" pitchFamily="18" charset="0"/>
               <a:cs typeface="Times New Roman" panose="02020603050405020304" pitchFamily="18" charset="0"/>
             </a:endParaRPr>
+          </a:p>
+        </p:txBody>
+      </p:sp>
+      <p:pic>
+        <p:nvPicPr>
+          <p:cNvPr id="3" name="Рисунок 2"/>
+          <p:cNvPicPr>
+            <a:picLocks noChangeAspect="1"/>
+          </p:cNvPicPr>
+          <p:nvPr/>
+        </p:nvPicPr>
+        <p:blipFill rotWithShape="1">
+          <a:blip r:embed="rId2">
+            <a:extLst>
+              <a:ext uri="{28A0092B-C50C-407E-A947-70E740481C1C}">
+                <a14:useLocalDpi xmlns:a14="http://schemas.microsoft.com/office/drawing/2010/main" val="0"/>
+              </a:ext>
+            </a:extLst>
+          </a:blip>
+          <a:srcRect l="38311" t="3496" r="1838" b="14897"/>
+          <a:stretch/>
+        </p:blipFill>
+        <p:spPr>
+          <a:xfrm>
+            <a:off x="9715228" y="1443104"/>
+            <a:ext cx="2160166" cy="1784105"/>
+          </a:xfrm>
+          <a:prstGeom prst="rect">
+            <a:avLst/>
+          </a:prstGeom>
+        </p:spPr>
+      </p:pic>
+      <p:sp>
+        <p:nvSpPr>
+          <p:cNvPr id="5" name="Стрелка вправо 4"/>
+          <p:cNvSpPr/>
+          <p:nvPr/>
+        </p:nvSpPr>
+        <p:spPr>
+          <a:xfrm>
+            <a:off x="1053539" y="2410789"/>
+            <a:ext cx="920763" cy="686280"/>
+          </a:xfrm>
+          <a:prstGeom prst="rightArrow">
+            <a:avLst/>
+          </a:prstGeom>
+        </p:spPr>
+        <p:style>
+          <a:lnRef idx="2">
+            <a:schemeClr val="accent1">
+              <a:shade val="50000"/>
+            </a:schemeClr>
+          </a:lnRef>
+          <a:fillRef idx="1">
+            <a:schemeClr val="accent1"/>
+          </a:fillRef>
+          <a:effectRef idx="0">
+            <a:schemeClr val="accent1"/>
+          </a:effectRef>
+          <a:fontRef idx="minor">
+            <a:schemeClr val="lt1"/>
+          </a:fontRef>
+        </p:style>
+        <p:txBody>
+          <a:bodyPr rtlCol="0" anchor="ctr"/>
+          <a:lstStyle/>
+          <a:p>
+            <a:pPr algn="ctr"/>
+            <a:endParaRPr lang="ru-RU"/>
+          </a:p>
+        </p:txBody>
+      </p:sp>
+      <p:sp>
+        <p:nvSpPr>
+          <p:cNvPr id="10" name="TextBox 9"/>
+          <p:cNvSpPr txBox="1"/>
+          <p:nvPr/>
+        </p:nvSpPr>
+        <p:spPr>
+          <a:xfrm>
+            <a:off x="2189643" y="2338430"/>
+            <a:ext cx="7882705" cy="830997"/>
+          </a:xfrm>
+          <a:prstGeom prst="rect">
+            <a:avLst/>
+          </a:prstGeom>
+          <a:noFill/>
+        </p:spPr>
+        <p:txBody>
+          <a:bodyPr wrap="square" rtlCol="0">
+            <a:spAutoFit/>
+          </a:bodyPr>
+          <a:lstStyle/>
+          <a:p>
+            <a:r>
+              <a:rPr lang="en-US" sz="2400" b="1" dirty="0" smtClean="0">
+                <a:latin typeface="Times New Roman" panose="02020603050405020304" pitchFamily="18" charset="0"/>
+                <a:cs typeface="Times New Roman" panose="02020603050405020304" pitchFamily="18" charset="0"/>
+              </a:rPr>
+              <a:t>GitHub</a:t>
+            </a:r>
+            <a:r>
+              <a:rPr lang="en-US" sz="2400" dirty="0" smtClean="0">
+                <a:latin typeface="Times New Roman" panose="02020603050405020304" pitchFamily="18" charset="0"/>
+                <a:cs typeface="Times New Roman" panose="02020603050405020304" pitchFamily="18" charset="0"/>
+              </a:rPr>
+              <a:t> – </a:t>
+            </a:r>
+            <a:r>
+              <a:rPr lang="ru-RU" sz="2400" dirty="0" smtClean="0">
+                <a:latin typeface="Times New Roman" panose="02020603050405020304" pitchFamily="18" charset="0"/>
+                <a:cs typeface="Times New Roman" panose="02020603050405020304" pitchFamily="18" charset="0"/>
+              </a:rPr>
+              <a:t>крупнейший веб сервис для совместной</a:t>
+            </a:r>
+            <a:r>
+              <a:rPr lang="en-US" sz="2400" dirty="0" smtClean="0">
+                <a:latin typeface="Times New Roman" panose="02020603050405020304" pitchFamily="18" charset="0"/>
+                <a:cs typeface="Times New Roman" panose="02020603050405020304" pitchFamily="18" charset="0"/>
+              </a:rPr>
+              <a:t> </a:t>
+            </a:r>
+            <a:r>
+              <a:rPr lang="ru-RU" sz="2400" dirty="0" smtClean="0">
+                <a:latin typeface="Times New Roman" panose="02020603050405020304" pitchFamily="18" charset="0"/>
+                <a:cs typeface="Times New Roman" panose="02020603050405020304" pitchFamily="18" charset="0"/>
+              </a:rPr>
+              <a:t>разработки проектов</a:t>
+            </a:r>
+            <a:endParaRPr lang="ru-RU" sz="2400" dirty="0">
+              <a:latin typeface="Times New Roman" panose="02020603050405020304" pitchFamily="18" charset="0"/>
+              <a:cs typeface="Times New Roman" panose="02020603050405020304" pitchFamily="18" charset="0"/>
+            </a:endParaRPr>
+          </a:p>
+        </p:txBody>
+      </p:sp>
+      <p:sp>
+        <p:nvSpPr>
+          <p:cNvPr id="11" name="TextBox 10"/>
+          <p:cNvSpPr txBox="1"/>
+          <p:nvPr/>
+        </p:nvSpPr>
+        <p:spPr>
+          <a:xfrm>
+            <a:off x="2156840" y="3406597"/>
+            <a:ext cx="7915512" cy="830997"/>
+          </a:xfrm>
+          <a:prstGeom prst="rect">
+            <a:avLst/>
+          </a:prstGeom>
+          <a:noFill/>
+        </p:spPr>
+        <p:txBody>
+          <a:bodyPr wrap="square" rtlCol="0">
+            <a:spAutoFit/>
+          </a:bodyPr>
+          <a:lstStyle/>
+          <a:p>
+            <a:r>
+              <a:rPr lang="en-US" sz="2400" b="1" dirty="0" err="1" smtClean="0">
+                <a:latin typeface="Times New Roman" panose="02020603050405020304" pitchFamily="18" charset="0"/>
+                <a:cs typeface="Times New Roman" panose="02020603050405020304" pitchFamily="18" charset="0"/>
+              </a:rPr>
+              <a:t>Bitbucket</a:t>
+            </a:r>
+            <a:r>
+              <a:rPr lang="en-US" sz="2400" dirty="0" smtClean="0">
+                <a:latin typeface="Times New Roman" panose="02020603050405020304" pitchFamily="18" charset="0"/>
+                <a:cs typeface="Times New Roman" panose="02020603050405020304" pitchFamily="18" charset="0"/>
+              </a:rPr>
+              <a:t> – </a:t>
+            </a:r>
+            <a:r>
+              <a:rPr lang="ru-RU" sz="2400" dirty="0" smtClean="0">
+                <a:latin typeface="Times New Roman" panose="02020603050405020304" pitchFamily="18" charset="0"/>
+                <a:cs typeface="Times New Roman" panose="02020603050405020304" pitchFamily="18" charset="0"/>
+              </a:rPr>
+              <a:t>распределенная система контроля версий, созданная для профессиональных команд</a:t>
+            </a:r>
+            <a:endParaRPr lang="ru-RU" sz="2400" dirty="0">
+              <a:latin typeface="Times New Roman" panose="02020603050405020304" pitchFamily="18" charset="0"/>
+              <a:cs typeface="Times New Roman" panose="02020603050405020304" pitchFamily="18" charset="0"/>
+            </a:endParaRPr>
+          </a:p>
+        </p:txBody>
+      </p:sp>
+      <p:sp>
+        <p:nvSpPr>
+          <p:cNvPr id="12" name="Стрелка вправо 11"/>
+          <p:cNvSpPr/>
+          <p:nvPr/>
+        </p:nvSpPr>
+        <p:spPr>
+          <a:xfrm>
+            <a:off x="1053541" y="3478956"/>
+            <a:ext cx="920763" cy="686280"/>
+          </a:xfrm>
+          <a:prstGeom prst="rightArrow">
+            <a:avLst/>
+          </a:prstGeom>
+        </p:spPr>
+        <p:style>
+          <a:lnRef idx="2">
+            <a:schemeClr val="accent1">
+              <a:shade val="50000"/>
+            </a:schemeClr>
+          </a:lnRef>
+          <a:fillRef idx="1">
+            <a:schemeClr val="accent1"/>
+          </a:fillRef>
+          <a:effectRef idx="0">
+            <a:schemeClr val="accent1"/>
+          </a:effectRef>
+          <a:fontRef idx="minor">
+            <a:schemeClr val="lt1"/>
+          </a:fontRef>
+        </p:style>
+        <p:txBody>
+          <a:bodyPr rtlCol="0" anchor="ctr"/>
+          <a:lstStyle/>
+          <a:p>
+            <a:pPr algn="ctr"/>
+            <a:endParaRPr lang="ru-RU"/>
+          </a:p>
+        </p:txBody>
+      </p:sp>
+      <p:sp>
+        <p:nvSpPr>
+          <p:cNvPr id="13" name="TextBox 12"/>
+          <p:cNvSpPr txBox="1"/>
+          <p:nvPr/>
+        </p:nvSpPr>
+        <p:spPr>
+          <a:xfrm>
+            <a:off x="2156838" y="4403583"/>
+            <a:ext cx="7915512" cy="830997"/>
+          </a:xfrm>
+          <a:prstGeom prst="rect">
+            <a:avLst/>
+          </a:prstGeom>
+          <a:noFill/>
+        </p:spPr>
+        <p:txBody>
+          <a:bodyPr wrap="square" rtlCol="0">
+            <a:spAutoFit/>
+          </a:bodyPr>
+          <a:lstStyle/>
+          <a:p>
+            <a:r>
+              <a:rPr lang="en-US" sz="2400" b="1" dirty="0" smtClean="0">
+                <a:latin typeface="Times New Roman" panose="02020603050405020304" pitchFamily="18" charset="0"/>
+                <a:cs typeface="Times New Roman" panose="02020603050405020304" pitchFamily="18" charset="0"/>
+              </a:rPr>
+              <a:t>Jira</a:t>
+            </a:r>
+            <a:r>
+              <a:rPr lang="en-US" sz="2400" dirty="0" smtClean="0">
+                <a:latin typeface="Times New Roman" panose="02020603050405020304" pitchFamily="18" charset="0"/>
+                <a:cs typeface="Times New Roman" panose="02020603050405020304" pitchFamily="18" charset="0"/>
+              </a:rPr>
+              <a:t> – </a:t>
+            </a:r>
+            <a:r>
+              <a:rPr lang="ru-RU" sz="2400" dirty="0" smtClean="0">
+                <a:latin typeface="Times New Roman" panose="02020603050405020304" pitchFamily="18" charset="0"/>
+                <a:cs typeface="Times New Roman" panose="02020603050405020304" pitchFamily="18" charset="0"/>
+              </a:rPr>
+              <a:t>коммерческая, настраиваемая система отслеживания ошибок для управления проектами</a:t>
+            </a:r>
+            <a:endParaRPr lang="ru-RU" sz="2400" dirty="0">
+              <a:latin typeface="Times New Roman" panose="02020603050405020304" pitchFamily="18" charset="0"/>
+              <a:cs typeface="Times New Roman" panose="02020603050405020304" pitchFamily="18" charset="0"/>
+            </a:endParaRPr>
+          </a:p>
+        </p:txBody>
+      </p:sp>
+      <p:sp>
+        <p:nvSpPr>
+          <p:cNvPr id="14" name="Стрелка вправо 13"/>
+          <p:cNvSpPr/>
+          <p:nvPr/>
+        </p:nvSpPr>
+        <p:spPr>
+          <a:xfrm>
+            <a:off x="1053539" y="4475942"/>
+            <a:ext cx="920763" cy="686280"/>
+          </a:xfrm>
+          <a:prstGeom prst="rightArrow">
+            <a:avLst/>
+          </a:prstGeom>
+        </p:spPr>
+        <p:style>
+          <a:lnRef idx="2">
+            <a:schemeClr val="accent1">
+              <a:shade val="50000"/>
+            </a:schemeClr>
+          </a:lnRef>
+          <a:fillRef idx="1">
+            <a:schemeClr val="accent1"/>
+          </a:fillRef>
+          <a:effectRef idx="0">
+            <a:schemeClr val="accent1"/>
+          </a:effectRef>
+          <a:fontRef idx="minor">
+            <a:schemeClr val="lt1"/>
+          </a:fontRef>
+        </p:style>
+        <p:txBody>
+          <a:bodyPr rtlCol="0" anchor="ctr"/>
+          <a:lstStyle/>
+          <a:p>
+            <a:pPr algn="ctr"/>
+            <a:endParaRPr lang="ru-RU"/>
+          </a:p>
+        </p:txBody>
+      </p:sp>
+      <p:sp>
+        <p:nvSpPr>
+          <p:cNvPr id="15" name="TextBox 14"/>
+          <p:cNvSpPr txBox="1"/>
+          <p:nvPr/>
+        </p:nvSpPr>
+        <p:spPr>
+          <a:xfrm>
+            <a:off x="2156838" y="5405238"/>
+            <a:ext cx="7915512" cy="830997"/>
+          </a:xfrm>
+          <a:prstGeom prst="rect">
+            <a:avLst/>
+          </a:prstGeom>
+          <a:noFill/>
+        </p:spPr>
+        <p:txBody>
+          <a:bodyPr wrap="square" rtlCol="0">
+            <a:spAutoFit/>
+          </a:bodyPr>
+          <a:lstStyle/>
+          <a:p>
+            <a:r>
+              <a:rPr lang="en-US" sz="2400" b="1" dirty="0" err="1" smtClean="0">
+                <a:latin typeface="Times New Roman" panose="02020603050405020304" pitchFamily="18" charset="0"/>
+                <a:cs typeface="Times New Roman" panose="02020603050405020304" pitchFamily="18" charset="0"/>
+              </a:rPr>
+              <a:t>GitLab</a:t>
+            </a:r>
+            <a:r>
+              <a:rPr lang="en-US" sz="2400" dirty="0" smtClean="0">
+                <a:latin typeface="Times New Roman" panose="02020603050405020304" pitchFamily="18" charset="0"/>
+                <a:cs typeface="Times New Roman" panose="02020603050405020304" pitchFamily="18" charset="0"/>
+              </a:rPr>
+              <a:t> – </a:t>
+            </a:r>
+            <a:r>
+              <a:rPr lang="ru-RU" sz="2400" dirty="0">
+                <a:latin typeface="Times New Roman" panose="02020603050405020304" pitchFamily="18" charset="0"/>
+                <a:cs typeface="Times New Roman" panose="02020603050405020304" pitchFamily="18" charset="0"/>
+              </a:rPr>
+              <a:t>веб-менеджер </a:t>
+            </a:r>
+            <a:r>
+              <a:rPr lang="ru-RU" sz="2400" dirty="0" err="1">
+                <a:latin typeface="Times New Roman" panose="02020603050405020304" pitchFamily="18" charset="0"/>
+                <a:cs typeface="Times New Roman" panose="02020603050405020304" pitchFamily="18" charset="0"/>
+              </a:rPr>
+              <a:t>репозитория</a:t>
+            </a:r>
+            <a:r>
+              <a:rPr lang="ru-RU" sz="2400" dirty="0">
+                <a:latin typeface="Times New Roman" panose="02020603050405020304" pitchFamily="18" charset="0"/>
+                <a:cs typeface="Times New Roman" panose="02020603050405020304" pitchFamily="18" charset="0"/>
+              </a:rPr>
+              <a:t> </a:t>
+            </a:r>
+            <a:r>
+              <a:rPr lang="ru-RU" sz="2400" dirty="0" err="1" smtClean="0">
+                <a:latin typeface="Times New Roman" panose="02020603050405020304" pitchFamily="18" charset="0"/>
+                <a:cs typeface="Times New Roman" panose="02020603050405020304" pitchFamily="18" charset="0"/>
+              </a:rPr>
+              <a:t>Git</a:t>
+            </a:r>
+            <a:r>
+              <a:rPr lang="ru-RU" sz="2400" dirty="0" smtClean="0">
+                <a:latin typeface="Times New Roman" panose="02020603050405020304" pitchFamily="18" charset="0"/>
+                <a:cs typeface="Times New Roman" panose="02020603050405020304" pitchFamily="18" charset="0"/>
+              </a:rPr>
+              <a:t>,</a:t>
+            </a:r>
+            <a:r>
+              <a:rPr lang="en-US" sz="2400" dirty="0" smtClean="0">
+                <a:latin typeface="Times New Roman" panose="02020603050405020304" pitchFamily="18" charset="0"/>
+                <a:cs typeface="Times New Roman" panose="02020603050405020304" pitchFamily="18" charset="0"/>
+              </a:rPr>
+              <a:t> </a:t>
+            </a:r>
+            <a:r>
+              <a:rPr lang="ru-RU" sz="2400" dirty="0" smtClean="0">
+                <a:latin typeface="Times New Roman" panose="02020603050405020304" pitchFamily="18" charset="0"/>
+                <a:cs typeface="Times New Roman" panose="02020603050405020304" pitchFamily="18" charset="0"/>
+              </a:rPr>
+              <a:t>предназначенный </a:t>
+            </a:r>
+            <a:r>
+              <a:rPr lang="ru-RU" sz="2400" dirty="0">
+                <a:latin typeface="Times New Roman" panose="02020603050405020304" pitchFamily="18" charset="0"/>
+                <a:cs typeface="Times New Roman" panose="02020603050405020304" pitchFamily="18" charset="0"/>
+              </a:rPr>
+              <a:t>для написания кода, его развертывания и тестирования</a:t>
+            </a:r>
+            <a:endParaRPr lang="ru-RU" sz="2400" dirty="0">
+              <a:latin typeface="Times New Roman" panose="02020603050405020304" pitchFamily="18" charset="0"/>
+              <a:cs typeface="Times New Roman" panose="02020603050405020304" pitchFamily="18" charset="0"/>
+            </a:endParaRPr>
+          </a:p>
+        </p:txBody>
+      </p:sp>
+      <p:sp>
+        <p:nvSpPr>
+          <p:cNvPr id="16" name="Стрелка вправо 15"/>
+          <p:cNvSpPr/>
+          <p:nvPr/>
+        </p:nvSpPr>
+        <p:spPr>
+          <a:xfrm>
+            <a:off x="1053539" y="5477597"/>
+            <a:ext cx="920763" cy="686280"/>
+          </a:xfrm>
+          <a:prstGeom prst="rightArrow">
+            <a:avLst/>
+          </a:prstGeom>
+        </p:spPr>
+        <p:style>
+          <a:lnRef idx="2">
+            <a:schemeClr val="accent1">
+              <a:shade val="50000"/>
+            </a:schemeClr>
+          </a:lnRef>
+          <a:fillRef idx="1">
+            <a:schemeClr val="accent1"/>
+          </a:fillRef>
+          <a:effectRef idx="0">
+            <a:schemeClr val="accent1"/>
+          </a:effectRef>
+          <a:fontRef idx="minor">
+            <a:schemeClr val="lt1"/>
+          </a:fontRef>
+        </p:style>
+        <p:txBody>
+          <a:bodyPr rtlCol="0" anchor="ctr"/>
+          <a:lstStyle/>
+          <a:p>
+            <a:pPr algn="ctr"/>
+            <a:endParaRPr lang="ru-RU"/>
           </a:p>
         </p:txBody>
       </p:sp>
@@ -6181,6 +6645,896 @@
   <p:clrMapOvr>
     <a:masterClrMapping/>
   </p:clrMapOvr>
+  <p:timing>
+    <p:tnLst>
+      <p:par>
+        <p:cTn id="1" dur="indefinite" restart="never" nodeType="tmRoot">
+          <p:childTnLst>
+            <p:seq concurrent="1" nextAc="seek">
+              <p:cTn id="2" dur="indefinite" nodeType="mainSeq">
+                <p:childTnLst>
+                  <p:par>
+                    <p:cTn id="3" fill="hold">
+                      <p:stCondLst>
+                        <p:cond delay="indefinite"/>
+                      </p:stCondLst>
+                      <p:childTnLst>
+                        <p:par>
+                          <p:cTn id="4" fill="hold">
+                            <p:stCondLst>
+                              <p:cond delay="0"/>
+                            </p:stCondLst>
+                            <p:childTnLst>
+                              <p:par>
+                                <p:cTn id="5" presetID="31" presetClass="entr" presetSubtype="0" fill="hold" grpId="0" nodeType="clickEffect">
+                                  <p:stCondLst>
+                                    <p:cond delay="0"/>
+                                  </p:stCondLst>
+                                  <p:childTnLst>
+                                    <p:set>
+                                      <p:cBhvr>
+                                        <p:cTn id="6" dur="1" fill="hold">
+                                          <p:stCondLst>
+                                            <p:cond delay="0"/>
+                                          </p:stCondLst>
+                                        </p:cTn>
+                                        <p:tgtEl>
+                                          <p:spTgt spid="10"/>
+                                        </p:tgtEl>
+                                        <p:attrNameLst>
+                                          <p:attrName>style.visibility</p:attrName>
+                                        </p:attrNameLst>
+                                      </p:cBhvr>
+                                      <p:to>
+                                        <p:strVal val="visible"/>
+                                      </p:to>
+                                    </p:set>
+                                    <p:anim calcmode="lin" valueType="num">
+                                      <p:cBhvr>
+                                        <p:cTn id="7" dur="1000" fill="hold"/>
+                                        <p:tgtEl>
+                                          <p:spTgt spid="10"/>
+                                        </p:tgtEl>
+                                        <p:attrNameLst>
+                                          <p:attrName>ppt_w</p:attrName>
+                                        </p:attrNameLst>
+                                      </p:cBhvr>
+                                      <p:tavLst>
+                                        <p:tav tm="0">
+                                          <p:val>
+                                            <p:fltVal val="0"/>
+                                          </p:val>
+                                        </p:tav>
+                                        <p:tav tm="100000">
+                                          <p:val>
+                                            <p:strVal val="#ppt_w"/>
+                                          </p:val>
+                                        </p:tav>
+                                      </p:tavLst>
+                                    </p:anim>
+                                    <p:anim calcmode="lin" valueType="num">
+                                      <p:cBhvr>
+                                        <p:cTn id="8" dur="1000" fill="hold"/>
+                                        <p:tgtEl>
+                                          <p:spTgt spid="10"/>
+                                        </p:tgtEl>
+                                        <p:attrNameLst>
+                                          <p:attrName>ppt_h</p:attrName>
+                                        </p:attrNameLst>
+                                      </p:cBhvr>
+                                      <p:tavLst>
+                                        <p:tav tm="0">
+                                          <p:val>
+                                            <p:fltVal val="0"/>
+                                          </p:val>
+                                        </p:tav>
+                                        <p:tav tm="100000">
+                                          <p:val>
+                                            <p:strVal val="#ppt_h"/>
+                                          </p:val>
+                                        </p:tav>
+                                      </p:tavLst>
+                                    </p:anim>
+                                    <p:anim calcmode="lin" valueType="num">
+                                      <p:cBhvr>
+                                        <p:cTn id="9" dur="1000" fill="hold"/>
+                                        <p:tgtEl>
+                                          <p:spTgt spid="10"/>
+                                        </p:tgtEl>
+                                        <p:attrNameLst>
+                                          <p:attrName>style.rotation</p:attrName>
+                                        </p:attrNameLst>
+                                      </p:cBhvr>
+                                      <p:tavLst>
+                                        <p:tav tm="0">
+                                          <p:val>
+                                            <p:fltVal val="90"/>
+                                          </p:val>
+                                        </p:tav>
+                                        <p:tav tm="100000">
+                                          <p:val>
+                                            <p:fltVal val="0"/>
+                                          </p:val>
+                                        </p:tav>
+                                      </p:tavLst>
+                                    </p:anim>
+                                    <p:animEffect transition="in" filter="fade">
+                                      <p:cBhvr>
+                                        <p:cTn id="10" dur="1000"/>
+                                        <p:tgtEl>
+                                          <p:spTgt spid="10"/>
+                                        </p:tgtEl>
+                                      </p:cBhvr>
+                                    </p:animEffect>
+                                  </p:childTnLst>
+                                </p:cTn>
+                              </p:par>
+                              <p:par>
+                                <p:cTn id="11" presetID="31" presetClass="entr" presetSubtype="0" fill="hold" grpId="0" nodeType="withEffect">
+                                  <p:stCondLst>
+                                    <p:cond delay="0"/>
+                                  </p:stCondLst>
+                                  <p:childTnLst>
+                                    <p:set>
+                                      <p:cBhvr>
+                                        <p:cTn id="12" dur="1" fill="hold">
+                                          <p:stCondLst>
+                                            <p:cond delay="0"/>
+                                          </p:stCondLst>
+                                        </p:cTn>
+                                        <p:tgtEl>
+                                          <p:spTgt spid="11"/>
+                                        </p:tgtEl>
+                                        <p:attrNameLst>
+                                          <p:attrName>style.visibility</p:attrName>
+                                        </p:attrNameLst>
+                                      </p:cBhvr>
+                                      <p:to>
+                                        <p:strVal val="visible"/>
+                                      </p:to>
+                                    </p:set>
+                                    <p:anim calcmode="lin" valueType="num">
+                                      <p:cBhvr>
+                                        <p:cTn id="13" dur="1000" fill="hold"/>
+                                        <p:tgtEl>
+                                          <p:spTgt spid="11"/>
+                                        </p:tgtEl>
+                                        <p:attrNameLst>
+                                          <p:attrName>ppt_w</p:attrName>
+                                        </p:attrNameLst>
+                                      </p:cBhvr>
+                                      <p:tavLst>
+                                        <p:tav tm="0">
+                                          <p:val>
+                                            <p:fltVal val="0"/>
+                                          </p:val>
+                                        </p:tav>
+                                        <p:tav tm="100000">
+                                          <p:val>
+                                            <p:strVal val="#ppt_w"/>
+                                          </p:val>
+                                        </p:tav>
+                                      </p:tavLst>
+                                    </p:anim>
+                                    <p:anim calcmode="lin" valueType="num">
+                                      <p:cBhvr>
+                                        <p:cTn id="14" dur="1000" fill="hold"/>
+                                        <p:tgtEl>
+                                          <p:spTgt spid="11"/>
+                                        </p:tgtEl>
+                                        <p:attrNameLst>
+                                          <p:attrName>ppt_h</p:attrName>
+                                        </p:attrNameLst>
+                                      </p:cBhvr>
+                                      <p:tavLst>
+                                        <p:tav tm="0">
+                                          <p:val>
+                                            <p:fltVal val="0"/>
+                                          </p:val>
+                                        </p:tav>
+                                        <p:tav tm="100000">
+                                          <p:val>
+                                            <p:strVal val="#ppt_h"/>
+                                          </p:val>
+                                        </p:tav>
+                                      </p:tavLst>
+                                    </p:anim>
+                                    <p:anim calcmode="lin" valueType="num">
+                                      <p:cBhvr>
+                                        <p:cTn id="15" dur="1000" fill="hold"/>
+                                        <p:tgtEl>
+                                          <p:spTgt spid="11"/>
+                                        </p:tgtEl>
+                                        <p:attrNameLst>
+                                          <p:attrName>style.rotation</p:attrName>
+                                        </p:attrNameLst>
+                                      </p:cBhvr>
+                                      <p:tavLst>
+                                        <p:tav tm="0">
+                                          <p:val>
+                                            <p:fltVal val="90"/>
+                                          </p:val>
+                                        </p:tav>
+                                        <p:tav tm="100000">
+                                          <p:val>
+                                            <p:fltVal val="0"/>
+                                          </p:val>
+                                        </p:tav>
+                                      </p:tavLst>
+                                    </p:anim>
+                                    <p:animEffect transition="in" filter="fade">
+                                      <p:cBhvr>
+                                        <p:cTn id="16" dur="1000"/>
+                                        <p:tgtEl>
+                                          <p:spTgt spid="11"/>
+                                        </p:tgtEl>
+                                      </p:cBhvr>
+                                    </p:animEffect>
+                                  </p:childTnLst>
+                                </p:cTn>
+                              </p:par>
+                              <p:par>
+                                <p:cTn id="17" presetID="31" presetClass="entr" presetSubtype="0" fill="hold" grpId="0" nodeType="withEffect">
+                                  <p:stCondLst>
+                                    <p:cond delay="0"/>
+                                  </p:stCondLst>
+                                  <p:childTnLst>
+                                    <p:set>
+                                      <p:cBhvr>
+                                        <p:cTn id="18" dur="1" fill="hold">
+                                          <p:stCondLst>
+                                            <p:cond delay="0"/>
+                                          </p:stCondLst>
+                                        </p:cTn>
+                                        <p:tgtEl>
+                                          <p:spTgt spid="13"/>
+                                        </p:tgtEl>
+                                        <p:attrNameLst>
+                                          <p:attrName>style.visibility</p:attrName>
+                                        </p:attrNameLst>
+                                      </p:cBhvr>
+                                      <p:to>
+                                        <p:strVal val="visible"/>
+                                      </p:to>
+                                    </p:set>
+                                    <p:anim calcmode="lin" valueType="num">
+                                      <p:cBhvr>
+                                        <p:cTn id="19" dur="1000" fill="hold"/>
+                                        <p:tgtEl>
+                                          <p:spTgt spid="13"/>
+                                        </p:tgtEl>
+                                        <p:attrNameLst>
+                                          <p:attrName>ppt_w</p:attrName>
+                                        </p:attrNameLst>
+                                      </p:cBhvr>
+                                      <p:tavLst>
+                                        <p:tav tm="0">
+                                          <p:val>
+                                            <p:fltVal val="0"/>
+                                          </p:val>
+                                        </p:tav>
+                                        <p:tav tm="100000">
+                                          <p:val>
+                                            <p:strVal val="#ppt_w"/>
+                                          </p:val>
+                                        </p:tav>
+                                      </p:tavLst>
+                                    </p:anim>
+                                    <p:anim calcmode="lin" valueType="num">
+                                      <p:cBhvr>
+                                        <p:cTn id="20" dur="1000" fill="hold"/>
+                                        <p:tgtEl>
+                                          <p:spTgt spid="13"/>
+                                        </p:tgtEl>
+                                        <p:attrNameLst>
+                                          <p:attrName>ppt_h</p:attrName>
+                                        </p:attrNameLst>
+                                      </p:cBhvr>
+                                      <p:tavLst>
+                                        <p:tav tm="0">
+                                          <p:val>
+                                            <p:fltVal val="0"/>
+                                          </p:val>
+                                        </p:tav>
+                                        <p:tav tm="100000">
+                                          <p:val>
+                                            <p:strVal val="#ppt_h"/>
+                                          </p:val>
+                                        </p:tav>
+                                      </p:tavLst>
+                                    </p:anim>
+                                    <p:anim calcmode="lin" valueType="num">
+                                      <p:cBhvr>
+                                        <p:cTn id="21" dur="1000" fill="hold"/>
+                                        <p:tgtEl>
+                                          <p:spTgt spid="13"/>
+                                        </p:tgtEl>
+                                        <p:attrNameLst>
+                                          <p:attrName>style.rotation</p:attrName>
+                                        </p:attrNameLst>
+                                      </p:cBhvr>
+                                      <p:tavLst>
+                                        <p:tav tm="0">
+                                          <p:val>
+                                            <p:fltVal val="90"/>
+                                          </p:val>
+                                        </p:tav>
+                                        <p:tav tm="100000">
+                                          <p:val>
+                                            <p:fltVal val="0"/>
+                                          </p:val>
+                                        </p:tav>
+                                      </p:tavLst>
+                                    </p:anim>
+                                    <p:animEffect transition="in" filter="fade">
+                                      <p:cBhvr>
+                                        <p:cTn id="22" dur="1000"/>
+                                        <p:tgtEl>
+                                          <p:spTgt spid="13"/>
+                                        </p:tgtEl>
+                                      </p:cBhvr>
+                                    </p:animEffect>
+                                  </p:childTnLst>
+                                </p:cTn>
+                              </p:par>
+                              <p:par>
+                                <p:cTn id="23" presetID="31" presetClass="entr" presetSubtype="0" fill="hold" grpId="0" nodeType="withEffect">
+                                  <p:stCondLst>
+                                    <p:cond delay="0"/>
+                                  </p:stCondLst>
+                                  <p:childTnLst>
+                                    <p:set>
+                                      <p:cBhvr>
+                                        <p:cTn id="24" dur="1" fill="hold">
+                                          <p:stCondLst>
+                                            <p:cond delay="0"/>
+                                          </p:stCondLst>
+                                        </p:cTn>
+                                        <p:tgtEl>
+                                          <p:spTgt spid="15"/>
+                                        </p:tgtEl>
+                                        <p:attrNameLst>
+                                          <p:attrName>style.visibility</p:attrName>
+                                        </p:attrNameLst>
+                                      </p:cBhvr>
+                                      <p:to>
+                                        <p:strVal val="visible"/>
+                                      </p:to>
+                                    </p:set>
+                                    <p:anim calcmode="lin" valueType="num">
+                                      <p:cBhvr>
+                                        <p:cTn id="25" dur="1000" fill="hold"/>
+                                        <p:tgtEl>
+                                          <p:spTgt spid="15"/>
+                                        </p:tgtEl>
+                                        <p:attrNameLst>
+                                          <p:attrName>ppt_w</p:attrName>
+                                        </p:attrNameLst>
+                                      </p:cBhvr>
+                                      <p:tavLst>
+                                        <p:tav tm="0">
+                                          <p:val>
+                                            <p:fltVal val="0"/>
+                                          </p:val>
+                                        </p:tav>
+                                        <p:tav tm="100000">
+                                          <p:val>
+                                            <p:strVal val="#ppt_w"/>
+                                          </p:val>
+                                        </p:tav>
+                                      </p:tavLst>
+                                    </p:anim>
+                                    <p:anim calcmode="lin" valueType="num">
+                                      <p:cBhvr>
+                                        <p:cTn id="26" dur="1000" fill="hold"/>
+                                        <p:tgtEl>
+                                          <p:spTgt spid="15"/>
+                                        </p:tgtEl>
+                                        <p:attrNameLst>
+                                          <p:attrName>ppt_h</p:attrName>
+                                        </p:attrNameLst>
+                                      </p:cBhvr>
+                                      <p:tavLst>
+                                        <p:tav tm="0">
+                                          <p:val>
+                                            <p:fltVal val="0"/>
+                                          </p:val>
+                                        </p:tav>
+                                        <p:tav tm="100000">
+                                          <p:val>
+                                            <p:strVal val="#ppt_h"/>
+                                          </p:val>
+                                        </p:tav>
+                                      </p:tavLst>
+                                    </p:anim>
+                                    <p:anim calcmode="lin" valueType="num">
+                                      <p:cBhvr>
+                                        <p:cTn id="27" dur="1000" fill="hold"/>
+                                        <p:tgtEl>
+                                          <p:spTgt spid="15"/>
+                                        </p:tgtEl>
+                                        <p:attrNameLst>
+                                          <p:attrName>style.rotation</p:attrName>
+                                        </p:attrNameLst>
+                                      </p:cBhvr>
+                                      <p:tavLst>
+                                        <p:tav tm="0">
+                                          <p:val>
+                                            <p:fltVal val="90"/>
+                                          </p:val>
+                                        </p:tav>
+                                        <p:tav tm="100000">
+                                          <p:val>
+                                            <p:fltVal val="0"/>
+                                          </p:val>
+                                        </p:tav>
+                                      </p:tavLst>
+                                    </p:anim>
+                                    <p:animEffect transition="in" filter="fade">
+                                      <p:cBhvr>
+                                        <p:cTn id="28" dur="1000"/>
+                                        <p:tgtEl>
+                                          <p:spTgt spid="15"/>
+                                        </p:tgtEl>
+                                      </p:cBhvr>
+                                    </p:animEffect>
+                                  </p:childTnLst>
+                                </p:cTn>
+                              </p:par>
+                              <p:par>
+                                <p:cTn id="29" presetID="31" presetClass="entr" presetSubtype="0" fill="hold" grpId="0" nodeType="withEffect">
+                                  <p:stCondLst>
+                                    <p:cond delay="0"/>
+                                  </p:stCondLst>
+                                  <p:childTnLst>
+                                    <p:set>
+                                      <p:cBhvr>
+                                        <p:cTn id="30" dur="1" fill="hold">
+                                          <p:stCondLst>
+                                            <p:cond delay="0"/>
+                                          </p:stCondLst>
+                                        </p:cTn>
+                                        <p:tgtEl>
+                                          <p:spTgt spid="5"/>
+                                        </p:tgtEl>
+                                        <p:attrNameLst>
+                                          <p:attrName>style.visibility</p:attrName>
+                                        </p:attrNameLst>
+                                      </p:cBhvr>
+                                      <p:to>
+                                        <p:strVal val="visible"/>
+                                      </p:to>
+                                    </p:set>
+                                    <p:anim calcmode="lin" valueType="num">
+                                      <p:cBhvr>
+                                        <p:cTn id="31" dur="1000" fill="hold"/>
+                                        <p:tgtEl>
+                                          <p:spTgt spid="5"/>
+                                        </p:tgtEl>
+                                        <p:attrNameLst>
+                                          <p:attrName>ppt_w</p:attrName>
+                                        </p:attrNameLst>
+                                      </p:cBhvr>
+                                      <p:tavLst>
+                                        <p:tav tm="0">
+                                          <p:val>
+                                            <p:fltVal val="0"/>
+                                          </p:val>
+                                        </p:tav>
+                                        <p:tav tm="100000">
+                                          <p:val>
+                                            <p:strVal val="#ppt_w"/>
+                                          </p:val>
+                                        </p:tav>
+                                      </p:tavLst>
+                                    </p:anim>
+                                    <p:anim calcmode="lin" valueType="num">
+                                      <p:cBhvr>
+                                        <p:cTn id="32" dur="1000" fill="hold"/>
+                                        <p:tgtEl>
+                                          <p:spTgt spid="5"/>
+                                        </p:tgtEl>
+                                        <p:attrNameLst>
+                                          <p:attrName>ppt_h</p:attrName>
+                                        </p:attrNameLst>
+                                      </p:cBhvr>
+                                      <p:tavLst>
+                                        <p:tav tm="0">
+                                          <p:val>
+                                            <p:fltVal val="0"/>
+                                          </p:val>
+                                        </p:tav>
+                                        <p:tav tm="100000">
+                                          <p:val>
+                                            <p:strVal val="#ppt_h"/>
+                                          </p:val>
+                                        </p:tav>
+                                      </p:tavLst>
+                                    </p:anim>
+                                    <p:anim calcmode="lin" valueType="num">
+                                      <p:cBhvr>
+                                        <p:cTn id="33" dur="1000" fill="hold"/>
+                                        <p:tgtEl>
+                                          <p:spTgt spid="5"/>
+                                        </p:tgtEl>
+                                        <p:attrNameLst>
+                                          <p:attrName>style.rotation</p:attrName>
+                                        </p:attrNameLst>
+                                      </p:cBhvr>
+                                      <p:tavLst>
+                                        <p:tav tm="0">
+                                          <p:val>
+                                            <p:fltVal val="90"/>
+                                          </p:val>
+                                        </p:tav>
+                                        <p:tav tm="100000">
+                                          <p:val>
+                                            <p:fltVal val="0"/>
+                                          </p:val>
+                                        </p:tav>
+                                      </p:tavLst>
+                                    </p:anim>
+                                    <p:animEffect transition="in" filter="fade">
+                                      <p:cBhvr>
+                                        <p:cTn id="34" dur="1000"/>
+                                        <p:tgtEl>
+                                          <p:spTgt spid="5"/>
+                                        </p:tgtEl>
+                                      </p:cBhvr>
+                                    </p:animEffect>
+                                  </p:childTnLst>
+                                </p:cTn>
+                              </p:par>
+                              <p:par>
+                                <p:cTn id="35" presetID="31" presetClass="entr" presetSubtype="0" fill="hold" grpId="0" nodeType="withEffect">
+                                  <p:stCondLst>
+                                    <p:cond delay="0"/>
+                                  </p:stCondLst>
+                                  <p:childTnLst>
+                                    <p:set>
+                                      <p:cBhvr>
+                                        <p:cTn id="36" dur="1" fill="hold">
+                                          <p:stCondLst>
+                                            <p:cond delay="0"/>
+                                          </p:stCondLst>
+                                        </p:cTn>
+                                        <p:tgtEl>
+                                          <p:spTgt spid="12"/>
+                                        </p:tgtEl>
+                                        <p:attrNameLst>
+                                          <p:attrName>style.visibility</p:attrName>
+                                        </p:attrNameLst>
+                                      </p:cBhvr>
+                                      <p:to>
+                                        <p:strVal val="visible"/>
+                                      </p:to>
+                                    </p:set>
+                                    <p:anim calcmode="lin" valueType="num">
+                                      <p:cBhvr>
+                                        <p:cTn id="37" dur="1000" fill="hold"/>
+                                        <p:tgtEl>
+                                          <p:spTgt spid="12"/>
+                                        </p:tgtEl>
+                                        <p:attrNameLst>
+                                          <p:attrName>ppt_w</p:attrName>
+                                        </p:attrNameLst>
+                                      </p:cBhvr>
+                                      <p:tavLst>
+                                        <p:tav tm="0">
+                                          <p:val>
+                                            <p:fltVal val="0"/>
+                                          </p:val>
+                                        </p:tav>
+                                        <p:tav tm="100000">
+                                          <p:val>
+                                            <p:strVal val="#ppt_w"/>
+                                          </p:val>
+                                        </p:tav>
+                                      </p:tavLst>
+                                    </p:anim>
+                                    <p:anim calcmode="lin" valueType="num">
+                                      <p:cBhvr>
+                                        <p:cTn id="38" dur="1000" fill="hold"/>
+                                        <p:tgtEl>
+                                          <p:spTgt spid="12"/>
+                                        </p:tgtEl>
+                                        <p:attrNameLst>
+                                          <p:attrName>ppt_h</p:attrName>
+                                        </p:attrNameLst>
+                                      </p:cBhvr>
+                                      <p:tavLst>
+                                        <p:tav tm="0">
+                                          <p:val>
+                                            <p:fltVal val="0"/>
+                                          </p:val>
+                                        </p:tav>
+                                        <p:tav tm="100000">
+                                          <p:val>
+                                            <p:strVal val="#ppt_h"/>
+                                          </p:val>
+                                        </p:tav>
+                                      </p:tavLst>
+                                    </p:anim>
+                                    <p:anim calcmode="lin" valueType="num">
+                                      <p:cBhvr>
+                                        <p:cTn id="39" dur="1000" fill="hold"/>
+                                        <p:tgtEl>
+                                          <p:spTgt spid="12"/>
+                                        </p:tgtEl>
+                                        <p:attrNameLst>
+                                          <p:attrName>style.rotation</p:attrName>
+                                        </p:attrNameLst>
+                                      </p:cBhvr>
+                                      <p:tavLst>
+                                        <p:tav tm="0">
+                                          <p:val>
+                                            <p:fltVal val="90"/>
+                                          </p:val>
+                                        </p:tav>
+                                        <p:tav tm="100000">
+                                          <p:val>
+                                            <p:fltVal val="0"/>
+                                          </p:val>
+                                        </p:tav>
+                                      </p:tavLst>
+                                    </p:anim>
+                                    <p:animEffect transition="in" filter="fade">
+                                      <p:cBhvr>
+                                        <p:cTn id="40" dur="1000"/>
+                                        <p:tgtEl>
+                                          <p:spTgt spid="12"/>
+                                        </p:tgtEl>
+                                      </p:cBhvr>
+                                    </p:animEffect>
+                                  </p:childTnLst>
+                                </p:cTn>
+                              </p:par>
+                              <p:par>
+                                <p:cTn id="41" presetID="31" presetClass="entr" presetSubtype="0" fill="hold" grpId="0" nodeType="withEffect">
+                                  <p:stCondLst>
+                                    <p:cond delay="0"/>
+                                  </p:stCondLst>
+                                  <p:childTnLst>
+                                    <p:set>
+                                      <p:cBhvr>
+                                        <p:cTn id="42" dur="1" fill="hold">
+                                          <p:stCondLst>
+                                            <p:cond delay="0"/>
+                                          </p:stCondLst>
+                                        </p:cTn>
+                                        <p:tgtEl>
+                                          <p:spTgt spid="14"/>
+                                        </p:tgtEl>
+                                        <p:attrNameLst>
+                                          <p:attrName>style.visibility</p:attrName>
+                                        </p:attrNameLst>
+                                      </p:cBhvr>
+                                      <p:to>
+                                        <p:strVal val="visible"/>
+                                      </p:to>
+                                    </p:set>
+                                    <p:anim calcmode="lin" valueType="num">
+                                      <p:cBhvr>
+                                        <p:cTn id="43" dur="1000" fill="hold"/>
+                                        <p:tgtEl>
+                                          <p:spTgt spid="14"/>
+                                        </p:tgtEl>
+                                        <p:attrNameLst>
+                                          <p:attrName>ppt_w</p:attrName>
+                                        </p:attrNameLst>
+                                      </p:cBhvr>
+                                      <p:tavLst>
+                                        <p:tav tm="0">
+                                          <p:val>
+                                            <p:fltVal val="0"/>
+                                          </p:val>
+                                        </p:tav>
+                                        <p:tav tm="100000">
+                                          <p:val>
+                                            <p:strVal val="#ppt_w"/>
+                                          </p:val>
+                                        </p:tav>
+                                      </p:tavLst>
+                                    </p:anim>
+                                    <p:anim calcmode="lin" valueType="num">
+                                      <p:cBhvr>
+                                        <p:cTn id="44" dur="1000" fill="hold"/>
+                                        <p:tgtEl>
+                                          <p:spTgt spid="14"/>
+                                        </p:tgtEl>
+                                        <p:attrNameLst>
+                                          <p:attrName>ppt_h</p:attrName>
+                                        </p:attrNameLst>
+                                      </p:cBhvr>
+                                      <p:tavLst>
+                                        <p:tav tm="0">
+                                          <p:val>
+                                            <p:fltVal val="0"/>
+                                          </p:val>
+                                        </p:tav>
+                                        <p:tav tm="100000">
+                                          <p:val>
+                                            <p:strVal val="#ppt_h"/>
+                                          </p:val>
+                                        </p:tav>
+                                      </p:tavLst>
+                                    </p:anim>
+                                    <p:anim calcmode="lin" valueType="num">
+                                      <p:cBhvr>
+                                        <p:cTn id="45" dur="1000" fill="hold"/>
+                                        <p:tgtEl>
+                                          <p:spTgt spid="14"/>
+                                        </p:tgtEl>
+                                        <p:attrNameLst>
+                                          <p:attrName>style.rotation</p:attrName>
+                                        </p:attrNameLst>
+                                      </p:cBhvr>
+                                      <p:tavLst>
+                                        <p:tav tm="0">
+                                          <p:val>
+                                            <p:fltVal val="90"/>
+                                          </p:val>
+                                        </p:tav>
+                                        <p:tav tm="100000">
+                                          <p:val>
+                                            <p:fltVal val="0"/>
+                                          </p:val>
+                                        </p:tav>
+                                      </p:tavLst>
+                                    </p:anim>
+                                    <p:animEffect transition="in" filter="fade">
+                                      <p:cBhvr>
+                                        <p:cTn id="46" dur="1000"/>
+                                        <p:tgtEl>
+                                          <p:spTgt spid="14"/>
+                                        </p:tgtEl>
+                                      </p:cBhvr>
+                                    </p:animEffect>
+                                  </p:childTnLst>
+                                </p:cTn>
+                              </p:par>
+                              <p:par>
+                                <p:cTn id="47" presetID="31" presetClass="entr" presetSubtype="0" fill="hold" grpId="0" nodeType="withEffect">
+                                  <p:stCondLst>
+                                    <p:cond delay="0"/>
+                                  </p:stCondLst>
+                                  <p:childTnLst>
+                                    <p:set>
+                                      <p:cBhvr>
+                                        <p:cTn id="48" dur="1" fill="hold">
+                                          <p:stCondLst>
+                                            <p:cond delay="0"/>
+                                          </p:stCondLst>
+                                        </p:cTn>
+                                        <p:tgtEl>
+                                          <p:spTgt spid="16"/>
+                                        </p:tgtEl>
+                                        <p:attrNameLst>
+                                          <p:attrName>style.visibility</p:attrName>
+                                        </p:attrNameLst>
+                                      </p:cBhvr>
+                                      <p:to>
+                                        <p:strVal val="visible"/>
+                                      </p:to>
+                                    </p:set>
+                                    <p:anim calcmode="lin" valueType="num">
+                                      <p:cBhvr>
+                                        <p:cTn id="49" dur="1000" fill="hold"/>
+                                        <p:tgtEl>
+                                          <p:spTgt spid="16"/>
+                                        </p:tgtEl>
+                                        <p:attrNameLst>
+                                          <p:attrName>ppt_w</p:attrName>
+                                        </p:attrNameLst>
+                                      </p:cBhvr>
+                                      <p:tavLst>
+                                        <p:tav tm="0">
+                                          <p:val>
+                                            <p:fltVal val="0"/>
+                                          </p:val>
+                                        </p:tav>
+                                        <p:tav tm="100000">
+                                          <p:val>
+                                            <p:strVal val="#ppt_w"/>
+                                          </p:val>
+                                        </p:tav>
+                                      </p:tavLst>
+                                    </p:anim>
+                                    <p:anim calcmode="lin" valueType="num">
+                                      <p:cBhvr>
+                                        <p:cTn id="50" dur="1000" fill="hold"/>
+                                        <p:tgtEl>
+                                          <p:spTgt spid="16"/>
+                                        </p:tgtEl>
+                                        <p:attrNameLst>
+                                          <p:attrName>ppt_h</p:attrName>
+                                        </p:attrNameLst>
+                                      </p:cBhvr>
+                                      <p:tavLst>
+                                        <p:tav tm="0">
+                                          <p:val>
+                                            <p:fltVal val="0"/>
+                                          </p:val>
+                                        </p:tav>
+                                        <p:tav tm="100000">
+                                          <p:val>
+                                            <p:strVal val="#ppt_h"/>
+                                          </p:val>
+                                        </p:tav>
+                                      </p:tavLst>
+                                    </p:anim>
+                                    <p:anim calcmode="lin" valueType="num">
+                                      <p:cBhvr>
+                                        <p:cTn id="51" dur="1000" fill="hold"/>
+                                        <p:tgtEl>
+                                          <p:spTgt spid="16"/>
+                                        </p:tgtEl>
+                                        <p:attrNameLst>
+                                          <p:attrName>style.rotation</p:attrName>
+                                        </p:attrNameLst>
+                                      </p:cBhvr>
+                                      <p:tavLst>
+                                        <p:tav tm="0">
+                                          <p:val>
+                                            <p:fltVal val="90"/>
+                                          </p:val>
+                                        </p:tav>
+                                        <p:tav tm="100000">
+                                          <p:val>
+                                            <p:fltVal val="0"/>
+                                          </p:val>
+                                        </p:tav>
+                                      </p:tavLst>
+                                    </p:anim>
+                                    <p:animEffect transition="in" filter="fade">
+                                      <p:cBhvr>
+                                        <p:cTn id="52" dur="1000"/>
+                                        <p:tgtEl>
+                                          <p:spTgt spid="16"/>
+                                        </p:tgtEl>
+                                      </p:cBhvr>
+                                    </p:animEffect>
+                                  </p:childTnLst>
+                                </p:cTn>
+                              </p:par>
+                            </p:childTnLst>
+                          </p:cTn>
+                        </p:par>
+                      </p:childTnLst>
+                    </p:cTn>
+                  </p:par>
+                </p:childTnLst>
+              </p:cTn>
+              <p:prevCondLst>
+                <p:cond evt="onPrev" delay="0">
+                  <p:tgtEl>
+                    <p:sldTgt/>
+                  </p:tgtEl>
+                </p:cond>
+              </p:prevCondLst>
+              <p:nextCondLst>
+                <p:cond evt="onNext" delay="0">
+                  <p:tgtEl>
+                    <p:sldTgt/>
+                  </p:tgtEl>
+                </p:cond>
+              </p:nextCondLst>
+            </p:seq>
+          </p:childTnLst>
+        </p:cTn>
+      </p:par>
+    </p:tnLst>
+    <p:bldLst>
+      <p:bldP spid="5" grpId="0" animBg="1"/>
+      <p:bldP spid="10" grpId="0"/>
+      <p:bldP spid="11" grpId="0"/>
+      <p:bldP spid="12" grpId="0" animBg="1"/>
+      <p:bldP spid="13" grpId="0"/>
+      <p:bldP spid="14" grpId="0" animBg="1"/>
+      <p:bldP spid="15" grpId="0"/>
+      <p:bldP spid="16" grpId="0" animBg="1"/>
+    </p:bldLst>
+  </p:timing>
 </p:sld>
 </file>
 
@@ -6203,25 +7557,6 @@
       </p:grpSpPr>
       <p:sp>
         <p:nvSpPr>
-          <p:cNvPr id="4" name="Объект 3"/>
-          <p:cNvSpPr>
-            <a:spLocks noGrp="1"/>
-          </p:cNvSpPr>
-          <p:nvPr>
-            <p:ph idx="1"/>
-          </p:nvPr>
-        </p:nvSpPr>
-        <p:spPr/>
-        <p:txBody>
-          <a:bodyPr/>
-          <a:lstStyle/>
-          <a:p>
-            <a:endParaRPr lang="ru-RU" dirty="0"/>
-          </a:p>
-        </p:txBody>
-      </p:sp>
-      <p:sp>
-        <p:nvSpPr>
           <p:cNvPr id="2" name="Номер слайда 1"/>
           <p:cNvSpPr>
             <a:spLocks noGrp="1"/>
@@ -6306,6 +7641,179 @@
           </a:p>
         </p:txBody>
       </p:sp>
+      <p:sp>
+        <p:nvSpPr>
+          <p:cNvPr id="5" name="Объект 4"/>
+          <p:cNvSpPr>
+            <a:spLocks noGrp="1"/>
+          </p:cNvSpPr>
+          <p:nvPr>
+            <p:ph idx="1"/>
+          </p:nvPr>
+        </p:nvSpPr>
+        <p:spPr>
+          <a:xfrm>
+            <a:off x="838200" y="1443105"/>
+            <a:ext cx="8578755" cy="4733858"/>
+          </a:xfrm>
+        </p:spPr>
+        <p:txBody>
+          <a:bodyPr/>
+          <a:lstStyle/>
+          <a:p>
+            <a:pPr marL="0" indent="0">
+              <a:spcAft>
+                <a:spcPts val="1000"/>
+              </a:spcAft>
+              <a:buNone/>
+            </a:pPr>
+            <a:r>
+              <a:rPr lang="ru-RU" dirty="0" smtClean="0">
+                <a:latin typeface="Times New Roman" panose="02020603050405020304" pitchFamily="18" charset="0"/>
+                <a:cs typeface="Times New Roman" panose="02020603050405020304" pitchFamily="18" charset="0"/>
+              </a:rPr>
+              <a:t>Разрабатываемая </a:t>
+            </a:r>
+            <a:r>
+              <a:rPr lang="ru-RU" dirty="0" err="1" smtClean="0">
+                <a:latin typeface="Times New Roman" panose="02020603050405020304" pitchFamily="18" charset="0"/>
+                <a:cs typeface="Times New Roman" panose="02020603050405020304" pitchFamily="18" charset="0"/>
+              </a:rPr>
+              <a:t>графовая</a:t>
+            </a:r>
+            <a:r>
+              <a:rPr lang="ru-RU" dirty="0" smtClean="0">
+                <a:latin typeface="Times New Roman" panose="02020603050405020304" pitchFamily="18" charset="0"/>
+                <a:cs typeface="Times New Roman" panose="02020603050405020304" pitchFamily="18" charset="0"/>
+              </a:rPr>
+              <a:t> база данных должна хранить следующие данные:</a:t>
+            </a:r>
+          </a:p>
+          <a:p>
+            <a:pPr marL="457200" indent="-457200">
+              <a:buFont typeface="+mj-lt"/>
+              <a:buAutoNum type="arabicPeriod"/>
+            </a:pPr>
+            <a:r>
+              <a:rPr lang="ru-RU" sz="2400" dirty="0">
+                <a:latin typeface="Times New Roman" panose="02020603050405020304" pitchFamily="18" charset="0"/>
+                <a:cs typeface="Times New Roman" panose="02020603050405020304" pitchFamily="18" charset="0"/>
+              </a:rPr>
+              <a:t>наименования и описания проектов, их заказчиков и руководителей;</a:t>
+            </a:r>
+          </a:p>
+          <a:p>
+            <a:pPr marL="457200" indent="-457200">
+              <a:buFont typeface="+mj-lt"/>
+              <a:buAutoNum type="arabicPeriod"/>
+            </a:pPr>
+            <a:r>
+              <a:rPr lang="ru-RU" sz="2400" dirty="0">
+                <a:latin typeface="Times New Roman" panose="02020603050405020304" pitchFamily="18" charset="0"/>
+                <a:cs typeface="Times New Roman" panose="02020603050405020304" pitchFamily="18" charset="0"/>
+              </a:rPr>
+              <a:t>наименования и описания задач, подзадач проекта;</a:t>
+            </a:r>
+          </a:p>
+          <a:p>
+            <a:pPr marL="457200" indent="-457200">
+              <a:buFont typeface="+mj-lt"/>
+              <a:buAutoNum type="arabicPeriod"/>
+            </a:pPr>
+            <a:r>
+              <a:rPr lang="ru-RU" sz="2400" dirty="0">
+                <a:latin typeface="Times New Roman" panose="02020603050405020304" pitchFamily="18" charset="0"/>
+                <a:cs typeface="Times New Roman" panose="02020603050405020304" pitchFamily="18" charset="0"/>
+              </a:rPr>
+              <a:t>исполнителей (разработчиков) назначенных на задачи;</a:t>
+            </a:r>
+          </a:p>
+          <a:p>
+            <a:pPr marL="457200" indent="-457200">
+              <a:buFont typeface="+mj-lt"/>
+              <a:buAutoNum type="arabicPeriod"/>
+            </a:pPr>
+            <a:r>
+              <a:rPr lang="ru-RU" sz="2400" dirty="0">
+                <a:latin typeface="Times New Roman" panose="02020603050405020304" pitchFamily="18" charset="0"/>
+                <a:cs typeface="Times New Roman" panose="02020603050405020304" pitchFamily="18" charset="0"/>
+              </a:rPr>
+              <a:t>совершённые изменения и их описание на этапе выполнения задач;</a:t>
+            </a:r>
+          </a:p>
+          <a:p>
+            <a:pPr marL="457200" indent="-457200">
+              <a:buFont typeface="+mj-lt"/>
+              <a:buAutoNum type="arabicPeriod"/>
+            </a:pPr>
+            <a:r>
+              <a:rPr lang="ru-RU" sz="2400" dirty="0">
+                <a:latin typeface="Times New Roman" panose="02020603050405020304" pitchFamily="18" charset="0"/>
+                <a:cs typeface="Times New Roman" panose="02020603050405020304" pitchFamily="18" charset="0"/>
+              </a:rPr>
+              <a:t>URL адреса </a:t>
+            </a:r>
+            <a:r>
+              <a:rPr lang="ru-RU" sz="2400" dirty="0" err="1">
+                <a:latin typeface="Times New Roman" panose="02020603050405020304" pitchFamily="18" charset="0"/>
+                <a:cs typeface="Times New Roman" panose="02020603050405020304" pitchFamily="18" charset="0"/>
+              </a:rPr>
+              <a:t>репозиториев</a:t>
+            </a:r>
+            <a:r>
+              <a:rPr lang="ru-RU" sz="2400" dirty="0">
+                <a:latin typeface="Times New Roman" panose="02020603050405020304" pitchFamily="18" charset="0"/>
+                <a:cs typeface="Times New Roman" panose="02020603050405020304" pitchFamily="18" charset="0"/>
+              </a:rPr>
+              <a:t> в которых были созданы задачи </a:t>
+            </a:r>
+            <a:r>
+              <a:rPr lang="ru-RU" sz="2400" dirty="0" smtClean="0">
+                <a:latin typeface="Times New Roman" panose="02020603050405020304" pitchFamily="18" charset="0"/>
+                <a:cs typeface="Times New Roman" panose="02020603050405020304" pitchFamily="18" charset="0"/>
+              </a:rPr>
+              <a:t>или совершены </a:t>
+            </a:r>
+            <a:r>
+              <a:rPr lang="ru-RU" sz="2400" dirty="0">
+                <a:latin typeface="Times New Roman" panose="02020603050405020304" pitchFamily="18" charset="0"/>
+                <a:cs typeface="Times New Roman" panose="02020603050405020304" pitchFamily="18" charset="0"/>
+              </a:rPr>
+              <a:t>их изменения на этапе выполнения.</a:t>
+            </a:r>
+          </a:p>
+        </p:txBody>
+      </p:sp>
+      <p:pic>
+        <p:nvPicPr>
+          <p:cNvPr id="10" name="Рисунок 9"/>
+          <p:cNvPicPr>
+            <a:picLocks noChangeAspect="1"/>
+          </p:cNvPicPr>
+          <p:nvPr/>
+        </p:nvPicPr>
+        <p:blipFill>
+          <a:blip r:embed="rId2">
+            <a:extLst>
+              <a:ext uri="{28A0092B-C50C-407E-A947-70E740481C1C}">
+                <a14:useLocalDpi xmlns:a14="http://schemas.microsoft.com/office/drawing/2010/main" val="0"/>
+              </a:ext>
+            </a:extLst>
+          </a:blip>
+          <a:stretch>
+            <a:fillRect/>
+          </a:stretch>
+        </p:blipFill>
+        <p:spPr>
+          <a:xfrm>
+            <a:off x="8437178" y="1263718"/>
+            <a:ext cx="3591049" cy="3674805"/>
+          </a:xfrm>
+          <a:prstGeom prst="rect">
+            <a:avLst/>
+          </a:prstGeom>
+        </p:spPr>
+      </p:pic>
     </p:spTree>
     <p:extLst>
       <p:ext uri="{BB962C8B-B14F-4D97-AF65-F5344CB8AC3E}">
@@ -6316,6 +7824,730 @@
   <p:clrMapOvr>
     <a:masterClrMapping/>
   </p:clrMapOvr>
+  <p:timing>
+    <p:tnLst>
+      <p:par>
+        <p:cTn id="1" dur="indefinite" restart="never" nodeType="tmRoot">
+          <p:childTnLst>
+            <p:seq concurrent="1" nextAc="seek">
+              <p:cTn id="2" dur="indefinite" nodeType="mainSeq">
+                <p:childTnLst>
+                  <p:par>
+                    <p:cTn id="3" fill="hold">
+                      <p:stCondLst>
+                        <p:cond delay="indefinite"/>
+                      </p:stCondLst>
+                      <p:childTnLst>
+                        <p:par>
+                          <p:cTn id="4" fill="hold">
+                            <p:stCondLst>
+                              <p:cond delay="0"/>
+                            </p:stCondLst>
+                            <p:childTnLst>
+                              <p:par>
+                                <p:cTn id="5" presetID="2" presetClass="entr" presetSubtype="4" fill="hold" nodeType="clickEffect">
+                                  <p:stCondLst>
+                                    <p:cond delay="0"/>
+                                  </p:stCondLst>
+                                  <p:childTnLst>
+                                    <p:set>
+                                      <p:cBhvr>
+                                        <p:cTn id="6" dur="1" fill="hold">
+                                          <p:stCondLst>
+                                            <p:cond delay="0"/>
+                                          </p:stCondLst>
+                                        </p:cTn>
+                                        <p:tgtEl>
+                                          <p:spTgt spid="10"/>
+                                        </p:tgtEl>
+                                        <p:attrNameLst>
+                                          <p:attrName>style.visibility</p:attrName>
+                                        </p:attrNameLst>
+                                      </p:cBhvr>
+                                      <p:to>
+                                        <p:strVal val="visible"/>
+                                      </p:to>
+                                    </p:set>
+                                    <p:anim calcmode="lin" valueType="num">
+                                      <p:cBhvr additive="base">
+                                        <p:cTn id="7" dur="500" fill="hold"/>
+                                        <p:tgtEl>
+                                          <p:spTgt spid="10"/>
+                                        </p:tgtEl>
+                                        <p:attrNameLst>
+                                          <p:attrName>ppt_x</p:attrName>
+                                        </p:attrNameLst>
+                                      </p:cBhvr>
+                                      <p:tavLst>
+                                        <p:tav tm="0">
+                                          <p:val>
+                                            <p:strVal val="#ppt_x"/>
+                                          </p:val>
+                                        </p:tav>
+                                        <p:tav tm="100000">
+                                          <p:val>
+                                            <p:strVal val="#ppt_x"/>
+                                          </p:val>
+                                        </p:tav>
+                                      </p:tavLst>
+                                    </p:anim>
+                                    <p:anim calcmode="lin" valueType="num">
+                                      <p:cBhvr additive="base">
+                                        <p:cTn id="8" dur="500" fill="hold"/>
+                                        <p:tgtEl>
+                                          <p:spTgt spid="10"/>
+                                        </p:tgtEl>
+                                        <p:attrNameLst>
+                                          <p:attrName>ppt_y</p:attrName>
+                                        </p:attrNameLst>
+                                      </p:cBhvr>
+                                      <p:tavLst>
+                                        <p:tav tm="0">
+                                          <p:val>
+                                            <p:strVal val="1+#ppt_h/2"/>
+                                          </p:val>
+                                        </p:tav>
+                                        <p:tav tm="100000">
+                                          <p:val>
+                                            <p:strVal val="#ppt_y"/>
+                                          </p:val>
+                                        </p:tav>
+                                      </p:tavLst>
+                                    </p:anim>
+                                  </p:childTnLst>
+                                </p:cTn>
+                              </p:par>
+                              <p:par>
+                                <p:cTn id="9" presetID="2" presetClass="entr" presetSubtype="4" fill="hold" grpId="0" nodeType="withEffect">
+                                  <p:stCondLst>
+                                    <p:cond delay="0"/>
+                                  </p:stCondLst>
+                                  <p:childTnLst>
+                                    <p:set>
+                                      <p:cBhvr>
+                                        <p:cTn id="10" dur="1" fill="hold">
+                                          <p:stCondLst>
+                                            <p:cond delay="0"/>
+                                          </p:stCondLst>
+                                        </p:cTn>
+                                        <p:tgtEl>
+                                          <p:spTgt spid="5">
+                                            <p:txEl>
+                                              <p:pRg st="0" end="0"/>
+                                            </p:txEl>
+                                          </p:spTgt>
+                                        </p:tgtEl>
+                                        <p:attrNameLst>
+                                          <p:attrName>style.visibility</p:attrName>
+                                        </p:attrNameLst>
+                                      </p:cBhvr>
+                                      <p:to>
+                                        <p:strVal val="visible"/>
+                                      </p:to>
+                                    </p:set>
+                                    <p:anim calcmode="lin" valueType="num">
+                                      <p:cBhvr additive="base">
+                                        <p:cTn id="11" dur="500" fill="hold"/>
+                                        <p:tgtEl>
+                                          <p:spTgt spid="5">
+                                            <p:txEl>
+                                              <p:pRg st="0" end="0"/>
+                                            </p:txEl>
+                                          </p:spTgt>
+                                        </p:tgtEl>
+                                        <p:attrNameLst>
+                                          <p:attrName>ppt_x</p:attrName>
+                                        </p:attrNameLst>
+                                      </p:cBhvr>
+                                      <p:tavLst>
+                                        <p:tav tm="0">
+                                          <p:val>
+                                            <p:strVal val="#ppt_x"/>
+                                          </p:val>
+                                        </p:tav>
+                                        <p:tav tm="100000">
+                                          <p:val>
+                                            <p:strVal val="#ppt_x"/>
+                                          </p:val>
+                                        </p:tav>
+                                      </p:tavLst>
+                                    </p:anim>
+                                    <p:anim calcmode="lin" valueType="num">
+                                      <p:cBhvr additive="base">
+                                        <p:cTn id="12" dur="500" fill="hold"/>
+                                        <p:tgtEl>
+                                          <p:spTgt spid="5">
+                                            <p:txEl>
+                                              <p:pRg st="0" end="0"/>
+                                            </p:txEl>
+                                          </p:spTgt>
+                                        </p:tgtEl>
+                                        <p:attrNameLst>
+                                          <p:attrName>ppt_y</p:attrName>
+                                        </p:attrNameLst>
+                                      </p:cBhvr>
+                                      <p:tavLst>
+                                        <p:tav tm="0">
+                                          <p:val>
+                                            <p:strVal val="1+#ppt_h/2"/>
+                                          </p:val>
+                                        </p:tav>
+                                        <p:tav tm="100000">
+                                          <p:val>
+                                            <p:strVal val="#ppt_y"/>
+                                          </p:val>
+                                        </p:tav>
+                                      </p:tavLst>
+                                    </p:anim>
+                                  </p:childTnLst>
+                                </p:cTn>
+                              </p:par>
+                            </p:childTnLst>
+                          </p:cTn>
+                        </p:par>
+                      </p:childTnLst>
+                    </p:cTn>
+                  </p:par>
+                  <p:par>
+                    <p:cTn id="13" fill="hold">
+                      <p:stCondLst>
+                        <p:cond delay="indefinite"/>
+                      </p:stCondLst>
+                      <p:childTnLst>
+                        <p:par>
+                          <p:cTn id="14" fill="hold">
+                            <p:stCondLst>
+                              <p:cond delay="0"/>
+                            </p:stCondLst>
+                            <p:childTnLst>
+                              <p:par>
+                                <p:cTn id="15" presetID="2" presetClass="entr" presetSubtype="4" fill="hold" grpId="0" nodeType="clickEffect">
+                                  <p:stCondLst>
+                                    <p:cond delay="0"/>
+                                  </p:stCondLst>
+                                  <p:childTnLst>
+                                    <p:set>
+                                      <p:cBhvr>
+                                        <p:cTn id="16" dur="1" fill="hold">
+                                          <p:stCondLst>
+                                            <p:cond delay="0"/>
+                                          </p:stCondLst>
+                                        </p:cTn>
+                                        <p:tgtEl>
+                                          <p:spTgt spid="5">
+                                            <p:txEl>
+                                              <p:pRg st="1" end="1"/>
+                                            </p:txEl>
+                                          </p:spTgt>
+                                        </p:tgtEl>
+                                        <p:attrNameLst>
+                                          <p:attrName>style.visibility</p:attrName>
+                                        </p:attrNameLst>
+                                      </p:cBhvr>
+                                      <p:to>
+                                        <p:strVal val="visible"/>
+                                      </p:to>
+                                    </p:set>
+                                    <p:anim calcmode="lin" valueType="num">
+                                      <p:cBhvr additive="base">
+                                        <p:cTn id="17" dur="500" fill="hold"/>
+                                        <p:tgtEl>
+                                          <p:spTgt spid="5">
+                                            <p:txEl>
+                                              <p:pRg st="1" end="1"/>
+                                            </p:txEl>
+                                          </p:spTgt>
+                                        </p:tgtEl>
+                                        <p:attrNameLst>
+                                          <p:attrName>ppt_x</p:attrName>
+                                        </p:attrNameLst>
+                                      </p:cBhvr>
+                                      <p:tavLst>
+                                        <p:tav tm="0">
+                                          <p:val>
+                                            <p:strVal val="#ppt_x"/>
+                                          </p:val>
+                                        </p:tav>
+                                        <p:tav tm="100000">
+                                          <p:val>
+                                            <p:strVal val="#ppt_x"/>
+                                          </p:val>
+                                        </p:tav>
+                                      </p:tavLst>
+                                    </p:anim>
+                                    <p:anim calcmode="lin" valueType="num">
+                                      <p:cBhvr additive="base">
+                                        <p:cTn id="18" dur="500" fill="hold"/>
+                                        <p:tgtEl>
+                                          <p:spTgt spid="5">
+                                            <p:txEl>
+                                              <p:pRg st="1" end="1"/>
+                                            </p:txEl>
+                                          </p:spTgt>
+                                        </p:tgtEl>
+                                        <p:attrNameLst>
+                                          <p:attrName>ppt_y</p:attrName>
+                                        </p:attrNameLst>
+                                      </p:cBhvr>
+                                      <p:tavLst>
+                                        <p:tav tm="0">
+                                          <p:val>
+                                            <p:strVal val="1+#ppt_h/2"/>
+                                          </p:val>
+                                        </p:tav>
+                                        <p:tav tm="100000">
+                                          <p:val>
+                                            <p:strVal val="#ppt_y"/>
+                                          </p:val>
+                                        </p:tav>
+                                      </p:tavLst>
+                                    </p:anim>
+                                  </p:childTnLst>
+                                </p:cTn>
+                              </p:par>
+                            </p:childTnLst>
+                          </p:cTn>
+                        </p:par>
+                      </p:childTnLst>
+                    </p:cTn>
+                  </p:par>
+                  <p:par>
+                    <p:cTn id="19" fill="hold">
+                      <p:stCondLst>
+                        <p:cond delay="indefinite"/>
+                      </p:stCondLst>
+                      <p:childTnLst>
+                        <p:par>
+                          <p:cTn id="20" fill="hold">
+                            <p:stCondLst>
+                              <p:cond delay="0"/>
+                            </p:stCondLst>
+                            <p:childTnLst>
+                              <p:par>
+                                <p:cTn id="21" presetID="2" presetClass="entr" presetSubtype="4" fill="hold" grpId="0" nodeType="clickEffect">
+                                  <p:stCondLst>
+                                    <p:cond delay="0"/>
+                                  </p:stCondLst>
+                                  <p:childTnLst>
+                                    <p:set>
+                                      <p:cBhvr>
+                                        <p:cTn id="22" dur="1" fill="hold">
+                                          <p:stCondLst>
+                                            <p:cond delay="0"/>
+                                          </p:stCondLst>
+                                        </p:cTn>
+                                        <p:tgtEl>
+                                          <p:spTgt spid="5">
+                                            <p:txEl>
+                                              <p:pRg st="2" end="2"/>
+                                            </p:txEl>
+                                          </p:spTgt>
+                                        </p:tgtEl>
+                                        <p:attrNameLst>
+                                          <p:attrName>style.visibility</p:attrName>
+                                        </p:attrNameLst>
+                                      </p:cBhvr>
+                                      <p:to>
+                                        <p:strVal val="visible"/>
+                                      </p:to>
+                                    </p:set>
+                                    <p:anim calcmode="lin" valueType="num">
+                                      <p:cBhvr additive="base">
+                                        <p:cTn id="23" dur="500" fill="hold"/>
+                                        <p:tgtEl>
+                                          <p:spTgt spid="5">
+                                            <p:txEl>
+                                              <p:pRg st="2" end="2"/>
+                                            </p:txEl>
+                                          </p:spTgt>
+                                        </p:tgtEl>
+                                        <p:attrNameLst>
+                                          <p:attrName>ppt_x</p:attrName>
+                                        </p:attrNameLst>
+                                      </p:cBhvr>
+                                      <p:tavLst>
+                                        <p:tav tm="0">
+                                          <p:val>
+                                            <p:strVal val="#ppt_x"/>
+                                          </p:val>
+                                        </p:tav>
+                                        <p:tav tm="100000">
+                                          <p:val>
+                                            <p:strVal val="#ppt_x"/>
+                                          </p:val>
+                                        </p:tav>
+                                      </p:tavLst>
+                                    </p:anim>
+                                    <p:anim calcmode="lin" valueType="num">
+                                      <p:cBhvr additive="base">
+                                        <p:cTn id="24" dur="500" fill="hold"/>
+                                        <p:tgtEl>
+                                          <p:spTgt spid="5">
+                                            <p:txEl>
+                                              <p:pRg st="2" end="2"/>
+                                            </p:txEl>
+                                          </p:spTgt>
+                                        </p:tgtEl>
+                                        <p:attrNameLst>
+                                          <p:attrName>ppt_y</p:attrName>
+                                        </p:attrNameLst>
+                                      </p:cBhvr>
+                                      <p:tavLst>
+                                        <p:tav tm="0">
+                                          <p:val>
+                                            <p:strVal val="1+#ppt_h/2"/>
+                                          </p:val>
+                                        </p:tav>
+                                        <p:tav tm="100000">
+                                          <p:val>
+                                            <p:strVal val="#ppt_y"/>
+                                          </p:val>
+                                        </p:tav>
+                                      </p:tavLst>
+                                    </p:anim>
+                                  </p:childTnLst>
+                                </p:cTn>
+                              </p:par>
+                            </p:childTnLst>
+                          </p:cTn>
+                        </p:par>
+                      </p:childTnLst>
+                    </p:cTn>
+                  </p:par>
+                  <p:par>
+                    <p:cTn id="25" fill="hold">
+                      <p:stCondLst>
+                        <p:cond delay="indefinite"/>
+                      </p:stCondLst>
+                      <p:childTnLst>
+                        <p:par>
+                          <p:cTn id="26" fill="hold">
+                            <p:stCondLst>
+                              <p:cond delay="0"/>
+                            </p:stCondLst>
+                            <p:childTnLst>
+                              <p:par>
+                                <p:cTn id="27" presetID="2" presetClass="entr" presetSubtype="4" fill="hold" grpId="0" nodeType="clickEffect">
+                                  <p:stCondLst>
+                                    <p:cond delay="0"/>
+                                  </p:stCondLst>
+                                  <p:childTnLst>
+                                    <p:set>
+                                      <p:cBhvr>
+                                        <p:cTn id="28" dur="1" fill="hold">
+                                          <p:stCondLst>
+                                            <p:cond delay="0"/>
+                                          </p:stCondLst>
+                                        </p:cTn>
+                                        <p:tgtEl>
+                                          <p:spTgt spid="5">
+                                            <p:txEl>
+                                              <p:pRg st="3" end="3"/>
+                                            </p:txEl>
+                                          </p:spTgt>
+                                        </p:tgtEl>
+                                        <p:attrNameLst>
+                                          <p:attrName>style.visibility</p:attrName>
+                                        </p:attrNameLst>
+                                      </p:cBhvr>
+                                      <p:to>
+                                        <p:strVal val="visible"/>
+                                      </p:to>
+                                    </p:set>
+                                    <p:anim calcmode="lin" valueType="num">
+                                      <p:cBhvr additive="base">
+                                        <p:cTn id="29" dur="500" fill="hold"/>
+                                        <p:tgtEl>
+                                          <p:spTgt spid="5">
+                                            <p:txEl>
+                                              <p:pRg st="3" end="3"/>
+                                            </p:txEl>
+                                          </p:spTgt>
+                                        </p:tgtEl>
+                                        <p:attrNameLst>
+                                          <p:attrName>ppt_x</p:attrName>
+                                        </p:attrNameLst>
+                                      </p:cBhvr>
+                                      <p:tavLst>
+                                        <p:tav tm="0">
+                                          <p:val>
+                                            <p:strVal val="#ppt_x"/>
+                                          </p:val>
+                                        </p:tav>
+                                        <p:tav tm="100000">
+                                          <p:val>
+                                            <p:strVal val="#ppt_x"/>
+                                          </p:val>
+                                        </p:tav>
+                                      </p:tavLst>
+                                    </p:anim>
+                                    <p:anim calcmode="lin" valueType="num">
+                                      <p:cBhvr additive="base">
+                                        <p:cTn id="30" dur="500" fill="hold"/>
+                                        <p:tgtEl>
+                                          <p:spTgt spid="5">
+                                            <p:txEl>
+                                              <p:pRg st="3" end="3"/>
+                                            </p:txEl>
+                                          </p:spTgt>
+                                        </p:tgtEl>
+                                        <p:attrNameLst>
+                                          <p:attrName>ppt_y</p:attrName>
+                                        </p:attrNameLst>
+                                      </p:cBhvr>
+                                      <p:tavLst>
+                                        <p:tav tm="0">
+                                          <p:val>
+                                            <p:strVal val="1+#ppt_h/2"/>
+                                          </p:val>
+                                        </p:tav>
+                                        <p:tav tm="100000">
+                                          <p:val>
+                                            <p:strVal val="#ppt_y"/>
+                                          </p:val>
+                                        </p:tav>
+                                      </p:tavLst>
+                                    </p:anim>
+                                  </p:childTnLst>
+                                </p:cTn>
+                              </p:par>
+                            </p:childTnLst>
+                          </p:cTn>
+                        </p:par>
+                      </p:childTnLst>
+                    </p:cTn>
+                  </p:par>
+                  <p:par>
+                    <p:cTn id="31" fill="hold">
+                      <p:stCondLst>
+                        <p:cond delay="indefinite"/>
+                      </p:stCondLst>
+                      <p:childTnLst>
+                        <p:par>
+                          <p:cTn id="32" fill="hold">
+                            <p:stCondLst>
+                              <p:cond delay="0"/>
+                            </p:stCondLst>
+                            <p:childTnLst>
+                              <p:par>
+                                <p:cTn id="33" presetID="2" presetClass="entr" presetSubtype="4" fill="hold" grpId="0" nodeType="clickEffect">
+                                  <p:stCondLst>
+                                    <p:cond delay="0"/>
+                                  </p:stCondLst>
+                                  <p:childTnLst>
+                                    <p:set>
+                                      <p:cBhvr>
+                                        <p:cTn id="34" dur="1" fill="hold">
+                                          <p:stCondLst>
+                                            <p:cond delay="0"/>
+                                          </p:stCondLst>
+                                        </p:cTn>
+                                        <p:tgtEl>
+                                          <p:spTgt spid="5">
+                                            <p:txEl>
+                                              <p:pRg st="4" end="4"/>
+                                            </p:txEl>
+                                          </p:spTgt>
+                                        </p:tgtEl>
+                                        <p:attrNameLst>
+                                          <p:attrName>style.visibility</p:attrName>
+                                        </p:attrNameLst>
+                                      </p:cBhvr>
+                                      <p:to>
+                                        <p:strVal val="visible"/>
+                                      </p:to>
+                                    </p:set>
+                                    <p:anim calcmode="lin" valueType="num">
+                                      <p:cBhvr additive="base">
+                                        <p:cTn id="35" dur="500" fill="hold"/>
+                                        <p:tgtEl>
+                                          <p:spTgt spid="5">
+                                            <p:txEl>
+                                              <p:pRg st="4" end="4"/>
+                                            </p:txEl>
+                                          </p:spTgt>
+                                        </p:tgtEl>
+                                        <p:attrNameLst>
+                                          <p:attrName>ppt_x</p:attrName>
+                                        </p:attrNameLst>
+                                      </p:cBhvr>
+                                      <p:tavLst>
+                                        <p:tav tm="0">
+                                          <p:val>
+                                            <p:strVal val="#ppt_x"/>
+                                          </p:val>
+                                        </p:tav>
+                                        <p:tav tm="100000">
+                                          <p:val>
+                                            <p:strVal val="#ppt_x"/>
+                                          </p:val>
+                                        </p:tav>
+                                      </p:tavLst>
+                                    </p:anim>
+                                    <p:anim calcmode="lin" valueType="num">
+                                      <p:cBhvr additive="base">
+                                        <p:cTn id="36" dur="500" fill="hold"/>
+                                        <p:tgtEl>
+                                          <p:spTgt spid="5">
+                                            <p:txEl>
+                                              <p:pRg st="4" end="4"/>
+                                            </p:txEl>
+                                          </p:spTgt>
+                                        </p:tgtEl>
+                                        <p:attrNameLst>
+                                          <p:attrName>ppt_y</p:attrName>
+                                        </p:attrNameLst>
+                                      </p:cBhvr>
+                                      <p:tavLst>
+                                        <p:tav tm="0">
+                                          <p:val>
+                                            <p:strVal val="1+#ppt_h/2"/>
+                                          </p:val>
+                                        </p:tav>
+                                        <p:tav tm="100000">
+                                          <p:val>
+                                            <p:strVal val="#ppt_y"/>
+                                          </p:val>
+                                        </p:tav>
+                                      </p:tavLst>
+                                    </p:anim>
+                                  </p:childTnLst>
+                                </p:cTn>
+                              </p:par>
+                            </p:childTnLst>
+                          </p:cTn>
+                        </p:par>
+                      </p:childTnLst>
+                    </p:cTn>
+                  </p:par>
+                  <p:par>
+                    <p:cTn id="37" fill="hold">
+                      <p:stCondLst>
+                        <p:cond delay="indefinite"/>
+                      </p:stCondLst>
+                      <p:childTnLst>
+                        <p:par>
+                          <p:cTn id="38" fill="hold">
+                            <p:stCondLst>
+                              <p:cond delay="0"/>
+                            </p:stCondLst>
+                            <p:childTnLst>
+                              <p:par>
+                                <p:cTn id="39" presetID="2" presetClass="entr" presetSubtype="4" fill="hold" grpId="0" nodeType="clickEffect">
+                                  <p:stCondLst>
+                                    <p:cond delay="0"/>
+                                  </p:stCondLst>
+                                  <p:childTnLst>
+                                    <p:set>
+                                      <p:cBhvr>
+                                        <p:cTn id="40" dur="1" fill="hold">
+                                          <p:stCondLst>
+                                            <p:cond delay="0"/>
+                                          </p:stCondLst>
+                                        </p:cTn>
+                                        <p:tgtEl>
+                                          <p:spTgt spid="5">
+                                            <p:txEl>
+                                              <p:pRg st="5" end="5"/>
+                                            </p:txEl>
+                                          </p:spTgt>
+                                        </p:tgtEl>
+                                        <p:attrNameLst>
+                                          <p:attrName>style.visibility</p:attrName>
+                                        </p:attrNameLst>
+                                      </p:cBhvr>
+                                      <p:to>
+                                        <p:strVal val="visible"/>
+                                      </p:to>
+                                    </p:set>
+                                    <p:anim calcmode="lin" valueType="num">
+                                      <p:cBhvr additive="base">
+                                        <p:cTn id="41" dur="500" fill="hold"/>
+                                        <p:tgtEl>
+                                          <p:spTgt spid="5">
+                                            <p:txEl>
+                                              <p:pRg st="5" end="5"/>
+                                            </p:txEl>
+                                          </p:spTgt>
+                                        </p:tgtEl>
+                                        <p:attrNameLst>
+                                          <p:attrName>ppt_x</p:attrName>
+                                        </p:attrNameLst>
+                                      </p:cBhvr>
+                                      <p:tavLst>
+                                        <p:tav tm="0">
+                                          <p:val>
+                                            <p:strVal val="#ppt_x"/>
+                                          </p:val>
+                                        </p:tav>
+                                        <p:tav tm="100000">
+                                          <p:val>
+                                            <p:strVal val="#ppt_x"/>
+                                          </p:val>
+                                        </p:tav>
+                                      </p:tavLst>
+                                    </p:anim>
+                                    <p:anim calcmode="lin" valueType="num">
+                                      <p:cBhvr additive="base">
+                                        <p:cTn id="42" dur="500" fill="hold"/>
+                                        <p:tgtEl>
+                                          <p:spTgt spid="5">
+                                            <p:txEl>
+                                              <p:pRg st="5" end="5"/>
+                                            </p:txEl>
+                                          </p:spTgt>
+                                        </p:tgtEl>
+                                        <p:attrNameLst>
+                                          <p:attrName>ppt_y</p:attrName>
+                                        </p:attrNameLst>
+                                      </p:cBhvr>
+                                      <p:tavLst>
+                                        <p:tav tm="0">
+                                          <p:val>
+                                            <p:strVal val="1+#ppt_h/2"/>
+                                          </p:val>
+                                        </p:tav>
+                                        <p:tav tm="100000">
+                                          <p:val>
+                                            <p:strVal val="#ppt_y"/>
+                                          </p:val>
+                                        </p:tav>
+                                      </p:tavLst>
+                                    </p:anim>
+                                  </p:childTnLst>
+                                </p:cTn>
+                              </p:par>
+                            </p:childTnLst>
+                          </p:cTn>
+                        </p:par>
+                      </p:childTnLst>
+                    </p:cTn>
+                  </p:par>
+                </p:childTnLst>
+              </p:cTn>
+              <p:prevCondLst>
+                <p:cond evt="onPrev" delay="0">
+                  <p:tgtEl>
+                    <p:sldTgt/>
+                  </p:tgtEl>
+                </p:cond>
+              </p:prevCondLst>
+              <p:nextCondLst>
+                <p:cond evt="onNext" delay="0">
+                  <p:tgtEl>
+                    <p:sldTgt/>
+                  </p:tgtEl>
+                </p:cond>
+              </p:nextCondLst>
+            </p:seq>
+          </p:childTnLst>
+        </p:cTn>
+      </p:par>
+    </p:tnLst>
+    <p:bldLst>
+      <p:bldP spid="5" grpId="0" build="p"/>
+    </p:bldLst>
+  </p:timing>
 </p:sld>
 </file>
 
@@ -6346,12 +8578,90 @@
             <p:ph idx="1"/>
           </p:nvPr>
         </p:nvSpPr>
-        <p:spPr/>
-        <p:txBody>
-          <a:bodyPr/>
+        <p:spPr>
+          <a:xfrm>
+            <a:off x="2511188" y="1443104"/>
+            <a:ext cx="9002524" cy="4913245"/>
+          </a:xfrm>
+        </p:spPr>
+        <p:txBody>
+          <a:bodyPr>
+            <a:normAutofit/>
+          </a:bodyPr>
           <a:lstStyle/>
           <a:p>
-            <a:endParaRPr lang="ru-RU" dirty="0"/>
+            <a:pPr marL="457200" indent="-457200">
+              <a:buFont typeface="+mj-lt"/>
+              <a:buAutoNum type="arabicPeriod"/>
+            </a:pPr>
+            <a:r>
+              <a:rPr lang="ru-RU" sz="2400" dirty="0" smtClean="0">
+                <a:latin typeface="Times New Roman" panose="02020603050405020304" pitchFamily="18" charset="0"/>
+                <a:cs typeface="Times New Roman" panose="02020603050405020304" pitchFamily="18" charset="0"/>
+              </a:rPr>
+              <a:t>Гибкость – дает возможность хранить одни и те же объекты с различными свойствами, что является удобным при интеграции систем;</a:t>
+            </a:r>
+          </a:p>
+          <a:p>
+            <a:pPr marL="457200" indent="-457200">
+              <a:buFont typeface="+mj-lt"/>
+              <a:buAutoNum type="arabicPeriod"/>
+            </a:pPr>
+            <a:r>
+              <a:rPr lang="ru-RU" sz="2400" dirty="0" smtClean="0">
+                <a:latin typeface="Times New Roman" panose="02020603050405020304" pitchFamily="18" charset="0"/>
+                <a:cs typeface="Times New Roman" panose="02020603050405020304" pitchFamily="18" charset="0"/>
+              </a:rPr>
+              <a:t>Ощутимый прирост производительности при работе со связанными данными;</a:t>
+            </a:r>
+          </a:p>
+          <a:p>
+            <a:pPr marL="457200" indent="-457200">
+              <a:buFont typeface="+mj-lt"/>
+              <a:buAutoNum type="arabicPeriod"/>
+            </a:pPr>
+            <a:r>
+              <a:rPr lang="ru-RU" sz="2400" dirty="0" smtClean="0">
+                <a:latin typeface="Times New Roman" panose="02020603050405020304" pitchFamily="18" charset="0"/>
+                <a:cs typeface="Times New Roman" panose="02020603050405020304" pitchFamily="18" charset="0"/>
+              </a:rPr>
+              <a:t>Современный способ развертывания;</a:t>
+            </a:r>
+          </a:p>
+          <a:p>
+            <a:pPr marL="457200" indent="-457200">
+              <a:buFont typeface="+mj-lt"/>
+              <a:buAutoNum type="arabicPeriod"/>
+            </a:pPr>
+            <a:r>
+              <a:rPr lang="ru-RU" sz="2400" dirty="0" smtClean="0">
+                <a:latin typeface="Times New Roman" panose="02020603050405020304" pitchFamily="18" charset="0"/>
+                <a:cs typeface="Times New Roman" panose="02020603050405020304" pitchFamily="18" charset="0"/>
+              </a:rPr>
+              <a:t>Возможность расширения без нарушения существующих запросов и функционала приложения или системы;</a:t>
+            </a:r>
+          </a:p>
+          <a:p>
+            <a:pPr marL="457200" indent="-457200">
+              <a:buFont typeface="+mj-lt"/>
+              <a:buAutoNum type="arabicPeriod"/>
+            </a:pPr>
+            <a:r>
+              <a:rPr lang="ru-RU" sz="2400" dirty="0" smtClean="0">
+                <a:latin typeface="Times New Roman" panose="02020603050405020304" pitchFamily="18" charset="0"/>
+                <a:cs typeface="Times New Roman" panose="02020603050405020304" pitchFamily="18" charset="0"/>
+              </a:rPr>
+              <a:t>Графический интерфейс визуализации данных.</a:t>
+            </a:r>
+          </a:p>
+          <a:p>
+            <a:pPr marL="0" indent="0">
+              <a:buNone/>
+            </a:pPr>
+            <a:endParaRPr lang="ru-RU" sz="2000" dirty="0">
+              <a:latin typeface="Times New Roman" panose="02020603050405020304" pitchFamily="18" charset="0"/>
+              <a:cs typeface="Times New Roman" panose="02020603050405020304" pitchFamily="18" charset="0"/>
+            </a:endParaRPr>
           </a:p>
         </p:txBody>
       </p:sp>
@@ -6419,7 +8729,7 @@
                 <a:latin typeface="Times New Roman" panose="02020603050405020304" pitchFamily="18" charset="0"/>
                 <a:cs typeface="Times New Roman" panose="02020603050405020304" pitchFamily="18" charset="0"/>
               </a:rPr>
-              <a:t>графовой</a:t>
+              <a:t>графовых</a:t>
             </a:r>
             <a:r>
               <a:rPr lang="ru-RU" sz="3600" dirty="0" smtClean="0">
@@ -6429,7 +8739,37 @@
                 <a:latin typeface="Times New Roman" panose="02020603050405020304" pitchFamily="18" charset="0"/>
                 <a:cs typeface="Times New Roman" panose="02020603050405020304" pitchFamily="18" charset="0"/>
               </a:rPr>
-              <a:t> модели данных</a:t>
+              <a:t> </a:t>
+            </a:r>
+            <a:r>
+              <a:rPr lang="ru-RU" sz="3600" dirty="0" smtClean="0">
+                <a:solidFill>
+                  <a:srgbClr val="0070C0"/>
+                </a:solidFill>
+                <a:latin typeface="Times New Roman" panose="02020603050405020304" pitchFamily="18" charset="0"/>
+                <a:cs typeface="Times New Roman" panose="02020603050405020304" pitchFamily="18" charset="0"/>
+              </a:rPr>
+              <a:t>баз</a:t>
+            </a:r>
+            <a:r>
+              <a:rPr lang="ru-RU" sz="3600" dirty="0" smtClean="0">
+                <a:solidFill>
+                  <a:srgbClr val="0070C0"/>
+                </a:solidFill>
+                <a:latin typeface="Times New Roman" panose="02020603050405020304" pitchFamily="18" charset="0"/>
+                <a:cs typeface="Times New Roman" panose="02020603050405020304" pitchFamily="18" charset="0"/>
+              </a:rPr>
+              <a:t> </a:t>
+            </a:r>
+            <a:r>
+              <a:rPr lang="ru-RU" sz="3600" dirty="0" smtClean="0">
+                <a:solidFill>
+                  <a:srgbClr val="0070C0"/>
+                </a:solidFill>
+                <a:latin typeface="Times New Roman" panose="02020603050405020304" pitchFamily="18" charset="0"/>
+                <a:cs typeface="Times New Roman" panose="02020603050405020304" pitchFamily="18" charset="0"/>
+              </a:rPr>
+              <a:t>данных</a:t>
             </a:r>
             <a:endParaRPr lang="ru-RU" sz="3600" dirty="0">
               <a:solidFill>
@@ -6441,6 +8781,36 @@
           </a:p>
         </p:txBody>
       </p:sp>
+      <p:pic>
+        <p:nvPicPr>
+          <p:cNvPr id="5" name="Рисунок 4"/>
+          <p:cNvPicPr>
+            <a:picLocks noChangeAspect="1"/>
+          </p:cNvPicPr>
+          <p:nvPr/>
+        </p:nvPicPr>
+        <p:blipFill>
+          <a:blip r:embed="rId2" cstate="print">
+            <a:extLst>
+              <a:ext uri="{28A0092B-C50C-407E-A947-70E740481C1C}">
+                <a14:useLocalDpi xmlns:a14="http://schemas.microsoft.com/office/drawing/2010/main" val="0"/>
+              </a:ext>
+            </a:extLst>
+          </a:blip>
+          <a:stretch>
+            <a:fillRect/>
+          </a:stretch>
+        </p:blipFill>
+        <p:spPr>
+          <a:xfrm>
+            <a:off x="385310" y="2002092"/>
+            <a:ext cx="1965964" cy="2252477"/>
+          </a:xfrm>
+          <a:prstGeom prst="rect">
+            <a:avLst/>
+          </a:prstGeom>
+        </p:spPr>
+      </p:pic>
     </p:spTree>
     <p:extLst>
       <p:ext uri="{BB962C8B-B14F-4D97-AF65-F5344CB8AC3E}">
@@ -6451,6 +8821,379 @@
   <p:clrMapOvr>
     <a:masterClrMapping/>
   </p:clrMapOvr>
+  <p:timing>
+    <p:tnLst>
+      <p:par>
+        <p:cTn id="1" dur="indefinite" restart="never" nodeType="tmRoot">
+          <p:childTnLst>
+            <p:seq concurrent="1" nextAc="seek">
+              <p:cTn id="2" dur="indefinite" nodeType="mainSeq">
+                <p:childTnLst>
+                  <p:par>
+                    <p:cTn id="3" fill="hold">
+                      <p:stCondLst>
+                        <p:cond delay="indefinite"/>
+                      </p:stCondLst>
+                      <p:childTnLst>
+                        <p:par>
+                          <p:cTn id="4" fill="hold">
+                            <p:stCondLst>
+                              <p:cond delay="0"/>
+                            </p:stCondLst>
+                            <p:childTnLst>
+                              <p:par>
+                                <p:cTn id="5" presetID="10" presetClass="entr" presetSubtype="0" fill="hold" nodeType="clickEffect">
+                                  <p:stCondLst>
+                                    <p:cond delay="0"/>
+                                  </p:stCondLst>
+                                  <p:childTnLst>
+                                    <p:set>
+                                      <p:cBhvr>
+                                        <p:cTn id="6" dur="1" fill="hold">
+                                          <p:stCondLst>
+                                            <p:cond delay="0"/>
+                                          </p:stCondLst>
+                                        </p:cTn>
+                                        <p:tgtEl>
+                                          <p:spTgt spid="5"/>
+                                        </p:tgtEl>
+                                        <p:attrNameLst>
+                                          <p:attrName>style.visibility</p:attrName>
+                                        </p:attrNameLst>
+                                      </p:cBhvr>
+                                      <p:to>
+                                        <p:strVal val="visible"/>
+                                      </p:to>
+                                    </p:set>
+                                    <p:animEffect transition="in" filter="fade">
+                                      <p:cBhvr>
+                                        <p:cTn id="7" dur="500"/>
+                                        <p:tgtEl>
+                                          <p:spTgt spid="5"/>
+                                        </p:tgtEl>
+                                      </p:cBhvr>
+                                    </p:animEffect>
+                                  </p:childTnLst>
+                                </p:cTn>
+                              </p:par>
+                              <p:par>
+                                <p:cTn id="8" presetID="10" presetClass="entr" presetSubtype="0" fill="hold" grpId="0" nodeType="withEffect">
+                                  <p:stCondLst>
+                                    <p:cond delay="0"/>
+                                  </p:stCondLst>
+                                  <p:childTnLst>
+                                    <p:set>
+                                      <p:cBhvr>
+                                        <p:cTn id="9" dur="1" fill="hold">
+                                          <p:stCondLst>
+                                            <p:cond delay="0"/>
+                                          </p:stCondLst>
+                                        </p:cTn>
+                                        <p:tgtEl>
+                                          <p:spTgt spid="4">
+                                            <p:txEl>
+                                              <p:pRg st="0" end="0"/>
+                                            </p:txEl>
+                                          </p:spTgt>
+                                        </p:tgtEl>
+                                        <p:attrNameLst>
+                                          <p:attrName>style.visibility</p:attrName>
+                                        </p:attrNameLst>
+                                      </p:cBhvr>
+                                      <p:to>
+                                        <p:strVal val="visible"/>
+                                      </p:to>
+                                    </p:set>
+                                    <p:animEffect transition="in" filter="fade">
+                                      <p:cBhvr>
+                                        <p:cTn id="10" dur="500"/>
+                                        <p:tgtEl>
+                                          <p:spTgt spid="4">
+                                            <p:txEl>
+                                              <p:pRg st="0" end="0"/>
+                                            </p:txEl>
+                                          </p:spTgt>
+                                        </p:tgtEl>
+                                      </p:cBhvr>
+                                    </p:animEffect>
+                                  </p:childTnLst>
+                                </p:cTn>
+                              </p:par>
+                            </p:childTnLst>
+                          </p:cTn>
+                        </p:par>
+                      </p:childTnLst>
+                    </p:cTn>
+                  </p:par>
+                  <p:par>
+                    <p:cTn id="11" fill="hold">
+                      <p:stCondLst>
+                        <p:cond delay="indefinite"/>
+                      </p:stCondLst>
+                      <p:childTnLst>
+                        <p:par>
+                          <p:cTn id="12" fill="hold">
+                            <p:stCondLst>
+                              <p:cond delay="0"/>
+                            </p:stCondLst>
+                            <p:childTnLst>
+                              <p:par>
+                                <p:cTn id="13" presetID="10" presetClass="entr" presetSubtype="0" fill="hold" grpId="0" nodeType="clickEffect">
+                                  <p:stCondLst>
+                                    <p:cond delay="0"/>
+                                  </p:stCondLst>
+                                  <p:childTnLst>
+                                    <p:set>
+                                      <p:cBhvr>
+                                        <p:cTn id="14" dur="1" fill="hold">
+                                          <p:stCondLst>
+                                            <p:cond delay="0"/>
+                                          </p:stCondLst>
+                                        </p:cTn>
+                                        <p:tgtEl>
+                                          <p:spTgt spid="4">
+                                            <p:txEl>
+                                              <p:pRg st="1" end="1"/>
+                                            </p:txEl>
+                                          </p:spTgt>
+                                        </p:tgtEl>
+                                        <p:attrNameLst>
+                                          <p:attrName>style.visibility</p:attrName>
+                                        </p:attrNameLst>
+                                      </p:cBhvr>
+                                      <p:to>
+                                        <p:strVal val="visible"/>
+                                      </p:to>
+                                    </p:set>
+                                    <p:animEffect transition="in" filter="fade">
+                                      <p:cBhvr>
+                                        <p:cTn id="15" dur="500"/>
+                                        <p:tgtEl>
+                                          <p:spTgt spid="4">
+                                            <p:txEl>
+                                              <p:pRg st="1" end="1"/>
+                                            </p:txEl>
+                                          </p:spTgt>
+                                        </p:tgtEl>
+                                      </p:cBhvr>
+                                    </p:animEffect>
+                                  </p:childTnLst>
+                                </p:cTn>
+                              </p:par>
+                            </p:childTnLst>
+                          </p:cTn>
+                        </p:par>
+                      </p:childTnLst>
+                    </p:cTn>
+                  </p:par>
+                  <p:par>
+                    <p:cTn id="16" fill="hold">
+                      <p:stCondLst>
+                        <p:cond delay="indefinite"/>
+                      </p:stCondLst>
+                      <p:childTnLst>
+                        <p:par>
+                          <p:cTn id="17" fill="hold">
+                            <p:stCondLst>
+                              <p:cond delay="0"/>
+                            </p:stCondLst>
+                            <p:childTnLst>
+                              <p:par>
+                                <p:cTn id="18" presetID="10" presetClass="entr" presetSubtype="0" fill="hold" grpId="0" nodeType="clickEffect">
+                                  <p:stCondLst>
+                                    <p:cond delay="0"/>
+                                  </p:stCondLst>
+                                  <p:childTnLst>
+                                    <p:set>
+                                      <p:cBhvr>
+                                        <p:cTn id="19" dur="1" fill="hold">
+                                          <p:stCondLst>
+                                            <p:cond delay="0"/>
+                                          </p:stCondLst>
+                                        </p:cTn>
+                                        <p:tgtEl>
+                                          <p:spTgt spid="4">
+                                            <p:txEl>
+                                              <p:pRg st="2" end="2"/>
+                                            </p:txEl>
+                                          </p:spTgt>
+                                        </p:tgtEl>
+                                        <p:attrNameLst>
+                                          <p:attrName>style.visibility</p:attrName>
+                                        </p:attrNameLst>
+                                      </p:cBhvr>
+                                      <p:to>
+                                        <p:strVal val="visible"/>
+                                      </p:to>
+                                    </p:set>
+                                    <p:animEffect transition="in" filter="fade">
+                                      <p:cBhvr>
+                                        <p:cTn id="20" dur="500"/>
+                                        <p:tgtEl>
+                                          <p:spTgt spid="4">
+                                            <p:txEl>
+                                              <p:pRg st="2" end="2"/>
+                                            </p:txEl>
+                                          </p:spTgt>
+                                        </p:tgtEl>
+                                      </p:cBhvr>
+                                    </p:animEffect>
+                                  </p:childTnLst>
+                                </p:cTn>
+                              </p:par>
+                            </p:childTnLst>
+                          </p:cTn>
+                        </p:par>
+                      </p:childTnLst>
+                    </p:cTn>
+                  </p:par>
+                  <p:par>
+                    <p:cTn id="21" fill="hold">
+                      <p:stCondLst>
+                        <p:cond delay="indefinite"/>
+                      </p:stCondLst>
+                      <p:childTnLst>
+                        <p:par>
+                          <p:cTn id="22" fill="hold">
+                            <p:stCondLst>
+                              <p:cond delay="0"/>
+                            </p:stCondLst>
+                            <p:childTnLst>
+                              <p:par>
+                                <p:cTn id="23" presetID="10" presetClass="entr" presetSubtype="0" fill="hold" grpId="0" nodeType="clickEffect">
+                                  <p:stCondLst>
+                                    <p:cond delay="0"/>
+                                  </p:stCondLst>
+                                  <p:childTnLst>
+                                    <p:set>
+                                      <p:cBhvr>
+                                        <p:cTn id="24" dur="1" fill="hold">
+                                          <p:stCondLst>
+                                            <p:cond delay="0"/>
+                                          </p:stCondLst>
+                                        </p:cTn>
+                                        <p:tgtEl>
+                                          <p:spTgt spid="4">
+                                            <p:txEl>
+                                              <p:pRg st="3" end="3"/>
+                                            </p:txEl>
+                                          </p:spTgt>
+                                        </p:tgtEl>
+                                        <p:attrNameLst>
+                                          <p:attrName>style.visibility</p:attrName>
+                                        </p:attrNameLst>
+                                      </p:cBhvr>
+                                      <p:to>
+                                        <p:strVal val="visible"/>
+                                      </p:to>
+                                    </p:set>
+                                    <p:animEffect transition="in" filter="fade">
+                                      <p:cBhvr>
+                                        <p:cTn id="25" dur="500"/>
+                                        <p:tgtEl>
+                                          <p:spTgt spid="4">
+                                            <p:txEl>
+                                              <p:pRg st="3" end="3"/>
+                                            </p:txEl>
+                                          </p:spTgt>
+                                        </p:tgtEl>
+                                      </p:cBhvr>
+                                    </p:animEffect>
+                                  </p:childTnLst>
+                                </p:cTn>
+                              </p:par>
+                            </p:childTnLst>
+                          </p:cTn>
+                        </p:par>
+                      </p:childTnLst>
+                    </p:cTn>
+                  </p:par>
+                  <p:par>
+                    <p:cTn id="26" fill="hold">
+                      <p:stCondLst>
+                        <p:cond delay="indefinite"/>
+                      </p:stCondLst>
+                      <p:childTnLst>
+                        <p:par>
+                          <p:cTn id="27" fill="hold">
+                            <p:stCondLst>
+                              <p:cond delay="0"/>
+                            </p:stCondLst>
+                            <p:childTnLst>
+                              <p:par>
+                                <p:cTn id="28" presetID="10" presetClass="entr" presetSubtype="0" fill="hold" grpId="0" nodeType="clickEffect">
+                                  <p:stCondLst>
+                                    <p:cond delay="0"/>
+                                  </p:stCondLst>
+                                  <p:childTnLst>
+                                    <p:set>
+                                      <p:cBhvr>
+                                        <p:cTn id="29" dur="1" fill="hold">
+                                          <p:stCondLst>
+                                            <p:cond delay="0"/>
+                                          </p:stCondLst>
+                                        </p:cTn>
+                                        <p:tgtEl>
+                                          <p:spTgt spid="4">
+                                            <p:txEl>
+                                              <p:pRg st="4" end="4"/>
+                                            </p:txEl>
+                                          </p:spTgt>
+                                        </p:tgtEl>
+                                        <p:attrNameLst>
+                                          <p:attrName>style.visibility</p:attrName>
+                                        </p:attrNameLst>
+                                      </p:cBhvr>
+                                      <p:to>
+                                        <p:strVal val="visible"/>
+                                      </p:to>
+                                    </p:set>
+                                    <p:animEffect transition="in" filter="fade">
+                                      <p:cBhvr>
+                                        <p:cTn id="30" dur="500"/>
+                                        <p:tgtEl>
+                                          <p:spTgt spid="4">
+                                            <p:txEl>
+                                              <p:pRg st="4" end="4"/>
+                                            </p:txEl>
+                                          </p:spTgt>
+                                        </p:tgtEl>
+                                      </p:cBhvr>
+                                    </p:animEffect>
+                                  </p:childTnLst>
+                                </p:cTn>
+                              </p:par>
+                            </p:childTnLst>
+                          </p:cTn>
+                        </p:par>
+                      </p:childTnLst>
+                    </p:cTn>
+                  </p:par>
+                </p:childTnLst>
+              </p:cTn>
+              <p:prevCondLst>
+                <p:cond evt="onPrev" delay="0">
+                  <p:tgtEl>
+                    <p:sldTgt/>
+                  </p:tgtEl>
+                </p:cond>
+              </p:prevCondLst>
+              <p:nextCondLst>
+                <p:cond evt="onNext" delay="0">
+                  <p:tgtEl>
+                    <p:sldTgt/>
+                  </p:tgtEl>
+                </p:cond>
+              </p:nextCondLst>
+            </p:seq>
+          </p:childTnLst>
+        </p:cTn>
+      </p:par>
+    </p:tnLst>
+    <p:bldLst>
+      <p:bldP spid="4" grpId="0" build="p"/>
+    </p:bldLst>
+  </p:timing>
 </p:sld>
 </file>
 
@@ -6471,25 +9214,35 @@
           <a:chExt cx="0" cy="0"/>
         </a:xfrm>
       </p:grpSpPr>
-      <p:sp>
-        <p:nvSpPr>
-          <p:cNvPr id="4" name="Объект 3"/>
-          <p:cNvSpPr>
-            <a:spLocks noGrp="1"/>
-          </p:cNvSpPr>
+      <p:pic>
+        <p:nvPicPr>
+          <p:cNvPr id="3" name="Объект 2"/>
+          <p:cNvPicPr>
+            <a:picLocks noGrp="1" noChangeAspect="1"/>
+          </p:cNvPicPr>
           <p:nvPr>
             <p:ph idx="1"/>
           </p:nvPr>
-        </p:nvSpPr>
-        <p:spPr/>
-        <p:txBody>
-          <a:bodyPr/>
-          <a:lstStyle/>
-          <a:p>
-            <a:endParaRPr lang="ru-RU" dirty="0"/>
-          </a:p>
-        </p:txBody>
-      </p:sp>
+        </p:nvPicPr>
+        <p:blipFill>
+          <a:blip r:embed="rId2">
+            <a:extLst>
+              <a:ext uri="{28A0092B-C50C-407E-A947-70E740481C1C}">
+                <a14:useLocalDpi xmlns:a14="http://schemas.microsoft.com/office/drawing/2010/main" val="0"/>
+              </a:ext>
+            </a:extLst>
+          </a:blip>
+          <a:stretch>
+            <a:fillRect/>
+          </a:stretch>
+        </p:blipFill>
+        <p:spPr>
+          <a:xfrm>
+            <a:off x="2328056" y="1583351"/>
+            <a:ext cx="7670040" cy="4632752"/>
+          </a:xfrm>
+        </p:spPr>
+      </p:pic>
       <p:sp>
         <p:nvSpPr>
           <p:cNvPr id="2" name="Номер слайда 1"/>
@@ -6554,17 +9307,7 @@
                 <a:latin typeface="Times New Roman" panose="02020603050405020304" pitchFamily="18" charset="0"/>
                 <a:cs typeface="Times New Roman" panose="02020603050405020304" pitchFamily="18" charset="0"/>
               </a:rPr>
-              <a:t>Neo4j </a:t>
-            </a:r>
-            <a:r>
-              <a:rPr lang="ru-RU" sz="3600" dirty="0" smtClean="0">
-                <a:solidFill>
-                  <a:srgbClr val="0070C0"/>
-                </a:solidFill>
-                <a:latin typeface="Times New Roman" panose="02020603050405020304" pitchFamily="18" charset="0"/>
-                <a:cs typeface="Times New Roman" panose="02020603050405020304" pitchFamily="18" charset="0"/>
-              </a:rPr>
-              <a:t>и ее производительность</a:t>
+              <a:t>Neo4j</a:t>
             </a:r>
             <a:endParaRPr lang="ru-RU" sz="3600" dirty="0">
               <a:solidFill>
@@ -6586,6 +9329,13 @@
   <p:clrMapOvr>
     <a:masterClrMapping/>
   </p:clrMapOvr>
+  <p:timing>
+    <p:tnLst>
+      <p:par>
+        <p:cTn id="1" dur="indefinite" restart="never" nodeType="tmRoot"/>
+      </p:par>
+    </p:tnLst>
+  </p:timing>
 </p:sld>
 </file>
 
@@ -6711,6 +9461,13 @@
   <p:clrMapOvr>
     <a:masterClrMapping/>
   </p:clrMapOvr>
+  <p:timing>
+    <p:tnLst>
+      <p:par>
+        <p:cTn id="1" dur="indefinite" restart="never" nodeType="tmRoot"/>
+      </p:par>
+    </p:tnLst>
+  </p:timing>
 </p:sld>
 </file>
 
@@ -6856,6 +9613,13 @@
   <p:clrMapOvr>
     <a:masterClrMapping/>
   </p:clrMapOvr>
+  <p:timing>
+    <p:tnLst>
+      <p:par>
+        <p:cTn id="1" dur="indefinite" restart="never" nodeType="tmRoot"/>
+      </p:par>
+    </p:tnLst>
+  </p:timing>
 </p:sld>
 </file>
 
@@ -7215,19 +9979,7 @@
                           <a:ea typeface="+mn-ea"/>
                           <a:cs typeface="Times New Roman" panose="02020603050405020304" pitchFamily="18" charset="0"/>
                         </a:rPr>
-                        <a:t>Суммарная </a:t>
-                      </a:r>
-                      <a:r>
-                        <a:rPr lang="ru-RU" sz="2000" b="0" kern="1200" dirty="0" smtClean="0">
-                          <a:solidFill>
-                            <a:schemeClr val="dk1"/>
-                          </a:solidFill>
-                          <a:effectLst/>
-                          <a:latin typeface="Times New Roman" panose="02020603050405020304" pitchFamily="18" charset="0"/>
-                          <a:ea typeface="+mn-ea"/>
-                          <a:cs typeface="Times New Roman" panose="02020603050405020304" pitchFamily="18" charset="0"/>
-                        </a:rPr>
-                        <a:t>масс</a:t>
+                        <a:t>Суммарная масс</a:t>
                       </a:r>
                       <a:r>
                         <a:rPr lang="ru-RU" sz="2000" b="0" kern="1200" baseline="0" dirty="0" smtClean="0">
@@ -7239,19 +9991,7 @@
                           <a:ea typeface="+mn-ea"/>
                           <a:cs typeface="Times New Roman" panose="02020603050405020304" pitchFamily="18" charset="0"/>
                         </a:rPr>
-                        <a:t> </a:t>
-                      </a:r>
-                      <a:r>
-                        <a:rPr lang="ru-RU" sz="2000" b="0" kern="1200" baseline="0" dirty="0" smtClean="0">
-                          <a:solidFill>
-                            <a:schemeClr val="dk1"/>
-                          </a:solidFill>
-                          <a:effectLst/>
-                          <a:latin typeface="Times New Roman" panose="02020603050405020304" pitchFamily="18" charset="0"/>
-                          <a:ea typeface="+mn-ea"/>
-                          <a:cs typeface="Times New Roman" panose="02020603050405020304" pitchFamily="18" charset="0"/>
-                        </a:rPr>
-                        <a:t>поднимаемого груза</a:t>
+                        <a:t> поднимаемого груза</a:t>
                       </a:r>
                       <a:endParaRPr lang="ru-RU" sz="2000" b="0" dirty="0">
                         <a:effectLst/>

--- a/Презентация ВКР2017.pptx
+++ b/Презентация ВКР2017.pptx
@@ -5,22 +5,24 @@
     <p:sldMasterId id="2147483648" r:id="rId1"/>
   </p:sldMasterIdLst>
   <p:notesMasterIdLst>
-    <p:notesMasterId r:id="rId15"/>
+    <p:notesMasterId r:id="rId17"/>
   </p:notesMasterIdLst>
   <p:sldIdLst>
     <p:sldId id="256" r:id="rId2"/>
     <p:sldId id="257" r:id="rId3"/>
     <p:sldId id="262" r:id="rId4"/>
-    <p:sldId id="261" r:id="rId5"/>
-    <p:sldId id="263" r:id="rId6"/>
-    <p:sldId id="264" r:id="rId7"/>
-    <p:sldId id="265" r:id="rId8"/>
+    <p:sldId id="263" r:id="rId5"/>
+    <p:sldId id="264" r:id="rId6"/>
+    <p:sldId id="265" r:id="rId7"/>
+    <p:sldId id="261" r:id="rId8"/>
     <p:sldId id="266" r:id="rId9"/>
-    <p:sldId id="267" r:id="rId10"/>
-    <p:sldId id="268" r:id="rId11"/>
-    <p:sldId id="259" r:id="rId12"/>
-    <p:sldId id="258" r:id="rId13"/>
-    <p:sldId id="260" r:id="rId14"/>
+    <p:sldId id="269" r:id="rId10"/>
+    <p:sldId id="267" r:id="rId11"/>
+    <p:sldId id="270" r:id="rId12"/>
+    <p:sldId id="268" r:id="rId13"/>
+    <p:sldId id="259" r:id="rId14"/>
+    <p:sldId id="258" r:id="rId15"/>
+    <p:sldId id="260" r:id="rId16"/>
   </p:sldIdLst>
   <p:sldSz cx="12192000" cy="6858000"/>
   <p:notesSz cx="6858000" cy="9144000"/>
@@ -3675,18 +3677,18 @@
               <a:t>Запрос </a:t>
             </a:r>
             <a:r>
+              <a:rPr lang="ru-RU" sz="2400" dirty="0">
+                <a:latin typeface="Times New Roman" panose="02020603050405020304" pitchFamily="18" charset="0"/>
+                <a:cs typeface="Times New Roman" panose="02020603050405020304" pitchFamily="18" charset="0"/>
+              </a:rPr>
+              <a:t>2</a:t>
+            </a:r>
+            <a:r>
               <a:rPr lang="ru-RU" sz="2400" dirty="0" smtClean="0">
                 <a:latin typeface="Times New Roman" panose="02020603050405020304" pitchFamily="18" charset="0"/>
                 <a:cs typeface="Times New Roman" panose="02020603050405020304" pitchFamily="18" charset="0"/>
               </a:rPr>
-              <a:t>2. История изменений </a:t>
-            </a:r>
-            <a:r>
-              <a:rPr lang="ru-RU" sz="2400" dirty="0">
-                <a:latin typeface="Times New Roman" panose="02020603050405020304" pitchFamily="18" charset="0"/>
-                <a:cs typeface="Times New Roman" panose="02020603050405020304" pitchFamily="18" charset="0"/>
-              </a:rPr>
-              <a:t>задачи</a:t>
+              <a:t>. Сведения о проектах</a:t>
             </a:r>
             <a:endParaRPr lang="ru-RU" sz="2400" dirty="0">
               <a:latin typeface="Times New Roman" panose="02020603050405020304" pitchFamily="18" charset="0"/>
@@ -3697,8 +3699,10 @@
       </p:sp>
       <p:pic>
         <p:nvPicPr>
-          <p:cNvPr id="9" name="Рисунок 8" descr="C:\Users\User\Downloads\graph (2).png"/>
-          <p:cNvPicPr/>
+          <p:cNvPr id="3" name="Рисунок 2"/>
+          <p:cNvPicPr>
+            <a:picLocks noChangeAspect="1"/>
+          </p:cNvPicPr>
           <p:nvPr/>
         </p:nvPicPr>
         <p:blipFill>
@@ -3709,29 +3713,24 @@
               </a:ext>
             </a:extLst>
           </a:blip>
-          <a:srcRect/>
           <a:stretch>
             <a:fillRect/>
           </a:stretch>
         </p:blipFill>
-        <p:spPr bwMode="auto">
+        <p:spPr>
           <a:xfrm>
-            <a:off x="2119110" y="1712185"/>
-            <a:ext cx="8087932" cy="4554471"/>
+            <a:off x="838200" y="1622492"/>
+            <a:ext cx="10084158" cy="4898019"/>
           </a:xfrm>
           <a:prstGeom prst="rect">
             <a:avLst/>
           </a:prstGeom>
-          <a:noFill/>
-          <a:ln>
-            <a:noFill/>
-          </a:ln>
         </p:spPr>
       </p:pic>
     </p:spTree>
     <p:extLst>
       <p:ext uri="{BB962C8B-B14F-4D97-AF65-F5344CB8AC3E}">
-        <p14:creationId xmlns:p14="http://schemas.microsoft.com/office/powerpoint/2010/main" val="1457705727"/>
+        <p14:creationId xmlns:p14="http://schemas.microsoft.com/office/powerpoint/2010/main" val="540927037"/>
       </p:ext>
     </p:extLst>
   </p:cSld>
@@ -3783,6 +3782,392 @@
             <a:fld id="{8AF177A2-331A-49A6-919F-173C51BBA4D7}" type="slidenum">
               <a:rPr lang="ru-RU" smtClean="0"/>
               <a:t>11</a:t>
+            </a:fld>
+            <a:endParaRPr lang="ru-RU"/>
+          </a:p>
+        </p:txBody>
+      </p:sp>
+      <p:sp>
+        <p:nvSpPr>
+          <p:cNvPr id="6" name="Заголовок 1"/>
+          <p:cNvSpPr>
+            <a:spLocks noGrp="1"/>
+          </p:cNvSpPr>
+          <p:nvPr>
+            <p:ph type="title"/>
+          </p:nvPr>
+        </p:nvSpPr>
+        <p:spPr>
+          <a:xfrm>
+            <a:off x="812441" y="181938"/>
+            <a:ext cx="10701271" cy="1261167"/>
+          </a:xfrm>
+        </p:spPr>
+        <p:txBody>
+          <a:bodyPr>
+            <a:normAutofit/>
+          </a:bodyPr>
+          <a:lstStyle/>
+          <a:p>
+            <a:pPr algn="ctr"/>
+            <a:r>
+              <a:rPr lang="ru-RU" sz="3600" dirty="0" smtClean="0">
+                <a:solidFill>
+                  <a:srgbClr val="0070C0"/>
+                </a:solidFill>
+                <a:latin typeface="Times New Roman" panose="02020603050405020304" pitchFamily="18" charset="0"/>
+                <a:cs typeface="Times New Roman" panose="02020603050405020304" pitchFamily="18" charset="0"/>
+              </a:rPr>
+              <a:t>Результаты некоторых запросов</a:t>
+            </a:r>
+            <a:endParaRPr lang="ru-RU" sz="3600" dirty="0">
+              <a:solidFill>
+                <a:srgbClr val="0070C0"/>
+              </a:solidFill>
+              <a:latin typeface="Times New Roman" panose="02020603050405020304" pitchFamily="18" charset="0"/>
+              <a:cs typeface="Times New Roman" panose="02020603050405020304" pitchFamily="18" charset="0"/>
+            </a:endParaRPr>
+          </a:p>
+        </p:txBody>
+      </p:sp>
+      <p:sp>
+        <p:nvSpPr>
+          <p:cNvPr id="4" name="Объект 3"/>
+          <p:cNvSpPr>
+            <a:spLocks noGrp="1"/>
+          </p:cNvSpPr>
+          <p:nvPr>
+            <p:ph idx="1"/>
+          </p:nvPr>
+        </p:nvSpPr>
+        <p:spPr>
+          <a:xfrm>
+            <a:off x="838200" y="1223493"/>
+            <a:ext cx="10515600" cy="4953470"/>
+          </a:xfrm>
+        </p:spPr>
+        <p:txBody>
+          <a:bodyPr>
+            <a:normAutofit/>
+          </a:bodyPr>
+          <a:lstStyle/>
+          <a:p>
+            <a:pPr marL="0" indent="0">
+              <a:buNone/>
+            </a:pPr>
+            <a:r>
+              <a:rPr lang="ru-RU" sz="2400" dirty="0">
+                <a:latin typeface="Times New Roman" panose="02020603050405020304" pitchFamily="18" charset="0"/>
+                <a:cs typeface="Times New Roman" panose="02020603050405020304" pitchFamily="18" charset="0"/>
+              </a:rPr>
+              <a:t>Запрос </a:t>
+            </a:r>
+            <a:r>
+              <a:rPr lang="ru-RU" sz="2400" dirty="0" smtClean="0">
+                <a:latin typeface="Times New Roman" panose="02020603050405020304" pitchFamily="18" charset="0"/>
+                <a:cs typeface="Times New Roman" panose="02020603050405020304" pitchFamily="18" charset="0"/>
+              </a:rPr>
+              <a:t>3</a:t>
+            </a:r>
+            <a:r>
+              <a:rPr lang="ru-RU" sz="2400" dirty="0" smtClean="0">
+                <a:latin typeface="Times New Roman" panose="02020603050405020304" pitchFamily="18" charset="0"/>
+                <a:cs typeface="Times New Roman" panose="02020603050405020304" pitchFamily="18" charset="0"/>
+              </a:rPr>
+              <a:t>. Сведения о задаче</a:t>
+            </a:r>
+            <a:endParaRPr lang="ru-RU" sz="2400" dirty="0">
+              <a:latin typeface="Times New Roman" panose="02020603050405020304" pitchFamily="18" charset="0"/>
+              <a:cs typeface="Times New Roman" panose="02020603050405020304" pitchFamily="18" charset="0"/>
+            </a:endParaRPr>
+          </a:p>
+        </p:txBody>
+      </p:sp>
+      <p:pic>
+        <p:nvPicPr>
+          <p:cNvPr id="5" name="Рисунок 4"/>
+          <p:cNvPicPr>
+            <a:picLocks noChangeAspect="1"/>
+          </p:cNvPicPr>
+          <p:nvPr/>
+        </p:nvPicPr>
+        <p:blipFill>
+          <a:blip r:embed="rId2">
+            <a:extLst>
+              <a:ext uri="{28A0092B-C50C-407E-A947-70E740481C1C}">
+                <a14:useLocalDpi xmlns:a14="http://schemas.microsoft.com/office/drawing/2010/main" val="0"/>
+              </a:ext>
+            </a:extLst>
+          </a:blip>
+          <a:stretch>
+            <a:fillRect/>
+          </a:stretch>
+        </p:blipFill>
+        <p:spPr>
+          <a:xfrm>
+            <a:off x="838199" y="1622492"/>
+            <a:ext cx="10868109" cy="4300636"/>
+          </a:xfrm>
+          <a:prstGeom prst="rect">
+            <a:avLst/>
+          </a:prstGeom>
+        </p:spPr>
+      </p:pic>
+    </p:spTree>
+    <p:extLst>
+      <p:ext uri="{BB962C8B-B14F-4D97-AF65-F5344CB8AC3E}">
+        <p14:creationId xmlns:p14="http://schemas.microsoft.com/office/powerpoint/2010/main" val="1885052711"/>
+      </p:ext>
+    </p:extLst>
+  </p:cSld>
+  <p:clrMapOvr>
+    <a:masterClrMapping/>
+  </p:clrMapOvr>
+  <p:timing>
+    <p:tnLst>
+      <p:par>
+        <p:cTn id="1" dur="indefinite" restart="never" nodeType="tmRoot"/>
+      </p:par>
+    </p:tnLst>
+  </p:timing>
+</p:sld>
+</file>
+
+<file path=ppt/slides/slide12.xml><?xml version="1.0" encoding="utf-8"?>
+<p:sld xmlns:a="http://schemas.openxmlformats.org/drawingml/2006/main" xmlns:r="http://schemas.openxmlformats.org/officeDocument/2006/relationships" xmlns:p="http://schemas.openxmlformats.org/presentationml/2006/main">
+  <p:cSld>
+    <p:spTree>
+      <p:nvGrpSpPr>
+        <p:cNvPr id="1" name=""/>
+        <p:cNvGrpSpPr/>
+        <p:nvPr/>
+      </p:nvGrpSpPr>
+      <p:grpSpPr>
+        <a:xfrm>
+          <a:off x="0" y="0"/>
+          <a:ext cx="0" cy="0"/>
+          <a:chOff x="0" y="0"/>
+          <a:chExt cx="0" cy="0"/>
+        </a:xfrm>
+      </p:grpSpPr>
+      <p:sp>
+        <p:nvSpPr>
+          <p:cNvPr id="2" name="Номер слайда 1"/>
+          <p:cNvSpPr>
+            <a:spLocks noGrp="1"/>
+          </p:cNvSpPr>
+          <p:nvPr>
+            <p:ph type="sldNum" sz="quarter" idx="12"/>
+          </p:nvPr>
+        </p:nvSpPr>
+        <p:spPr/>
+        <p:txBody>
+          <a:bodyPr/>
+          <a:lstStyle/>
+          <a:p>
+            <a:fld id="{8AF177A2-331A-49A6-919F-173C51BBA4D7}" type="slidenum">
+              <a:rPr lang="ru-RU" smtClean="0"/>
+              <a:t>12</a:t>
+            </a:fld>
+            <a:endParaRPr lang="ru-RU"/>
+          </a:p>
+        </p:txBody>
+      </p:sp>
+      <p:sp>
+        <p:nvSpPr>
+          <p:cNvPr id="6" name="Заголовок 1"/>
+          <p:cNvSpPr>
+            <a:spLocks noGrp="1"/>
+          </p:cNvSpPr>
+          <p:nvPr>
+            <p:ph type="title"/>
+          </p:nvPr>
+        </p:nvSpPr>
+        <p:spPr>
+          <a:xfrm>
+            <a:off x="812441" y="181938"/>
+            <a:ext cx="10701271" cy="1261167"/>
+          </a:xfrm>
+        </p:spPr>
+        <p:txBody>
+          <a:bodyPr>
+            <a:normAutofit/>
+          </a:bodyPr>
+          <a:lstStyle/>
+          <a:p>
+            <a:pPr algn="ctr"/>
+            <a:r>
+              <a:rPr lang="ru-RU" sz="3600" dirty="0" smtClean="0">
+                <a:solidFill>
+                  <a:srgbClr val="0070C0"/>
+                </a:solidFill>
+                <a:latin typeface="Times New Roman" panose="02020603050405020304" pitchFamily="18" charset="0"/>
+                <a:cs typeface="Times New Roman" panose="02020603050405020304" pitchFamily="18" charset="0"/>
+              </a:rPr>
+              <a:t>Результаты некоторых запросов</a:t>
+            </a:r>
+            <a:endParaRPr lang="ru-RU" sz="3600" dirty="0">
+              <a:solidFill>
+                <a:srgbClr val="0070C0"/>
+              </a:solidFill>
+              <a:latin typeface="Times New Roman" panose="02020603050405020304" pitchFamily="18" charset="0"/>
+              <a:cs typeface="Times New Roman" panose="02020603050405020304" pitchFamily="18" charset="0"/>
+            </a:endParaRPr>
+          </a:p>
+        </p:txBody>
+      </p:sp>
+      <p:sp>
+        <p:nvSpPr>
+          <p:cNvPr id="4" name="Объект 3"/>
+          <p:cNvSpPr>
+            <a:spLocks noGrp="1"/>
+          </p:cNvSpPr>
+          <p:nvPr>
+            <p:ph idx="1"/>
+          </p:nvPr>
+        </p:nvSpPr>
+        <p:spPr>
+          <a:xfrm>
+            <a:off x="838200" y="1223493"/>
+            <a:ext cx="10515600" cy="4953470"/>
+          </a:xfrm>
+        </p:spPr>
+        <p:txBody>
+          <a:bodyPr>
+            <a:normAutofit/>
+          </a:bodyPr>
+          <a:lstStyle/>
+          <a:p>
+            <a:pPr marL="0" indent="0">
+              <a:buNone/>
+            </a:pPr>
+            <a:r>
+              <a:rPr lang="ru-RU" sz="2400" dirty="0">
+                <a:latin typeface="Times New Roman" panose="02020603050405020304" pitchFamily="18" charset="0"/>
+                <a:cs typeface="Times New Roman" panose="02020603050405020304" pitchFamily="18" charset="0"/>
+              </a:rPr>
+              <a:t>Запрос </a:t>
+            </a:r>
+            <a:r>
+              <a:rPr lang="ru-RU" sz="2400" dirty="0" smtClean="0">
+                <a:latin typeface="Times New Roman" panose="02020603050405020304" pitchFamily="18" charset="0"/>
+                <a:cs typeface="Times New Roman" panose="02020603050405020304" pitchFamily="18" charset="0"/>
+              </a:rPr>
+              <a:t>4</a:t>
+            </a:r>
+            <a:r>
+              <a:rPr lang="ru-RU" sz="2400" dirty="0" smtClean="0">
+                <a:latin typeface="Times New Roman" panose="02020603050405020304" pitchFamily="18" charset="0"/>
+                <a:cs typeface="Times New Roman" panose="02020603050405020304" pitchFamily="18" charset="0"/>
+              </a:rPr>
+              <a:t>. </a:t>
+            </a:r>
+            <a:r>
+              <a:rPr lang="ru-RU" sz="2400" dirty="0" smtClean="0">
+                <a:latin typeface="Times New Roman" panose="02020603050405020304" pitchFamily="18" charset="0"/>
+                <a:cs typeface="Times New Roman" panose="02020603050405020304" pitchFamily="18" charset="0"/>
+              </a:rPr>
+              <a:t>История </a:t>
+            </a:r>
+            <a:r>
+              <a:rPr lang="ru-RU" sz="2400" dirty="0" smtClean="0">
+                <a:latin typeface="Times New Roman" panose="02020603050405020304" pitchFamily="18" charset="0"/>
+                <a:cs typeface="Times New Roman" panose="02020603050405020304" pitchFamily="18" charset="0"/>
+              </a:rPr>
+              <a:t>изменений задачи</a:t>
+            </a:r>
+            <a:endParaRPr lang="ru-RU" sz="2400" dirty="0">
+              <a:latin typeface="Times New Roman" panose="02020603050405020304" pitchFamily="18" charset="0"/>
+              <a:cs typeface="Times New Roman" panose="02020603050405020304" pitchFamily="18" charset="0"/>
+            </a:endParaRPr>
+          </a:p>
+        </p:txBody>
+      </p:sp>
+      <p:pic>
+        <p:nvPicPr>
+          <p:cNvPr id="3" name="Рисунок 2"/>
+          <p:cNvPicPr>
+            <a:picLocks noChangeAspect="1"/>
+          </p:cNvPicPr>
+          <p:nvPr/>
+        </p:nvPicPr>
+        <p:blipFill>
+          <a:blip r:embed="rId2">
+            <a:extLst>
+              <a:ext uri="{28A0092B-C50C-407E-A947-70E740481C1C}">
+                <a14:useLocalDpi xmlns:a14="http://schemas.microsoft.com/office/drawing/2010/main" val="0"/>
+              </a:ext>
+            </a:extLst>
+          </a:blip>
+          <a:stretch>
+            <a:fillRect/>
+          </a:stretch>
+        </p:blipFill>
+        <p:spPr>
+          <a:xfrm>
+            <a:off x="858590" y="1660634"/>
+            <a:ext cx="10066520" cy="4878278"/>
+          </a:xfrm>
+          <a:prstGeom prst="rect">
+            <a:avLst/>
+          </a:prstGeom>
+        </p:spPr>
+      </p:pic>
+    </p:spTree>
+    <p:extLst>
+      <p:ext uri="{BB962C8B-B14F-4D97-AF65-F5344CB8AC3E}">
+        <p14:creationId xmlns:p14="http://schemas.microsoft.com/office/powerpoint/2010/main" val="1457705727"/>
+      </p:ext>
+    </p:extLst>
+  </p:cSld>
+  <p:clrMapOvr>
+    <a:masterClrMapping/>
+  </p:clrMapOvr>
+  <p:timing>
+    <p:tnLst>
+      <p:par>
+        <p:cTn id="1" dur="indefinite" restart="never" nodeType="tmRoot"/>
+      </p:par>
+    </p:tnLst>
+  </p:timing>
+</p:sld>
+</file>
+
+<file path=ppt/slides/slide13.xml><?xml version="1.0" encoding="utf-8"?>
+<p:sld xmlns:a="http://schemas.openxmlformats.org/drawingml/2006/main" xmlns:r="http://schemas.openxmlformats.org/officeDocument/2006/relationships" xmlns:p="http://schemas.openxmlformats.org/presentationml/2006/main">
+  <p:cSld>
+    <p:spTree>
+      <p:nvGrpSpPr>
+        <p:cNvPr id="1" name=""/>
+        <p:cNvGrpSpPr/>
+        <p:nvPr/>
+      </p:nvGrpSpPr>
+      <p:grpSpPr>
+        <a:xfrm>
+          <a:off x="0" y="0"/>
+          <a:ext cx="0" cy="0"/>
+          <a:chOff x="0" y="0"/>
+          <a:chExt cx="0" cy="0"/>
+        </a:xfrm>
+      </p:grpSpPr>
+      <p:sp>
+        <p:nvSpPr>
+          <p:cNvPr id="2" name="Номер слайда 1"/>
+          <p:cNvSpPr>
+            <a:spLocks noGrp="1"/>
+          </p:cNvSpPr>
+          <p:nvPr>
+            <p:ph type="sldNum" sz="quarter" idx="12"/>
+          </p:nvPr>
+        </p:nvSpPr>
+        <p:spPr/>
+        <p:txBody>
+          <a:bodyPr/>
+          <a:lstStyle/>
+          <a:p>
+            <a:fld id="{8AF177A2-331A-49A6-919F-173C51BBA4D7}" type="slidenum">
+              <a:rPr lang="ru-RU" smtClean="0"/>
+              <a:t>13</a:t>
             </a:fld>
             <a:endParaRPr lang="ru-RU"/>
           </a:p>
@@ -4501,7 +4886,7 @@
 </p:sld>
 </file>
 
-<file path=ppt/slides/slide12.xml><?xml version="1.0" encoding="utf-8"?>
+<file path=ppt/slides/slide14.xml><?xml version="1.0" encoding="utf-8"?>
 <p:sld xmlns:a="http://schemas.openxmlformats.org/drawingml/2006/main" xmlns:r="http://schemas.openxmlformats.org/officeDocument/2006/relationships" xmlns:p="http://schemas.openxmlformats.org/presentationml/2006/main">
   <p:cSld>
     <p:spTree>
@@ -4535,7 +4920,7 @@
           <a:p>
             <a:fld id="{8AF177A2-331A-49A6-919F-173C51BBA4D7}" type="slidenum">
               <a:rPr lang="ru-RU" smtClean="0"/>
-              <a:t>12</a:t>
+              <a:t>14</a:t>
             </a:fld>
             <a:endParaRPr lang="ru-RU"/>
           </a:p>
@@ -5525,7 +5910,7 @@
 </p:sld>
 </file>
 
-<file path=ppt/slides/slide13.xml><?xml version="1.0" encoding="utf-8"?>
+<file path=ppt/slides/slide15.xml><?xml version="1.0" encoding="utf-8"?>
 <p:sld xmlns:a="http://schemas.openxmlformats.org/drawingml/2006/main" xmlns:r="http://schemas.openxmlformats.org/officeDocument/2006/relationships" xmlns:p="http://schemas.openxmlformats.org/presentationml/2006/main">
   <p:cSld>
     <p:bg>
@@ -5611,7 +5996,7 @@
           <a:p>
             <a:fld id="{8AF177A2-331A-49A6-919F-173C51BBA4D7}" type="slidenum">
               <a:rPr lang="ru-RU" smtClean="0"/>
-              <a:t>13</a:t>
+              <a:t>15</a:t>
             </a:fld>
             <a:endParaRPr lang="ru-RU"/>
           </a:p>
@@ -8497,6 +8882,103 @@
       </p:grpSpPr>
       <p:sp>
         <p:nvSpPr>
+          <p:cNvPr id="4" name="Объект 3"/>
+          <p:cNvSpPr>
+            <a:spLocks noGrp="1"/>
+          </p:cNvSpPr>
+          <p:nvPr>
+            <p:ph idx="1"/>
+          </p:nvPr>
+        </p:nvSpPr>
+        <p:spPr>
+          <a:xfrm>
+            <a:off x="2511188" y="1443104"/>
+            <a:ext cx="9002524" cy="4913245"/>
+          </a:xfrm>
+        </p:spPr>
+        <p:txBody>
+          <a:bodyPr>
+            <a:normAutofit/>
+          </a:bodyPr>
+          <a:lstStyle/>
+          <a:p>
+            <a:pPr marL="457200" indent="-457200">
+              <a:buFont typeface="+mj-lt"/>
+              <a:buAutoNum type="arabicPeriod"/>
+            </a:pPr>
+            <a:r>
+              <a:rPr lang="ru-RU" sz="2400" dirty="0" smtClean="0">
+                <a:latin typeface="Times New Roman" panose="02020603050405020304" pitchFamily="18" charset="0"/>
+                <a:cs typeface="Times New Roman" panose="02020603050405020304" pitchFamily="18" charset="0"/>
+              </a:rPr>
+              <a:t>Гибкость – дает возможность хранить одни и те же объекты с различными свойствами, что является удобным при интеграции систем;</a:t>
+            </a:r>
+          </a:p>
+          <a:p>
+            <a:pPr marL="457200" indent="-457200">
+              <a:buFont typeface="+mj-lt"/>
+              <a:buAutoNum type="arabicPeriod"/>
+            </a:pPr>
+            <a:r>
+              <a:rPr lang="ru-RU" sz="2400" dirty="0" smtClean="0">
+                <a:latin typeface="Times New Roman" panose="02020603050405020304" pitchFamily="18" charset="0"/>
+                <a:cs typeface="Times New Roman" panose="02020603050405020304" pitchFamily="18" charset="0"/>
+              </a:rPr>
+              <a:t>Ощутимый прирост производительности при работе со связанными данными;</a:t>
+            </a:r>
+          </a:p>
+          <a:p>
+            <a:pPr marL="457200" indent="-457200">
+              <a:buFont typeface="+mj-lt"/>
+              <a:buAutoNum type="arabicPeriod"/>
+            </a:pPr>
+            <a:r>
+              <a:rPr lang="ru-RU" sz="2400" dirty="0" smtClean="0">
+                <a:latin typeface="Times New Roman" panose="02020603050405020304" pitchFamily="18" charset="0"/>
+                <a:cs typeface="Times New Roman" panose="02020603050405020304" pitchFamily="18" charset="0"/>
+              </a:rPr>
+              <a:t>Современный способ развертывания;</a:t>
+            </a:r>
+          </a:p>
+          <a:p>
+            <a:pPr marL="457200" indent="-457200">
+              <a:buFont typeface="+mj-lt"/>
+              <a:buAutoNum type="arabicPeriod"/>
+            </a:pPr>
+            <a:r>
+              <a:rPr lang="ru-RU" sz="2400" dirty="0" smtClean="0">
+                <a:latin typeface="Times New Roman" panose="02020603050405020304" pitchFamily="18" charset="0"/>
+                <a:cs typeface="Times New Roman" panose="02020603050405020304" pitchFamily="18" charset="0"/>
+              </a:rPr>
+              <a:t>Возможность расширения без нарушения существующих запросов и функционала приложения или системы;</a:t>
+            </a:r>
+          </a:p>
+          <a:p>
+            <a:pPr marL="457200" indent="-457200">
+              <a:buFont typeface="+mj-lt"/>
+              <a:buAutoNum type="arabicPeriod"/>
+            </a:pPr>
+            <a:r>
+              <a:rPr lang="ru-RU" sz="2400" dirty="0" smtClean="0">
+                <a:latin typeface="Times New Roman" panose="02020603050405020304" pitchFamily="18" charset="0"/>
+                <a:cs typeface="Times New Roman" panose="02020603050405020304" pitchFamily="18" charset="0"/>
+              </a:rPr>
+              <a:t>Графический интерфейс визуализации данных.</a:t>
+            </a:r>
+          </a:p>
+          <a:p>
+            <a:pPr marL="0" indent="0">
+              <a:buNone/>
+            </a:pPr>
+            <a:endParaRPr lang="ru-RU" sz="2000" dirty="0">
+              <a:latin typeface="Times New Roman" panose="02020603050405020304" pitchFamily="18" charset="0"/>
+              <a:cs typeface="Times New Roman" panose="02020603050405020304" pitchFamily="18" charset="0"/>
+            </a:endParaRPr>
+          </a:p>
+        </p:txBody>
+      </p:sp>
+      <p:sp>
+        <p:nvSpPr>
           <p:cNvPr id="2" name="Номер слайда 1"/>
           <p:cNvSpPr>
             <a:spLocks noGrp="1"/>
@@ -8513,6 +8995,1450 @@
             <a:fld id="{8AF177A2-331A-49A6-919F-173C51BBA4D7}" type="slidenum">
               <a:rPr lang="ru-RU" smtClean="0"/>
               <a:t>4</a:t>
+            </a:fld>
+            <a:endParaRPr lang="ru-RU"/>
+          </a:p>
+        </p:txBody>
+      </p:sp>
+      <p:sp>
+        <p:nvSpPr>
+          <p:cNvPr id="6" name="Заголовок 1"/>
+          <p:cNvSpPr>
+            <a:spLocks noGrp="1"/>
+          </p:cNvSpPr>
+          <p:nvPr>
+            <p:ph type="title"/>
+          </p:nvPr>
+        </p:nvSpPr>
+        <p:spPr>
+          <a:xfrm>
+            <a:off x="812441" y="181938"/>
+            <a:ext cx="10701271" cy="1261167"/>
+          </a:xfrm>
+        </p:spPr>
+        <p:txBody>
+          <a:bodyPr>
+            <a:normAutofit/>
+          </a:bodyPr>
+          <a:lstStyle/>
+          <a:p>
+            <a:pPr algn="ctr"/>
+            <a:r>
+              <a:rPr lang="ru-RU" sz="3600" dirty="0" smtClean="0">
+                <a:solidFill>
+                  <a:srgbClr val="0070C0"/>
+                </a:solidFill>
+                <a:latin typeface="Times New Roman" panose="02020603050405020304" pitchFamily="18" charset="0"/>
+                <a:cs typeface="Times New Roman" panose="02020603050405020304" pitchFamily="18" charset="0"/>
+              </a:rPr>
+              <a:t>Преимущества </a:t>
+            </a:r>
+            <a:r>
+              <a:rPr lang="ru-RU" sz="3600" dirty="0" err="1" smtClean="0">
+                <a:solidFill>
+                  <a:srgbClr val="0070C0"/>
+                </a:solidFill>
+                <a:latin typeface="Times New Roman" panose="02020603050405020304" pitchFamily="18" charset="0"/>
+                <a:cs typeface="Times New Roman" panose="02020603050405020304" pitchFamily="18" charset="0"/>
+              </a:rPr>
+              <a:t>графовых</a:t>
+            </a:r>
+            <a:r>
+              <a:rPr lang="ru-RU" sz="3600" dirty="0" smtClean="0">
+                <a:solidFill>
+                  <a:srgbClr val="0070C0"/>
+                </a:solidFill>
+                <a:latin typeface="Times New Roman" panose="02020603050405020304" pitchFamily="18" charset="0"/>
+                <a:cs typeface="Times New Roman" panose="02020603050405020304" pitchFamily="18" charset="0"/>
+              </a:rPr>
+              <a:t> баз данных</a:t>
+            </a:r>
+            <a:endParaRPr lang="ru-RU" sz="3600" dirty="0">
+              <a:solidFill>
+                <a:srgbClr val="0070C0"/>
+              </a:solidFill>
+              <a:latin typeface="Times New Roman" panose="02020603050405020304" pitchFamily="18" charset="0"/>
+              <a:cs typeface="Times New Roman" panose="02020603050405020304" pitchFamily="18" charset="0"/>
+            </a:endParaRPr>
+          </a:p>
+        </p:txBody>
+      </p:sp>
+      <p:pic>
+        <p:nvPicPr>
+          <p:cNvPr id="5" name="Рисунок 4"/>
+          <p:cNvPicPr>
+            <a:picLocks noChangeAspect="1"/>
+          </p:cNvPicPr>
+          <p:nvPr/>
+        </p:nvPicPr>
+        <p:blipFill>
+          <a:blip r:embed="rId2" cstate="print">
+            <a:extLst>
+              <a:ext uri="{28A0092B-C50C-407E-A947-70E740481C1C}">
+                <a14:useLocalDpi xmlns:a14="http://schemas.microsoft.com/office/drawing/2010/main" val="0"/>
+              </a:ext>
+            </a:extLst>
+          </a:blip>
+          <a:stretch>
+            <a:fillRect/>
+          </a:stretch>
+        </p:blipFill>
+        <p:spPr>
+          <a:xfrm>
+            <a:off x="385310" y="2002092"/>
+            <a:ext cx="1965964" cy="2252477"/>
+          </a:xfrm>
+          <a:prstGeom prst="rect">
+            <a:avLst/>
+          </a:prstGeom>
+        </p:spPr>
+      </p:pic>
+    </p:spTree>
+    <p:extLst>
+      <p:ext uri="{BB962C8B-B14F-4D97-AF65-F5344CB8AC3E}">
+        <p14:creationId xmlns:p14="http://schemas.microsoft.com/office/powerpoint/2010/main" val="1801223586"/>
+      </p:ext>
+    </p:extLst>
+  </p:cSld>
+  <p:clrMapOvr>
+    <a:masterClrMapping/>
+  </p:clrMapOvr>
+  <p:timing>
+    <p:tnLst>
+      <p:par>
+        <p:cTn id="1" dur="indefinite" restart="never" nodeType="tmRoot">
+          <p:childTnLst>
+            <p:seq concurrent="1" nextAc="seek">
+              <p:cTn id="2" dur="indefinite" nodeType="mainSeq">
+                <p:childTnLst>
+                  <p:par>
+                    <p:cTn id="3" fill="hold">
+                      <p:stCondLst>
+                        <p:cond delay="indefinite"/>
+                      </p:stCondLst>
+                      <p:childTnLst>
+                        <p:par>
+                          <p:cTn id="4" fill="hold">
+                            <p:stCondLst>
+                              <p:cond delay="0"/>
+                            </p:stCondLst>
+                            <p:childTnLst>
+                              <p:par>
+                                <p:cTn id="5" presetID="10" presetClass="entr" presetSubtype="0" fill="hold" nodeType="clickEffect">
+                                  <p:stCondLst>
+                                    <p:cond delay="0"/>
+                                  </p:stCondLst>
+                                  <p:childTnLst>
+                                    <p:set>
+                                      <p:cBhvr>
+                                        <p:cTn id="6" dur="1" fill="hold">
+                                          <p:stCondLst>
+                                            <p:cond delay="0"/>
+                                          </p:stCondLst>
+                                        </p:cTn>
+                                        <p:tgtEl>
+                                          <p:spTgt spid="5"/>
+                                        </p:tgtEl>
+                                        <p:attrNameLst>
+                                          <p:attrName>style.visibility</p:attrName>
+                                        </p:attrNameLst>
+                                      </p:cBhvr>
+                                      <p:to>
+                                        <p:strVal val="visible"/>
+                                      </p:to>
+                                    </p:set>
+                                    <p:animEffect transition="in" filter="fade">
+                                      <p:cBhvr>
+                                        <p:cTn id="7" dur="500"/>
+                                        <p:tgtEl>
+                                          <p:spTgt spid="5"/>
+                                        </p:tgtEl>
+                                      </p:cBhvr>
+                                    </p:animEffect>
+                                  </p:childTnLst>
+                                </p:cTn>
+                              </p:par>
+                              <p:par>
+                                <p:cTn id="8" presetID="10" presetClass="entr" presetSubtype="0" fill="hold" grpId="0" nodeType="withEffect">
+                                  <p:stCondLst>
+                                    <p:cond delay="0"/>
+                                  </p:stCondLst>
+                                  <p:childTnLst>
+                                    <p:set>
+                                      <p:cBhvr>
+                                        <p:cTn id="9" dur="1" fill="hold">
+                                          <p:stCondLst>
+                                            <p:cond delay="0"/>
+                                          </p:stCondLst>
+                                        </p:cTn>
+                                        <p:tgtEl>
+                                          <p:spTgt spid="4">
+                                            <p:txEl>
+                                              <p:pRg st="0" end="0"/>
+                                            </p:txEl>
+                                          </p:spTgt>
+                                        </p:tgtEl>
+                                        <p:attrNameLst>
+                                          <p:attrName>style.visibility</p:attrName>
+                                        </p:attrNameLst>
+                                      </p:cBhvr>
+                                      <p:to>
+                                        <p:strVal val="visible"/>
+                                      </p:to>
+                                    </p:set>
+                                    <p:animEffect transition="in" filter="fade">
+                                      <p:cBhvr>
+                                        <p:cTn id="10" dur="500"/>
+                                        <p:tgtEl>
+                                          <p:spTgt spid="4">
+                                            <p:txEl>
+                                              <p:pRg st="0" end="0"/>
+                                            </p:txEl>
+                                          </p:spTgt>
+                                        </p:tgtEl>
+                                      </p:cBhvr>
+                                    </p:animEffect>
+                                  </p:childTnLst>
+                                </p:cTn>
+                              </p:par>
+                            </p:childTnLst>
+                          </p:cTn>
+                        </p:par>
+                      </p:childTnLst>
+                    </p:cTn>
+                  </p:par>
+                  <p:par>
+                    <p:cTn id="11" fill="hold">
+                      <p:stCondLst>
+                        <p:cond delay="indefinite"/>
+                      </p:stCondLst>
+                      <p:childTnLst>
+                        <p:par>
+                          <p:cTn id="12" fill="hold">
+                            <p:stCondLst>
+                              <p:cond delay="0"/>
+                            </p:stCondLst>
+                            <p:childTnLst>
+                              <p:par>
+                                <p:cTn id="13" presetID="10" presetClass="entr" presetSubtype="0" fill="hold" grpId="0" nodeType="clickEffect">
+                                  <p:stCondLst>
+                                    <p:cond delay="0"/>
+                                  </p:stCondLst>
+                                  <p:childTnLst>
+                                    <p:set>
+                                      <p:cBhvr>
+                                        <p:cTn id="14" dur="1" fill="hold">
+                                          <p:stCondLst>
+                                            <p:cond delay="0"/>
+                                          </p:stCondLst>
+                                        </p:cTn>
+                                        <p:tgtEl>
+                                          <p:spTgt spid="4">
+                                            <p:txEl>
+                                              <p:pRg st="1" end="1"/>
+                                            </p:txEl>
+                                          </p:spTgt>
+                                        </p:tgtEl>
+                                        <p:attrNameLst>
+                                          <p:attrName>style.visibility</p:attrName>
+                                        </p:attrNameLst>
+                                      </p:cBhvr>
+                                      <p:to>
+                                        <p:strVal val="visible"/>
+                                      </p:to>
+                                    </p:set>
+                                    <p:animEffect transition="in" filter="fade">
+                                      <p:cBhvr>
+                                        <p:cTn id="15" dur="500"/>
+                                        <p:tgtEl>
+                                          <p:spTgt spid="4">
+                                            <p:txEl>
+                                              <p:pRg st="1" end="1"/>
+                                            </p:txEl>
+                                          </p:spTgt>
+                                        </p:tgtEl>
+                                      </p:cBhvr>
+                                    </p:animEffect>
+                                  </p:childTnLst>
+                                </p:cTn>
+                              </p:par>
+                            </p:childTnLst>
+                          </p:cTn>
+                        </p:par>
+                      </p:childTnLst>
+                    </p:cTn>
+                  </p:par>
+                  <p:par>
+                    <p:cTn id="16" fill="hold">
+                      <p:stCondLst>
+                        <p:cond delay="indefinite"/>
+                      </p:stCondLst>
+                      <p:childTnLst>
+                        <p:par>
+                          <p:cTn id="17" fill="hold">
+                            <p:stCondLst>
+                              <p:cond delay="0"/>
+                            </p:stCondLst>
+                            <p:childTnLst>
+                              <p:par>
+                                <p:cTn id="18" presetID="10" presetClass="entr" presetSubtype="0" fill="hold" grpId="0" nodeType="clickEffect">
+                                  <p:stCondLst>
+                                    <p:cond delay="0"/>
+                                  </p:stCondLst>
+                                  <p:childTnLst>
+                                    <p:set>
+                                      <p:cBhvr>
+                                        <p:cTn id="19" dur="1" fill="hold">
+                                          <p:stCondLst>
+                                            <p:cond delay="0"/>
+                                          </p:stCondLst>
+                                        </p:cTn>
+                                        <p:tgtEl>
+                                          <p:spTgt spid="4">
+                                            <p:txEl>
+                                              <p:pRg st="2" end="2"/>
+                                            </p:txEl>
+                                          </p:spTgt>
+                                        </p:tgtEl>
+                                        <p:attrNameLst>
+                                          <p:attrName>style.visibility</p:attrName>
+                                        </p:attrNameLst>
+                                      </p:cBhvr>
+                                      <p:to>
+                                        <p:strVal val="visible"/>
+                                      </p:to>
+                                    </p:set>
+                                    <p:animEffect transition="in" filter="fade">
+                                      <p:cBhvr>
+                                        <p:cTn id="20" dur="500"/>
+                                        <p:tgtEl>
+                                          <p:spTgt spid="4">
+                                            <p:txEl>
+                                              <p:pRg st="2" end="2"/>
+                                            </p:txEl>
+                                          </p:spTgt>
+                                        </p:tgtEl>
+                                      </p:cBhvr>
+                                    </p:animEffect>
+                                  </p:childTnLst>
+                                </p:cTn>
+                              </p:par>
+                            </p:childTnLst>
+                          </p:cTn>
+                        </p:par>
+                      </p:childTnLst>
+                    </p:cTn>
+                  </p:par>
+                  <p:par>
+                    <p:cTn id="21" fill="hold">
+                      <p:stCondLst>
+                        <p:cond delay="indefinite"/>
+                      </p:stCondLst>
+                      <p:childTnLst>
+                        <p:par>
+                          <p:cTn id="22" fill="hold">
+                            <p:stCondLst>
+                              <p:cond delay="0"/>
+                            </p:stCondLst>
+                            <p:childTnLst>
+                              <p:par>
+                                <p:cTn id="23" presetID="10" presetClass="entr" presetSubtype="0" fill="hold" grpId="0" nodeType="clickEffect">
+                                  <p:stCondLst>
+                                    <p:cond delay="0"/>
+                                  </p:stCondLst>
+                                  <p:childTnLst>
+                                    <p:set>
+                                      <p:cBhvr>
+                                        <p:cTn id="24" dur="1" fill="hold">
+                                          <p:stCondLst>
+                                            <p:cond delay="0"/>
+                                          </p:stCondLst>
+                                        </p:cTn>
+                                        <p:tgtEl>
+                                          <p:spTgt spid="4">
+                                            <p:txEl>
+                                              <p:pRg st="3" end="3"/>
+                                            </p:txEl>
+                                          </p:spTgt>
+                                        </p:tgtEl>
+                                        <p:attrNameLst>
+                                          <p:attrName>style.visibility</p:attrName>
+                                        </p:attrNameLst>
+                                      </p:cBhvr>
+                                      <p:to>
+                                        <p:strVal val="visible"/>
+                                      </p:to>
+                                    </p:set>
+                                    <p:animEffect transition="in" filter="fade">
+                                      <p:cBhvr>
+                                        <p:cTn id="25" dur="500"/>
+                                        <p:tgtEl>
+                                          <p:spTgt spid="4">
+                                            <p:txEl>
+                                              <p:pRg st="3" end="3"/>
+                                            </p:txEl>
+                                          </p:spTgt>
+                                        </p:tgtEl>
+                                      </p:cBhvr>
+                                    </p:animEffect>
+                                  </p:childTnLst>
+                                </p:cTn>
+                              </p:par>
+                            </p:childTnLst>
+                          </p:cTn>
+                        </p:par>
+                      </p:childTnLst>
+                    </p:cTn>
+                  </p:par>
+                  <p:par>
+                    <p:cTn id="26" fill="hold">
+                      <p:stCondLst>
+                        <p:cond delay="indefinite"/>
+                      </p:stCondLst>
+                      <p:childTnLst>
+                        <p:par>
+                          <p:cTn id="27" fill="hold">
+                            <p:stCondLst>
+                              <p:cond delay="0"/>
+                            </p:stCondLst>
+                            <p:childTnLst>
+                              <p:par>
+                                <p:cTn id="28" presetID="10" presetClass="entr" presetSubtype="0" fill="hold" grpId="0" nodeType="clickEffect">
+                                  <p:stCondLst>
+                                    <p:cond delay="0"/>
+                                  </p:stCondLst>
+                                  <p:childTnLst>
+                                    <p:set>
+                                      <p:cBhvr>
+                                        <p:cTn id="29" dur="1" fill="hold">
+                                          <p:stCondLst>
+                                            <p:cond delay="0"/>
+                                          </p:stCondLst>
+                                        </p:cTn>
+                                        <p:tgtEl>
+                                          <p:spTgt spid="4">
+                                            <p:txEl>
+                                              <p:pRg st="4" end="4"/>
+                                            </p:txEl>
+                                          </p:spTgt>
+                                        </p:tgtEl>
+                                        <p:attrNameLst>
+                                          <p:attrName>style.visibility</p:attrName>
+                                        </p:attrNameLst>
+                                      </p:cBhvr>
+                                      <p:to>
+                                        <p:strVal val="visible"/>
+                                      </p:to>
+                                    </p:set>
+                                    <p:animEffect transition="in" filter="fade">
+                                      <p:cBhvr>
+                                        <p:cTn id="30" dur="500"/>
+                                        <p:tgtEl>
+                                          <p:spTgt spid="4">
+                                            <p:txEl>
+                                              <p:pRg st="4" end="4"/>
+                                            </p:txEl>
+                                          </p:spTgt>
+                                        </p:tgtEl>
+                                      </p:cBhvr>
+                                    </p:animEffect>
+                                  </p:childTnLst>
+                                </p:cTn>
+                              </p:par>
+                            </p:childTnLst>
+                          </p:cTn>
+                        </p:par>
+                      </p:childTnLst>
+                    </p:cTn>
+                  </p:par>
+                </p:childTnLst>
+              </p:cTn>
+              <p:prevCondLst>
+                <p:cond evt="onPrev" delay="0">
+                  <p:tgtEl>
+                    <p:sldTgt/>
+                  </p:tgtEl>
+                </p:cond>
+              </p:prevCondLst>
+              <p:nextCondLst>
+                <p:cond evt="onNext" delay="0">
+                  <p:tgtEl>
+                    <p:sldTgt/>
+                  </p:tgtEl>
+                </p:cond>
+              </p:nextCondLst>
+            </p:seq>
+          </p:childTnLst>
+        </p:cTn>
+      </p:par>
+    </p:tnLst>
+    <p:bldLst>
+      <p:bldP spid="4" grpId="0" build="p"/>
+    </p:bldLst>
+  </p:timing>
+</p:sld>
+</file>
+
+<file path=ppt/slides/slide5.xml><?xml version="1.0" encoding="utf-8"?>
+<p:sld xmlns:a="http://schemas.openxmlformats.org/drawingml/2006/main" xmlns:r="http://schemas.openxmlformats.org/officeDocument/2006/relationships" xmlns:p="http://schemas.openxmlformats.org/presentationml/2006/main">
+  <p:cSld>
+    <p:spTree>
+      <p:nvGrpSpPr>
+        <p:cNvPr id="1" name=""/>
+        <p:cNvGrpSpPr/>
+        <p:nvPr/>
+      </p:nvGrpSpPr>
+      <p:grpSpPr>
+        <a:xfrm>
+          <a:off x="0" y="0"/>
+          <a:ext cx="0" cy="0"/>
+          <a:chOff x="0" y="0"/>
+          <a:chExt cx="0" cy="0"/>
+        </a:xfrm>
+      </p:grpSpPr>
+      <p:pic>
+        <p:nvPicPr>
+          <p:cNvPr id="3" name="Объект 2"/>
+          <p:cNvPicPr>
+            <a:picLocks noGrp="1" noChangeAspect="1"/>
+          </p:cNvPicPr>
+          <p:nvPr>
+            <p:ph idx="1"/>
+          </p:nvPr>
+        </p:nvPicPr>
+        <p:blipFill>
+          <a:blip r:embed="rId2">
+            <a:extLst>
+              <a:ext uri="{28A0092B-C50C-407E-A947-70E740481C1C}">
+                <a14:useLocalDpi xmlns:a14="http://schemas.microsoft.com/office/drawing/2010/main" val="0"/>
+              </a:ext>
+            </a:extLst>
+          </a:blip>
+          <a:stretch>
+            <a:fillRect/>
+          </a:stretch>
+        </p:blipFill>
+        <p:spPr>
+          <a:xfrm>
+            <a:off x="2328056" y="1583351"/>
+            <a:ext cx="7670040" cy="4632752"/>
+          </a:xfrm>
+        </p:spPr>
+      </p:pic>
+      <p:sp>
+        <p:nvSpPr>
+          <p:cNvPr id="2" name="Номер слайда 1"/>
+          <p:cNvSpPr>
+            <a:spLocks noGrp="1"/>
+          </p:cNvSpPr>
+          <p:nvPr>
+            <p:ph type="sldNum" sz="quarter" idx="12"/>
+          </p:nvPr>
+        </p:nvSpPr>
+        <p:spPr/>
+        <p:txBody>
+          <a:bodyPr/>
+          <a:lstStyle/>
+          <a:p>
+            <a:fld id="{8AF177A2-331A-49A6-919F-173C51BBA4D7}" type="slidenum">
+              <a:rPr lang="ru-RU" smtClean="0"/>
+              <a:t>5</a:t>
+            </a:fld>
+            <a:endParaRPr lang="ru-RU"/>
+          </a:p>
+        </p:txBody>
+      </p:sp>
+      <p:sp>
+        <p:nvSpPr>
+          <p:cNvPr id="6" name="Заголовок 1"/>
+          <p:cNvSpPr>
+            <a:spLocks noGrp="1"/>
+          </p:cNvSpPr>
+          <p:nvPr>
+            <p:ph type="title"/>
+          </p:nvPr>
+        </p:nvSpPr>
+        <p:spPr>
+          <a:xfrm>
+            <a:off x="812441" y="181938"/>
+            <a:ext cx="10701271" cy="1261167"/>
+          </a:xfrm>
+        </p:spPr>
+        <p:txBody>
+          <a:bodyPr>
+            <a:normAutofit/>
+          </a:bodyPr>
+          <a:lstStyle/>
+          <a:p>
+            <a:pPr algn="ctr"/>
+            <a:r>
+              <a:rPr lang="ru-RU" sz="3600" dirty="0" smtClean="0">
+                <a:solidFill>
+                  <a:srgbClr val="0070C0"/>
+                </a:solidFill>
+                <a:latin typeface="Times New Roman" panose="02020603050405020304" pitchFamily="18" charset="0"/>
+                <a:cs typeface="Times New Roman" panose="02020603050405020304" pitchFamily="18" charset="0"/>
+              </a:rPr>
+              <a:t>СУБД </a:t>
+            </a:r>
+            <a:r>
+              <a:rPr lang="en-US" sz="3600" dirty="0" smtClean="0">
+                <a:solidFill>
+                  <a:srgbClr val="0070C0"/>
+                </a:solidFill>
+                <a:latin typeface="Times New Roman" panose="02020603050405020304" pitchFamily="18" charset="0"/>
+                <a:cs typeface="Times New Roman" panose="02020603050405020304" pitchFamily="18" charset="0"/>
+              </a:rPr>
+              <a:t>Neo4j</a:t>
+            </a:r>
+            <a:endParaRPr lang="ru-RU" sz="3600" dirty="0">
+              <a:solidFill>
+                <a:srgbClr val="0070C0"/>
+              </a:solidFill>
+              <a:latin typeface="Times New Roman" panose="02020603050405020304" pitchFamily="18" charset="0"/>
+              <a:cs typeface="Times New Roman" panose="02020603050405020304" pitchFamily="18" charset="0"/>
+            </a:endParaRPr>
+          </a:p>
+        </p:txBody>
+      </p:sp>
+    </p:spTree>
+    <p:extLst>
+      <p:ext uri="{BB962C8B-B14F-4D97-AF65-F5344CB8AC3E}">
+        <p14:creationId xmlns:p14="http://schemas.microsoft.com/office/powerpoint/2010/main" val="4282381654"/>
+      </p:ext>
+    </p:extLst>
+  </p:cSld>
+  <p:clrMapOvr>
+    <a:masterClrMapping/>
+  </p:clrMapOvr>
+  <p:timing>
+    <p:tnLst>
+      <p:par>
+        <p:cTn id="1" dur="indefinite" restart="never" nodeType="tmRoot"/>
+      </p:par>
+    </p:tnLst>
+  </p:timing>
+</p:sld>
+</file>
+
+<file path=ppt/slides/slide6.xml><?xml version="1.0" encoding="utf-8"?>
+<p:sld xmlns:a="http://schemas.openxmlformats.org/drawingml/2006/main" xmlns:r="http://schemas.openxmlformats.org/officeDocument/2006/relationships" xmlns:p="http://schemas.openxmlformats.org/presentationml/2006/main">
+  <p:cSld>
+    <p:spTree>
+      <p:nvGrpSpPr>
+        <p:cNvPr id="1" name=""/>
+        <p:cNvGrpSpPr/>
+        <p:nvPr/>
+      </p:nvGrpSpPr>
+      <p:grpSpPr>
+        <a:xfrm>
+          <a:off x="0" y="0"/>
+          <a:ext cx="0" cy="0"/>
+          <a:chOff x="0" y="0"/>
+          <a:chExt cx="0" cy="0"/>
+        </a:xfrm>
+      </p:grpSpPr>
+      <p:sp>
+        <p:nvSpPr>
+          <p:cNvPr id="4" name="Объект 3"/>
+          <p:cNvSpPr>
+            <a:spLocks noGrp="1"/>
+          </p:cNvSpPr>
+          <p:nvPr>
+            <p:ph idx="1"/>
+          </p:nvPr>
+        </p:nvSpPr>
+        <p:spPr>
+          <a:xfrm>
+            <a:off x="838199" y="1291772"/>
+            <a:ext cx="10675513" cy="1365061"/>
+          </a:xfrm>
+        </p:spPr>
+        <p:txBody>
+          <a:bodyPr>
+            <a:normAutofit/>
+          </a:bodyPr>
+          <a:lstStyle/>
+          <a:p>
+            <a:pPr marL="0" indent="0">
+              <a:buNone/>
+            </a:pPr>
+            <a:r>
+              <a:rPr lang="ru-RU" b="1" dirty="0" err="1">
+                <a:latin typeface="Times New Roman" panose="02020603050405020304" pitchFamily="18" charset="0"/>
+                <a:cs typeface="Times New Roman" panose="02020603050405020304" pitchFamily="18" charset="0"/>
+              </a:rPr>
+              <a:t>Cypher</a:t>
+            </a:r>
+            <a:r>
+              <a:rPr lang="ru-RU" dirty="0">
+                <a:latin typeface="Times New Roman" panose="02020603050405020304" pitchFamily="18" charset="0"/>
+                <a:cs typeface="Times New Roman" panose="02020603050405020304" pitchFamily="18" charset="0"/>
+              </a:rPr>
+              <a:t> – </a:t>
+            </a:r>
+            <a:r>
+              <a:rPr lang="ru-RU" dirty="0" smtClean="0">
+                <a:latin typeface="Times New Roman" panose="02020603050405020304" pitchFamily="18" charset="0"/>
+                <a:cs typeface="Times New Roman" panose="02020603050405020304" pitchFamily="18" charset="0"/>
+              </a:rPr>
+              <a:t>декларативный </a:t>
+            </a:r>
+            <a:r>
+              <a:rPr lang="ru-RU" dirty="0" err="1">
+                <a:latin typeface="Times New Roman" panose="02020603050405020304" pitchFamily="18" charset="0"/>
+                <a:cs typeface="Times New Roman" panose="02020603050405020304" pitchFamily="18" charset="0"/>
+              </a:rPr>
+              <a:t>графовый</a:t>
+            </a:r>
+            <a:r>
+              <a:rPr lang="ru-RU" dirty="0">
+                <a:latin typeface="Times New Roman" panose="02020603050405020304" pitchFamily="18" charset="0"/>
+                <a:cs typeface="Times New Roman" panose="02020603050405020304" pitchFamily="18" charset="0"/>
+              </a:rPr>
+              <a:t> язык запросов, который позволяет выразительно и эффективно строить запросы и обновлять </a:t>
+            </a:r>
+            <a:r>
+              <a:rPr lang="ru-RU" dirty="0" err="1">
+                <a:latin typeface="Times New Roman" panose="02020603050405020304" pitchFamily="18" charset="0"/>
+                <a:cs typeface="Times New Roman" panose="02020603050405020304" pitchFamily="18" charset="0"/>
+              </a:rPr>
+              <a:t>графовые</a:t>
+            </a:r>
+            <a:r>
+              <a:rPr lang="ru-RU" dirty="0">
+                <a:latin typeface="Times New Roman" panose="02020603050405020304" pitchFamily="18" charset="0"/>
+                <a:cs typeface="Times New Roman" panose="02020603050405020304" pitchFamily="18" charset="0"/>
+              </a:rPr>
+              <a:t> </a:t>
+            </a:r>
+            <a:r>
+              <a:rPr lang="ru-RU" dirty="0" smtClean="0">
+                <a:latin typeface="Times New Roman" panose="02020603050405020304" pitchFamily="18" charset="0"/>
+                <a:cs typeface="Times New Roman" panose="02020603050405020304" pitchFamily="18" charset="0"/>
+              </a:rPr>
+              <a:t>хранилища.</a:t>
+            </a:r>
+          </a:p>
+          <a:p>
+            <a:pPr marL="0" indent="0">
+              <a:buNone/>
+            </a:pPr>
+            <a:endParaRPr lang="ru-RU" sz="2400" dirty="0" smtClean="0">
+              <a:latin typeface="Times New Roman" panose="02020603050405020304" pitchFamily="18" charset="0"/>
+              <a:cs typeface="Times New Roman" panose="02020603050405020304" pitchFamily="18" charset="0"/>
+            </a:endParaRPr>
+          </a:p>
+        </p:txBody>
+      </p:sp>
+      <p:sp>
+        <p:nvSpPr>
+          <p:cNvPr id="6" name="Заголовок 1"/>
+          <p:cNvSpPr>
+            <a:spLocks noGrp="1"/>
+          </p:cNvSpPr>
+          <p:nvPr>
+            <p:ph type="title"/>
+          </p:nvPr>
+        </p:nvSpPr>
+        <p:spPr>
+          <a:xfrm>
+            <a:off x="812441" y="181938"/>
+            <a:ext cx="10701271" cy="1261167"/>
+          </a:xfrm>
+        </p:spPr>
+        <p:txBody>
+          <a:bodyPr>
+            <a:normAutofit/>
+          </a:bodyPr>
+          <a:lstStyle/>
+          <a:p>
+            <a:pPr algn="ctr"/>
+            <a:r>
+              <a:rPr lang="ru-RU" sz="3600" dirty="0" smtClean="0">
+                <a:solidFill>
+                  <a:srgbClr val="0070C0"/>
+                </a:solidFill>
+                <a:latin typeface="Times New Roman" panose="02020603050405020304" pitchFamily="18" charset="0"/>
+                <a:cs typeface="Times New Roman" panose="02020603050405020304" pitchFamily="18" charset="0"/>
+              </a:rPr>
+              <a:t>Язык запросов </a:t>
+            </a:r>
+            <a:r>
+              <a:rPr lang="en-US" sz="3600" dirty="0" smtClean="0">
+                <a:solidFill>
+                  <a:srgbClr val="0070C0"/>
+                </a:solidFill>
+                <a:latin typeface="Times New Roman" panose="02020603050405020304" pitchFamily="18" charset="0"/>
+                <a:cs typeface="Times New Roman" panose="02020603050405020304" pitchFamily="18" charset="0"/>
+              </a:rPr>
+              <a:t>Cypher</a:t>
+            </a:r>
+            <a:endParaRPr lang="ru-RU" sz="3600" dirty="0">
+              <a:solidFill>
+                <a:srgbClr val="0070C0"/>
+              </a:solidFill>
+              <a:latin typeface="Times New Roman" panose="02020603050405020304" pitchFamily="18" charset="0"/>
+              <a:cs typeface="Times New Roman" panose="02020603050405020304" pitchFamily="18" charset="0"/>
+            </a:endParaRPr>
+          </a:p>
+        </p:txBody>
+      </p:sp>
+      <p:pic>
+        <p:nvPicPr>
+          <p:cNvPr id="14" name="Рисунок 13"/>
+          <p:cNvPicPr>
+            <a:picLocks noChangeAspect="1"/>
+          </p:cNvPicPr>
+          <p:nvPr/>
+        </p:nvPicPr>
+        <p:blipFill>
+          <a:blip r:embed="rId2">
+            <a:extLst>
+              <a:ext uri="{28A0092B-C50C-407E-A947-70E740481C1C}">
+                <a14:useLocalDpi xmlns:a14="http://schemas.microsoft.com/office/drawing/2010/main" val="0"/>
+              </a:ext>
+            </a:extLst>
+          </a:blip>
+          <a:stretch>
+            <a:fillRect/>
+          </a:stretch>
+        </p:blipFill>
+        <p:spPr>
+          <a:xfrm>
+            <a:off x="223654" y="2656833"/>
+            <a:ext cx="5384616" cy="3531088"/>
+          </a:xfrm>
+          <a:prstGeom prst="rect">
+            <a:avLst/>
+          </a:prstGeom>
+        </p:spPr>
+      </p:pic>
+      <p:sp>
+        <p:nvSpPr>
+          <p:cNvPr id="15" name="Скругленный прямоугольник 14"/>
+          <p:cNvSpPr/>
+          <p:nvPr/>
+        </p:nvSpPr>
+        <p:spPr>
+          <a:xfrm>
+            <a:off x="7663520" y="2855404"/>
+            <a:ext cx="4086319" cy="1933833"/>
+          </a:xfrm>
+          <a:prstGeom prst="roundRect">
+            <a:avLst/>
+          </a:prstGeom>
+          <a:noFill/>
+        </p:spPr>
+        <p:style>
+          <a:lnRef idx="2">
+            <a:schemeClr val="accent1">
+              <a:shade val="50000"/>
+            </a:schemeClr>
+          </a:lnRef>
+          <a:fillRef idx="1">
+            <a:schemeClr val="accent1"/>
+          </a:fillRef>
+          <a:effectRef idx="0">
+            <a:schemeClr val="accent1"/>
+          </a:effectRef>
+          <a:fontRef idx="minor">
+            <a:schemeClr val="lt1"/>
+          </a:fontRef>
+        </p:style>
+        <p:txBody>
+          <a:bodyPr rtlCol="0" anchor="ctr"/>
+          <a:lstStyle/>
+          <a:p>
+            <a:pPr algn="ctr"/>
+            <a:endParaRPr lang="ru-RU"/>
+          </a:p>
+        </p:txBody>
+      </p:sp>
+      <p:sp>
+        <p:nvSpPr>
+          <p:cNvPr id="16" name="TextBox 15"/>
+          <p:cNvSpPr txBox="1"/>
+          <p:nvPr/>
+        </p:nvSpPr>
+        <p:spPr>
+          <a:xfrm>
+            <a:off x="7871854" y="3188799"/>
+            <a:ext cx="3877985" cy="1600438"/>
+          </a:xfrm>
+          <a:prstGeom prst="rect">
+            <a:avLst/>
+          </a:prstGeom>
+          <a:noFill/>
+        </p:spPr>
+        <p:txBody>
+          <a:bodyPr wrap="none" rtlCol="0">
+            <a:spAutoFit/>
+          </a:bodyPr>
+          <a:lstStyle/>
+          <a:p>
+            <a:r>
+              <a:rPr lang="en-US" sz="2000" dirty="0" smtClean="0">
+                <a:latin typeface="Courier New" panose="02070309020205020404" pitchFamily="49" charset="0"/>
+                <a:cs typeface="Courier New" panose="02070309020205020404" pitchFamily="49" charset="0"/>
+              </a:rPr>
+              <a:t>MATCH</a:t>
+            </a:r>
+            <a:br>
+              <a:rPr lang="en-US" sz="2000" dirty="0" smtClean="0">
+                <a:latin typeface="Courier New" panose="02070309020205020404" pitchFamily="49" charset="0"/>
+                <a:cs typeface="Courier New" panose="02070309020205020404" pitchFamily="49" charset="0"/>
+              </a:rPr>
+            </a:br>
+            <a:r>
+              <a:rPr lang="en-US" sz="2000" dirty="0" smtClean="0">
+                <a:latin typeface="Courier New" panose="02070309020205020404" pitchFamily="49" charset="0"/>
+                <a:cs typeface="Courier New" panose="02070309020205020404" pitchFamily="49" charset="0"/>
+              </a:rPr>
+              <a:t>(</a:t>
+            </a:r>
+            <a:r>
+              <a:rPr lang="en-US" sz="2000" dirty="0" err="1" smtClean="0">
+                <a:latin typeface="Courier New" panose="02070309020205020404" pitchFamily="49" charset="0"/>
+                <a:cs typeface="Courier New" panose="02070309020205020404" pitchFamily="49" charset="0"/>
+              </a:rPr>
+              <a:t>p:Person</a:t>
+            </a:r>
+            <a:r>
+              <a:rPr lang="en-US" sz="2000" dirty="0" smtClean="0">
+                <a:latin typeface="Courier New" panose="02070309020205020404" pitchFamily="49" charset="0"/>
+                <a:cs typeface="Courier New" panose="02070309020205020404" pitchFamily="49" charset="0"/>
+              </a:rPr>
+              <a:t>)-[:KNOWS]-&gt;(n)</a:t>
+            </a:r>
+          </a:p>
+          <a:p>
+            <a:r>
+              <a:rPr lang="en-US" sz="2000" dirty="0" smtClean="0">
+                <a:latin typeface="Courier New" panose="02070309020205020404" pitchFamily="49" charset="0"/>
+                <a:cs typeface="Courier New" panose="02070309020205020404" pitchFamily="49" charset="0"/>
+              </a:rPr>
+              <a:t>WHERE p.name = “Jim”</a:t>
+            </a:r>
+          </a:p>
+          <a:p>
+            <a:r>
+              <a:rPr lang="en-US" sz="2000" dirty="0" smtClean="0">
+                <a:latin typeface="Courier New" panose="02070309020205020404" pitchFamily="49" charset="0"/>
+                <a:cs typeface="Courier New" panose="02070309020205020404" pitchFamily="49" charset="0"/>
+              </a:rPr>
+              <a:t>RETURN n</a:t>
+            </a:r>
+          </a:p>
+          <a:p>
+            <a:endParaRPr lang="ru-RU" dirty="0">
+              <a:latin typeface="Courier New" panose="02070309020205020404" pitchFamily="49" charset="0"/>
+              <a:cs typeface="Courier New" panose="02070309020205020404" pitchFamily="49" charset="0"/>
+            </a:endParaRPr>
+          </a:p>
+        </p:txBody>
+      </p:sp>
+      <p:sp>
+        <p:nvSpPr>
+          <p:cNvPr id="22" name="Двойная стрелка влево/вправо 21"/>
+          <p:cNvSpPr/>
+          <p:nvPr/>
+        </p:nvSpPr>
+        <p:spPr>
+          <a:xfrm>
+            <a:off x="4804229" y="3222263"/>
+            <a:ext cx="2549001" cy="1200114"/>
+          </a:xfrm>
+          <a:prstGeom prst="leftRightArrow">
+            <a:avLst/>
+          </a:prstGeom>
+        </p:spPr>
+        <p:style>
+          <a:lnRef idx="2">
+            <a:schemeClr val="accent1">
+              <a:shade val="50000"/>
+            </a:schemeClr>
+          </a:lnRef>
+          <a:fillRef idx="1">
+            <a:schemeClr val="accent1"/>
+          </a:fillRef>
+          <a:effectRef idx="0">
+            <a:schemeClr val="accent1"/>
+          </a:effectRef>
+          <a:fontRef idx="minor">
+            <a:schemeClr val="lt1"/>
+          </a:fontRef>
+        </p:style>
+        <p:txBody>
+          <a:bodyPr rtlCol="0" anchor="ctr"/>
+          <a:lstStyle/>
+          <a:p>
+            <a:pPr algn="ctr"/>
+            <a:r>
+              <a:rPr lang="ru-RU" sz="2400" dirty="0" smtClean="0">
+                <a:solidFill>
+                  <a:schemeClr val="tx1"/>
+                </a:solidFill>
+                <a:latin typeface="Times New Roman" panose="02020603050405020304" pitchFamily="18" charset="0"/>
+                <a:cs typeface="Times New Roman" panose="02020603050405020304" pitchFamily="18" charset="0"/>
+              </a:rPr>
+              <a:t>Граф </a:t>
+            </a:r>
+            <a:r>
+              <a:rPr lang="en-US" sz="2400" dirty="0" smtClean="0">
+                <a:solidFill>
+                  <a:schemeClr val="tx1"/>
+                </a:solidFill>
+                <a:latin typeface="Times New Roman" panose="02020603050405020304" pitchFamily="18" charset="0"/>
+                <a:cs typeface="Times New Roman" panose="02020603050405020304" pitchFamily="18" charset="0"/>
+              </a:rPr>
+              <a:t>| </a:t>
+            </a:r>
+            <a:r>
+              <a:rPr lang="ru-RU" sz="2400" dirty="0" smtClean="0">
+                <a:solidFill>
+                  <a:schemeClr val="tx1"/>
+                </a:solidFill>
+                <a:latin typeface="Times New Roman" panose="02020603050405020304" pitchFamily="18" charset="0"/>
+                <a:cs typeface="Times New Roman" panose="02020603050405020304" pitchFamily="18" charset="0"/>
+              </a:rPr>
+              <a:t>Запрос</a:t>
+            </a:r>
+            <a:endParaRPr lang="ru-RU" sz="2400" dirty="0">
+              <a:solidFill>
+                <a:schemeClr val="tx1"/>
+              </a:solidFill>
+              <a:latin typeface="Times New Roman" panose="02020603050405020304" pitchFamily="18" charset="0"/>
+              <a:cs typeface="Times New Roman" panose="02020603050405020304" pitchFamily="18" charset="0"/>
+            </a:endParaRPr>
+          </a:p>
+        </p:txBody>
+      </p:sp>
+    </p:spTree>
+    <p:extLst>
+      <p:ext uri="{BB962C8B-B14F-4D97-AF65-F5344CB8AC3E}">
+        <p14:creationId xmlns:p14="http://schemas.microsoft.com/office/powerpoint/2010/main" val="3998806085"/>
+      </p:ext>
+    </p:extLst>
+  </p:cSld>
+  <p:clrMapOvr>
+    <a:masterClrMapping/>
+  </p:clrMapOvr>
+  <p:timing>
+    <p:tnLst>
+      <p:par>
+        <p:cTn id="1" dur="indefinite" restart="never" nodeType="tmRoot">
+          <p:childTnLst>
+            <p:seq concurrent="1" nextAc="seek">
+              <p:cTn id="2" dur="indefinite" nodeType="mainSeq">
+                <p:childTnLst>
+                  <p:par>
+                    <p:cTn id="3" fill="hold">
+                      <p:stCondLst>
+                        <p:cond delay="indefinite"/>
+                      </p:stCondLst>
+                      <p:childTnLst>
+                        <p:par>
+                          <p:cTn id="4" fill="hold">
+                            <p:stCondLst>
+                              <p:cond delay="0"/>
+                            </p:stCondLst>
+                            <p:childTnLst>
+                              <p:par>
+                                <p:cTn id="5" presetID="53" presetClass="entr" presetSubtype="16" fill="hold" grpId="0" nodeType="clickEffect">
+                                  <p:stCondLst>
+                                    <p:cond delay="0"/>
+                                  </p:stCondLst>
+                                  <p:childTnLst>
+                                    <p:set>
+                                      <p:cBhvr>
+                                        <p:cTn id="6" dur="1" fill="hold">
+                                          <p:stCondLst>
+                                            <p:cond delay="0"/>
+                                          </p:stCondLst>
+                                        </p:cTn>
+                                        <p:tgtEl>
+                                          <p:spTgt spid="22"/>
+                                        </p:tgtEl>
+                                        <p:attrNameLst>
+                                          <p:attrName>style.visibility</p:attrName>
+                                        </p:attrNameLst>
+                                      </p:cBhvr>
+                                      <p:to>
+                                        <p:strVal val="visible"/>
+                                      </p:to>
+                                    </p:set>
+                                    <p:anim calcmode="lin" valueType="num">
+                                      <p:cBhvr>
+                                        <p:cTn id="7" dur="500" fill="hold"/>
+                                        <p:tgtEl>
+                                          <p:spTgt spid="22"/>
+                                        </p:tgtEl>
+                                        <p:attrNameLst>
+                                          <p:attrName>ppt_w</p:attrName>
+                                        </p:attrNameLst>
+                                      </p:cBhvr>
+                                      <p:tavLst>
+                                        <p:tav tm="0">
+                                          <p:val>
+                                            <p:fltVal val="0"/>
+                                          </p:val>
+                                        </p:tav>
+                                        <p:tav tm="100000">
+                                          <p:val>
+                                            <p:strVal val="#ppt_w"/>
+                                          </p:val>
+                                        </p:tav>
+                                      </p:tavLst>
+                                    </p:anim>
+                                    <p:anim calcmode="lin" valueType="num">
+                                      <p:cBhvr>
+                                        <p:cTn id="8" dur="500" fill="hold"/>
+                                        <p:tgtEl>
+                                          <p:spTgt spid="22"/>
+                                        </p:tgtEl>
+                                        <p:attrNameLst>
+                                          <p:attrName>ppt_h</p:attrName>
+                                        </p:attrNameLst>
+                                      </p:cBhvr>
+                                      <p:tavLst>
+                                        <p:tav tm="0">
+                                          <p:val>
+                                            <p:fltVal val="0"/>
+                                          </p:val>
+                                        </p:tav>
+                                        <p:tav tm="100000">
+                                          <p:val>
+                                            <p:strVal val="#ppt_h"/>
+                                          </p:val>
+                                        </p:tav>
+                                      </p:tavLst>
+                                    </p:anim>
+                                    <p:animEffect transition="in" filter="fade">
+                                      <p:cBhvr>
+                                        <p:cTn id="9" dur="500"/>
+                                        <p:tgtEl>
+                                          <p:spTgt spid="22"/>
+                                        </p:tgtEl>
+                                      </p:cBhvr>
+                                    </p:animEffect>
+                                  </p:childTnLst>
+                                </p:cTn>
+                              </p:par>
+                              <p:par>
+                                <p:cTn id="10" presetID="53" presetClass="entr" presetSubtype="16" fill="hold" nodeType="withEffect">
+                                  <p:stCondLst>
+                                    <p:cond delay="0"/>
+                                  </p:stCondLst>
+                                  <p:childTnLst>
+                                    <p:set>
+                                      <p:cBhvr>
+                                        <p:cTn id="11" dur="1" fill="hold">
+                                          <p:stCondLst>
+                                            <p:cond delay="0"/>
+                                          </p:stCondLst>
+                                        </p:cTn>
+                                        <p:tgtEl>
+                                          <p:spTgt spid="14"/>
+                                        </p:tgtEl>
+                                        <p:attrNameLst>
+                                          <p:attrName>style.visibility</p:attrName>
+                                        </p:attrNameLst>
+                                      </p:cBhvr>
+                                      <p:to>
+                                        <p:strVal val="visible"/>
+                                      </p:to>
+                                    </p:set>
+                                    <p:anim calcmode="lin" valueType="num">
+                                      <p:cBhvr>
+                                        <p:cTn id="12" dur="500" fill="hold"/>
+                                        <p:tgtEl>
+                                          <p:spTgt spid="14"/>
+                                        </p:tgtEl>
+                                        <p:attrNameLst>
+                                          <p:attrName>ppt_w</p:attrName>
+                                        </p:attrNameLst>
+                                      </p:cBhvr>
+                                      <p:tavLst>
+                                        <p:tav tm="0">
+                                          <p:val>
+                                            <p:fltVal val="0"/>
+                                          </p:val>
+                                        </p:tav>
+                                        <p:tav tm="100000">
+                                          <p:val>
+                                            <p:strVal val="#ppt_w"/>
+                                          </p:val>
+                                        </p:tav>
+                                      </p:tavLst>
+                                    </p:anim>
+                                    <p:anim calcmode="lin" valueType="num">
+                                      <p:cBhvr>
+                                        <p:cTn id="13" dur="500" fill="hold"/>
+                                        <p:tgtEl>
+                                          <p:spTgt spid="14"/>
+                                        </p:tgtEl>
+                                        <p:attrNameLst>
+                                          <p:attrName>ppt_h</p:attrName>
+                                        </p:attrNameLst>
+                                      </p:cBhvr>
+                                      <p:tavLst>
+                                        <p:tav tm="0">
+                                          <p:val>
+                                            <p:fltVal val="0"/>
+                                          </p:val>
+                                        </p:tav>
+                                        <p:tav tm="100000">
+                                          <p:val>
+                                            <p:strVal val="#ppt_h"/>
+                                          </p:val>
+                                        </p:tav>
+                                      </p:tavLst>
+                                    </p:anim>
+                                    <p:animEffect transition="in" filter="fade">
+                                      <p:cBhvr>
+                                        <p:cTn id="14" dur="500"/>
+                                        <p:tgtEl>
+                                          <p:spTgt spid="14"/>
+                                        </p:tgtEl>
+                                      </p:cBhvr>
+                                    </p:animEffect>
+                                  </p:childTnLst>
+                                </p:cTn>
+                              </p:par>
+                              <p:par>
+                                <p:cTn id="15" presetID="53" presetClass="entr" presetSubtype="16" fill="hold" grpId="0" nodeType="withEffect">
+                                  <p:stCondLst>
+                                    <p:cond delay="0"/>
+                                  </p:stCondLst>
+                                  <p:childTnLst>
+                                    <p:set>
+                                      <p:cBhvr>
+                                        <p:cTn id="16" dur="1" fill="hold">
+                                          <p:stCondLst>
+                                            <p:cond delay="0"/>
+                                          </p:stCondLst>
+                                        </p:cTn>
+                                        <p:tgtEl>
+                                          <p:spTgt spid="16"/>
+                                        </p:tgtEl>
+                                        <p:attrNameLst>
+                                          <p:attrName>style.visibility</p:attrName>
+                                        </p:attrNameLst>
+                                      </p:cBhvr>
+                                      <p:to>
+                                        <p:strVal val="visible"/>
+                                      </p:to>
+                                    </p:set>
+                                    <p:anim calcmode="lin" valueType="num">
+                                      <p:cBhvr>
+                                        <p:cTn id="17" dur="500" fill="hold"/>
+                                        <p:tgtEl>
+                                          <p:spTgt spid="16"/>
+                                        </p:tgtEl>
+                                        <p:attrNameLst>
+                                          <p:attrName>ppt_w</p:attrName>
+                                        </p:attrNameLst>
+                                      </p:cBhvr>
+                                      <p:tavLst>
+                                        <p:tav tm="0">
+                                          <p:val>
+                                            <p:fltVal val="0"/>
+                                          </p:val>
+                                        </p:tav>
+                                        <p:tav tm="100000">
+                                          <p:val>
+                                            <p:strVal val="#ppt_w"/>
+                                          </p:val>
+                                        </p:tav>
+                                      </p:tavLst>
+                                    </p:anim>
+                                    <p:anim calcmode="lin" valueType="num">
+                                      <p:cBhvr>
+                                        <p:cTn id="18" dur="500" fill="hold"/>
+                                        <p:tgtEl>
+                                          <p:spTgt spid="16"/>
+                                        </p:tgtEl>
+                                        <p:attrNameLst>
+                                          <p:attrName>ppt_h</p:attrName>
+                                        </p:attrNameLst>
+                                      </p:cBhvr>
+                                      <p:tavLst>
+                                        <p:tav tm="0">
+                                          <p:val>
+                                            <p:fltVal val="0"/>
+                                          </p:val>
+                                        </p:tav>
+                                        <p:tav tm="100000">
+                                          <p:val>
+                                            <p:strVal val="#ppt_h"/>
+                                          </p:val>
+                                        </p:tav>
+                                      </p:tavLst>
+                                    </p:anim>
+                                    <p:animEffect transition="in" filter="fade">
+                                      <p:cBhvr>
+                                        <p:cTn id="19" dur="500"/>
+                                        <p:tgtEl>
+                                          <p:spTgt spid="16"/>
+                                        </p:tgtEl>
+                                      </p:cBhvr>
+                                    </p:animEffect>
+                                  </p:childTnLst>
+                                </p:cTn>
+                              </p:par>
+                              <p:par>
+                                <p:cTn id="20" presetID="53" presetClass="entr" presetSubtype="16" fill="hold" grpId="0" nodeType="withEffect">
+                                  <p:stCondLst>
+                                    <p:cond delay="0"/>
+                                  </p:stCondLst>
+                                  <p:childTnLst>
+                                    <p:set>
+                                      <p:cBhvr>
+                                        <p:cTn id="21" dur="1" fill="hold">
+                                          <p:stCondLst>
+                                            <p:cond delay="0"/>
+                                          </p:stCondLst>
+                                        </p:cTn>
+                                        <p:tgtEl>
+                                          <p:spTgt spid="15"/>
+                                        </p:tgtEl>
+                                        <p:attrNameLst>
+                                          <p:attrName>style.visibility</p:attrName>
+                                        </p:attrNameLst>
+                                      </p:cBhvr>
+                                      <p:to>
+                                        <p:strVal val="visible"/>
+                                      </p:to>
+                                    </p:set>
+                                    <p:anim calcmode="lin" valueType="num">
+                                      <p:cBhvr>
+                                        <p:cTn id="22" dur="500" fill="hold"/>
+                                        <p:tgtEl>
+                                          <p:spTgt spid="15"/>
+                                        </p:tgtEl>
+                                        <p:attrNameLst>
+                                          <p:attrName>ppt_w</p:attrName>
+                                        </p:attrNameLst>
+                                      </p:cBhvr>
+                                      <p:tavLst>
+                                        <p:tav tm="0">
+                                          <p:val>
+                                            <p:fltVal val="0"/>
+                                          </p:val>
+                                        </p:tav>
+                                        <p:tav tm="100000">
+                                          <p:val>
+                                            <p:strVal val="#ppt_w"/>
+                                          </p:val>
+                                        </p:tav>
+                                      </p:tavLst>
+                                    </p:anim>
+                                    <p:anim calcmode="lin" valueType="num">
+                                      <p:cBhvr>
+                                        <p:cTn id="23" dur="500" fill="hold"/>
+                                        <p:tgtEl>
+                                          <p:spTgt spid="15"/>
+                                        </p:tgtEl>
+                                        <p:attrNameLst>
+                                          <p:attrName>ppt_h</p:attrName>
+                                        </p:attrNameLst>
+                                      </p:cBhvr>
+                                      <p:tavLst>
+                                        <p:tav tm="0">
+                                          <p:val>
+                                            <p:fltVal val="0"/>
+                                          </p:val>
+                                        </p:tav>
+                                        <p:tav tm="100000">
+                                          <p:val>
+                                            <p:strVal val="#ppt_h"/>
+                                          </p:val>
+                                        </p:tav>
+                                      </p:tavLst>
+                                    </p:anim>
+                                    <p:animEffect transition="in" filter="fade">
+                                      <p:cBhvr>
+                                        <p:cTn id="24" dur="500"/>
+                                        <p:tgtEl>
+                                          <p:spTgt spid="15"/>
+                                        </p:tgtEl>
+                                      </p:cBhvr>
+                                    </p:animEffect>
+                                  </p:childTnLst>
+                                </p:cTn>
+                              </p:par>
+                            </p:childTnLst>
+                          </p:cTn>
+                        </p:par>
+                      </p:childTnLst>
+                    </p:cTn>
+                  </p:par>
+                </p:childTnLst>
+              </p:cTn>
+              <p:prevCondLst>
+                <p:cond evt="onPrev" delay="0">
+                  <p:tgtEl>
+                    <p:sldTgt/>
+                  </p:tgtEl>
+                </p:cond>
+              </p:prevCondLst>
+              <p:nextCondLst>
+                <p:cond evt="onNext" delay="0">
+                  <p:tgtEl>
+                    <p:sldTgt/>
+                  </p:tgtEl>
+                </p:cond>
+              </p:nextCondLst>
+            </p:seq>
+          </p:childTnLst>
+        </p:cTn>
+      </p:par>
+    </p:tnLst>
+    <p:bldLst>
+      <p:bldP spid="15" grpId="0" animBg="1"/>
+      <p:bldP spid="16" grpId="0"/>
+      <p:bldP spid="22" grpId="0" animBg="1"/>
+    </p:bldLst>
+  </p:timing>
+</p:sld>
+</file>
+
+<file path=ppt/slides/slide7.xml><?xml version="1.0" encoding="utf-8"?>
+<p:sld xmlns:a="http://schemas.openxmlformats.org/drawingml/2006/main" xmlns:r="http://schemas.openxmlformats.org/officeDocument/2006/relationships" xmlns:p="http://schemas.openxmlformats.org/presentationml/2006/main">
+  <p:cSld>
+    <p:spTree>
+      <p:nvGrpSpPr>
+        <p:cNvPr id="1" name=""/>
+        <p:cNvGrpSpPr/>
+        <p:nvPr/>
+      </p:nvGrpSpPr>
+      <p:grpSpPr>
+        <a:xfrm>
+          <a:off x="0" y="0"/>
+          <a:ext cx="0" cy="0"/>
+          <a:chOff x="0" y="0"/>
+          <a:chExt cx="0" cy="0"/>
+        </a:xfrm>
+      </p:grpSpPr>
+      <p:sp>
+        <p:nvSpPr>
+          <p:cNvPr id="2" name="Номер слайда 1"/>
+          <p:cNvSpPr>
+            <a:spLocks noGrp="1"/>
+          </p:cNvSpPr>
+          <p:nvPr>
+            <p:ph type="sldNum" sz="quarter" idx="12"/>
+          </p:nvPr>
+        </p:nvSpPr>
+        <p:spPr/>
+        <p:txBody>
+          <a:bodyPr/>
+          <a:lstStyle/>
+          <a:p>
+            <a:fld id="{8AF177A2-331A-49A6-919F-173C51BBA4D7}" type="slidenum">
+              <a:rPr lang="ru-RU" smtClean="0"/>
+              <a:t>7</a:t>
             </a:fld>
             <a:endParaRPr lang="ru-RU"/>
           </a:p>
@@ -9491,7 +11417,7 @@
 </p:sld>
 </file>
 
-<file path=ppt/slides/slide5.xml><?xml version="1.0" encoding="utf-8"?>
+<file path=ppt/slides/slide8.xml><?xml version="1.0" encoding="utf-8"?>
 <p:sld xmlns:a="http://schemas.openxmlformats.org/drawingml/2006/main" xmlns:r="http://schemas.openxmlformats.org/officeDocument/2006/relationships" xmlns:p="http://schemas.openxmlformats.org/presentationml/2006/main">
   <p:cSld>
     <p:spTree>
@@ -9510,103 +11436,6 @@
       </p:grpSpPr>
       <p:sp>
         <p:nvSpPr>
-          <p:cNvPr id="4" name="Объект 3"/>
-          <p:cNvSpPr>
-            <a:spLocks noGrp="1"/>
-          </p:cNvSpPr>
-          <p:nvPr>
-            <p:ph idx="1"/>
-          </p:nvPr>
-        </p:nvSpPr>
-        <p:spPr>
-          <a:xfrm>
-            <a:off x="2511188" y="1443104"/>
-            <a:ext cx="9002524" cy="4913245"/>
-          </a:xfrm>
-        </p:spPr>
-        <p:txBody>
-          <a:bodyPr>
-            <a:normAutofit/>
-          </a:bodyPr>
-          <a:lstStyle/>
-          <a:p>
-            <a:pPr marL="457200" indent="-457200">
-              <a:buFont typeface="+mj-lt"/>
-              <a:buAutoNum type="arabicPeriod"/>
-            </a:pPr>
-            <a:r>
-              <a:rPr lang="ru-RU" sz="2400" dirty="0" smtClean="0">
-                <a:latin typeface="Times New Roman" panose="02020603050405020304" pitchFamily="18" charset="0"/>
-                <a:cs typeface="Times New Roman" panose="02020603050405020304" pitchFamily="18" charset="0"/>
-              </a:rPr>
-              <a:t>Гибкость – дает возможность хранить одни и те же объекты с различными свойствами, что является удобным при интеграции систем;</a:t>
-            </a:r>
-          </a:p>
-          <a:p>
-            <a:pPr marL="457200" indent="-457200">
-              <a:buFont typeface="+mj-lt"/>
-              <a:buAutoNum type="arabicPeriod"/>
-            </a:pPr>
-            <a:r>
-              <a:rPr lang="ru-RU" sz="2400" dirty="0" smtClean="0">
-                <a:latin typeface="Times New Roman" panose="02020603050405020304" pitchFamily="18" charset="0"/>
-                <a:cs typeface="Times New Roman" panose="02020603050405020304" pitchFamily="18" charset="0"/>
-              </a:rPr>
-              <a:t>Ощутимый прирост производительности при работе со связанными данными;</a:t>
-            </a:r>
-          </a:p>
-          <a:p>
-            <a:pPr marL="457200" indent="-457200">
-              <a:buFont typeface="+mj-lt"/>
-              <a:buAutoNum type="arabicPeriod"/>
-            </a:pPr>
-            <a:r>
-              <a:rPr lang="ru-RU" sz="2400" dirty="0" smtClean="0">
-                <a:latin typeface="Times New Roman" panose="02020603050405020304" pitchFamily="18" charset="0"/>
-                <a:cs typeface="Times New Roman" panose="02020603050405020304" pitchFamily="18" charset="0"/>
-              </a:rPr>
-              <a:t>Современный способ развертывания;</a:t>
-            </a:r>
-          </a:p>
-          <a:p>
-            <a:pPr marL="457200" indent="-457200">
-              <a:buFont typeface="+mj-lt"/>
-              <a:buAutoNum type="arabicPeriod"/>
-            </a:pPr>
-            <a:r>
-              <a:rPr lang="ru-RU" sz="2400" dirty="0" smtClean="0">
-                <a:latin typeface="Times New Roman" panose="02020603050405020304" pitchFamily="18" charset="0"/>
-                <a:cs typeface="Times New Roman" panose="02020603050405020304" pitchFamily="18" charset="0"/>
-              </a:rPr>
-              <a:t>Возможность расширения без нарушения существующих запросов и функционала приложения или системы;</a:t>
-            </a:r>
-          </a:p>
-          <a:p>
-            <a:pPr marL="457200" indent="-457200">
-              <a:buFont typeface="+mj-lt"/>
-              <a:buAutoNum type="arabicPeriod"/>
-            </a:pPr>
-            <a:r>
-              <a:rPr lang="ru-RU" sz="2400" dirty="0" smtClean="0">
-                <a:latin typeface="Times New Roman" panose="02020603050405020304" pitchFamily="18" charset="0"/>
-                <a:cs typeface="Times New Roman" panose="02020603050405020304" pitchFamily="18" charset="0"/>
-              </a:rPr>
-              <a:t>Графический интерфейс визуализации данных.</a:t>
-            </a:r>
-          </a:p>
-          <a:p>
-            <a:pPr marL="0" indent="0">
-              <a:buNone/>
-            </a:pPr>
-            <a:endParaRPr lang="ru-RU" sz="2000" dirty="0">
-              <a:latin typeface="Times New Roman" panose="02020603050405020304" pitchFamily="18" charset="0"/>
-              <a:cs typeface="Times New Roman" panose="02020603050405020304" pitchFamily="18" charset="0"/>
-            </a:endParaRPr>
-          </a:p>
-        </p:txBody>
-      </p:sp>
-      <p:sp>
-        <p:nvSpPr>
           <p:cNvPr id="2" name="Номер слайда 1"/>
           <p:cNvSpPr>
             <a:spLocks noGrp="1"/>
@@ -9622,7 +11451,7 @@
           <a:p>
             <a:fld id="{8AF177A2-331A-49A6-919F-173C51BBA4D7}" type="slidenum">
               <a:rPr lang="ru-RU" smtClean="0"/>
-              <a:t>5</a:t>
+              <a:t>8</a:t>
             </a:fld>
             <a:endParaRPr lang="ru-RU"/>
           </a:p>
@@ -9659,7 +11488,7 @@
                 <a:latin typeface="Times New Roman" panose="02020603050405020304" pitchFamily="18" charset="0"/>
                 <a:cs typeface="Times New Roman" panose="02020603050405020304" pitchFamily="18" charset="0"/>
               </a:rPr>
-              <a:t>Преимущества </a:t>
+              <a:t>Схема разработанной </a:t>
             </a:r>
             <a:r>
               <a:rPr lang="ru-RU" sz="3600" dirty="0" err="1" smtClean="0">
@@ -9669,7 +11498,7 @@
                 <a:latin typeface="Times New Roman" panose="02020603050405020304" pitchFamily="18" charset="0"/>
                 <a:cs typeface="Times New Roman" panose="02020603050405020304" pitchFamily="18" charset="0"/>
               </a:rPr>
-              <a:t>графовых</a:t>
+              <a:t>графовой</a:t>
             </a:r>
             <a:r>
               <a:rPr lang="ru-RU" sz="3600" dirty="0" smtClean="0">
@@ -9679,7 +11508,7 @@
                 <a:latin typeface="Times New Roman" panose="02020603050405020304" pitchFamily="18" charset="0"/>
                 <a:cs typeface="Times New Roman" panose="02020603050405020304" pitchFamily="18" charset="0"/>
               </a:rPr>
-              <a:t> баз данных</a:t>
+              <a:t> БД</a:t>
             </a:r>
             <a:endParaRPr lang="ru-RU" sz="3600" dirty="0">
               <a:solidFill>
@@ -9693,440 +11522,7 @@
       </p:sp>
       <p:pic>
         <p:nvPicPr>
-          <p:cNvPr id="5" name="Рисунок 4"/>
-          <p:cNvPicPr>
-            <a:picLocks noChangeAspect="1"/>
-          </p:cNvPicPr>
-          <p:nvPr/>
-        </p:nvPicPr>
-        <p:blipFill>
-          <a:blip r:embed="rId2" cstate="print">
-            <a:extLst>
-              <a:ext uri="{28A0092B-C50C-407E-A947-70E740481C1C}">
-                <a14:useLocalDpi xmlns:a14="http://schemas.microsoft.com/office/drawing/2010/main" val="0"/>
-              </a:ext>
-            </a:extLst>
-          </a:blip>
-          <a:stretch>
-            <a:fillRect/>
-          </a:stretch>
-        </p:blipFill>
-        <p:spPr>
-          <a:xfrm>
-            <a:off x="385310" y="2002092"/>
-            <a:ext cx="1965964" cy="2252477"/>
-          </a:xfrm>
-          <a:prstGeom prst="rect">
-            <a:avLst/>
-          </a:prstGeom>
-        </p:spPr>
-      </p:pic>
-    </p:spTree>
-    <p:extLst>
-      <p:ext uri="{BB962C8B-B14F-4D97-AF65-F5344CB8AC3E}">
-        <p14:creationId xmlns:p14="http://schemas.microsoft.com/office/powerpoint/2010/main" val="1801223586"/>
-      </p:ext>
-    </p:extLst>
-  </p:cSld>
-  <p:clrMapOvr>
-    <a:masterClrMapping/>
-  </p:clrMapOvr>
-  <p:timing>
-    <p:tnLst>
-      <p:par>
-        <p:cTn id="1" dur="indefinite" restart="never" nodeType="tmRoot">
-          <p:childTnLst>
-            <p:seq concurrent="1" nextAc="seek">
-              <p:cTn id="2" dur="indefinite" nodeType="mainSeq">
-                <p:childTnLst>
-                  <p:par>
-                    <p:cTn id="3" fill="hold">
-                      <p:stCondLst>
-                        <p:cond delay="indefinite"/>
-                      </p:stCondLst>
-                      <p:childTnLst>
-                        <p:par>
-                          <p:cTn id="4" fill="hold">
-                            <p:stCondLst>
-                              <p:cond delay="0"/>
-                            </p:stCondLst>
-                            <p:childTnLst>
-                              <p:par>
-                                <p:cTn id="5" presetID="10" presetClass="entr" presetSubtype="0" fill="hold" nodeType="clickEffect">
-                                  <p:stCondLst>
-                                    <p:cond delay="0"/>
-                                  </p:stCondLst>
-                                  <p:childTnLst>
-                                    <p:set>
-                                      <p:cBhvr>
-                                        <p:cTn id="6" dur="1" fill="hold">
-                                          <p:stCondLst>
-                                            <p:cond delay="0"/>
-                                          </p:stCondLst>
-                                        </p:cTn>
-                                        <p:tgtEl>
-                                          <p:spTgt spid="5"/>
-                                        </p:tgtEl>
-                                        <p:attrNameLst>
-                                          <p:attrName>style.visibility</p:attrName>
-                                        </p:attrNameLst>
-                                      </p:cBhvr>
-                                      <p:to>
-                                        <p:strVal val="visible"/>
-                                      </p:to>
-                                    </p:set>
-                                    <p:animEffect transition="in" filter="fade">
-                                      <p:cBhvr>
-                                        <p:cTn id="7" dur="500"/>
-                                        <p:tgtEl>
-                                          <p:spTgt spid="5"/>
-                                        </p:tgtEl>
-                                      </p:cBhvr>
-                                    </p:animEffect>
-                                  </p:childTnLst>
-                                </p:cTn>
-                              </p:par>
-                              <p:par>
-                                <p:cTn id="8" presetID="10" presetClass="entr" presetSubtype="0" fill="hold" grpId="0" nodeType="withEffect">
-                                  <p:stCondLst>
-                                    <p:cond delay="0"/>
-                                  </p:stCondLst>
-                                  <p:childTnLst>
-                                    <p:set>
-                                      <p:cBhvr>
-                                        <p:cTn id="9" dur="1" fill="hold">
-                                          <p:stCondLst>
-                                            <p:cond delay="0"/>
-                                          </p:stCondLst>
-                                        </p:cTn>
-                                        <p:tgtEl>
-                                          <p:spTgt spid="4">
-                                            <p:txEl>
-                                              <p:pRg st="0" end="0"/>
-                                            </p:txEl>
-                                          </p:spTgt>
-                                        </p:tgtEl>
-                                        <p:attrNameLst>
-                                          <p:attrName>style.visibility</p:attrName>
-                                        </p:attrNameLst>
-                                      </p:cBhvr>
-                                      <p:to>
-                                        <p:strVal val="visible"/>
-                                      </p:to>
-                                    </p:set>
-                                    <p:animEffect transition="in" filter="fade">
-                                      <p:cBhvr>
-                                        <p:cTn id="10" dur="500"/>
-                                        <p:tgtEl>
-                                          <p:spTgt spid="4">
-                                            <p:txEl>
-                                              <p:pRg st="0" end="0"/>
-                                            </p:txEl>
-                                          </p:spTgt>
-                                        </p:tgtEl>
-                                      </p:cBhvr>
-                                    </p:animEffect>
-                                  </p:childTnLst>
-                                </p:cTn>
-                              </p:par>
-                            </p:childTnLst>
-                          </p:cTn>
-                        </p:par>
-                      </p:childTnLst>
-                    </p:cTn>
-                  </p:par>
-                  <p:par>
-                    <p:cTn id="11" fill="hold">
-                      <p:stCondLst>
-                        <p:cond delay="indefinite"/>
-                      </p:stCondLst>
-                      <p:childTnLst>
-                        <p:par>
-                          <p:cTn id="12" fill="hold">
-                            <p:stCondLst>
-                              <p:cond delay="0"/>
-                            </p:stCondLst>
-                            <p:childTnLst>
-                              <p:par>
-                                <p:cTn id="13" presetID="10" presetClass="entr" presetSubtype="0" fill="hold" grpId="0" nodeType="clickEffect">
-                                  <p:stCondLst>
-                                    <p:cond delay="0"/>
-                                  </p:stCondLst>
-                                  <p:childTnLst>
-                                    <p:set>
-                                      <p:cBhvr>
-                                        <p:cTn id="14" dur="1" fill="hold">
-                                          <p:stCondLst>
-                                            <p:cond delay="0"/>
-                                          </p:stCondLst>
-                                        </p:cTn>
-                                        <p:tgtEl>
-                                          <p:spTgt spid="4">
-                                            <p:txEl>
-                                              <p:pRg st="1" end="1"/>
-                                            </p:txEl>
-                                          </p:spTgt>
-                                        </p:tgtEl>
-                                        <p:attrNameLst>
-                                          <p:attrName>style.visibility</p:attrName>
-                                        </p:attrNameLst>
-                                      </p:cBhvr>
-                                      <p:to>
-                                        <p:strVal val="visible"/>
-                                      </p:to>
-                                    </p:set>
-                                    <p:animEffect transition="in" filter="fade">
-                                      <p:cBhvr>
-                                        <p:cTn id="15" dur="500"/>
-                                        <p:tgtEl>
-                                          <p:spTgt spid="4">
-                                            <p:txEl>
-                                              <p:pRg st="1" end="1"/>
-                                            </p:txEl>
-                                          </p:spTgt>
-                                        </p:tgtEl>
-                                      </p:cBhvr>
-                                    </p:animEffect>
-                                  </p:childTnLst>
-                                </p:cTn>
-                              </p:par>
-                            </p:childTnLst>
-                          </p:cTn>
-                        </p:par>
-                      </p:childTnLst>
-                    </p:cTn>
-                  </p:par>
-                  <p:par>
-                    <p:cTn id="16" fill="hold">
-                      <p:stCondLst>
-                        <p:cond delay="indefinite"/>
-                      </p:stCondLst>
-                      <p:childTnLst>
-                        <p:par>
-                          <p:cTn id="17" fill="hold">
-                            <p:stCondLst>
-                              <p:cond delay="0"/>
-                            </p:stCondLst>
-                            <p:childTnLst>
-                              <p:par>
-                                <p:cTn id="18" presetID="10" presetClass="entr" presetSubtype="0" fill="hold" grpId="0" nodeType="clickEffect">
-                                  <p:stCondLst>
-                                    <p:cond delay="0"/>
-                                  </p:stCondLst>
-                                  <p:childTnLst>
-                                    <p:set>
-                                      <p:cBhvr>
-                                        <p:cTn id="19" dur="1" fill="hold">
-                                          <p:stCondLst>
-                                            <p:cond delay="0"/>
-                                          </p:stCondLst>
-                                        </p:cTn>
-                                        <p:tgtEl>
-                                          <p:spTgt spid="4">
-                                            <p:txEl>
-                                              <p:pRg st="2" end="2"/>
-                                            </p:txEl>
-                                          </p:spTgt>
-                                        </p:tgtEl>
-                                        <p:attrNameLst>
-                                          <p:attrName>style.visibility</p:attrName>
-                                        </p:attrNameLst>
-                                      </p:cBhvr>
-                                      <p:to>
-                                        <p:strVal val="visible"/>
-                                      </p:to>
-                                    </p:set>
-                                    <p:animEffect transition="in" filter="fade">
-                                      <p:cBhvr>
-                                        <p:cTn id="20" dur="500"/>
-                                        <p:tgtEl>
-                                          <p:spTgt spid="4">
-                                            <p:txEl>
-                                              <p:pRg st="2" end="2"/>
-                                            </p:txEl>
-                                          </p:spTgt>
-                                        </p:tgtEl>
-                                      </p:cBhvr>
-                                    </p:animEffect>
-                                  </p:childTnLst>
-                                </p:cTn>
-                              </p:par>
-                            </p:childTnLst>
-                          </p:cTn>
-                        </p:par>
-                      </p:childTnLst>
-                    </p:cTn>
-                  </p:par>
-                  <p:par>
-                    <p:cTn id="21" fill="hold">
-                      <p:stCondLst>
-                        <p:cond delay="indefinite"/>
-                      </p:stCondLst>
-                      <p:childTnLst>
-                        <p:par>
-                          <p:cTn id="22" fill="hold">
-                            <p:stCondLst>
-                              <p:cond delay="0"/>
-                            </p:stCondLst>
-                            <p:childTnLst>
-                              <p:par>
-                                <p:cTn id="23" presetID="10" presetClass="entr" presetSubtype="0" fill="hold" grpId="0" nodeType="clickEffect">
-                                  <p:stCondLst>
-                                    <p:cond delay="0"/>
-                                  </p:stCondLst>
-                                  <p:childTnLst>
-                                    <p:set>
-                                      <p:cBhvr>
-                                        <p:cTn id="24" dur="1" fill="hold">
-                                          <p:stCondLst>
-                                            <p:cond delay="0"/>
-                                          </p:stCondLst>
-                                        </p:cTn>
-                                        <p:tgtEl>
-                                          <p:spTgt spid="4">
-                                            <p:txEl>
-                                              <p:pRg st="3" end="3"/>
-                                            </p:txEl>
-                                          </p:spTgt>
-                                        </p:tgtEl>
-                                        <p:attrNameLst>
-                                          <p:attrName>style.visibility</p:attrName>
-                                        </p:attrNameLst>
-                                      </p:cBhvr>
-                                      <p:to>
-                                        <p:strVal val="visible"/>
-                                      </p:to>
-                                    </p:set>
-                                    <p:animEffect transition="in" filter="fade">
-                                      <p:cBhvr>
-                                        <p:cTn id="25" dur="500"/>
-                                        <p:tgtEl>
-                                          <p:spTgt spid="4">
-                                            <p:txEl>
-                                              <p:pRg st="3" end="3"/>
-                                            </p:txEl>
-                                          </p:spTgt>
-                                        </p:tgtEl>
-                                      </p:cBhvr>
-                                    </p:animEffect>
-                                  </p:childTnLst>
-                                </p:cTn>
-                              </p:par>
-                            </p:childTnLst>
-                          </p:cTn>
-                        </p:par>
-                      </p:childTnLst>
-                    </p:cTn>
-                  </p:par>
-                  <p:par>
-                    <p:cTn id="26" fill="hold">
-                      <p:stCondLst>
-                        <p:cond delay="indefinite"/>
-                      </p:stCondLst>
-                      <p:childTnLst>
-                        <p:par>
-                          <p:cTn id="27" fill="hold">
-                            <p:stCondLst>
-                              <p:cond delay="0"/>
-                            </p:stCondLst>
-                            <p:childTnLst>
-                              <p:par>
-                                <p:cTn id="28" presetID="10" presetClass="entr" presetSubtype="0" fill="hold" grpId="0" nodeType="clickEffect">
-                                  <p:stCondLst>
-                                    <p:cond delay="0"/>
-                                  </p:stCondLst>
-                                  <p:childTnLst>
-                                    <p:set>
-                                      <p:cBhvr>
-                                        <p:cTn id="29" dur="1" fill="hold">
-                                          <p:stCondLst>
-                                            <p:cond delay="0"/>
-                                          </p:stCondLst>
-                                        </p:cTn>
-                                        <p:tgtEl>
-                                          <p:spTgt spid="4">
-                                            <p:txEl>
-                                              <p:pRg st="4" end="4"/>
-                                            </p:txEl>
-                                          </p:spTgt>
-                                        </p:tgtEl>
-                                        <p:attrNameLst>
-                                          <p:attrName>style.visibility</p:attrName>
-                                        </p:attrNameLst>
-                                      </p:cBhvr>
-                                      <p:to>
-                                        <p:strVal val="visible"/>
-                                      </p:to>
-                                    </p:set>
-                                    <p:animEffect transition="in" filter="fade">
-                                      <p:cBhvr>
-                                        <p:cTn id="30" dur="500"/>
-                                        <p:tgtEl>
-                                          <p:spTgt spid="4">
-                                            <p:txEl>
-                                              <p:pRg st="4" end="4"/>
-                                            </p:txEl>
-                                          </p:spTgt>
-                                        </p:tgtEl>
-                                      </p:cBhvr>
-                                    </p:animEffect>
-                                  </p:childTnLst>
-                                </p:cTn>
-                              </p:par>
-                            </p:childTnLst>
-                          </p:cTn>
-                        </p:par>
-                      </p:childTnLst>
-                    </p:cTn>
-                  </p:par>
-                </p:childTnLst>
-              </p:cTn>
-              <p:prevCondLst>
-                <p:cond evt="onPrev" delay="0">
-                  <p:tgtEl>
-                    <p:sldTgt/>
-                  </p:tgtEl>
-                </p:cond>
-              </p:prevCondLst>
-              <p:nextCondLst>
-                <p:cond evt="onNext" delay="0">
-                  <p:tgtEl>
-                    <p:sldTgt/>
-                  </p:tgtEl>
-                </p:cond>
-              </p:nextCondLst>
-            </p:seq>
-          </p:childTnLst>
-        </p:cTn>
-      </p:par>
-    </p:tnLst>
-    <p:bldLst>
-      <p:bldP spid="4" grpId="0" build="p"/>
-    </p:bldLst>
-  </p:timing>
-</p:sld>
-</file>
-
-<file path=ppt/slides/slide6.xml><?xml version="1.0" encoding="utf-8"?>
-<p:sld xmlns:a="http://schemas.openxmlformats.org/drawingml/2006/main" xmlns:r="http://schemas.openxmlformats.org/officeDocument/2006/relationships" xmlns:p="http://schemas.openxmlformats.org/presentationml/2006/main">
-  <p:cSld>
-    <p:spTree>
-      <p:nvGrpSpPr>
-        <p:cNvPr id="1" name=""/>
-        <p:cNvGrpSpPr/>
-        <p:nvPr/>
-      </p:nvGrpSpPr>
-      <p:grpSpPr>
-        <a:xfrm>
-          <a:off x="0" y="0"/>
-          <a:ext cx="0" cy="0"/>
-          <a:chOff x="0" y="0"/>
-          <a:chExt cx="0" cy="0"/>
-        </a:xfrm>
-      </p:grpSpPr>
-      <p:pic>
-        <p:nvPicPr>
-          <p:cNvPr id="3" name="Объект 2"/>
+          <p:cNvPr id="5" name="Объект 4"/>
           <p:cNvPicPr>
             <a:picLocks noGrp="1" noChangeAspect="1"/>
           </p:cNvPicPr>
@@ -10148,1022 +11544,11 @@
         </p:blipFill>
         <p:spPr>
           <a:xfrm>
-            <a:off x="2328056" y="1583351"/>
-            <a:ext cx="7670040" cy="4632752"/>
+            <a:off x="629891" y="1156501"/>
+            <a:ext cx="11118814" cy="5094174"/>
           </a:xfrm>
         </p:spPr>
       </p:pic>
-      <p:sp>
-        <p:nvSpPr>
-          <p:cNvPr id="2" name="Номер слайда 1"/>
-          <p:cNvSpPr>
-            <a:spLocks noGrp="1"/>
-          </p:cNvSpPr>
-          <p:nvPr>
-            <p:ph type="sldNum" sz="quarter" idx="12"/>
-          </p:nvPr>
-        </p:nvSpPr>
-        <p:spPr/>
-        <p:txBody>
-          <a:bodyPr/>
-          <a:lstStyle/>
-          <a:p>
-            <a:fld id="{8AF177A2-331A-49A6-919F-173C51BBA4D7}" type="slidenum">
-              <a:rPr lang="ru-RU" smtClean="0"/>
-              <a:t>6</a:t>
-            </a:fld>
-            <a:endParaRPr lang="ru-RU"/>
-          </a:p>
-        </p:txBody>
-      </p:sp>
-      <p:sp>
-        <p:nvSpPr>
-          <p:cNvPr id="6" name="Заголовок 1"/>
-          <p:cNvSpPr>
-            <a:spLocks noGrp="1"/>
-          </p:cNvSpPr>
-          <p:nvPr>
-            <p:ph type="title"/>
-          </p:nvPr>
-        </p:nvSpPr>
-        <p:spPr>
-          <a:xfrm>
-            <a:off x="812441" y="181938"/>
-            <a:ext cx="10701271" cy="1261167"/>
-          </a:xfrm>
-        </p:spPr>
-        <p:txBody>
-          <a:bodyPr>
-            <a:normAutofit/>
-          </a:bodyPr>
-          <a:lstStyle/>
-          <a:p>
-            <a:pPr algn="ctr"/>
-            <a:r>
-              <a:rPr lang="ru-RU" sz="3600" dirty="0" smtClean="0">
-                <a:solidFill>
-                  <a:srgbClr val="0070C0"/>
-                </a:solidFill>
-                <a:latin typeface="Times New Roman" panose="02020603050405020304" pitchFamily="18" charset="0"/>
-                <a:cs typeface="Times New Roman" panose="02020603050405020304" pitchFamily="18" charset="0"/>
-              </a:rPr>
-              <a:t>СУБД </a:t>
-            </a:r>
-            <a:r>
-              <a:rPr lang="en-US" sz="3600" dirty="0" smtClean="0">
-                <a:solidFill>
-                  <a:srgbClr val="0070C0"/>
-                </a:solidFill>
-                <a:latin typeface="Times New Roman" panose="02020603050405020304" pitchFamily="18" charset="0"/>
-                <a:cs typeface="Times New Roman" panose="02020603050405020304" pitchFamily="18" charset="0"/>
-              </a:rPr>
-              <a:t>Neo4j</a:t>
-            </a:r>
-            <a:endParaRPr lang="ru-RU" sz="3600" dirty="0">
-              <a:solidFill>
-                <a:srgbClr val="0070C0"/>
-              </a:solidFill>
-              <a:latin typeface="Times New Roman" panose="02020603050405020304" pitchFamily="18" charset="0"/>
-              <a:cs typeface="Times New Roman" panose="02020603050405020304" pitchFamily="18" charset="0"/>
-            </a:endParaRPr>
-          </a:p>
-        </p:txBody>
-      </p:sp>
-    </p:spTree>
-    <p:extLst>
-      <p:ext uri="{BB962C8B-B14F-4D97-AF65-F5344CB8AC3E}">
-        <p14:creationId xmlns:p14="http://schemas.microsoft.com/office/powerpoint/2010/main" val="4282381654"/>
-      </p:ext>
-    </p:extLst>
-  </p:cSld>
-  <p:clrMapOvr>
-    <a:masterClrMapping/>
-  </p:clrMapOvr>
-  <p:timing>
-    <p:tnLst>
-      <p:par>
-        <p:cTn id="1" dur="indefinite" restart="never" nodeType="tmRoot"/>
-      </p:par>
-    </p:tnLst>
-  </p:timing>
-</p:sld>
-</file>
-
-<file path=ppt/slides/slide7.xml><?xml version="1.0" encoding="utf-8"?>
-<p:sld xmlns:a="http://schemas.openxmlformats.org/drawingml/2006/main" xmlns:r="http://schemas.openxmlformats.org/officeDocument/2006/relationships" xmlns:p="http://schemas.openxmlformats.org/presentationml/2006/main">
-  <p:cSld>
-    <p:spTree>
-      <p:nvGrpSpPr>
-        <p:cNvPr id="1" name=""/>
-        <p:cNvGrpSpPr/>
-        <p:nvPr/>
-      </p:nvGrpSpPr>
-      <p:grpSpPr>
-        <a:xfrm>
-          <a:off x="0" y="0"/>
-          <a:ext cx="0" cy="0"/>
-          <a:chOff x="0" y="0"/>
-          <a:chExt cx="0" cy="0"/>
-        </a:xfrm>
-      </p:grpSpPr>
-      <p:sp>
-        <p:nvSpPr>
-          <p:cNvPr id="4" name="Объект 3"/>
-          <p:cNvSpPr>
-            <a:spLocks noGrp="1"/>
-          </p:cNvSpPr>
-          <p:nvPr>
-            <p:ph idx="1"/>
-          </p:nvPr>
-        </p:nvSpPr>
-        <p:spPr>
-          <a:xfrm>
-            <a:off x="838199" y="1291772"/>
-            <a:ext cx="10675513" cy="1365061"/>
-          </a:xfrm>
-        </p:spPr>
-        <p:txBody>
-          <a:bodyPr>
-            <a:normAutofit/>
-          </a:bodyPr>
-          <a:lstStyle/>
-          <a:p>
-            <a:pPr marL="0" indent="0">
-              <a:buNone/>
-            </a:pPr>
-            <a:r>
-              <a:rPr lang="ru-RU" b="1" dirty="0" err="1">
-                <a:latin typeface="Times New Roman" panose="02020603050405020304" pitchFamily="18" charset="0"/>
-                <a:cs typeface="Times New Roman" panose="02020603050405020304" pitchFamily="18" charset="0"/>
-              </a:rPr>
-              <a:t>Cypher</a:t>
-            </a:r>
-            <a:r>
-              <a:rPr lang="ru-RU" dirty="0">
-                <a:latin typeface="Times New Roman" panose="02020603050405020304" pitchFamily="18" charset="0"/>
-                <a:cs typeface="Times New Roman" panose="02020603050405020304" pitchFamily="18" charset="0"/>
-              </a:rPr>
-              <a:t> – </a:t>
-            </a:r>
-            <a:r>
-              <a:rPr lang="ru-RU" dirty="0" smtClean="0">
-                <a:latin typeface="Times New Roman" panose="02020603050405020304" pitchFamily="18" charset="0"/>
-                <a:cs typeface="Times New Roman" panose="02020603050405020304" pitchFamily="18" charset="0"/>
-              </a:rPr>
-              <a:t>декларативный </a:t>
-            </a:r>
-            <a:r>
-              <a:rPr lang="ru-RU" dirty="0" err="1">
-                <a:latin typeface="Times New Roman" panose="02020603050405020304" pitchFamily="18" charset="0"/>
-                <a:cs typeface="Times New Roman" panose="02020603050405020304" pitchFamily="18" charset="0"/>
-              </a:rPr>
-              <a:t>графовый</a:t>
-            </a:r>
-            <a:r>
-              <a:rPr lang="ru-RU" dirty="0">
-                <a:latin typeface="Times New Roman" panose="02020603050405020304" pitchFamily="18" charset="0"/>
-                <a:cs typeface="Times New Roman" panose="02020603050405020304" pitchFamily="18" charset="0"/>
-              </a:rPr>
-              <a:t> язык запросов, который позволяет выразительно и эффективно строить запросы и обновлять </a:t>
-            </a:r>
-            <a:r>
-              <a:rPr lang="ru-RU" dirty="0" err="1">
-                <a:latin typeface="Times New Roman" panose="02020603050405020304" pitchFamily="18" charset="0"/>
-                <a:cs typeface="Times New Roman" panose="02020603050405020304" pitchFamily="18" charset="0"/>
-              </a:rPr>
-              <a:t>графовые</a:t>
-            </a:r>
-            <a:r>
-              <a:rPr lang="ru-RU" dirty="0">
-                <a:latin typeface="Times New Roman" panose="02020603050405020304" pitchFamily="18" charset="0"/>
-                <a:cs typeface="Times New Roman" panose="02020603050405020304" pitchFamily="18" charset="0"/>
-              </a:rPr>
-              <a:t> </a:t>
-            </a:r>
-            <a:r>
-              <a:rPr lang="ru-RU" dirty="0" smtClean="0">
-                <a:latin typeface="Times New Roman" panose="02020603050405020304" pitchFamily="18" charset="0"/>
-                <a:cs typeface="Times New Roman" panose="02020603050405020304" pitchFamily="18" charset="0"/>
-              </a:rPr>
-              <a:t>хранилища.</a:t>
-            </a:r>
-          </a:p>
-          <a:p>
-            <a:pPr marL="0" indent="0">
-              <a:buNone/>
-            </a:pPr>
-            <a:endParaRPr lang="ru-RU" sz="2400" dirty="0" smtClean="0">
-              <a:latin typeface="Times New Roman" panose="02020603050405020304" pitchFamily="18" charset="0"/>
-              <a:cs typeface="Times New Roman" panose="02020603050405020304" pitchFamily="18" charset="0"/>
-            </a:endParaRPr>
-          </a:p>
-        </p:txBody>
-      </p:sp>
-      <p:sp>
-        <p:nvSpPr>
-          <p:cNvPr id="6" name="Заголовок 1"/>
-          <p:cNvSpPr>
-            <a:spLocks noGrp="1"/>
-          </p:cNvSpPr>
-          <p:nvPr>
-            <p:ph type="title"/>
-          </p:nvPr>
-        </p:nvSpPr>
-        <p:spPr>
-          <a:xfrm>
-            <a:off x="812441" y="181938"/>
-            <a:ext cx="10701271" cy="1261167"/>
-          </a:xfrm>
-        </p:spPr>
-        <p:txBody>
-          <a:bodyPr>
-            <a:normAutofit/>
-          </a:bodyPr>
-          <a:lstStyle/>
-          <a:p>
-            <a:pPr algn="ctr"/>
-            <a:r>
-              <a:rPr lang="ru-RU" sz="3600" dirty="0" smtClean="0">
-                <a:solidFill>
-                  <a:srgbClr val="0070C0"/>
-                </a:solidFill>
-                <a:latin typeface="Times New Roman" panose="02020603050405020304" pitchFamily="18" charset="0"/>
-                <a:cs typeface="Times New Roman" panose="02020603050405020304" pitchFamily="18" charset="0"/>
-              </a:rPr>
-              <a:t>Язык запросов </a:t>
-            </a:r>
-            <a:r>
-              <a:rPr lang="en-US" sz="3600" dirty="0" smtClean="0">
-                <a:solidFill>
-                  <a:srgbClr val="0070C0"/>
-                </a:solidFill>
-                <a:latin typeface="Times New Roman" panose="02020603050405020304" pitchFamily="18" charset="0"/>
-                <a:cs typeface="Times New Roman" panose="02020603050405020304" pitchFamily="18" charset="0"/>
-              </a:rPr>
-              <a:t>Cypher</a:t>
-            </a:r>
-            <a:endParaRPr lang="ru-RU" sz="3600" dirty="0">
-              <a:solidFill>
-                <a:srgbClr val="0070C0"/>
-              </a:solidFill>
-              <a:latin typeface="Times New Roman" panose="02020603050405020304" pitchFamily="18" charset="0"/>
-              <a:cs typeface="Times New Roman" panose="02020603050405020304" pitchFamily="18" charset="0"/>
-            </a:endParaRPr>
-          </a:p>
-        </p:txBody>
-      </p:sp>
-      <p:pic>
-        <p:nvPicPr>
-          <p:cNvPr id="14" name="Рисунок 13"/>
-          <p:cNvPicPr>
-            <a:picLocks noChangeAspect="1"/>
-          </p:cNvPicPr>
-          <p:nvPr/>
-        </p:nvPicPr>
-        <p:blipFill>
-          <a:blip r:embed="rId2">
-            <a:extLst>
-              <a:ext uri="{28A0092B-C50C-407E-A947-70E740481C1C}">
-                <a14:useLocalDpi xmlns:a14="http://schemas.microsoft.com/office/drawing/2010/main" val="0"/>
-              </a:ext>
-            </a:extLst>
-          </a:blip>
-          <a:stretch>
-            <a:fillRect/>
-          </a:stretch>
-        </p:blipFill>
-        <p:spPr>
-          <a:xfrm>
-            <a:off x="223654" y="2656833"/>
-            <a:ext cx="5384616" cy="3531088"/>
-          </a:xfrm>
-          <a:prstGeom prst="rect">
-            <a:avLst/>
-          </a:prstGeom>
-        </p:spPr>
-      </p:pic>
-      <p:sp>
-        <p:nvSpPr>
-          <p:cNvPr id="15" name="Скругленный прямоугольник 14"/>
-          <p:cNvSpPr/>
-          <p:nvPr/>
-        </p:nvSpPr>
-        <p:spPr>
-          <a:xfrm>
-            <a:off x="7663520" y="2855404"/>
-            <a:ext cx="4086319" cy="1933833"/>
-          </a:xfrm>
-          <a:prstGeom prst="roundRect">
-            <a:avLst/>
-          </a:prstGeom>
-          <a:noFill/>
-        </p:spPr>
-        <p:style>
-          <a:lnRef idx="2">
-            <a:schemeClr val="accent1">
-              <a:shade val="50000"/>
-            </a:schemeClr>
-          </a:lnRef>
-          <a:fillRef idx="1">
-            <a:schemeClr val="accent1"/>
-          </a:fillRef>
-          <a:effectRef idx="0">
-            <a:schemeClr val="accent1"/>
-          </a:effectRef>
-          <a:fontRef idx="minor">
-            <a:schemeClr val="lt1"/>
-          </a:fontRef>
-        </p:style>
-        <p:txBody>
-          <a:bodyPr rtlCol="0" anchor="ctr"/>
-          <a:lstStyle/>
-          <a:p>
-            <a:pPr algn="ctr"/>
-            <a:endParaRPr lang="ru-RU"/>
-          </a:p>
-        </p:txBody>
-      </p:sp>
-      <p:sp>
-        <p:nvSpPr>
-          <p:cNvPr id="16" name="TextBox 15"/>
-          <p:cNvSpPr txBox="1"/>
-          <p:nvPr/>
-        </p:nvSpPr>
-        <p:spPr>
-          <a:xfrm>
-            <a:off x="7871854" y="3188799"/>
-            <a:ext cx="3877985" cy="1600438"/>
-          </a:xfrm>
-          <a:prstGeom prst="rect">
-            <a:avLst/>
-          </a:prstGeom>
-          <a:noFill/>
-        </p:spPr>
-        <p:txBody>
-          <a:bodyPr wrap="none" rtlCol="0">
-            <a:spAutoFit/>
-          </a:bodyPr>
-          <a:lstStyle/>
-          <a:p>
-            <a:r>
-              <a:rPr lang="en-US" sz="2000" dirty="0" smtClean="0">
-                <a:latin typeface="Courier New" panose="02070309020205020404" pitchFamily="49" charset="0"/>
-                <a:cs typeface="Courier New" panose="02070309020205020404" pitchFamily="49" charset="0"/>
-              </a:rPr>
-              <a:t>MATCH</a:t>
-            </a:r>
-            <a:br>
-              <a:rPr lang="en-US" sz="2000" dirty="0" smtClean="0">
-                <a:latin typeface="Courier New" panose="02070309020205020404" pitchFamily="49" charset="0"/>
-                <a:cs typeface="Courier New" panose="02070309020205020404" pitchFamily="49" charset="0"/>
-              </a:rPr>
-            </a:br>
-            <a:r>
-              <a:rPr lang="en-US" sz="2000" dirty="0" smtClean="0">
-                <a:latin typeface="Courier New" panose="02070309020205020404" pitchFamily="49" charset="0"/>
-                <a:cs typeface="Courier New" panose="02070309020205020404" pitchFamily="49" charset="0"/>
-              </a:rPr>
-              <a:t>(</a:t>
-            </a:r>
-            <a:r>
-              <a:rPr lang="en-US" sz="2000" dirty="0" err="1" smtClean="0">
-                <a:latin typeface="Courier New" panose="02070309020205020404" pitchFamily="49" charset="0"/>
-                <a:cs typeface="Courier New" panose="02070309020205020404" pitchFamily="49" charset="0"/>
-              </a:rPr>
-              <a:t>p:Person</a:t>
-            </a:r>
-            <a:r>
-              <a:rPr lang="en-US" sz="2000" dirty="0" smtClean="0">
-                <a:latin typeface="Courier New" panose="02070309020205020404" pitchFamily="49" charset="0"/>
-                <a:cs typeface="Courier New" panose="02070309020205020404" pitchFamily="49" charset="0"/>
-              </a:rPr>
-              <a:t>)-[:KNOWS]-&gt;(n)</a:t>
-            </a:r>
-          </a:p>
-          <a:p>
-            <a:r>
-              <a:rPr lang="en-US" sz="2000" dirty="0" smtClean="0">
-                <a:latin typeface="Courier New" panose="02070309020205020404" pitchFamily="49" charset="0"/>
-                <a:cs typeface="Courier New" panose="02070309020205020404" pitchFamily="49" charset="0"/>
-              </a:rPr>
-              <a:t>WHERE p.name = “Jim”</a:t>
-            </a:r>
-          </a:p>
-          <a:p>
-            <a:r>
-              <a:rPr lang="en-US" sz="2000" dirty="0" smtClean="0">
-                <a:latin typeface="Courier New" panose="02070309020205020404" pitchFamily="49" charset="0"/>
-                <a:cs typeface="Courier New" panose="02070309020205020404" pitchFamily="49" charset="0"/>
-              </a:rPr>
-              <a:t>RETURN n</a:t>
-            </a:r>
-          </a:p>
-          <a:p>
-            <a:endParaRPr lang="ru-RU" dirty="0">
-              <a:latin typeface="Courier New" panose="02070309020205020404" pitchFamily="49" charset="0"/>
-              <a:cs typeface="Courier New" panose="02070309020205020404" pitchFamily="49" charset="0"/>
-            </a:endParaRPr>
-          </a:p>
-        </p:txBody>
-      </p:sp>
-      <p:sp>
-        <p:nvSpPr>
-          <p:cNvPr id="22" name="Двойная стрелка влево/вправо 21"/>
-          <p:cNvSpPr/>
-          <p:nvPr/>
-        </p:nvSpPr>
-        <p:spPr>
-          <a:xfrm>
-            <a:off x="4804229" y="3222263"/>
-            <a:ext cx="2549001" cy="1200114"/>
-          </a:xfrm>
-          <a:prstGeom prst="leftRightArrow">
-            <a:avLst/>
-          </a:prstGeom>
-        </p:spPr>
-        <p:style>
-          <a:lnRef idx="2">
-            <a:schemeClr val="accent1">
-              <a:shade val="50000"/>
-            </a:schemeClr>
-          </a:lnRef>
-          <a:fillRef idx="1">
-            <a:schemeClr val="accent1"/>
-          </a:fillRef>
-          <a:effectRef idx="0">
-            <a:schemeClr val="accent1"/>
-          </a:effectRef>
-          <a:fontRef idx="minor">
-            <a:schemeClr val="lt1"/>
-          </a:fontRef>
-        </p:style>
-        <p:txBody>
-          <a:bodyPr rtlCol="0" anchor="ctr"/>
-          <a:lstStyle/>
-          <a:p>
-            <a:pPr algn="ctr"/>
-            <a:r>
-              <a:rPr lang="ru-RU" sz="2400" dirty="0" smtClean="0">
-                <a:solidFill>
-                  <a:schemeClr val="tx1"/>
-                </a:solidFill>
-                <a:latin typeface="Times New Roman" panose="02020603050405020304" pitchFamily="18" charset="0"/>
-                <a:cs typeface="Times New Roman" panose="02020603050405020304" pitchFamily="18" charset="0"/>
-              </a:rPr>
-              <a:t>Граф </a:t>
-            </a:r>
-            <a:r>
-              <a:rPr lang="en-US" sz="2400" dirty="0" smtClean="0">
-                <a:solidFill>
-                  <a:schemeClr val="tx1"/>
-                </a:solidFill>
-                <a:latin typeface="Times New Roman" panose="02020603050405020304" pitchFamily="18" charset="0"/>
-                <a:cs typeface="Times New Roman" panose="02020603050405020304" pitchFamily="18" charset="0"/>
-              </a:rPr>
-              <a:t>| </a:t>
-            </a:r>
-            <a:r>
-              <a:rPr lang="ru-RU" sz="2400" dirty="0" smtClean="0">
-                <a:solidFill>
-                  <a:schemeClr val="tx1"/>
-                </a:solidFill>
-                <a:latin typeface="Times New Roman" panose="02020603050405020304" pitchFamily="18" charset="0"/>
-                <a:cs typeface="Times New Roman" panose="02020603050405020304" pitchFamily="18" charset="0"/>
-              </a:rPr>
-              <a:t>Запрос</a:t>
-            </a:r>
-            <a:endParaRPr lang="ru-RU" sz="2400" dirty="0">
-              <a:solidFill>
-                <a:schemeClr val="tx1"/>
-              </a:solidFill>
-              <a:latin typeface="Times New Roman" panose="02020603050405020304" pitchFamily="18" charset="0"/>
-              <a:cs typeface="Times New Roman" panose="02020603050405020304" pitchFamily="18" charset="0"/>
-            </a:endParaRPr>
-          </a:p>
-        </p:txBody>
-      </p:sp>
-    </p:spTree>
-    <p:extLst>
-      <p:ext uri="{BB962C8B-B14F-4D97-AF65-F5344CB8AC3E}">
-        <p14:creationId xmlns:p14="http://schemas.microsoft.com/office/powerpoint/2010/main" val="3998806085"/>
-      </p:ext>
-    </p:extLst>
-  </p:cSld>
-  <p:clrMapOvr>
-    <a:masterClrMapping/>
-  </p:clrMapOvr>
-  <p:timing>
-    <p:tnLst>
-      <p:par>
-        <p:cTn id="1" dur="indefinite" restart="never" nodeType="tmRoot">
-          <p:childTnLst>
-            <p:seq concurrent="1" nextAc="seek">
-              <p:cTn id="2" dur="indefinite" nodeType="mainSeq">
-                <p:childTnLst>
-                  <p:par>
-                    <p:cTn id="3" fill="hold">
-                      <p:stCondLst>
-                        <p:cond delay="indefinite"/>
-                      </p:stCondLst>
-                      <p:childTnLst>
-                        <p:par>
-                          <p:cTn id="4" fill="hold">
-                            <p:stCondLst>
-                              <p:cond delay="0"/>
-                            </p:stCondLst>
-                            <p:childTnLst>
-                              <p:par>
-                                <p:cTn id="5" presetID="53" presetClass="entr" presetSubtype="16" fill="hold" grpId="0" nodeType="clickEffect">
-                                  <p:stCondLst>
-                                    <p:cond delay="0"/>
-                                  </p:stCondLst>
-                                  <p:childTnLst>
-                                    <p:set>
-                                      <p:cBhvr>
-                                        <p:cTn id="6" dur="1" fill="hold">
-                                          <p:stCondLst>
-                                            <p:cond delay="0"/>
-                                          </p:stCondLst>
-                                        </p:cTn>
-                                        <p:tgtEl>
-                                          <p:spTgt spid="22"/>
-                                        </p:tgtEl>
-                                        <p:attrNameLst>
-                                          <p:attrName>style.visibility</p:attrName>
-                                        </p:attrNameLst>
-                                      </p:cBhvr>
-                                      <p:to>
-                                        <p:strVal val="visible"/>
-                                      </p:to>
-                                    </p:set>
-                                    <p:anim calcmode="lin" valueType="num">
-                                      <p:cBhvr>
-                                        <p:cTn id="7" dur="500" fill="hold"/>
-                                        <p:tgtEl>
-                                          <p:spTgt spid="22"/>
-                                        </p:tgtEl>
-                                        <p:attrNameLst>
-                                          <p:attrName>ppt_w</p:attrName>
-                                        </p:attrNameLst>
-                                      </p:cBhvr>
-                                      <p:tavLst>
-                                        <p:tav tm="0">
-                                          <p:val>
-                                            <p:fltVal val="0"/>
-                                          </p:val>
-                                        </p:tav>
-                                        <p:tav tm="100000">
-                                          <p:val>
-                                            <p:strVal val="#ppt_w"/>
-                                          </p:val>
-                                        </p:tav>
-                                      </p:tavLst>
-                                    </p:anim>
-                                    <p:anim calcmode="lin" valueType="num">
-                                      <p:cBhvr>
-                                        <p:cTn id="8" dur="500" fill="hold"/>
-                                        <p:tgtEl>
-                                          <p:spTgt spid="22"/>
-                                        </p:tgtEl>
-                                        <p:attrNameLst>
-                                          <p:attrName>ppt_h</p:attrName>
-                                        </p:attrNameLst>
-                                      </p:cBhvr>
-                                      <p:tavLst>
-                                        <p:tav tm="0">
-                                          <p:val>
-                                            <p:fltVal val="0"/>
-                                          </p:val>
-                                        </p:tav>
-                                        <p:tav tm="100000">
-                                          <p:val>
-                                            <p:strVal val="#ppt_h"/>
-                                          </p:val>
-                                        </p:tav>
-                                      </p:tavLst>
-                                    </p:anim>
-                                    <p:animEffect transition="in" filter="fade">
-                                      <p:cBhvr>
-                                        <p:cTn id="9" dur="500"/>
-                                        <p:tgtEl>
-                                          <p:spTgt spid="22"/>
-                                        </p:tgtEl>
-                                      </p:cBhvr>
-                                    </p:animEffect>
-                                  </p:childTnLst>
-                                </p:cTn>
-                              </p:par>
-                              <p:par>
-                                <p:cTn id="10" presetID="53" presetClass="entr" presetSubtype="16" fill="hold" nodeType="withEffect">
-                                  <p:stCondLst>
-                                    <p:cond delay="0"/>
-                                  </p:stCondLst>
-                                  <p:childTnLst>
-                                    <p:set>
-                                      <p:cBhvr>
-                                        <p:cTn id="11" dur="1" fill="hold">
-                                          <p:stCondLst>
-                                            <p:cond delay="0"/>
-                                          </p:stCondLst>
-                                        </p:cTn>
-                                        <p:tgtEl>
-                                          <p:spTgt spid="14"/>
-                                        </p:tgtEl>
-                                        <p:attrNameLst>
-                                          <p:attrName>style.visibility</p:attrName>
-                                        </p:attrNameLst>
-                                      </p:cBhvr>
-                                      <p:to>
-                                        <p:strVal val="visible"/>
-                                      </p:to>
-                                    </p:set>
-                                    <p:anim calcmode="lin" valueType="num">
-                                      <p:cBhvr>
-                                        <p:cTn id="12" dur="500" fill="hold"/>
-                                        <p:tgtEl>
-                                          <p:spTgt spid="14"/>
-                                        </p:tgtEl>
-                                        <p:attrNameLst>
-                                          <p:attrName>ppt_w</p:attrName>
-                                        </p:attrNameLst>
-                                      </p:cBhvr>
-                                      <p:tavLst>
-                                        <p:tav tm="0">
-                                          <p:val>
-                                            <p:fltVal val="0"/>
-                                          </p:val>
-                                        </p:tav>
-                                        <p:tav tm="100000">
-                                          <p:val>
-                                            <p:strVal val="#ppt_w"/>
-                                          </p:val>
-                                        </p:tav>
-                                      </p:tavLst>
-                                    </p:anim>
-                                    <p:anim calcmode="lin" valueType="num">
-                                      <p:cBhvr>
-                                        <p:cTn id="13" dur="500" fill="hold"/>
-                                        <p:tgtEl>
-                                          <p:spTgt spid="14"/>
-                                        </p:tgtEl>
-                                        <p:attrNameLst>
-                                          <p:attrName>ppt_h</p:attrName>
-                                        </p:attrNameLst>
-                                      </p:cBhvr>
-                                      <p:tavLst>
-                                        <p:tav tm="0">
-                                          <p:val>
-                                            <p:fltVal val="0"/>
-                                          </p:val>
-                                        </p:tav>
-                                        <p:tav tm="100000">
-                                          <p:val>
-                                            <p:strVal val="#ppt_h"/>
-                                          </p:val>
-                                        </p:tav>
-                                      </p:tavLst>
-                                    </p:anim>
-                                    <p:animEffect transition="in" filter="fade">
-                                      <p:cBhvr>
-                                        <p:cTn id="14" dur="500"/>
-                                        <p:tgtEl>
-                                          <p:spTgt spid="14"/>
-                                        </p:tgtEl>
-                                      </p:cBhvr>
-                                    </p:animEffect>
-                                  </p:childTnLst>
-                                </p:cTn>
-                              </p:par>
-                              <p:par>
-                                <p:cTn id="15" presetID="53" presetClass="entr" presetSubtype="16" fill="hold" grpId="0" nodeType="withEffect">
-                                  <p:stCondLst>
-                                    <p:cond delay="0"/>
-                                  </p:stCondLst>
-                                  <p:childTnLst>
-                                    <p:set>
-                                      <p:cBhvr>
-                                        <p:cTn id="16" dur="1" fill="hold">
-                                          <p:stCondLst>
-                                            <p:cond delay="0"/>
-                                          </p:stCondLst>
-                                        </p:cTn>
-                                        <p:tgtEl>
-                                          <p:spTgt spid="16"/>
-                                        </p:tgtEl>
-                                        <p:attrNameLst>
-                                          <p:attrName>style.visibility</p:attrName>
-                                        </p:attrNameLst>
-                                      </p:cBhvr>
-                                      <p:to>
-                                        <p:strVal val="visible"/>
-                                      </p:to>
-                                    </p:set>
-                                    <p:anim calcmode="lin" valueType="num">
-                                      <p:cBhvr>
-                                        <p:cTn id="17" dur="500" fill="hold"/>
-                                        <p:tgtEl>
-                                          <p:spTgt spid="16"/>
-                                        </p:tgtEl>
-                                        <p:attrNameLst>
-                                          <p:attrName>ppt_w</p:attrName>
-                                        </p:attrNameLst>
-                                      </p:cBhvr>
-                                      <p:tavLst>
-                                        <p:tav tm="0">
-                                          <p:val>
-                                            <p:fltVal val="0"/>
-                                          </p:val>
-                                        </p:tav>
-                                        <p:tav tm="100000">
-                                          <p:val>
-                                            <p:strVal val="#ppt_w"/>
-                                          </p:val>
-                                        </p:tav>
-                                      </p:tavLst>
-                                    </p:anim>
-                                    <p:anim calcmode="lin" valueType="num">
-                                      <p:cBhvr>
-                                        <p:cTn id="18" dur="500" fill="hold"/>
-                                        <p:tgtEl>
-                                          <p:spTgt spid="16"/>
-                                        </p:tgtEl>
-                                        <p:attrNameLst>
-                                          <p:attrName>ppt_h</p:attrName>
-                                        </p:attrNameLst>
-                                      </p:cBhvr>
-                                      <p:tavLst>
-                                        <p:tav tm="0">
-                                          <p:val>
-                                            <p:fltVal val="0"/>
-                                          </p:val>
-                                        </p:tav>
-                                        <p:tav tm="100000">
-                                          <p:val>
-                                            <p:strVal val="#ppt_h"/>
-                                          </p:val>
-                                        </p:tav>
-                                      </p:tavLst>
-                                    </p:anim>
-                                    <p:animEffect transition="in" filter="fade">
-                                      <p:cBhvr>
-                                        <p:cTn id="19" dur="500"/>
-                                        <p:tgtEl>
-                                          <p:spTgt spid="16"/>
-                                        </p:tgtEl>
-                                      </p:cBhvr>
-                                    </p:animEffect>
-                                  </p:childTnLst>
-                                </p:cTn>
-                              </p:par>
-                              <p:par>
-                                <p:cTn id="20" presetID="53" presetClass="entr" presetSubtype="16" fill="hold" grpId="0" nodeType="withEffect">
-                                  <p:stCondLst>
-                                    <p:cond delay="0"/>
-                                  </p:stCondLst>
-                                  <p:childTnLst>
-                                    <p:set>
-                                      <p:cBhvr>
-                                        <p:cTn id="21" dur="1" fill="hold">
-                                          <p:stCondLst>
-                                            <p:cond delay="0"/>
-                                          </p:stCondLst>
-                                        </p:cTn>
-                                        <p:tgtEl>
-                                          <p:spTgt spid="15"/>
-                                        </p:tgtEl>
-                                        <p:attrNameLst>
-                                          <p:attrName>style.visibility</p:attrName>
-                                        </p:attrNameLst>
-                                      </p:cBhvr>
-                                      <p:to>
-                                        <p:strVal val="visible"/>
-                                      </p:to>
-                                    </p:set>
-                                    <p:anim calcmode="lin" valueType="num">
-                                      <p:cBhvr>
-                                        <p:cTn id="22" dur="500" fill="hold"/>
-                                        <p:tgtEl>
-                                          <p:spTgt spid="15"/>
-                                        </p:tgtEl>
-                                        <p:attrNameLst>
-                                          <p:attrName>ppt_w</p:attrName>
-                                        </p:attrNameLst>
-                                      </p:cBhvr>
-                                      <p:tavLst>
-                                        <p:tav tm="0">
-                                          <p:val>
-                                            <p:fltVal val="0"/>
-                                          </p:val>
-                                        </p:tav>
-                                        <p:tav tm="100000">
-                                          <p:val>
-                                            <p:strVal val="#ppt_w"/>
-                                          </p:val>
-                                        </p:tav>
-                                      </p:tavLst>
-                                    </p:anim>
-                                    <p:anim calcmode="lin" valueType="num">
-                                      <p:cBhvr>
-                                        <p:cTn id="23" dur="500" fill="hold"/>
-                                        <p:tgtEl>
-                                          <p:spTgt spid="15"/>
-                                        </p:tgtEl>
-                                        <p:attrNameLst>
-                                          <p:attrName>ppt_h</p:attrName>
-                                        </p:attrNameLst>
-                                      </p:cBhvr>
-                                      <p:tavLst>
-                                        <p:tav tm="0">
-                                          <p:val>
-                                            <p:fltVal val="0"/>
-                                          </p:val>
-                                        </p:tav>
-                                        <p:tav tm="100000">
-                                          <p:val>
-                                            <p:strVal val="#ppt_h"/>
-                                          </p:val>
-                                        </p:tav>
-                                      </p:tavLst>
-                                    </p:anim>
-                                    <p:animEffect transition="in" filter="fade">
-                                      <p:cBhvr>
-                                        <p:cTn id="24" dur="500"/>
-                                        <p:tgtEl>
-                                          <p:spTgt spid="15"/>
-                                        </p:tgtEl>
-                                      </p:cBhvr>
-                                    </p:animEffect>
-                                  </p:childTnLst>
-                                </p:cTn>
-                              </p:par>
-                            </p:childTnLst>
-                          </p:cTn>
-                        </p:par>
-                      </p:childTnLst>
-                    </p:cTn>
-                  </p:par>
-                </p:childTnLst>
-              </p:cTn>
-              <p:prevCondLst>
-                <p:cond evt="onPrev" delay="0">
-                  <p:tgtEl>
-                    <p:sldTgt/>
-                  </p:tgtEl>
-                </p:cond>
-              </p:prevCondLst>
-              <p:nextCondLst>
-                <p:cond evt="onNext" delay="0">
-                  <p:tgtEl>
-                    <p:sldTgt/>
-                  </p:tgtEl>
-                </p:cond>
-              </p:nextCondLst>
-            </p:seq>
-          </p:childTnLst>
-        </p:cTn>
-      </p:par>
-    </p:tnLst>
-    <p:bldLst>
-      <p:bldP spid="15" grpId="0" animBg="1"/>
-      <p:bldP spid="16" grpId="0"/>
-      <p:bldP spid="22" grpId="0" animBg="1"/>
-    </p:bldLst>
-  </p:timing>
-</p:sld>
-</file>
-
-<file path=ppt/slides/slide8.xml><?xml version="1.0" encoding="utf-8"?>
-<p:sld xmlns:a="http://schemas.openxmlformats.org/drawingml/2006/main" xmlns:r="http://schemas.openxmlformats.org/officeDocument/2006/relationships" xmlns:p="http://schemas.openxmlformats.org/presentationml/2006/main">
-  <p:cSld>
-    <p:spTree>
-      <p:nvGrpSpPr>
-        <p:cNvPr id="1" name=""/>
-        <p:cNvGrpSpPr/>
-        <p:nvPr/>
-      </p:nvGrpSpPr>
-      <p:grpSpPr>
-        <a:xfrm>
-          <a:off x="0" y="0"/>
-          <a:ext cx="0" cy="0"/>
-          <a:chOff x="0" y="0"/>
-          <a:chExt cx="0" cy="0"/>
-        </a:xfrm>
-      </p:grpSpPr>
-      <p:pic>
-        <p:nvPicPr>
-          <p:cNvPr id="3" name="Объект 2"/>
-          <p:cNvPicPr>
-            <a:picLocks noGrp="1" noChangeAspect="1"/>
-          </p:cNvPicPr>
-          <p:nvPr>
-            <p:ph idx="1"/>
-          </p:nvPr>
-        </p:nvPicPr>
-        <p:blipFill>
-          <a:blip r:embed="rId2">
-            <a:extLst>
-              <a:ext uri="{28A0092B-C50C-407E-A947-70E740481C1C}">
-                <a14:useLocalDpi xmlns:a14="http://schemas.microsoft.com/office/drawing/2010/main" val="0"/>
-              </a:ext>
-            </a:extLst>
-          </a:blip>
-          <a:stretch>
-            <a:fillRect/>
-          </a:stretch>
-        </p:blipFill>
-        <p:spPr>
-          <a:xfrm>
-            <a:off x="742332" y="1171060"/>
-            <a:ext cx="10841488" cy="5185290"/>
-          </a:xfrm>
-        </p:spPr>
-      </p:pic>
-      <p:sp>
-        <p:nvSpPr>
-          <p:cNvPr id="2" name="Номер слайда 1"/>
-          <p:cNvSpPr>
-            <a:spLocks noGrp="1"/>
-          </p:cNvSpPr>
-          <p:nvPr>
-            <p:ph type="sldNum" sz="quarter" idx="12"/>
-          </p:nvPr>
-        </p:nvSpPr>
-        <p:spPr/>
-        <p:txBody>
-          <a:bodyPr/>
-          <a:lstStyle/>
-          <a:p>
-            <a:fld id="{8AF177A2-331A-49A6-919F-173C51BBA4D7}" type="slidenum">
-              <a:rPr lang="ru-RU" smtClean="0"/>
-              <a:t>8</a:t>
-            </a:fld>
-            <a:endParaRPr lang="ru-RU"/>
-          </a:p>
-        </p:txBody>
-      </p:sp>
-      <p:sp>
-        <p:nvSpPr>
-          <p:cNvPr id="6" name="Заголовок 1"/>
-          <p:cNvSpPr>
-            <a:spLocks noGrp="1"/>
-          </p:cNvSpPr>
-          <p:nvPr>
-            <p:ph type="title"/>
-          </p:nvPr>
-        </p:nvSpPr>
-        <p:spPr>
-          <a:xfrm>
-            <a:off x="812441" y="181938"/>
-            <a:ext cx="10701271" cy="1261167"/>
-          </a:xfrm>
-        </p:spPr>
-        <p:txBody>
-          <a:bodyPr>
-            <a:normAutofit/>
-          </a:bodyPr>
-          <a:lstStyle/>
-          <a:p>
-            <a:pPr algn="ctr"/>
-            <a:r>
-              <a:rPr lang="ru-RU" sz="3600" dirty="0" smtClean="0">
-                <a:solidFill>
-                  <a:srgbClr val="0070C0"/>
-                </a:solidFill>
-                <a:latin typeface="Times New Roman" panose="02020603050405020304" pitchFamily="18" charset="0"/>
-                <a:cs typeface="Times New Roman" panose="02020603050405020304" pitchFamily="18" charset="0"/>
-              </a:rPr>
-              <a:t>Схема разработанной </a:t>
-            </a:r>
-            <a:r>
-              <a:rPr lang="ru-RU" sz="3600" dirty="0" err="1" smtClean="0">
-                <a:solidFill>
-                  <a:srgbClr val="0070C0"/>
-                </a:solidFill>
-                <a:latin typeface="Times New Roman" panose="02020603050405020304" pitchFamily="18" charset="0"/>
-                <a:cs typeface="Times New Roman" panose="02020603050405020304" pitchFamily="18" charset="0"/>
-              </a:rPr>
-              <a:t>графовой</a:t>
-            </a:r>
-            <a:r>
-              <a:rPr lang="ru-RU" sz="3600" dirty="0" smtClean="0">
-                <a:solidFill>
-                  <a:srgbClr val="0070C0"/>
-                </a:solidFill>
-                <a:latin typeface="Times New Roman" panose="02020603050405020304" pitchFamily="18" charset="0"/>
-                <a:cs typeface="Times New Roman" panose="02020603050405020304" pitchFamily="18" charset="0"/>
-              </a:rPr>
-              <a:t> БД</a:t>
-            </a:r>
-            <a:endParaRPr lang="ru-RU" sz="3600" dirty="0">
-              <a:solidFill>
-                <a:srgbClr val="0070C0"/>
-              </a:solidFill>
-              <a:latin typeface="Times New Roman" panose="02020603050405020304" pitchFamily="18" charset="0"/>
-              <a:cs typeface="Times New Roman" panose="02020603050405020304" pitchFamily="18" charset="0"/>
-            </a:endParaRPr>
-          </a:p>
-        </p:txBody>
-      </p:sp>
     </p:spTree>
     <p:extLst>
       <p:ext uri="{BB962C8B-B14F-4D97-AF65-F5344CB8AC3E}">
@@ -11279,8 +11664,8 @@
         </p:nvSpPr>
         <p:spPr>
           <a:xfrm>
-            <a:off x="838200" y="1223493"/>
-            <a:ext cx="10515600" cy="4953470"/>
+            <a:off x="838200" y="1173707"/>
+            <a:ext cx="10515600" cy="5003256"/>
           </a:xfrm>
         </p:spPr>
         <p:txBody>
@@ -11304,14 +11689,14 @@
                 <a:latin typeface="Times New Roman" panose="02020603050405020304" pitchFamily="18" charset="0"/>
                 <a:cs typeface="Times New Roman" panose="02020603050405020304" pitchFamily="18" charset="0"/>
               </a:rPr>
-              <a:t>1. Сведения </a:t>
-            </a:r>
-            <a:r>
-              <a:rPr lang="ru-RU" sz="2400" dirty="0">
-                <a:latin typeface="Times New Roman" panose="02020603050405020304" pitchFamily="18" charset="0"/>
-                <a:cs typeface="Times New Roman" panose="02020603050405020304" pitchFamily="18" charset="0"/>
-              </a:rPr>
-              <a:t>о проектах</a:t>
+              <a:t>1. </a:t>
+            </a:r>
+            <a:r>
+              <a:rPr lang="ru-RU" sz="2400" dirty="0" smtClean="0">
+                <a:latin typeface="Times New Roman" panose="02020603050405020304" pitchFamily="18" charset="0"/>
+                <a:cs typeface="Times New Roman" panose="02020603050405020304" pitchFamily="18" charset="0"/>
+              </a:rPr>
+              <a:t>Выборка всех данных</a:t>
             </a:r>
             <a:endParaRPr lang="ru-RU" sz="2400" dirty="0">
               <a:latin typeface="Times New Roman" panose="02020603050405020304" pitchFamily="18" charset="0"/>
@@ -11322,8 +11707,10 @@
       </p:sp>
       <p:pic>
         <p:nvPicPr>
-          <p:cNvPr id="7" name="Рисунок 6" descr="C:\Users\User\Downloads\graph (6).png"/>
-          <p:cNvPicPr/>
+          <p:cNvPr id="7" name="Рисунок 6"/>
+          <p:cNvPicPr>
+            <a:picLocks noChangeAspect="1"/>
+          </p:cNvPicPr>
           <p:nvPr/>
         </p:nvPicPr>
         <p:blipFill>
@@ -11334,29 +11721,24 @@
               </a:ext>
             </a:extLst>
           </a:blip>
-          <a:srcRect/>
           <a:stretch>
             <a:fillRect/>
           </a:stretch>
         </p:blipFill>
-        <p:spPr bwMode="auto">
+        <p:spPr>
           <a:xfrm>
-            <a:off x="2034862" y="1698670"/>
-            <a:ext cx="8487177" cy="4657680"/>
+            <a:off x="838200" y="1564247"/>
+            <a:ext cx="10257430" cy="4974665"/>
           </a:xfrm>
           <a:prstGeom prst="rect">
             <a:avLst/>
           </a:prstGeom>
-          <a:noFill/>
-          <a:ln>
-            <a:noFill/>
-          </a:ln>
         </p:spPr>
       </p:pic>
     </p:spTree>
     <p:extLst>
       <p:ext uri="{BB962C8B-B14F-4D97-AF65-F5344CB8AC3E}">
-        <p14:creationId xmlns:p14="http://schemas.microsoft.com/office/powerpoint/2010/main" val="540927037"/>
+        <p14:creationId xmlns:p14="http://schemas.microsoft.com/office/powerpoint/2010/main" val="2440991727"/>
       </p:ext>
     </p:extLst>
   </p:cSld>

--- a/Презентация ВКР2017.pptx
+++ b/Презентация ВКР2017.pptx
@@ -5,24 +5,22 @@
     <p:sldMasterId id="2147483648" r:id="rId1"/>
   </p:sldMasterIdLst>
   <p:notesMasterIdLst>
-    <p:notesMasterId r:id="rId17"/>
+    <p:notesMasterId r:id="rId15"/>
   </p:notesMasterIdLst>
   <p:sldIdLst>
     <p:sldId id="256" r:id="rId2"/>
     <p:sldId id="257" r:id="rId3"/>
     <p:sldId id="262" r:id="rId4"/>
     <p:sldId id="263" r:id="rId5"/>
-    <p:sldId id="264" r:id="rId6"/>
-    <p:sldId id="265" r:id="rId7"/>
-    <p:sldId id="261" r:id="rId8"/>
-    <p:sldId id="266" r:id="rId9"/>
-    <p:sldId id="269" r:id="rId10"/>
-    <p:sldId id="267" r:id="rId11"/>
-    <p:sldId id="270" r:id="rId12"/>
-    <p:sldId id="268" r:id="rId13"/>
-    <p:sldId id="259" r:id="rId14"/>
-    <p:sldId id="258" r:id="rId15"/>
-    <p:sldId id="260" r:id="rId16"/>
+    <p:sldId id="261" r:id="rId6"/>
+    <p:sldId id="266" r:id="rId7"/>
+    <p:sldId id="269" r:id="rId8"/>
+    <p:sldId id="267" r:id="rId9"/>
+    <p:sldId id="270" r:id="rId10"/>
+    <p:sldId id="268" r:id="rId11"/>
+    <p:sldId id="259" r:id="rId12"/>
+    <p:sldId id="258" r:id="rId13"/>
+    <p:sldId id="260" r:id="rId14"/>
   </p:sldIdLst>
   <p:sldSz cx="12192000" cy="6858000"/>
   <p:notesSz cx="6858000" cy="9144000"/>
@@ -3632,184 +3630,8 @@
                 <a:latin typeface="Times New Roman" panose="02020603050405020304" pitchFamily="18" charset="0"/>
                 <a:cs typeface="Times New Roman" panose="02020603050405020304" pitchFamily="18" charset="0"/>
               </a:rPr>
-              <a:t>Результаты некоторых запросов</a:t>
-            </a:r>
-            <a:endParaRPr lang="ru-RU" sz="3600" dirty="0">
-              <a:solidFill>
-                <a:srgbClr val="0070C0"/>
-              </a:solidFill>
-              <a:latin typeface="Times New Roman" panose="02020603050405020304" pitchFamily="18" charset="0"/>
-              <a:cs typeface="Times New Roman" panose="02020603050405020304" pitchFamily="18" charset="0"/>
-            </a:endParaRPr>
-          </a:p>
-        </p:txBody>
-      </p:sp>
-      <p:sp>
-        <p:nvSpPr>
-          <p:cNvPr id="4" name="Объект 3"/>
-          <p:cNvSpPr>
-            <a:spLocks noGrp="1"/>
-          </p:cNvSpPr>
-          <p:nvPr>
-            <p:ph idx="1"/>
-          </p:nvPr>
-        </p:nvSpPr>
-        <p:spPr>
-          <a:xfrm>
-            <a:off x="838200" y="1223493"/>
-            <a:ext cx="10515600" cy="4953470"/>
-          </a:xfrm>
-        </p:spPr>
-        <p:txBody>
-          <a:bodyPr>
-            <a:normAutofit/>
-          </a:bodyPr>
-          <a:lstStyle/>
-          <a:p>
-            <a:pPr marL="0" indent="0">
-              <a:buNone/>
-            </a:pPr>
-            <a:r>
-              <a:rPr lang="ru-RU" sz="2400" dirty="0">
-                <a:latin typeface="Times New Roman" panose="02020603050405020304" pitchFamily="18" charset="0"/>
-                <a:cs typeface="Times New Roman" panose="02020603050405020304" pitchFamily="18" charset="0"/>
-              </a:rPr>
-              <a:t>Запрос </a:t>
-            </a:r>
-            <a:r>
-              <a:rPr lang="ru-RU" sz="2400" dirty="0">
-                <a:latin typeface="Times New Roman" panose="02020603050405020304" pitchFamily="18" charset="0"/>
-                <a:cs typeface="Times New Roman" panose="02020603050405020304" pitchFamily="18" charset="0"/>
-              </a:rPr>
-              <a:t>2</a:t>
-            </a:r>
-            <a:r>
-              <a:rPr lang="ru-RU" sz="2400" dirty="0" smtClean="0">
-                <a:latin typeface="Times New Roman" panose="02020603050405020304" pitchFamily="18" charset="0"/>
-                <a:cs typeface="Times New Roman" panose="02020603050405020304" pitchFamily="18" charset="0"/>
-              </a:rPr>
-              <a:t>. Сведения о проектах</a:t>
-            </a:r>
-            <a:endParaRPr lang="ru-RU" sz="2400" dirty="0">
-              <a:latin typeface="Times New Roman" panose="02020603050405020304" pitchFamily="18" charset="0"/>
-              <a:cs typeface="Times New Roman" panose="02020603050405020304" pitchFamily="18" charset="0"/>
-            </a:endParaRPr>
-          </a:p>
-        </p:txBody>
-      </p:sp>
-      <p:pic>
-        <p:nvPicPr>
-          <p:cNvPr id="3" name="Рисунок 2"/>
-          <p:cNvPicPr>
-            <a:picLocks noChangeAspect="1"/>
-          </p:cNvPicPr>
-          <p:nvPr/>
-        </p:nvPicPr>
-        <p:blipFill>
-          <a:blip r:embed="rId2">
-            <a:extLst>
-              <a:ext uri="{28A0092B-C50C-407E-A947-70E740481C1C}">
-                <a14:useLocalDpi xmlns:a14="http://schemas.microsoft.com/office/drawing/2010/main" val="0"/>
-              </a:ext>
-            </a:extLst>
-          </a:blip>
-          <a:stretch>
-            <a:fillRect/>
-          </a:stretch>
-        </p:blipFill>
-        <p:spPr>
-          <a:xfrm>
-            <a:off x="838200" y="1622492"/>
-            <a:ext cx="10084158" cy="4898019"/>
-          </a:xfrm>
-          <a:prstGeom prst="rect">
-            <a:avLst/>
-          </a:prstGeom>
-        </p:spPr>
-      </p:pic>
-    </p:spTree>
-    <p:extLst>
-      <p:ext uri="{BB962C8B-B14F-4D97-AF65-F5344CB8AC3E}">
-        <p14:creationId xmlns:p14="http://schemas.microsoft.com/office/powerpoint/2010/main" val="540927037"/>
-      </p:ext>
-    </p:extLst>
-  </p:cSld>
-  <p:clrMapOvr>
-    <a:masterClrMapping/>
-  </p:clrMapOvr>
-  <p:timing>
-    <p:tnLst>
-      <p:par>
-        <p:cTn id="1" dur="indefinite" restart="never" nodeType="tmRoot"/>
-      </p:par>
-    </p:tnLst>
-  </p:timing>
-</p:sld>
-</file>
-
-<file path=ppt/slides/slide11.xml><?xml version="1.0" encoding="utf-8"?>
-<p:sld xmlns:a="http://schemas.openxmlformats.org/drawingml/2006/main" xmlns:r="http://schemas.openxmlformats.org/officeDocument/2006/relationships" xmlns:p="http://schemas.openxmlformats.org/presentationml/2006/main">
-  <p:cSld>
-    <p:spTree>
-      <p:nvGrpSpPr>
-        <p:cNvPr id="1" name=""/>
-        <p:cNvGrpSpPr/>
-        <p:nvPr/>
-      </p:nvGrpSpPr>
-      <p:grpSpPr>
-        <a:xfrm>
-          <a:off x="0" y="0"/>
-          <a:ext cx="0" cy="0"/>
-          <a:chOff x="0" y="0"/>
-          <a:chExt cx="0" cy="0"/>
-        </a:xfrm>
-      </p:grpSpPr>
-      <p:sp>
-        <p:nvSpPr>
-          <p:cNvPr id="2" name="Номер слайда 1"/>
-          <p:cNvSpPr>
-            <a:spLocks noGrp="1"/>
-          </p:cNvSpPr>
-          <p:nvPr>
-            <p:ph type="sldNum" sz="quarter" idx="12"/>
-          </p:nvPr>
-        </p:nvSpPr>
-        <p:spPr/>
-        <p:txBody>
-          <a:bodyPr/>
-          <a:lstStyle/>
-          <a:p>
-            <a:fld id="{8AF177A2-331A-49A6-919F-173C51BBA4D7}" type="slidenum">
-              <a:rPr lang="ru-RU" smtClean="0"/>
-              <a:t>11</a:t>
-            </a:fld>
-            <a:endParaRPr lang="ru-RU"/>
-          </a:p>
-        </p:txBody>
-      </p:sp>
-      <p:sp>
-        <p:nvSpPr>
-          <p:cNvPr id="6" name="Заголовок 1"/>
-          <p:cNvSpPr>
-            <a:spLocks noGrp="1"/>
-          </p:cNvSpPr>
-          <p:nvPr>
-            <p:ph type="title"/>
-          </p:nvPr>
-        </p:nvSpPr>
-        <p:spPr>
-          <a:xfrm>
-            <a:off x="812441" y="181938"/>
-            <a:ext cx="10701271" cy="1261167"/>
-          </a:xfrm>
-        </p:spPr>
-        <p:txBody>
-          <a:bodyPr>
-            <a:normAutofit/>
-          </a:bodyPr>
-          <a:lstStyle/>
-          <a:p>
-            <a:pPr algn="ctr"/>
+              <a:t>Результаты </a:t>
+            </a:r>
             <a:r>
               <a:rPr lang="ru-RU" sz="3600" dirty="0" smtClean="0">
                 <a:solidFill>
@@ -3818,193 +3640,7 @@
                 <a:latin typeface="Times New Roman" panose="02020603050405020304" pitchFamily="18" charset="0"/>
                 <a:cs typeface="Times New Roman" panose="02020603050405020304" pitchFamily="18" charset="0"/>
               </a:rPr>
-              <a:t>Результаты некоторых запросов</a:t>
-            </a:r>
-            <a:endParaRPr lang="ru-RU" sz="3600" dirty="0">
-              <a:solidFill>
-                <a:srgbClr val="0070C0"/>
-              </a:solidFill>
-              <a:latin typeface="Times New Roman" panose="02020603050405020304" pitchFamily="18" charset="0"/>
-              <a:cs typeface="Times New Roman" panose="02020603050405020304" pitchFamily="18" charset="0"/>
-            </a:endParaRPr>
-          </a:p>
-        </p:txBody>
-      </p:sp>
-      <p:sp>
-        <p:nvSpPr>
-          <p:cNvPr id="4" name="Объект 3"/>
-          <p:cNvSpPr>
-            <a:spLocks noGrp="1"/>
-          </p:cNvSpPr>
-          <p:nvPr>
-            <p:ph idx="1"/>
-          </p:nvPr>
-        </p:nvSpPr>
-        <p:spPr>
-          <a:xfrm>
-            <a:off x="838200" y="1223493"/>
-            <a:ext cx="10515600" cy="4953470"/>
-          </a:xfrm>
-        </p:spPr>
-        <p:txBody>
-          <a:bodyPr>
-            <a:normAutofit/>
-          </a:bodyPr>
-          <a:lstStyle/>
-          <a:p>
-            <a:pPr marL="0" indent="0">
-              <a:buNone/>
-            </a:pPr>
-            <a:r>
-              <a:rPr lang="ru-RU" sz="2400" dirty="0">
-                <a:latin typeface="Times New Roman" panose="02020603050405020304" pitchFamily="18" charset="0"/>
-                <a:cs typeface="Times New Roman" panose="02020603050405020304" pitchFamily="18" charset="0"/>
-              </a:rPr>
-              <a:t>Запрос </a:t>
-            </a:r>
-            <a:r>
-              <a:rPr lang="ru-RU" sz="2400" dirty="0" smtClean="0">
-                <a:latin typeface="Times New Roman" panose="02020603050405020304" pitchFamily="18" charset="0"/>
-                <a:cs typeface="Times New Roman" panose="02020603050405020304" pitchFamily="18" charset="0"/>
-              </a:rPr>
-              <a:t>3</a:t>
-            </a:r>
-            <a:r>
-              <a:rPr lang="ru-RU" sz="2400" dirty="0" smtClean="0">
-                <a:latin typeface="Times New Roman" panose="02020603050405020304" pitchFamily="18" charset="0"/>
-                <a:cs typeface="Times New Roman" panose="02020603050405020304" pitchFamily="18" charset="0"/>
-              </a:rPr>
-              <a:t>. Сведения о задаче</a:t>
-            </a:r>
-            <a:endParaRPr lang="ru-RU" sz="2400" dirty="0">
-              <a:latin typeface="Times New Roman" panose="02020603050405020304" pitchFamily="18" charset="0"/>
-              <a:cs typeface="Times New Roman" panose="02020603050405020304" pitchFamily="18" charset="0"/>
-            </a:endParaRPr>
-          </a:p>
-        </p:txBody>
-      </p:sp>
-      <p:pic>
-        <p:nvPicPr>
-          <p:cNvPr id="5" name="Рисунок 4"/>
-          <p:cNvPicPr>
-            <a:picLocks noChangeAspect="1"/>
-          </p:cNvPicPr>
-          <p:nvPr/>
-        </p:nvPicPr>
-        <p:blipFill>
-          <a:blip r:embed="rId2">
-            <a:extLst>
-              <a:ext uri="{28A0092B-C50C-407E-A947-70E740481C1C}">
-                <a14:useLocalDpi xmlns:a14="http://schemas.microsoft.com/office/drawing/2010/main" val="0"/>
-              </a:ext>
-            </a:extLst>
-          </a:blip>
-          <a:stretch>
-            <a:fillRect/>
-          </a:stretch>
-        </p:blipFill>
-        <p:spPr>
-          <a:xfrm>
-            <a:off x="838199" y="1622492"/>
-            <a:ext cx="10868109" cy="4300636"/>
-          </a:xfrm>
-          <a:prstGeom prst="rect">
-            <a:avLst/>
-          </a:prstGeom>
-        </p:spPr>
-      </p:pic>
-    </p:spTree>
-    <p:extLst>
-      <p:ext uri="{BB962C8B-B14F-4D97-AF65-F5344CB8AC3E}">
-        <p14:creationId xmlns:p14="http://schemas.microsoft.com/office/powerpoint/2010/main" val="1885052711"/>
-      </p:ext>
-    </p:extLst>
-  </p:cSld>
-  <p:clrMapOvr>
-    <a:masterClrMapping/>
-  </p:clrMapOvr>
-  <p:timing>
-    <p:tnLst>
-      <p:par>
-        <p:cTn id="1" dur="indefinite" restart="never" nodeType="tmRoot"/>
-      </p:par>
-    </p:tnLst>
-  </p:timing>
-</p:sld>
-</file>
-
-<file path=ppt/slides/slide12.xml><?xml version="1.0" encoding="utf-8"?>
-<p:sld xmlns:a="http://schemas.openxmlformats.org/drawingml/2006/main" xmlns:r="http://schemas.openxmlformats.org/officeDocument/2006/relationships" xmlns:p="http://schemas.openxmlformats.org/presentationml/2006/main">
-  <p:cSld>
-    <p:spTree>
-      <p:nvGrpSpPr>
-        <p:cNvPr id="1" name=""/>
-        <p:cNvGrpSpPr/>
-        <p:nvPr/>
-      </p:nvGrpSpPr>
-      <p:grpSpPr>
-        <a:xfrm>
-          <a:off x="0" y="0"/>
-          <a:ext cx="0" cy="0"/>
-          <a:chOff x="0" y="0"/>
-          <a:chExt cx="0" cy="0"/>
-        </a:xfrm>
-      </p:grpSpPr>
-      <p:sp>
-        <p:nvSpPr>
-          <p:cNvPr id="2" name="Номер слайда 1"/>
-          <p:cNvSpPr>
-            <a:spLocks noGrp="1"/>
-          </p:cNvSpPr>
-          <p:nvPr>
-            <p:ph type="sldNum" sz="quarter" idx="12"/>
-          </p:nvPr>
-        </p:nvSpPr>
-        <p:spPr/>
-        <p:txBody>
-          <a:bodyPr/>
-          <a:lstStyle/>
-          <a:p>
-            <a:fld id="{8AF177A2-331A-49A6-919F-173C51BBA4D7}" type="slidenum">
-              <a:rPr lang="ru-RU" smtClean="0"/>
-              <a:t>12</a:t>
-            </a:fld>
-            <a:endParaRPr lang="ru-RU"/>
-          </a:p>
-        </p:txBody>
-      </p:sp>
-      <p:sp>
-        <p:nvSpPr>
-          <p:cNvPr id="6" name="Заголовок 1"/>
-          <p:cNvSpPr>
-            <a:spLocks noGrp="1"/>
-          </p:cNvSpPr>
-          <p:nvPr>
-            <p:ph type="title"/>
-          </p:nvPr>
-        </p:nvSpPr>
-        <p:spPr>
-          <a:xfrm>
-            <a:off x="812441" y="181938"/>
-            <a:ext cx="10701271" cy="1261167"/>
-          </a:xfrm>
-        </p:spPr>
-        <p:txBody>
-          <a:bodyPr>
-            <a:normAutofit/>
-          </a:bodyPr>
-          <a:lstStyle/>
-          <a:p>
-            <a:pPr algn="ctr"/>
-            <a:r>
-              <a:rPr lang="ru-RU" sz="3600" dirty="0" smtClean="0">
-                <a:solidFill>
-                  <a:srgbClr val="0070C0"/>
-                </a:solidFill>
-                <a:latin typeface="Times New Roman" panose="02020603050405020304" pitchFamily="18" charset="0"/>
-                <a:cs typeface="Times New Roman" panose="02020603050405020304" pitchFamily="18" charset="0"/>
-              </a:rPr>
-              <a:t>Результаты некоторых запросов</a:t>
+              <a:t>запросов</a:t>
             </a:r>
             <a:endParaRPr lang="ru-RU" sz="3600" dirty="0">
               <a:solidFill>
@@ -4133,7 +3769,7 @@
 </p:sld>
 </file>
 
-<file path=ppt/slides/slide13.xml><?xml version="1.0" encoding="utf-8"?>
+<file path=ppt/slides/slide11.xml><?xml version="1.0" encoding="utf-8"?>
 <p:sld xmlns:a="http://schemas.openxmlformats.org/drawingml/2006/main" xmlns:r="http://schemas.openxmlformats.org/officeDocument/2006/relationships" xmlns:p="http://schemas.openxmlformats.org/presentationml/2006/main">
   <p:cSld>
     <p:spTree>
@@ -4167,7 +3803,7 @@
           <a:p>
             <a:fld id="{8AF177A2-331A-49A6-919F-173C51BBA4D7}" type="slidenum">
               <a:rPr lang="ru-RU" smtClean="0"/>
-              <a:t>13</a:t>
+              <a:t>11</a:t>
             </a:fld>
             <a:endParaRPr lang="ru-RU"/>
           </a:p>
@@ -4886,7 +4522,7 @@
 </p:sld>
 </file>
 
-<file path=ppt/slides/slide14.xml><?xml version="1.0" encoding="utf-8"?>
+<file path=ppt/slides/slide12.xml><?xml version="1.0" encoding="utf-8"?>
 <p:sld xmlns:a="http://schemas.openxmlformats.org/drawingml/2006/main" xmlns:r="http://schemas.openxmlformats.org/officeDocument/2006/relationships" xmlns:p="http://schemas.openxmlformats.org/presentationml/2006/main">
   <p:cSld>
     <p:spTree>
@@ -4920,7 +4556,7 @@
           <a:p>
             <a:fld id="{8AF177A2-331A-49A6-919F-173C51BBA4D7}" type="slidenum">
               <a:rPr lang="ru-RU" smtClean="0"/>
-              <a:t>14</a:t>
+              <a:t>12</a:t>
             </a:fld>
             <a:endParaRPr lang="ru-RU"/>
           </a:p>
@@ -5910,7 +5546,7 @@
 </p:sld>
 </file>
 
-<file path=ppt/slides/slide15.xml><?xml version="1.0" encoding="utf-8"?>
+<file path=ppt/slides/slide13.xml><?xml version="1.0" encoding="utf-8"?>
 <p:sld xmlns:a="http://schemas.openxmlformats.org/drawingml/2006/main" xmlns:r="http://schemas.openxmlformats.org/officeDocument/2006/relationships" xmlns:p="http://schemas.openxmlformats.org/presentationml/2006/main">
   <p:cSld>
     <p:bg>
@@ -5996,7 +5632,7 @@
           <a:p>
             <a:fld id="{8AF177A2-331A-49A6-919F-173C51BBA4D7}" type="slidenum">
               <a:rPr lang="ru-RU" smtClean="0"/>
-              <a:t>15</a:t>
+              <a:t>13</a:t>
             </a:fld>
             <a:endParaRPr lang="ru-RU"/>
           </a:p>
@@ -8898,7 +8534,7 @@
         </p:spPr>
         <p:txBody>
           <a:bodyPr>
-            <a:normAutofit/>
+            <a:normAutofit lnSpcReduction="10000"/>
           </a:bodyPr>
           <a:lstStyle/>
           <a:p>
@@ -8963,8 +8599,141 @@
                 <a:latin typeface="Times New Roman" panose="02020603050405020304" pitchFamily="18" charset="0"/>
                 <a:cs typeface="Times New Roman" panose="02020603050405020304" pitchFamily="18" charset="0"/>
               </a:rPr>
-              <a:t>Графический интерфейс визуализации данных.</a:t>
-            </a:r>
+              <a:t>Графический интерфейс визуализации </a:t>
+            </a:r>
+            <a:r>
+              <a:rPr lang="ru-RU" sz="2400" dirty="0" smtClean="0">
+                <a:latin typeface="Times New Roman" panose="02020603050405020304" pitchFamily="18" charset="0"/>
+                <a:cs typeface="Times New Roman" panose="02020603050405020304" pitchFamily="18" charset="0"/>
+              </a:rPr>
+              <a:t>данных</a:t>
+            </a:r>
+            <a:r>
+              <a:rPr lang="ru-RU" sz="2400" dirty="0" smtClean="0">
+                <a:latin typeface="Times New Roman" panose="02020603050405020304" pitchFamily="18" charset="0"/>
+                <a:cs typeface="Times New Roman" panose="02020603050405020304" pitchFamily="18" charset="0"/>
+              </a:rPr>
+              <a:t>;</a:t>
+            </a:r>
+          </a:p>
+          <a:p>
+            <a:pPr marL="457200" indent="-457200">
+              <a:buFont typeface="+mj-lt"/>
+              <a:buAutoNum type="arabicPeriod"/>
+            </a:pPr>
+            <a:r>
+              <a:rPr lang="ru-RU" sz="2400" dirty="0" smtClean="0">
+                <a:latin typeface="Times New Roman" panose="02020603050405020304" pitchFamily="18" charset="0"/>
+                <a:cs typeface="Times New Roman" panose="02020603050405020304" pitchFamily="18" charset="0"/>
+              </a:rPr>
+              <a:t>Поддержка транзакций </a:t>
+            </a:r>
+            <a:r>
+              <a:rPr lang="en-US" sz="2400" dirty="0" smtClean="0">
+                <a:latin typeface="Times New Roman" panose="02020603050405020304" pitchFamily="18" charset="0"/>
+                <a:cs typeface="Times New Roman" panose="02020603050405020304" pitchFamily="18" charset="0"/>
+              </a:rPr>
+              <a:t>ACID</a:t>
+            </a:r>
+            <a:r>
+              <a:rPr lang="ru-RU" sz="2400" dirty="0" smtClean="0">
+                <a:latin typeface="Times New Roman" panose="02020603050405020304" pitchFamily="18" charset="0"/>
+                <a:cs typeface="Times New Roman" panose="02020603050405020304" pitchFamily="18" charset="0"/>
+              </a:rPr>
+              <a:t>;</a:t>
+            </a:r>
+          </a:p>
+          <a:p>
+            <a:pPr marL="457200" indent="-457200">
+              <a:buFont typeface="+mj-lt"/>
+              <a:buAutoNum type="arabicPeriod"/>
+            </a:pPr>
+            <a:r>
+              <a:rPr lang="ru-RU" sz="2400" dirty="0" smtClean="0">
+                <a:latin typeface="Times New Roman" panose="02020603050405020304" pitchFamily="18" charset="0"/>
+                <a:cs typeface="Times New Roman" panose="02020603050405020304" pitchFamily="18" charset="0"/>
+              </a:rPr>
+              <a:t>Собственный </a:t>
+            </a:r>
+            <a:r>
+              <a:rPr lang="ru-RU" sz="2400" dirty="0" err="1" smtClean="0">
+                <a:latin typeface="Times New Roman" panose="02020603050405020304" pitchFamily="18" charset="0"/>
+                <a:cs typeface="Times New Roman" panose="02020603050405020304" pitchFamily="18" charset="0"/>
+              </a:rPr>
+              <a:t>графовый</a:t>
+            </a:r>
+            <a:r>
+              <a:rPr lang="ru-RU" sz="2400" dirty="0" smtClean="0">
+                <a:latin typeface="Times New Roman" panose="02020603050405020304" pitchFamily="18" charset="0"/>
+                <a:cs typeface="Times New Roman" panose="02020603050405020304" pitchFamily="18" charset="0"/>
+              </a:rPr>
+              <a:t> язык запросов </a:t>
+            </a:r>
+            <a:r>
+              <a:rPr lang="en-US" sz="2400" dirty="0" smtClean="0">
+                <a:latin typeface="Times New Roman" panose="02020603050405020304" pitchFamily="18" charset="0"/>
+                <a:cs typeface="Times New Roman" panose="02020603050405020304" pitchFamily="18" charset="0"/>
+              </a:rPr>
+              <a:t>Cypher</a:t>
+            </a:r>
+            <a:r>
+              <a:rPr lang="ru-RU" sz="2400" dirty="0" smtClean="0">
+                <a:latin typeface="Times New Roman" panose="02020603050405020304" pitchFamily="18" charset="0"/>
+                <a:cs typeface="Times New Roman" panose="02020603050405020304" pitchFamily="18" charset="0"/>
+              </a:rPr>
+              <a:t>;</a:t>
+            </a:r>
+          </a:p>
+          <a:p>
+            <a:pPr marL="457200" indent="-457200">
+              <a:buFont typeface="+mj-lt"/>
+              <a:buAutoNum type="arabicPeriod"/>
+            </a:pPr>
+            <a:r>
+              <a:rPr lang="ru-RU" sz="2400" dirty="0" smtClean="0">
+                <a:latin typeface="Times New Roman" panose="02020603050405020304" pitchFamily="18" charset="0"/>
+                <a:cs typeface="Times New Roman" panose="02020603050405020304" pitchFamily="18" charset="0"/>
+              </a:rPr>
+              <a:t>Облачный сервис «</a:t>
+            </a:r>
+            <a:r>
+              <a:rPr lang="en-US" sz="2400" dirty="0" smtClean="0">
+                <a:latin typeface="Times New Roman" panose="02020603050405020304" pitchFamily="18" charset="0"/>
+                <a:cs typeface="Times New Roman" panose="02020603050405020304" pitchFamily="18" charset="0"/>
+              </a:rPr>
+              <a:t>Neo4j Browser Sync</a:t>
+            </a:r>
+            <a:r>
+              <a:rPr lang="ru-RU" sz="2400" dirty="0" smtClean="0">
+                <a:latin typeface="Times New Roman" panose="02020603050405020304" pitchFamily="18" charset="0"/>
+                <a:cs typeface="Times New Roman" panose="02020603050405020304" pitchFamily="18" charset="0"/>
+              </a:rPr>
+              <a:t>». </a:t>
+            </a:r>
+            <a:endParaRPr lang="en-US" sz="2400" dirty="0" smtClean="0">
+              <a:latin typeface="Times New Roman" panose="02020603050405020304" pitchFamily="18" charset="0"/>
+              <a:cs typeface="Times New Roman" panose="02020603050405020304" pitchFamily="18" charset="0"/>
+            </a:endParaRPr>
+          </a:p>
+          <a:p>
+            <a:pPr marL="457200" indent="-457200">
+              <a:buFont typeface="+mj-lt"/>
+              <a:buAutoNum type="arabicPeriod"/>
+            </a:pPr>
+            <a:endParaRPr lang="ru-RU" sz="2400" dirty="0" smtClean="0">
+              <a:latin typeface="Times New Roman" panose="02020603050405020304" pitchFamily="18" charset="0"/>
+              <a:cs typeface="Times New Roman" panose="02020603050405020304" pitchFamily="18" charset="0"/>
+            </a:endParaRPr>
+          </a:p>
+          <a:p>
+            <a:pPr marL="457200" indent="-457200">
+              <a:buFont typeface="+mj-lt"/>
+              <a:buAutoNum type="arabicPeriod"/>
+            </a:pPr>
+            <a:endParaRPr lang="ru-RU" sz="2400" dirty="0" smtClean="0">
+              <a:latin typeface="Times New Roman" panose="02020603050405020304" pitchFamily="18" charset="0"/>
+              <a:cs typeface="Times New Roman" panose="02020603050405020304" pitchFamily="18" charset="0"/>
+            </a:endParaRPr>
           </a:p>
           <a:p>
             <a:pPr marL="0" indent="0">
@@ -9041,7 +8810,7 @@
                 <a:latin typeface="Times New Roman" panose="02020603050405020304" pitchFamily="18" charset="0"/>
                 <a:cs typeface="Times New Roman" panose="02020603050405020304" pitchFamily="18" charset="0"/>
               </a:rPr>
-              <a:t>графовых</a:t>
+              <a:t>графовой</a:t>
             </a:r>
             <a:r>
               <a:rPr lang="ru-RU" sz="3600" dirty="0" smtClean="0">
@@ -9051,7 +8820,17 @@
                 <a:latin typeface="Times New Roman" panose="02020603050405020304" pitchFamily="18" charset="0"/>
                 <a:cs typeface="Times New Roman" panose="02020603050405020304" pitchFamily="18" charset="0"/>
               </a:rPr>
-              <a:t> баз данных</a:t>
+              <a:t> СУБД </a:t>
+            </a:r>
+            <a:r>
+              <a:rPr lang="en-US" sz="3600" dirty="0" smtClean="0">
+                <a:solidFill>
+                  <a:srgbClr val="0070C0"/>
+                </a:solidFill>
+                <a:latin typeface="Times New Roman" panose="02020603050405020304" pitchFamily="18" charset="0"/>
+                <a:cs typeface="Times New Roman" panose="02020603050405020304" pitchFamily="18" charset="0"/>
+              </a:rPr>
+              <a:t>Neo4j</a:t>
             </a:r>
             <a:endParaRPr lang="ru-RU" sz="3600" dirty="0">
               <a:solidFill>
@@ -9451,6 +9230,189 @@
                       </p:childTnLst>
                     </p:cTn>
                   </p:par>
+                  <p:par>
+                    <p:cTn id="31" fill="hold">
+                      <p:stCondLst>
+                        <p:cond delay="indefinite"/>
+                      </p:stCondLst>
+                      <p:childTnLst>
+                        <p:par>
+                          <p:cTn id="32" fill="hold">
+                            <p:stCondLst>
+                              <p:cond delay="0"/>
+                            </p:stCondLst>
+                            <p:childTnLst>
+                              <p:par>
+                                <p:cTn id="33" presetID="10" presetClass="entr" presetSubtype="0" fill="hold" grpId="0" nodeType="clickEffect">
+                                  <p:stCondLst>
+                                    <p:cond delay="0"/>
+                                  </p:stCondLst>
+                                  <p:childTnLst>
+                                    <p:set>
+                                      <p:cBhvr>
+                                        <p:cTn id="34" dur="1" fill="hold">
+                                          <p:stCondLst>
+                                            <p:cond delay="0"/>
+                                          </p:stCondLst>
+                                        </p:cTn>
+                                        <p:tgtEl>
+                                          <p:spTgt spid="4">
+                                            <p:txEl>
+                                              <p:pRg st="5" end="5"/>
+                                            </p:txEl>
+                                          </p:spTgt>
+                                        </p:tgtEl>
+                                        <p:attrNameLst>
+                                          <p:attrName>style.visibility</p:attrName>
+                                        </p:attrNameLst>
+                                      </p:cBhvr>
+                                      <p:to>
+                                        <p:strVal val="visible"/>
+                                      </p:to>
+                                    </p:set>
+                                    <p:animEffect transition="in" filter="fade">
+                                      <p:cBhvr>
+                                        <p:cTn id="35" dur="500"/>
+                                        <p:tgtEl>
+                                          <p:spTgt spid="4">
+                                            <p:txEl>
+                                              <p:pRg st="5" end="5"/>
+                                            </p:txEl>
+                                          </p:spTgt>
+                                        </p:tgtEl>
+                                      </p:cBhvr>
+                                    </p:animEffect>
+                                  </p:childTnLst>
+                                </p:cTn>
+                              </p:par>
+                            </p:childTnLst>
+                          </p:cTn>
+                        </p:par>
+                      </p:childTnLst>
+                    </p:cTn>
+                  </p:par>
+                  <p:par>
+                    <p:cTn id="36" fill="hold">
+                      <p:stCondLst>
+                        <p:cond delay="indefinite"/>
+                      </p:stCondLst>
+                      <p:childTnLst>
+                        <p:par>
+                          <p:cTn id="37" fill="hold">
+                            <p:stCondLst>
+                              <p:cond delay="0"/>
+                            </p:stCondLst>
+                            <p:childTnLst>
+                              <p:par>
+                                <p:cTn id="38" presetID="10" presetClass="entr" presetSubtype="0" fill="hold" grpId="0" nodeType="clickEffect">
+                                  <p:stCondLst>
+                                    <p:cond delay="0"/>
+                                  </p:stCondLst>
+                                  <p:childTnLst>
+                                    <p:set>
+                                      <p:cBhvr>
+                                        <p:cTn id="39" dur="1" fill="hold">
+                                          <p:stCondLst>
+                                            <p:cond delay="0"/>
+                                          </p:stCondLst>
+                                        </p:cTn>
+                                        <p:tgtEl>
+                                          <p:spTgt spid="4">
+                                            <p:txEl>
+                                              <p:pRg st="6" end="6"/>
+                                            </p:txEl>
+                                          </p:spTgt>
+                                        </p:tgtEl>
+                                        <p:attrNameLst>
+                                          <p:attrName>style.visibility</p:attrName>
+                                        </p:attrNameLst>
+                                      </p:cBhvr>
+                                      <p:to>
+                                        <p:strVal val="visible"/>
+                                      </p:to>
+                                    </p:set>
+                                    <p:animEffect transition="in" filter="fade">
+                                      <p:cBhvr>
+                                        <p:cTn id="40" dur="500"/>
+                                        <p:tgtEl>
+                                          <p:spTgt spid="4">
+                                            <p:txEl>
+                                              <p:pRg st="6" end="6"/>
+                                            </p:txEl>
+                                          </p:spTgt>
+                                        </p:tgtEl>
+                                      </p:cBhvr>
+                                    </p:animEffect>
+                                  </p:childTnLst>
+                                </p:cTn>
+                              </p:par>
+                            </p:childTnLst>
+                          </p:cTn>
+                        </p:par>
+                      </p:childTnLst>
+                    </p:cTn>
+                  </p:par>
+                  <p:par>
+                    <p:cTn id="41" fill="hold">
+                      <p:stCondLst>
+                        <p:cond delay="indefinite"/>
+                      </p:stCondLst>
+                      <p:childTnLst>
+                        <p:par>
+                          <p:cTn id="42" fill="hold">
+                            <p:stCondLst>
+                              <p:cond delay="0"/>
+                            </p:stCondLst>
+                            <p:childTnLst>
+                              <p:par>
+                                <p:cTn id="43" presetID="10" presetClass="entr" presetSubtype="0" fill="hold" grpId="0" nodeType="clickEffect">
+                                  <p:stCondLst>
+                                    <p:cond delay="0"/>
+                                  </p:stCondLst>
+                                  <p:childTnLst>
+                                    <p:set>
+                                      <p:cBhvr>
+                                        <p:cTn id="44" dur="1" fill="hold">
+                                          <p:stCondLst>
+                                            <p:cond delay="0"/>
+                                          </p:stCondLst>
+                                        </p:cTn>
+                                        <p:tgtEl>
+                                          <p:spTgt spid="4">
+                                            <p:txEl>
+                                              <p:pRg st="7" end="7"/>
+                                            </p:txEl>
+                                          </p:spTgt>
+                                        </p:tgtEl>
+                                        <p:attrNameLst>
+                                          <p:attrName>style.visibility</p:attrName>
+                                        </p:attrNameLst>
+                                      </p:cBhvr>
+                                      <p:to>
+                                        <p:strVal val="visible"/>
+                                      </p:to>
+                                    </p:set>
+                                    <p:animEffect transition="in" filter="fade">
+                                      <p:cBhvr>
+                                        <p:cTn id="45" dur="500"/>
+                                        <p:tgtEl>
+                                          <p:spTgt spid="4">
+                                            <p:txEl>
+                                              <p:pRg st="7" end="7"/>
+                                            </p:txEl>
+                                          </p:spTgt>
+                                        </p:tgtEl>
+                                      </p:cBhvr>
+                                    </p:animEffect>
+                                  </p:childTnLst>
+                                </p:cTn>
+                              </p:par>
+                            </p:childTnLst>
+                          </p:cTn>
+                        </p:par>
+                      </p:childTnLst>
+                    </p:cTn>
+                  </p:par>
                 </p:childTnLst>
               </p:cTn>
               <p:prevCondLst>
@@ -9496,35 +9458,6 @@
           <a:chExt cx="0" cy="0"/>
         </a:xfrm>
       </p:grpSpPr>
-      <p:pic>
-        <p:nvPicPr>
-          <p:cNvPr id="3" name="Объект 2"/>
-          <p:cNvPicPr>
-            <a:picLocks noGrp="1" noChangeAspect="1"/>
-          </p:cNvPicPr>
-          <p:nvPr>
-            <p:ph idx="1"/>
-          </p:nvPr>
-        </p:nvPicPr>
-        <p:blipFill>
-          <a:blip r:embed="rId2">
-            <a:extLst>
-              <a:ext uri="{28A0092B-C50C-407E-A947-70E740481C1C}">
-                <a14:useLocalDpi xmlns:a14="http://schemas.microsoft.com/office/drawing/2010/main" val="0"/>
-              </a:ext>
-            </a:extLst>
-          </a:blip>
-          <a:stretch>
-            <a:fillRect/>
-          </a:stretch>
-        </p:blipFill>
-        <p:spPr>
-          <a:xfrm>
-            <a:off x="2328056" y="1583351"/>
-            <a:ext cx="7670040" cy="4632752"/>
-          </a:xfrm>
-        </p:spPr>
-      </p:pic>
       <p:sp>
         <p:nvSpPr>
           <p:cNvPr id="2" name="Номер слайда 1"/>
@@ -9579,17 +9512,27 @@
                 <a:latin typeface="Times New Roman" panose="02020603050405020304" pitchFamily="18" charset="0"/>
                 <a:cs typeface="Times New Roman" panose="02020603050405020304" pitchFamily="18" charset="0"/>
               </a:rPr>
-              <a:t>СУБД </a:t>
-            </a:r>
-            <a:r>
-              <a:rPr lang="en-US" sz="3600" dirty="0" smtClean="0">
+              <a:t>Разработка модели </a:t>
+            </a:r>
+            <a:r>
+              <a:rPr lang="ru-RU" sz="3600" dirty="0" err="1" smtClean="0">
                 <a:solidFill>
                   <a:srgbClr val="0070C0"/>
                 </a:solidFill>
                 <a:latin typeface="Times New Roman" panose="02020603050405020304" pitchFamily="18" charset="0"/>
                 <a:cs typeface="Times New Roman" panose="02020603050405020304" pitchFamily="18" charset="0"/>
               </a:rPr>
-              <a:t>Neo4j</a:t>
+              <a:t>графовой</a:t>
+            </a:r>
+            <a:r>
+              <a:rPr lang="ru-RU" sz="3600" dirty="0" smtClean="0">
+                <a:solidFill>
+                  <a:srgbClr val="0070C0"/>
+                </a:solidFill>
+                <a:latin typeface="Times New Roman" panose="02020603050405020304" pitchFamily="18" charset="0"/>
+                <a:cs typeface="Times New Roman" panose="02020603050405020304" pitchFamily="18" charset="0"/>
+              </a:rPr>
+              <a:t> базы данных</a:t>
             </a:r>
             <a:endParaRPr lang="ru-RU" sz="3600" dirty="0">
               <a:solidFill>
@@ -9601,912 +9544,6 @@
           </a:p>
         </p:txBody>
       </p:sp>
-    </p:spTree>
-    <p:extLst>
-      <p:ext uri="{BB962C8B-B14F-4D97-AF65-F5344CB8AC3E}">
-        <p14:creationId xmlns:p14="http://schemas.microsoft.com/office/powerpoint/2010/main" val="4282381654"/>
-      </p:ext>
-    </p:extLst>
-  </p:cSld>
-  <p:clrMapOvr>
-    <a:masterClrMapping/>
-  </p:clrMapOvr>
-  <p:timing>
-    <p:tnLst>
-      <p:par>
-        <p:cTn id="1" dur="indefinite" restart="never" nodeType="tmRoot"/>
-      </p:par>
-    </p:tnLst>
-  </p:timing>
-</p:sld>
-</file>
-
-<file path=ppt/slides/slide6.xml><?xml version="1.0" encoding="utf-8"?>
-<p:sld xmlns:a="http://schemas.openxmlformats.org/drawingml/2006/main" xmlns:r="http://schemas.openxmlformats.org/officeDocument/2006/relationships" xmlns:p="http://schemas.openxmlformats.org/presentationml/2006/main">
-  <p:cSld>
-    <p:spTree>
-      <p:nvGrpSpPr>
-        <p:cNvPr id="1" name=""/>
-        <p:cNvGrpSpPr/>
-        <p:nvPr/>
-      </p:nvGrpSpPr>
-      <p:grpSpPr>
-        <a:xfrm>
-          <a:off x="0" y="0"/>
-          <a:ext cx="0" cy="0"/>
-          <a:chOff x="0" y="0"/>
-          <a:chExt cx="0" cy="0"/>
-        </a:xfrm>
-      </p:grpSpPr>
-      <p:sp>
-        <p:nvSpPr>
-          <p:cNvPr id="4" name="Объект 3"/>
-          <p:cNvSpPr>
-            <a:spLocks noGrp="1"/>
-          </p:cNvSpPr>
-          <p:nvPr>
-            <p:ph idx="1"/>
-          </p:nvPr>
-        </p:nvSpPr>
-        <p:spPr>
-          <a:xfrm>
-            <a:off x="838199" y="1291772"/>
-            <a:ext cx="10675513" cy="1365061"/>
-          </a:xfrm>
-        </p:spPr>
-        <p:txBody>
-          <a:bodyPr>
-            <a:normAutofit/>
-          </a:bodyPr>
-          <a:lstStyle/>
-          <a:p>
-            <a:pPr marL="0" indent="0">
-              <a:buNone/>
-            </a:pPr>
-            <a:r>
-              <a:rPr lang="ru-RU" b="1" dirty="0" err="1">
-                <a:latin typeface="Times New Roman" panose="02020603050405020304" pitchFamily="18" charset="0"/>
-                <a:cs typeface="Times New Roman" panose="02020603050405020304" pitchFamily="18" charset="0"/>
-              </a:rPr>
-              <a:t>Cypher</a:t>
-            </a:r>
-            <a:r>
-              <a:rPr lang="ru-RU" dirty="0">
-                <a:latin typeface="Times New Roman" panose="02020603050405020304" pitchFamily="18" charset="0"/>
-                <a:cs typeface="Times New Roman" panose="02020603050405020304" pitchFamily="18" charset="0"/>
-              </a:rPr>
-              <a:t> – </a:t>
-            </a:r>
-            <a:r>
-              <a:rPr lang="ru-RU" dirty="0" smtClean="0">
-                <a:latin typeface="Times New Roman" panose="02020603050405020304" pitchFamily="18" charset="0"/>
-                <a:cs typeface="Times New Roman" panose="02020603050405020304" pitchFamily="18" charset="0"/>
-              </a:rPr>
-              <a:t>декларативный </a:t>
-            </a:r>
-            <a:r>
-              <a:rPr lang="ru-RU" dirty="0" err="1">
-                <a:latin typeface="Times New Roman" panose="02020603050405020304" pitchFamily="18" charset="0"/>
-                <a:cs typeface="Times New Roman" panose="02020603050405020304" pitchFamily="18" charset="0"/>
-              </a:rPr>
-              <a:t>графовый</a:t>
-            </a:r>
-            <a:r>
-              <a:rPr lang="ru-RU" dirty="0">
-                <a:latin typeface="Times New Roman" panose="02020603050405020304" pitchFamily="18" charset="0"/>
-                <a:cs typeface="Times New Roman" panose="02020603050405020304" pitchFamily="18" charset="0"/>
-              </a:rPr>
-              <a:t> язык запросов, который позволяет выразительно и эффективно строить запросы и обновлять </a:t>
-            </a:r>
-            <a:r>
-              <a:rPr lang="ru-RU" dirty="0" err="1">
-                <a:latin typeface="Times New Roman" panose="02020603050405020304" pitchFamily="18" charset="0"/>
-                <a:cs typeface="Times New Roman" panose="02020603050405020304" pitchFamily="18" charset="0"/>
-              </a:rPr>
-              <a:t>графовые</a:t>
-            </a:r>
-            <a:r>
-              <a:rPr lang="ru-RU" dirty="0">
-                <a:latin typeface="Times New Roman" panose="02020603050405020304" pitchFamily="18" charset="0"/>
-                <a:cs typeface="Times New Roman" panose="02020603050405020304" pitchFamily="18" charset="0"/>
-              </a:rPr>
-              <a:t> </a:t>
-            </a:r>
-            <a:r>
-              <a:rPr lang="ru-RU" dirty="0" smtClean="0">
-                <a:latin typeface="Times New Roman" panose="02020603050405020304" pitchFamily="18" charset="0"/>
-                <a:cs typeface="Times New Roman" panose="02020603050405020304" pitchFamily="18" charset="0"/>
-              </a:rPr>
-              <a:t>хранилища.</a:t>
-            </a:r>
-          </a:p>
-          <a:p>
-            <a:pPr marL="0" indent="0">
-              <a:buNone/>
-            </a:pPr>
-            <a:endParaRPr lang="ru-RU" sz="2400" dirty="0" smtClean="0">
-              <a:latin typeface="Times New Roman" panose="02020603050405020304" pitchFamily="18" charset="0"/>
-              <a:cs typeface="Times New Roman" panose="02020603050405020304" pitchFamily="18" charset="0"/>
-            </a:endParaRPr>
-          </a:p>
-        </p:txBody>
-      </p:sp>
-      <p:sp>
-        <p:nvSpPr>
-          <p:cNvPr id="6" name="Заголовок 1"/>
-          <p:cNvSpPr>
-            <a:spLocks noGrp="1"/>
-          </p:cNvSpPr>
-          <p:nvPr>
-            <p:ph type="title"/>
-          </p:nvPr>
-        </p:nvSpPr>
-        <p:spPr>
-          <a:xfrm>
-            <a:off x="812441" y="181938"/>
-            <a:ext cx="10701271" cy="1261167"/>
-          </a:xfrm>
-        </p:spPr>
-        <p:txBody>
-          <a:bodyPr>
-            <a:normAutofit/>
-          </a:bodyPr>
-          <a:lstStyle/>
-          <a:p>
-            <a:pPr algn="ctr"/>
-            <a:r>
-              <a:rPr lang="ru-RU" sz="3600" dirty="0" smtClean="0">
-                <a:solidFill>
-                  <a:srgbClr val="0070C0"/>
-                </a:solidFill>
-                <a:latin typeface="Times New Roman" panose="02020603050405020304" pitchFamily="18" charset="0"/>
-                <a:cs typeface="Times New Roman" panose="02020603050405020304" pitchFamily="18" charset="0"/>
-              </a:rPr>
-              <a:t>Язык запросов </a:t>
-            </a:r>
-            <a:r>
-              <a:rPr lang="en-US" sz="3600" dirty="0" smtClean="0">
-                <a:solidFill>
-                  <a:srgbClr val="0070C0"/>
-                </a:solidFill>
-                <a:latin typeface="Times New Roman" panose="02020603050405020304" pitchFamily="18" charset="0"/>
-                <a:cs typeface="Times New Roman" panose="02020603050405020304" pitchFamily="18" charset="0"/>
-              </a:rPr>
-              <a:t>Cypher</a:t>
-            </a:r>
-            <a:endParaRPr lang="ru-RU" sz="3600" dirty="0">
-              <a:solidFill>
-                <a:srgbClr val="0070C0"/>
-              </a:solidFill>
-              <a:latin typeface="Times New Roman" panose="02020603050405020304" pitchFamily="18" charset="0"/>
-              <a:cs typeface="Times New Roman" panose="02020603050405020304" pitchFamily="18" charset="0"/>
-            </a:endParaRPr>
-          </a:p>
-        </p:txBody>
-      </p:sp>
-      <p:pic>
-        <p:nvPicPr>
-          <p:cNvPr id="14" name="Рисунок 13"/>
-          <p:cNvPicPr>
-            <a:picLocks noChangeAspect="1"/>
-          </p:cNvPicPr>
-          <p:nvPr/>
-        </p:nvPicPr>
-        <p:blipFill>
-          <a:blip r:embed="rId2">
-            <a:extLst>
-              <a:ext uri="{28A0092B-C50C-407E-A947-70E740481C1C}">
-                <a14:useLocalDpi xmlns:a14="http://schemas.microsoft.com/office/drawing/2010/main" val="0"/>
-              </a:ext>
-            </a:extLst>
-          </a:blip>
-          <a:stretch>
-            <a:fillRect/>
-          </a:stretch>
-        </p:blipFill>
-        <p:spPr>
-          <a:xfrm>
-            <a:off x="223654" y="2656833"/>
-            <a:ext cx="5384616" cy="3531088"/>
-          </a:xfrm>
-          <a:prstGeom prst="rect">
-            <a:avLst/>
-          </a:prstGeom>
-        </p:spPr>
-      </p:pic>
-      <p:sp>
-        <p:nvSpPr>
-          <p:cNvPr id="15" name="Скругленный прямоугольник 14"/>
-          <p:cNvSpPr/>
-          <p:nvPr/>
-        </p:nvSpPr>
-        <p:spPr>
-          <a:xfrm>
-            <a:off x="7663520" y="2855404"/>
-            <a:ext cx="4086319" cy="1933833"/>
-          </a:xfrm>
-          <a:prstGeom prst="roundRect">
-            <a:avLst/>
-          </a:prstGeom>
-          <a:noFill/>
-        </p:spPr>
-        <p:style>
-          <a:lnRef idx="2">
-            <a:schemeClr val="accent1">
-              <a:shade val="50000"/>
-            </a:schemeClr>
-          </a:lnRef>
-          <a:fillRef idx="1">
-            <a:schemeClr val="accent1"/>
-          </a:fillRef>
-          <a:effectRef idx="0">
-            <a:schemeClr val="accent1"/>
-          </a:effectRef>
-          <a:fontRef idx="minor">
-            <a:schemeClr val="lt1"/>
-          </a:fontRef>
-        </p:style>
-        <p:txBody>
-          <a:bodyPr rtlCol="0" anchor="ctr"/>
-          <a:lstStyle/>
-          <a:p>
-            <a:pPr algn="ctr"/>
-            <a:endParaRPr lang="ru-RU"/>
-          </a:p>
-        </p:txBody>
-      </p:sp>
-      <p:sp>
-        <p:nvSpPr>
-          <p:cNvPr id="16" name="TextBox 15"/>
-          <p:cNvSpPr txBox="1"/>
-          <p:nvPr/>
-        </p:nvSpPr>
-        <p:spPr>
-          <a:xfrm>
-            <a:off x="7871854" y="3188799"/>
-            <a:ext cx="3877985" cy="1600438"/>
-          </a:xfrm>
-          <a:prstGeom prst="rect">
-            <a:avLst/>
-          </a:prstGeom>
-          <a:noFill/>
-        </p:spPr>
-        <p:txBody>
-          <a:bodyPr wrap="none" rtlCol="0">
-            <a:spAutoFit/>
-          </a:bodyPr>
-          <a:lstStyle/>
-          <a:p>
-            <a:r>
-              <a:rPr lang="en-US" sz="2000" dirty="0" smtClean="0">
-                <a:latin typeface="Courier New" panose="02070309020205020404" pitchFamily="49" charset="0"/>
-                <a:cs typeface="Courier New" panose="02070309020205020404" pitchFamily="49" charset="0"/>
-              </a:rPr>
-              <a:t>MATCH</a:t>
-            </a:r>
-            <a:br>
-              <a:rPr lang="en-US" sz="2000" dirty="0" smtClean="0">
-                <a:latin typeface="Courier New" panose="02070309020205020404" pitchFamily="49" charset="0"/>
-                <a:cs typeface="Courier New" panose="02070309020205020404" pitchFamily="49" charset="0"/>
-              </a:rPr>
-            </a:br>
-            <a:r>
-              <a:rPr lang="en-US" sz="2000" dirty="0" smtClean="0">
-                <a:latin typeface="Courier New" panose="02070309020205020404" pitchFamily="49" charset="0"/>
-                <a:cs typeface="Courier New" panose="02070309020205020404" pitchFamily="49" charset="0"/>
-              </a:rPr>
-              <a:t>(</a:t>
-            </a:r>
-            <a:r>
-              <a:rPr lang="en-US" sz="2000" dirty="0" err="1" smtClean="0">
-                <a:latin typeface="Courier New" panose="02070309020205020404" pitchFamily="49" charset="0"/>
-                <a:cs typeface="Courier New" panose="02070309020205020404" pitchFamily="49" charset="0"/>
-              </a:rPr>
-              <a:t>p:Person</a:t>
-            </a:r>
-            <a:r>
-              <a:rPr lang="en-US" sz="2000" dirty="0" smtClean="0">
-                <a:latin typeface="Courier New" panose="02070309020205020404" pitchFamily="49" charset="0"/>
-                <a:cs typeface="Courier New" panose="02070309020205020404" pitchFamily="49" charset="0"/>
-              </a:rPr>
-              <a:t>)-[:KNOWS]-&gt;(n)</a:t>
-            </a:r>
-          </a:p>
-          <a:p>
-            <a:r>
-              <a:rPr lang="en-US" sz="2000" dirty="0" smtClean="0">
-                <a:latin typeface="Courier New" panose="02070309020205020404" pitchFamily="49" charset="0"/>
-                <a:cs typeface="Courier New" panose="02070309020205020404" pitchFamily="49" charset="0"/>
-              </a:rPr>
-              <a:t>WHERE p.name = “Jim”</a:t>
-            </a:r>
-          </a:p>
-          <a:p>
-            <a:r>
-              <a:rPr lang="en-US" sz="2000" dirty="0" smtClean="0">
-                <a:latin typeface="Courier New" panose="02070309020205020404" pitchFamily="49" charset="0"/>
-                <a:cs typeface="Courier New" panose="02070309020205020404" pitchFamily="49" charset="0"/>
-              </a:rPr>
-              <a:t>RETURN n</a:t>
-            </a:r>
-          </a:p>
-          <a:p>
-            <a:endParaRPr lang="ru-RU" dirty="0">
-              <a:latin typeface="Courier New" panose="02070309020205020404" pitchFamily="49" charset="0"/>
-              <a:cs typeface="Courier New" panose="02070309020205020404" pitchFamily="49" charset="0"/>
-            </a:endParaRPr>
-          </a:p>
-        </p:txBody>
-      </p:sp>
-      <p:sp>
-        <p:nvSpPr>
-          <p:cNvPr id="22" name="Двойная стрелка влево/вправо 21"/>
-          <p:cNvSpPr/>
-          <p:nvPr/>
-        </p:nvSpPr>
-        <p:spPr>
-          <a:xfrm>
-            <a:off x="4804229" y="3222263"/>
-            <a:ext cx="2549001" cy="1200114"/>
-          </a:xfrm>
-          <a:prstGeom prst="leftRightArrow">
-            <a:avLst/>
-          </a:prstGeom>
-        </p:spPr>
-        <p:style>
-          <a:lnRef idx="2">
-            <a:schemeClr val="accent1">
-              <a:shade val="50000"/>
-            </a:schemeClr>
-          </a:lnRef>
-          <a:fillRef idx="1">
-            <a:schemeClr val="accent1"/>
-          </a:fillRef>
-          <a:effectRef idx="0">
-            <a:schemeClr val="accent1"/>
-          </a:effectRef>
-          <a:fontRef idx="minor">
-            <a:schemeClr val="lt1"/>
-          </a:fontRef>
-        </p:style>
-        <p:txBody>
-          <a:bodyPr rtlCol="0" anchor="ctr"/>
-          <a:lstStyle/>
-          <a:p>
-            <a:pPr algn="ctr"/>
-            <a:r>
-              <a:rPr lang="ru-RU" sz="2400" dirty="0" smtClean="0">
-                <a:solidFill>
-                  <a:schemeClr val="tx1"/>
-                </a:solidFill>
-                <a:latin typeface="Times New Roman" panose="02020603050405020304" pitchFamily="18" charset="0"/>
-                <a:cs typeface="Times New Roman" panose="02020603050405020304" pitchFamily="18" charset="0"/>
-              </a:rPr>
-              <a:t>Граф </a:t>
-            </a:r>
-            <a:r>
-              <a:rPr lang="en-US" sz="2400" dirty="0" smtClean="0">
-                <a:solidFill>
-                  <a:schemeClr val="tx1"/>
-                </a:solidFill>
-                <a:latin typeface="Times New Roman" panose="02020603050405020304" pitchFamily="18" charset="0"/>
-                <a:cs typeface="Times New Roman" panose="02020603050405020304" pitchFamily="18" charset="0"/>
-              </a:rPr>
-              <a:t>| </a:t>
-            </a:r>
-            <a:r>
-              <a:rPr lang="ru-RU" sz="2400" dirty="0" smtClean="0">
-                <a:solidFill>
-                  <a:schemeClr val="tx1"/>
-                </a:solidFill>
-                <a:latin typeface="Times New Roman" panose="02020603050405020304" pitchFamily="18" charset="0"/>
-                <a:cs typeface="Times New Roman" panose="02020603050405020304" pitchFamily="18" charset="0"/>
-              </a:rPr>
-              <a:t>Запрос</a:t>
-            </a:r>
-            <a:endParaRPr lang="ru-RU" sz="2400" dirty="0">
-              <a:solidFill>
-                <a:schemeClr val="tx1"/>
-              </a:solidFill>
-              <a:latin typeface="Times New Roman" panose="02020603050405020304" pitchFamily="18" charset="0"/>
-              <a:cs typeface="Times New Roman" panose="02020603050405020304" pitchFamily="18" charset="0"/>
-            </a:endParaRPr>
-          </a:p>
-        </p:txBody>
-      </p:sp>
-    </p:spTree>
-    <p:extLst>
-      <p:ext uri="{BB962C8B-B14F-4D97-AF65-F5344CB8AC3E}">
-        <p14:creationId xmlns:p14="http://schemas.microsoft.com/office/powerpoint/2010/main" val="3998806085"/>
-      </p:ext>
-    </p:extLst>
-  </p:cSld>
-  <p:clrMapOvr>
-    <a:masterClrMapping/>
-  </p:clrMapOvr>
-  <p:timing>
-    <p:tnLst>
-      <p:par>
-        <p:cTn id="1" dur="indefinite" restart="never" nodeType="tmRoot">
-          <p:childTnLst>
-            <p:seq concurrent="1" nextAc="seek">
-              <p:cTn id="2" dur="indefinite" nodeType="mainSeq">
-                <p:childTnLst>
-                  <p:par>
-                    <p:cTn id="3" fill="hold">
-                      <p:stCondLst>
-                        <p:cond delay="indefinite"/>
-                      </p:stCondLst>
-                      <p:childTnLst>
-                        <p:par>
-                          <p:cTn id="4" fill="hold">
-                            <p:stCondLst>
-                              <p:cond delay="0"/>
-                            </p:stCondLst>
-                            <p:childTnLst>
-                              <p:par>
-                                <p:cTn id="5" presetID="53" presetClass="entr" presetSubtype="16" fill="hold" grpId="0" nodeType="clickEffect">
-                                  <p:stCondLst>
-                                    <p:cond delay="0"/>
-                                  </p:stCondLst>
-                                  <p:childTnLst>
-                                    <p:set>
-                                      <p:cBhvr>
-                                        <p:cTn id="6" dur="1" fill="hold">
-                                          <p:stCondLst>
-                                            <p:cond delay="0"/>
-                                          </p:stCondLst>
-                                        </p:cTn>
-                                        <p:tgtEl>
-                                          <p:spTgt spid="22"/>
-                                        </p:tgtEl>
-                                        <p:attrNameLst>
-                                          <p:attrName>style.visibility</p:attrName>
-                                        </p:attrNameLst>
-                                      </p:cBhvr>
-                                      <p:to>
-                                        <p:strVal val="visible"/>
-                                      </p:to>
-                                    </p:set>
-                                    <p:anim calcmode="lin" valueType="num">
-                                      <p:cBhvr>
-                                        <p:cTn id="7" dur="500" fill="hold"/>
-                                        <p:tgtEl>
-                                          <p:spTgt spid="22"/>
-                                        </p:tgtEl>
-                                        <p:attrNameLst>
-                                          <p:attrName>ppt_w</p:attrName>
-                                        </p:attrNameLst>
-                                      </p:cBhvr>
-                                      <p:tavLst>
-                                        <p:tav tm="0">
-                                          <p:val>
-                                            <p:fltVal val="0"/>
-                                          </p:val>
-                                        </p:tav>
-                                        <p:tav tm="100000">
-                                          <p:val>
-                                            <p:strVal val="#ppt_w"/>
-                                          </p:val>
-                                        </p:tav>
-                                      </p:tavLst>
-                                    </p:anim>
-                                    <p:anim calcmode="lin" valueType="num">
-                                      <p:cBhvr>
-                                        <p:cTn id="8" dur="500" fill="hold"/>
-                                        <p:tgtEl>
-                                          <p:spTgt spid="22"/>
-                                        </p:tgtEl>
-                                        <p:attrNameLst>
-                                          <p:attrName>ppt_h</p:attrName>
-                                        </p:attrNameLst>
-                                      </p:cBhvr>
-                                      <p:tavLst>
-                                        <p:tav tm="0">
-                                          <p:val>
-                                            <p:fltVal val="0"/>
-                                          </p:val>
-                                        </p:tav>
-                                        <p:tav tm="100000">
-                                          <p:val>
-                                            <p:strVal val="#ppt_h"/>
-                                          </p:val>
-                                        </p:tav>
-                                      </p:tavLst>
-                                    </p:anim>
-                                    <p:animEffect transition="in" filter="fade">
-                                      <p:cBhvr>
-                                        <p:cTn id="9" dur="500"/>
-                                        <p:tgtEl>
-                                          <p:spTgt spid="22"/>
-                                        </p:tgtEl>
-                                      </p:cBhvr>
-                                    </p:animEffect>
-                                  </p:childTnLst>
-                                </p:cTn>
-                              </p:par>
-                              <p:par>
-                                <p:cTn id="10" presetID="53" presetClass="entr" presetSubtype="16" fill="hold" nodeType="withEffect">
-                                  <p:stCondLst>
-                                    <p:cond delay="0"/>
-                                  </p:stCondLst>
-                                  <p:childTnLst>
-                                    <p:set>
-                                      <p:cBhvr>
-                                        <p:cTn id="11" dur="1" fill="hold">
-                                          <p:stCondLst>
-                                            <p:cond delay="0"/>
-                                          </p:stCondLst>
-                                        </p:cTn>
-                                        <p:tgtEl>
-                                          <p:spTgt spid="14"/>
-                                        </p:tgtEl>
-                                        <p:attrNameLst>
-                                          <p:attrName>style.visibility</p:attrName>
-                                        </p:attrNameLst>
-                                      </p:cBhvr>
-                                      <p:to>
-                                        <p:strVal val="visible"/>
-                                      </p:to>
-                                    </p:set>
-                                    <p:anim calcmode="lin" valueType="num">
-                                      <p:cBhvr>
-                                        <p:cTn id="12" dur="500" fill="hold"/>
-                                        <p:tgtEl>
-                                          <p:spTgt spid="14"/>
-                                        </p:tgtEl>
-                                        <p:attrNameLst>
-                                          <p:attrName>ppt_w</p:attrName>
-                                        </p:attrNameLst>
-                                      </p:cBhvr>
-                                      <p:tavLst>
-                                        <p:tav tm="0">
-                                          <p:val>
-                                            <p:fltVal val="0"/>
-                                          </p:val>
-                                        </p:tav>
-                                        <p:tav tm="100000">
-                                          <p:val>
-                                            <p:strVal val="#ppt_w"/>
-                                          </p:val>
-                                        </p:tav>
-                                      </p:tavLst>
-                                    </p:anim>
-                                    <p:anim calcmode="lin" valueType="num">
-                                      <p:cBhvr>
-                                        <p:cTn id="13" dur="500" fill="hold"/>
-                                        <p:tgtEl>
-                                          <p:spTgt spid="14"/>
-                                        </p:tgtEl>
-                                        <p:attrNameLst>
-                                          <p:attrName>ppt_h</p:attrName>
-                                        </p:attrNameLst>
-                                      </p:cBhvr>
-                                      <p:tavLst>
-                                        <p:tav tm="0">
-                                          <p:val>
-                                            <p:fltVal val="0"/>
-                                          </p:val>
-                                        </p:tav>
-                                        <p:tav tm="100000">
-                                          <p:val>
-                                            <p:strVal val="#ppt_h"/>
-                                          </p:val>
-                                        </p:tav>
-                                      </p:tavLst>
-                                    </p:anim>
-                                    <p:animEffect transition="in" filter="fade">
-                                      <p:cBhvr>
-                                        <p:cTn id="14" dur="500"/>
-                                        <p:tgtEl>
-                                          <p:spTgt spid="14"/>
-                                        </p:tgtEl>
-                                      </p:cBhvr>
-                                    </p:animEffect>
-                                  </p:childTnLst>
-                                </p:cTn>
-                              </p:par>
-                              <p:par>
-                                <p:cTn id="15" presetID="53" presetClass="entr" presetSubtype="16" fill="hold" grpId="0" nodeType="withEffect">
-                                  <p:stCondLst>
-                                    <p:cond delay="0"/>
-                                  </p:stCondLst>
-                                  <p:childTnLst>
-                                    <p:set>
-                                      <p:cBhvr>
-                                        <p:cTn id="16" dur="1" fill="hold">
-                                          <p:stCondLst>
-                                            <p:cond delay="0"/>
-                                          </p:stCondLst>
-                                        </p:cTn>
-                                        <p:tgtEl>
-                                          <p:spTgt spid="16"/>
-                                        </p:tgtEl>
-                                        <p:attrNameLst>
-                                          <p:attrName>style.visibility</p:attrName>
-                                        </p:attrNameLst>
-                                      </p:cBhvr>
-                                      <p:to>
-                                        <p:strVal val="visible"/>
-                                      </p:to>
-                                    </p:set>
-                                    <p:anim calcmode="lin" valueType="num">
-                                      <p:cBhvr>
-                                        <p:cTn id="17" dur="500" fill="hold"/>
-                                        <p:tgtEl>
-                                          <p:spTgt spid="16"/>
-                                        </p:tgtEl>
-                                        <p:attrNameLst>
-                                          <p:attrName>ppt_w</p:attrName>
-                                        </p:attrNameLst>
-                                      </p:cBhvr>
-                                      <p:tavLst>
-                                        <p:tav tm="0">
-                                          <p:val>
-                                            <p:fltVal val="0"/>
-                                          </p:val>
-                                        </p:tav>
-                                        <p:tav tm="100000">
-                                          <p:val>
-                                            <p:strVal val="#ppt_w"/>
-                                          </p:val>
-                                        </p:tav>
-                                      </p:tavLst>
-                                    </p:anim>
-                                    <p:anim calcmode="lin" valueType="num">
-                                      <p:cBhvr>
-                                        <p:cTn id="18" dur="500" fill="hold"/>
-                                        <p:tgtEl>
-                                          <p:spTgt spid="16"/>
-                                        </p:tgtEl>
-                                        <p:attrNameLst>
-                                          <p:attrName>ppt_h</p:attrName>
-                                        </p:attrNameLst>
-                                      </p:cBhvr>
-                                      <p:tavLst>
-                                        <p:tav tm="0">
-                                          <p:val>
-                                            <p:fltVal val="0"/>
-                                          </p:val>
-                                        </p:tav>
-                                        <p:tav tm="100000">
-                                          <p:val>
-                                            <p:strVal val="#ppt_h"/>
-                                          </p:val>
-                                        </p:tav>
-                                      </p:tavLst>
-                                    </p:anim>
-                                    <p:animEffect transition="in" filter="fade">
-                                      <p:cBhvr>
-                                        <p:cTn id="19" dur="500"/>
-                                        <p:tgtEl>
-                                          <p:spTgt spid="16"/>
-                                        </p:tgtEl>
-                                      </p:cBhvr>
-                                    </p:animEffect>
-                                  </p:childTnLst>
-                                </p:cTn>
-                              </p:par>
-                              <p:par>
-                                <p:cTn id="20" presetID="53" presetClass="entr" presetSubtype="16" fill="hold" grpId="0" nodeType="withEffect">
-                                  <p:stCondLst>
-                                    <p:cond delay="0"/>
-                                  </p:stCondLst>
-                                  <p:childTnLst>
-                                    <p:set>
-                                      <p:cBhvr>
-                                        <p:cTn id="21" dur="1" fill="hold">
-                                          <p:stCondLst>
-                                            <p:cond delay="0"/>
-                                          </p:stCondLst>
-                                        </p:cTn>
-                                        <p:tgtEl>
-                                          <p:spTgt spid="15"/>
-                                        </p:tgtEl>
-                                        <p:attrNameLst>
-                                          <p:attrName>style.visibility</p:attrName>
-                                        </p:attrNameLst>
-                                      </p:cBhvr>
-                                      <p:to>
-                                        <p:strVal val="visible"/>
-                                      </p:to>
-                                    </p:set>
-                                    <p:anim calcmode="lin" valueType="num">
-                                      <p:cBhvr>
-                                        <p:cTn id="22" dur="500" fill="hold"/>
-                                        <p:tgtEl>
-                                          <p:spTgt spid="15"/>
-                                        </p:tgtEl>
-                                        <p:attrNameLst>
-                                          <p:attrName>ppt_w</p:attrName>
-                                        </p:attrNameLst>
-                                      </p:cBhvr>
-                                      <p:tavLst>
-                                        <p:tav tm="0">
-                                          <p:val>
-                                            <p:fltVal val="0"/>
-                                          </p:val>
-                                        </p:tav>
-                                        <p:tav tm="100000">
-                                          <p:val>
-                                            <p:strVal val="#ppt_w"/>
-                                          </p:val>
-                                        </p:tav>
-                                      </p:tavLst>
-                                    </p:anim>
-                                    <p:anim calcmode="lin" valueType="num">
-                                      <p:cBhvr>
-                                        <p:cTn id="23" dur="500" fill="hold"/>
-                                        <p:tgtEl>
-                                          <p:spTgt spid="15"/>
-                                        </p:tgtEl>
-                                        <p:attrNameLst>
-                                          <p:attrName>ppt_h</p:attrName>
-                                        </p:attrNameLst>
-                                      </p:cBhvr>
-                                      <p:tavLst>
-                                        <p:tav tm="0">
-                                          <p:val>
-                                            <p:fltVal val="0"/>
-                                          </p:val>
-                                        </p:tav>
-                                        <p:tav tm="100000">
-                                          <p:val>
-                                            <p:strVal val="#ppt_h"/>
-                                          </p:val>
-                                        </p:tav>
-                                      </p:tavLst>
-                                    </p:anim>
-                                    <p:animEffect transition="in" filter="fade">
-                                      <p:cBhvr>
-                                        <p:cTn id="24" dur="500"/>
-                                        <p:tgtEl>
-                                          <p:spTgt spid="15"/>
-                                        </p:tgtEl>
-                                      </p:cBhvr>
-                                    </p:animEffect>
-                                  </p:childTnLst>
-                                </p:cTn>
-                              </p:par>
-                            </p:childTnLst>
-                          </p:cTn>
-                        </p:par>
-                      </p:childTnLst>
-                    </p:cTn>
-                  </p:par>
-                </p:childTnLst>
-              </p:cTn>
-              <p:prevCondLst>
-                <p:cond evt="onPrev" delay="0">
-                  <p:tgtEl>
-                    <p:sldTgt/>
-                  </p:tgtEl>
-                </p:cond>
-              </p:prevCondLst>
-              <p:nextCondLst>
-                <p:cond evt="onNext" delay="0">
-                  <p:tgtEl>
-                    <p:sldTgt/>
-                  </p:tgtEl>
-                </p:cond>
-              </p:nextCondLst>
-            </p:seq>
-          </p:childTnLst>
-        </p:cTn>
-      </p:par>
-    </p:tnLst>
-    <p:bldLst>
-      <p:bldP spid="15" grpId="0" animBg="1"/>
-      <p:bldP spid="16" grpId="0"/>
-      <p:bldP spid="22" grpId="0" animBg="1"/>
-    </p:bldLst>
-  </p:timing>
-</p:sld>
-</file>
-
-<file path=ppt/slides/slide7.xml><?xml version="1.0" encoding="utf-8"?>
-<p:sld xmlns:a="http://schemas.openxmlformats.org/drawingml/2006/main" xmlns:r="http://schemas.openxmlformats.org/officeDocument/2006/relationships" xmlns:p="http://schemas.openxmlformats.org/presentationml/2006/main">
-  <p:cSld>
-    <p:spTree>
-      <p:nvGrpSpPr>
-        <p:cNvPr id="1" name=""/>
-        <p:cNvGrpSpPr/>
-        <p:nvPr/>
-      </p:nvGrpSpPr>
-      <p:grpSpPr>
-        <a:xfrm>
-          <a:off x="0" y="0"/>
-          <a:ext cx="0" cy="0"/>
-          <a:chOff x="0" y="0"/>
-          <a:chExt cx="0" cy="0"/>
-        </a:xfrm>
-      </p:grpSpPr>
-      <p:sp>
-        <p:nvSpPr>
-          <p:cNvPr id="2" name="Номер слайда 1"/>
-          <p:cNvSpPr>
-            <a:spLocks noGrp="1"/>
-          </p:cNvSpPr>
-          <p:nvPr>
-            <p:ph type="sldNum" sz="quarter" idx="12"/>
-          </p:nvPr>
-        </p:nvSpPr>
-        <p:spPr/>
-        <p:txBody>
-          <a:bodyPr/>
-          <a:lstStyle/>
-          <a:p>
-            <a:fld id="{8AF177A2-331A-49A6-919F-173C51BBA4D7}" type="slidenum">
-              <a:rPr lang="ru-RU" smtClean="0"/>
-              <a:t>7</a:t>
-            </a:fld>
-            <a:endParaRPr lang="ru-RU"/>
-          </a:p>
-        </p:txBody>
-      </p:sp>
-      <p:sp>
-        <p:nvSpPr>
-          <p:cNvPr id="6" name="Заголовок 1"/>
-          <p:cNvSpPr>
-            <a:spLocks noGrp="1"/>
-          </p:cNvSpPr>
-          <p:nvPr>
-            <p:ph type="title"/>
-          </p:nvPr>
-        </p:nvSpPr>
-        <p:spPr>
-          <a:xfrm>
-            <a:off x="812441" y="181938"/>
-            <a:ext cx="10701271" cy="1261167"/>
-          </a:xfrm>
-        </p:spPr>
-        <p:txBody>
-          <a:bodyPr>
-            <a:normAutofit/>
-          </a:bodyPr>
-          <a:lstStyle/>
-          <a:p>
-            <a:pPr algn="ctr"/>
-            <a:r>
-              <a:rPr lang="ru-RU" sz="3600" dirty="0" smtClean="0">
-                <a:solidFill>
-                  <a:srgbClr val="0070C0"/>
-                </a:solidFill>
-                <a:latin typeface="Times New Roman" panose="02020603050405020304" pitchFamily="18" charset="0"/>
-                <a:cs typeface="Times New Roman" panose="02020603050405020304" pitchFamily="18" charset="0"/>
-              </a:rPr>
-              <a:t>Разработка модели </a:t>
-            </a:r>
-            <a:r>
-              <a:rPr lang="ru-RU" sz="3600" dirty="0" err="1" smtClean="0">
-                <a:solidFill>
-                  <a:srgbClr val="0070C0"/>
-                </a:solidFill>
-                <a:latin typeface="Times New Roman" panose="02020603050405020304" pitchFamily="18" charset="0"/>
-                <a:cs typeface="Times New Roman" panose="02020603050405020304" pitchFamily="18" charset="0"/>
-              </a:rPr>
-              <a:t>графовой</a:t>
-            </a:r>
-            <a:r>
-              <a:rPr lang="ru-RU" sz="3600" dirty="0" smtClean="0">
-                <a:solidFill>
-                  <a:srgbClr val="0070C0"/>
-                </a:solidFill>
-                <a:latin typeface="Times New Roman" panose="02020603050405020304" pitchFamily="18" charset="0"/>
-                <a:cs typeface="Times New Roman" panose="02020603050405020304" pitchFamily="18" charset="0"/>
-              </a:rPr>
-              <a:t> базы данных</a:t>
-            </a:r>
-            <a:endParaRPr lang="ru-RU" sz="3600" dirty="0">
-              <a:solidFill>
-                <a:srgbClr val="0070C0"/>
-              </a:solidFill>
-              <a:latin typeface="Times New Roman" panose="02020603050405020304" pitchFamily="18" charset="0"/>
-              <a:cs typeface="Times New Roman" panose="02020603050405020304" pitchFamily="18" charset="0"/>
-            </a:endParaRPr>
-          </a:p>
-        </p:txBody>
-      </p:sp>
       <p:sp>
         <p:nvSpPr>
           <p:cNvPr id="5" name="Объект 4"/>
@@ -10538,7 +9575,7 @@
                 <a:latin typeface="Times New Roman" panose="02020603050405020304" pitchFamily="18" charset="0"/>
                 <a:cs typeface="Times New Roman" panose="02020603050405020304" pitchFamily="18" charset="0"/>
               </a:rPr>
-              <a:t>Разрабатываемая </a:t>
+              <a:t>Разработанная </a:t>
             </a:r>
             <a:r>
               <a:rPr lang="ru-RU" dirty="0" err="1" smtClean="0">
@@ -10552,7 +9589,35 @@
                 <a:latin typeface="Times New Roman" panose="02020603050405020304" pitchFamily="18" charset="0"/>
                 <a:cs typeface="Times New Roman" panose="02020603050405020304" pitchFamily="18" charset="0"/>
               </a:rPr>
-              <a:t> база данных должна хранить следующие данные:</a:t>
+              <a:t> база </a:t>
+            </a:r>
+            <a:r>
+              <a:rPr lang="ru-RU" dirty="0" smtClean="0">
+                <a:latin typeface="Times New Roman" panose="02020603050405020304" pitchFamily="18" charset="0"/>
+                <a:cs typeface="Times New Roman" panose="02020603050405020304" pitchFamily="18" charset="0"/>
+              </a:rPr>
+              <a:t>данных дл</a:t>
+            </a:r>
+            <a:r>
+              <a:rPr lang="ru-RU" dirty="0" smtClean="0">
+                <a:latin typeface="Times New Roman" panose="02020603050405020304" pitchFamily="18" charset="0"/>
+                <a:cs typeface="Times New Roman" panose="02020603050405020304" pitchFamily="18" charset="0"/>
+              </a:rPr>
+              <a:t>я системы управления проектами</a:t>
+            </a:r>
+            <a:r>
+              <a:rPr lang="ru-RU" dirty="0" smtClean="0">
+                <a:latin typeface="Times New Roman" panose="02020603050405020304" pitchFamily="18" charset="0"/>
+                <a:cs typeface="Times New Roman" panose="02020603050405020304" pitchFamily="18" charset="0"/>
+              </a:rPr>
+              <a:t> хранит следующие </a:t>
+            </a:r>
+            <a:r>
+              <a:rPr lang="ru-RU" dirty="0" smtClean="0">
+                <a:latin typeface="Times New Roman" panose="02020603050405020304" pitchFamily="18" charset="0"/>
+                <a:cs typeface="Times New Roman" panose="02020603050405020304" pitchFamily="18" charset="0"/>
+              </a:rPr>
+              <a:t>данные:</a:t>
             </a:r>
           </a:p>
           <a:p>
@@ -11417,7 +10482,7 @@
 </p:sld>
 </file>
 
-<file path=ppt/slides/slide8.xml><?xml version="1.0" encoding="utf-8"?>
+<file path=ppt/slides/slide6.xml><?xml version="1.0" encoding="utf-8"?>
 <p:sld xmlns:a="http://schemas.openxmlformats.org/drawingml/2006/main" xmlns:r="http://schemas.openxmlformats.org/officeDocument/2006/relationships" xmlns:p="http://schemas.openxmlformats.org/presentationml/2006/main">
   <p:cSld>
     <p:spTree>
@@ -11451,7 +10516,7 @@
           <a:p>
             <a:fld id="{8AF177A2-331A-49A6-919F-173C51BBA4D7}" type="slidenum">
               <a:rPr lang="ru-RU" smtClean="0"/>
-              <a:t>8</a:t>
+              <a:t>6</a:t>
             </a:fld>
             <a:endParaRPr lang="ru-RU"/>
           </a:p>
@@ -11569,7 +10634,7 @@
 </p:sld>
 </file>
 
-<file path=ppt/slides/slide9.xml><?xml version="1.0" encoding="utf-8"?>
+<file path=ppt/slides/slide7.xml><?xml version="1.0" encoding="utf-8"?>
 <p:sld xmlns:a="http://schemas.openxmlformats.org/drawingml/2006/main" xmlns:r="http://schemas.openxmlformats.org/officeDocument/2006/relationships" xmlns:p="http://schemas.openxmlformats.org/presentationml/2006/main">
   <p:cSld>
     <p:spTree>
@@ -11603,7 +10668,7 @@
           <a:p>
             <a:fld id="{8AF177A2-331A-49A6-919F-173C51BBA4D7}" type="slidenum">
               <a:rPr lang="ru-RU" smtClean="0"/>
-              <a:t>9</a:t>
+              <a:t>7</a:t>
             </a:fld>
             <a:endParaRPr lang="ru-RU"/>
           </a:p>
@@ -11640,7 +10705,17 @@
                 <a:latin typeface="Times New Roman" panose="02020603050405020304" pitchFamily="18" charset="0"/>
                 <a:cs typeface="Times New Roman" panose="02020603050405020304" pitchFamily="18" charset="0"/>
               </a:rPr>
-              <a:t>Результаты некоторых запросов</a:t>
+              <a:t>Результаты </a:t>
+            </a:r>
+            <a:r>
+              <a:rPr lang="ru-RU" sz="3600" dirty="0" smtClean="0">
+                <a:solidFill>
+                  <a:srgbClr val="0070C0"/>
+                </a:solidFill>
+                <a:latin typeface="Times New Roman" panose="02020603050405020304" pitchFamily="18" charset="0"/>
+                <a:cs typeface="Times New Roman" panose="02020603050405020304" pitchFamily="18" charset="0"/>
+              </a:rPr>
+              <a:t>запросов</a:t>
             </a:r>
             <a:endParaRPr lang="ru-RU" sz="3600" dirty="0">
               <a:solidFill>
@@ -11739,6 +10814,398 @@
     <p:extLst>
       <p:ext uri="{BB962C8B-B14F-4D97-AF65-F5344CB8AC3E}">
         <p14:creationId xmlns:p14="http://schemas.microsoft.com/office/powerpoint/2010/main" val="2440991727"/>
+      </p:ext>
+    </p:extLst>
+  </p:cSld>
+  <p:clrMapOvr>
+    <a:masterClrMapping/>
+  </p:clrMapOvr>
+  <p:timing>
+    <p:tnLst>
+      <p:par>
+        <p:cTn id="1" dur="indefinite" restart="never" nodeType="tmRoot"/>
+      </p:par>
+    </p:tnLst>
+  </p:timing>
+</p:sld>
+</file>
+
+<file path=ppt/slides/slide8.xml><?xml version="1.0" encoding="utf-8"?>
+<p:sld xmlns:a="http://schemas.openxmlformats.org/drawingml/2006/main" xmlns:r="http://schemas.openxmlformats.org/officeDocument/2006/relationships" xmlns:p="http://schemas.openxmlformats.org/presentationml/2006/main">
+  <p:cSld>
+    <p:spTree>
+      <p:nvGrpSpPr>
+        <p:cNvPr id="1" name=""/>
+        <p:cNvGrpSpPr/>
+        <p:nvPr/>
+      </p:nvGrpSpPr>
+      <p:grpSpPr>
+        <a:xfrm>
+          <a:off x="0" y="0"/>
+          <a:ext cx="0" cy="0"/>
+          <a:chOff x="0" y="0"/>
+          <a:chExt cx="0" cy="0"/>
+        </a:xfrm>
+      </p:grpSpPr>
+      <p:sp>
+        <p:nvSpPr>
+          <p:cNvPr id="2" name="Номер слайда 1"/>
+          <p:cNvSpPr>
+            <a:spLocks noGrp="1"/>
+          </p:cNvSpPr>
+          <p:nvPr>
+            <p:ph type="sldNum" sz="quarter" idx="12"/>
+          </p:nvPr>
+        </p:nvSpPr>
+        <p:spPr/>
+        <p:txBody>
+          <a:bodyPr/>
+          <a:lstStyle/>
+          <a:p>
+            <a:fld id="{8AF177A2-331A-49A6-919F-173C51BBA4D7}" type="slidenum">
+              <a:rPr lang="ru-RU" smtClean="0"/>
+              <a:t>8</a:t>
+            </a:fld>
+            <a:endParaRPr lang="ru-RU"/>
+          </a:p>
+        </p:txBody>
+      </p:sp>
+      <p:sp>
+        <p:nvSpPr>
+          <p:cNvPr id="6" name="Заголовок 1"/>
+          <p:cNvSpPr>
+            <a:spLocks noGrp="1"/>
+          </p:cNvSpPr>
+          <p:nvPr>
+            <p:ph type="title"/>
+          </p:nvPr>
+        </p:nvSpPr>
+        <p:spPr>
+          <a:xfrm>
+            <a:off x="812441" y="181938"/>
+            <a:ext cx="10701271" cy="1261167"/>
+          </a:xfrm>
+        </p:spPr>
+        <p:txBody>
+          <a:bodyPr>
+            <a:normAutofit/>
+          </a:bodyPr>
+          <a:lstStyle/>
+          <a:p>
+            <a:pPr algn="ctr"/>
+            <a:r>
+              <a:rPr lang="ru-RU" sz="3600" dirty="0" smtClean="0">
+                <a:solidFill>
+                  <a:srgbClr val="0070C0"/>
+                </a:solidFill>
+                <a:latin typeface="Times New Roman" panose="02020603050405020304" pitchFamily="18" charset="0"/>
+                <a:cs typeface="Times New Roman" panose="02020603050405020304" pitchFamily="18" charset="0"/>
+              </a:rPr>
+              <a:t>Результаты </a:t>
+            </a:r>
+            <a:r>
+              <a:rPr lang="ru-RU" sz="3600" dirty="0" smtClean="0">
+                <a:solidFill>
+                  <a:srgbClr val="0070C0"/>
+                </a:solidFill>
+                <a:latin typeface="Times New Roman" panose="02020603050405020304" pitchFamily="18" charset="0"/>
+                <a:cs typeface="Times New Roman" panose="02020603050405020304" pitchFamily="18" charset="0"/>
+              </a:rPr>
+              <a:t>запросов</a:t>
+            </a:r>
+            <a:endParaRPr lang="ru-RU" sz="3600" dirty="0">
+              <a:solidFill>
+                <a:srgbClr val="0070C0"/>
+              </a:solidFill>
+              <a:latin typeface="Times New Roman" panose="02020603050405020304" pitchFamily="18" charset="0"/>
+              <a:cs typeface="Times New Roman" panose="02020603050405020304" pitchFamily="18" charset="0"/>
+            </a:endParaRPr>
+          </a:p>
+        </p:txBody>
+      </p:sp>
+      <p:sp>
+        <p:nvSpPr>
+          <p:cNvPr id="4" name="Объект 3"/>
+          <p:cNvSpPr>
+            <a:spLocks noGrp="1"/>
+          </p:cNvSpPr>
+          <p:nvPr>
+            <p:ph idx="1"/>
+          </p:nvPr>
+        </p:nvSpPr>
+        <p:spPr>
+          <a:xfrm>
+            <a:off x="838200" y="1223493"/>
+            <a:ext cx="10515600" cy="4953470"/>
+          </a:xfrm>
+        </p:spPr>
+        <p:txBody>
+          <a:bodyPr>
+            <a:normAutofit/>
+          </a:bodyPr>
+          <a:lstStyle/>
+          <a:p>
+            <a:pPr marL="0" indent="0">
+              <a:buNone/>
+            </a:pPr>
+            <a:r>
+              <a:rPr lang="ru-RU" sz="2400" dirty="0">
+                <a:latin typeface="Times New Roman" panose="02020603050405020304" pitchFamily="18" charset="0"/>
+                <a:cs typeface="Times New Roman" panose="02020603050405020304" pitchFamily="18" charset="0"/>
+              </a:rPr>
+              <a:t>Запрос </a:t>
+            </a:r>
+            <a:r>
+              <a:rPr lang="ru-RU" sz="2400" dirty="0">
+                <a:latin typeface="Times New Roman" panose="02020603050405020304" pitchFamily="18" charset="0"/>
+                <a:cs typeface="Times New Roman" panose="02020603050405020304" pitchFamily="18" charset="0"/>
+              </a:rPr>
+              <a:t>2</a:t>
+            </a:r>
+            <a:r>
+              <a:rPr lang="ru-RU" sz="2400" dirty="0" smtClean="0">
+                <a:latin typeface="Times New Roman" panose="02020603050405020304" pitchFamily="18" charset="0"/>
+                <a:cs typeface="Times New Roman" panose="02020603050405020304" pitchFamily="18" charset="0"/>
+              </a:rPr>
+              <a:t>. Сведения о проектах</a:t>
+            </a:r>
+            <a:endParaRPr lang="ru-RU" sz="2400" dirty="0">
+              <a:latin typeface="Times New Roman" panose="02020603050405020304" pitchFamily="18" charset="0"/>
+              <a:cs typeface="Times New Roman" panose="02020603050405020304" pitchFamily="18" charset="0"/>
+            </a:endParaRPr>
+          </a:p>
+        </p:txBody>
+      </p:sp>
+      <p:pic>
+        <p:nvPicPr>
+          <p:cNvPr id="3" name="Рисунок 2"/>
+          <p:cNvPicPr>
+            <a:picLocks noChangeAspect="1"/>
+          </p:cNvPicPr>
+          <p:nvPr/>
+        </p:nvPicPr>
+        <p:blipFill>
+          <a:blip r:embed="rId2">
+            <a:extLst>
+              <a:ext uri="{28A0092B-C50C-407E-A947-70E740481C1C}">
+                <a14:useLocalDpi xmlns:a14="http://schemas.microsoft.com/office/drawing/2010/main" val="0"/>
+              </a:ext>
+            </a:extLst>
+          </a:blip>
+          <a:stretch>
+            <a:fillRect/>
+          </a:stretch>
+        </p:blipFill>
+        <p:spPr>
+          <a:xfrm>
+            <a:off x="838200" y="1622492"/>
+            <a:ext cx="10084158" cy="4898019"/>
+          </a:xfrm>
+          <a:prstGeom prst="rect">
+            <a:avLst/>
+          </a:prstGeom>
+        </p:spPr>
+      </p:pic>
+    </p:spTree>
+    <p:extLst>
+      <p:ext uri="{BB962C8B-B14F-4D97-AF65-F5344CB8AC3E}">
+        <p14:creationId xmlns:p14="http://schemas.microsoft.com/office/powerpoint/2010/main" val="540927037"/>
+      </p:ext>
+    </p:extLst>
+  </p:cSld>
+  <p:clrMapOvr>
+    <a:masterClrMapping/>
+  </p:clrMapOvr>
+  <p:timing>
+    <p:tnLst>
+      <p:par>
+        <p:cTn id="1" dur="indefinite" restart="never" nodeType="tmRoot"/>
+      </p:par>
+    </p:tnLst>
+  </p:timing>
+</p:sld>
+</file>
+
+<file path=ppt/slides/slide9.xml><?xml version="1.0" encoding="utf-8"?>
+<p:sld xmlns:a="http://schemas.openxmlformats.org/drawingml/2006/main" xmlns:r="http://schemas.openxmlformats.org/officeDocument/2006/relationships" xmlns:p="http://schemas.openxmlformats.org/presentationml/2006/main">
+  <p:cSld>
+    <p:spTree>
+      <p:nvGrpSpPr>
+        <p:cNvPr id="1" name=""/>
+        <p:cNvGrpSpPr/>
+        <p:nvPr/>
+      </p:nvGrpSpPr>
+      <p:grpSpPr>
+        <a:xfrm>
+          <a:off x="0" y="0"/>
+          <a:ext cx="0" cy="0"/>
+          <a:chOff x="0" y="0"/>
+          <a:chExt cx="0" cy="0"/>
+        </a:xfrm>
+      </p:grpSpPr>
+      <p:sp>
+        <p:nvSpPr>
+          <p:cNvPr id="2" name="Номер слайда 1"/>
+          <p:cNvSpPr>
+            <a:spLocks noGrp="1"/>
+          </p:cNvSpPr>
+          <p:nvPr>
+            <p:ph type="sldNum" sz="quarter" idx="12"/>
+          </p:nvPr>
+        </p:nvSpPr>
+        <p:spPr/>
+        <p:txBody>
+          <a:bodyPr/>
+          <a:lstStyle/>
+          <a:p>
+            <a:fld id="{8AF177A2-331A-49A6-919F-173C51BBA4D7}" type="slidenum">
+              <a:rPr lang="ru-RU" smtClean="0"/>
+              <a:t>9</a:t>
+            </a:fld>
+            <a:endParaRPr lang="ru-RU"/>
+          </a:p>
+        </p:txBody>
+      </p:sp>
+      <p:sp>
+        <p:nvSpPr>
+          <p:cNvPr id="6" name="Заголовок 1"/>
+          <p:cNvSpPr>
+            <a:spLocks noGrp="1"/>
+          </p:cNvSpPr>
+          <p:nvPr>
+            <p:ph type="title"/>
+          </p:nvPr>
+        </p:nvSpPr>
+        <p:spPr>
+          <a:xfrm>
+            <a:off x="812441" y="181938"/>
+            <a:ext cx="10701271" cy="1261167"/>
+          </a:xfrm>
+        </p:spPr>
+        <p:txBody>
+          <a:bodyPr>
+            <a:normAutofit/>
+          </a:bodyPr>
+          <a:lstStyle/>
+          <a:p>
+            <a:pPr algn="ctr"/>
+            <a:r>
+              <a:rPr lang="ru-RU" sz="3600" dirty="0" smtClean="0">
+                <a:solidFill>
+                  <a:srgbClr val="0070C0"/>
+                </a:solidFill>
+                <a:latin typeface="Times New Roman" panose="02020603050405020304" pitchFamily="18" charset="0"/>
+                <a:cs typeface="Times New Roman" panose="02020603050405020304" pitchFamily="18" charset="0"/>
+              </a:rPr>
+              <a:t>Результаты </a:t>
+            </a:r>
+            <a:r>
+              <a:rPr lang="ru-RU" sz="3600" dirty="0" smtClean="0">
+                <a:solidFill>
+                  <a:srgbClr val="0070C0"/>
+                </a:solidFill>
+                <a:latin typeface="Times New Roman" panose="02020603050405020304" pitchFamily="18" charset="0"/>
+                <a:cs typeface="Times New Roman" panose="02020603050405020304" pitchFamily="18" charset="0"/>
+              </a:rPr>
+              <a:t>запросов</a:t>
+            </a:r>
+            <a:endParaRPr lang="ru-RU" sz="3600" dirty="0">
+              <a:solidFill>
+                <a:srgbClr val="0070C0"/>
+              </a:solidFill>
+              <a:latin typeface="Times New Roman" panose="02020603050405020304" pitchFamily="18" charset="0"/>
+              <a:cs typeface="Times New Roman" panose="02020603050405020304" pitchFamily="18" charset="0"/>
+            </a:endParaRPr>
+          </a:p>
+        </p:txBody>
+      </p:sp>
+      <p:sp>
+        <p:nvSpPr>
+          <p:cNvPr id="4" name="Объект 3"/>
+          <p:cNvSpPr>
+            <a:spLocks noGrp="1"/>
+          </p:cNvSpPr>
+          <p:nvPr>
+            <p:ph idx="1"/>
+          </p:nvPr>
+        </p:nvSpPr>
+        <p:spPr>
+          <a:xfrm>
+            <a:off x="838200" y="1223493"/>
+            <a:ext cx="10515600" cy="4953470"/>
+          </a:xfrm>
+        </p:spPr>
+        <p:txBody>
+          <a:bodyPr>
+            <a:normAutofit/>
+          </a:bodyPr>
+          <a:lstStyle/>
+          <a:p>
+            <a:pPr marL="0" indent="0">
+              <a:buNone/>
+            </a:pPr>
+            <a:r>
+              <a:rPr lang="ru-RU" sz="2400" dirty="0">
+                <a:latin typeface="Times New Roman" panose="02020603050405020304" pitchFamily="18" charset="0"/>
+                <a:cs typeface="Times New Roman" panose="02020603050405020304" pitchFamily="18" charset="0"/>
+              </a:rPr>
+              <a:t>Запрос </a:t>
+            </a:r>
+            <a:r>
+              <a:rPr lang="ru-RU" sz="2400" dirty="0" smtClean="0">
+                <a:latin typeface="Times New Roman" panose="02020603050405020304" pitchFamily="18" charset="0"/>
+                <a:cs typeface="Times New Roman" panose="02020603050405020304" pitchFamily="18" charset="0"/>
+              </a:rPr>
+              <a:t>3</a:t>
+            </a:r>
+            <a:r>
+              <a:rPr lang="ru-RU" sz="2400" dirty="0" smtClean="0">
+                <a:latin typeface="Times New Roman" panose="02020603050405020304" pitchFamily="18" charset="0"/>
+                <a:cs typeface="Times New Roman" panose="02020603050405020304" pitchFamily="18" charset="0"/>
+              </a:rPr>
+              <a:t>. Сведения о задаче</a:t>
+            </a:r>
+            <a:endParaRPr lang="ru-RU" sz="2400" dirty="0">
+              <a:latin typeface="Times New Roman" panose="02020603050405020304" pitchFamily="18" charset="0"/>
+              <a:cs typeface="Times New Roman" panose="02020603050405020304" pitchFamily="18" charset="0"/>
+            </a:endParaRPr>
+          </a:p>
+        </p:txBody>
+      </p:sp>
+      <p:pic>
+        <p:nvPicPr>
+          <p:cNvPr id="5" name="Рисунок 4"/>
+          <p:cNvPicPr>
+            <a:picLocks noChangeAspect="1"/>
+          </p:cNvPicPr>
+          <p:nvPr/>
+        </p:nvPicPr>
+        <p:blipFill>
+          <a:blip r:embed="rId2">
+            <a:extLst>
+              <a:ext uri="{28A0092B-C50C-407E-A947-70E740481C1C}">
+                <a14:useLocalDpi xmlns:a14="http://schemas.microsoft.com/office/drawing/2010/main" val="0"/>
+              </a:ext>
+            </a:extLst>
+          </a:blip>
+          <a:stretch>
+            <a:fillRect/>
+          </a:stretch>
+        </p:blipFill>
+        <p:spPr>
+          <a:xfrm>
+            <a:off x="838199" y="1622492"/>
+            <a:ext cx="10868109" cy="4300636"/>
+          </a:xfrm>
+          <a:prstGeom prst="rect">
+            <a:avLst/>
+          </a:prstGeom>
+        </p:spPr>
+      </p:pic>
+    </p:spTree>
+    <p:extLst>
+      <p:ext uri="{BB962C8B-B14F-4D97-AF65-F5344CB8AC3E}">
+        <p14:creationId xmlns:p14="http://schemas.microsoft.com/office/powerpoint/2010/main" val="1885052711"/>
       </p:ext>
     </p:extLst>
   </p:cSld>

--- a/Презентация ВКР2017.pptx
+++ b/Презентация ВКР2017.pptx
@@ -14,12 +14,12 @@
     <p:sldId id="263" r:id="rId5"/>
     <p:sldId id="261" r:id="rId6"/>
     <p:sldId id="266" r:id="rId7"/>
-    <p:sldId id="269" r:id="rId8"/>
-    <p:sldId id="267" r:id="rId9"/>
-    <p:sldId id="270" r:id="rId10"/>
-    <p:sldId id="268" r:id="rId11"/>
-    <p:sldId id="259" r:id="rId12"/>
-    <p:sldId id="258" r:id="rId13"/>
+    <p:sldId id="267" r:id="rId8"/>
+    <p:sldId id="270" r:id="rId9"/>
+    <p:sldId id="268" r:id="rId10"/>
+    <p:sldId id="259" r:id="rId11"/>
+    <p:sldId id="258" r:id="rId12"/>
+    <p:sldId id="271" r:id="rId13"/>
     <p:sldId id="260" r:id="rId14"/>
   </p:sldIdLst>
   <p:sldSz cx="12192000" cy="6858000"/>
@@ -209,7 +209,7 @@
           <a:p>
             <a:fld id="{44B54673-E2B9-49EF-B91E-CF34106CE466}" type="datetimeFigureOut">
               <a:rPr lang="ru-RU" smtClean="0"/>
-              <a:t>16.06.2017</a:t>
+              <a:t>17.06.2017</a:t>
             </a:fld>
             <a:endParaRPr lang="ru-RU"/>
           </a:p>
@@ -608,7 +608,7 @@
           <a:p>
             <a:fld id="{DD05A9AF-FAF5-4747-A801-82368DA06F85}" type="datetime1">
               <a:rPr lang="ru-RU" smtClean="0"/>
-              <a:t>16.06.2017</a:t>
+              <a:t>17.06.2017</a:t>
             </a:fld>
             <a:endParaRPr lang="ru-RU"/>
           </a:p>
@@ -778,7 +778,7 @@
           <a:p>
             <a:fld id="{1C232A49-8352-4C5F-A5E9-22B18C60A41B}" type="datetime1">
               <a:rPr lang="ru-RU" smtClean="0"/>
-              <a:t>16.06.2017</a:t>
+              <a:t>17.06.2017</a:t>
             </a:fld>
             <a:endParaRPr lang="ru-RU"/>
           </a:p>
@@ -958,7 +958,7 @@
           <a:p>
             <a:fld id="{3853B78D-04AE-4943-B473-05B084DDCDE0}" type="datetime1">
               <a:rPr lang="ru-RU" smtClean="0"/>
-              <a:t>16.06.2017</a:t>
+              <a:t>17.06.2017</a:t>
             </a:fld>
             <a:endParaRPr lang="ru-RU"/>
           </a:p>
@@ -1128,7 +1128,7 @@
           <a:p>
             <a:fld id="{CC6ECAAC-AA0D-4CDE-964F-CCA704E4CDE5}" type="datetime1">
               <a:rPr lang="ru-RU" smtClean="0"/>
-              <a:t>16.06.2017</a:t>
+              <a:t>17.06.2017</a:t>
             </a:fld>
             <a:endParaRPr lang="ru-RU"/>
           </a:p>
@@ -1374,7 +1374,7 @@
           <a:p>
             <a:fld id="{80BDFCAF-FBE1-4961-B416-F4A07E774DF3}" type="datetime1">
               <a:rPr lang="ru-RU" smtClean="0"/>
-              <a:t>16.06.2017</a:t>
+              <a:t>17.06.2017</a:t>
             </a:fld>
             <a:endParaRPr lang="ru-RU"/>
           </a:p>
@@ -1606,7 +1606,7 @@
           <a:p>
             <a:fld id="{1FEA90EA-B705-42B9-BBF6-268F2038FAF3}" type="datetime1">
               <a:rPr lang="ru-RU" smtClean="0"/>
-              <a:t>16.06.2017</a:t>
+              <a:t>17.06.2017</a:t>
             </a:fld>
             <a:endParaRPr lang="ru-RU"/>
           </a:p>
@@ -1973,7 +1973,7 @@
           <a:p>
             <a:fld id="{5F191AB6-3903-43B5-80FF-1EC98EAE59E7}" type="datetime1">
               <a:rPr lang="ru-RU" smtClean="0"/>
-              <a:t>16.06.2017</a:t>
+              <a:t>17.06.2017</a:t>
             </a:fld>
             <a:endParaRPr lang="ru-RU"/>
           </a:p>
@@ -2091,7 +2091,7 @@
           <a:p>
             <a:fld id="{B9C8298B-14B2-4D64-AF19-010909CD1156}" type="datetime1">
               <a:rPr lang="ru-RU" smtClean="0"/>
-              <a:t>16.06.2017</a:t>
+              <a:t>17.06.2017</a:t>
             </a:fld>
             <a:endParaRPr lang="ru-RU"/>
           </a:p>
@@ -2186,7 +2186,7 @@
           <a:p>
             <a:fld id="{F06230E2-CEBD-4965-B122-FEA485D88855}" type="datetime1">
               <a:rPr lang="ru-RU" smtClean="0"/>
-              <a:t>16.06.2017</a:t>
+              <a:t>17.06.2017</a:t>
             </a:fld>
             <a:endParaRPr lang="ru-RU"/>
           </a:p>
@@ -2463,7 +2463,7 @@
           <a:p>
             <a:fld id="{4463ADBD-CB87-4358-9CC5-F7B0D0893232}" type="datetime1">
               <a:rPr lang="ru-RU" smtClean="0"/>
-              <a:t>16.06.2017</a:t>
+              <a:t>17.06.2017</a:t>
             </a:fld>
             <a:endParaRPr lang="ru-RU"/>
           </a:p>
@@ -2716,7 +2716,7 @@
           <a:p>
             <a:fld id="{B312D136-29D0-4255-BB92-29C6409DB6B0}" type="datetime1">
               <a:rPr lang="ru-RU" smtClean="0"/>
-              <a:t>16.06.2017</a:t>
+              <a:t>17.06.2017</a:t>
             </a:fld>
             <a:endParaRPr lang="ru-RU"/>
           </a:p>
@@ -2929,7 +2929,7 @@
           <a:p>
             <a:fld id="{62F3AC5C-C3DB-4E26-96AE-698718F43F43}" type="datetime1">
               <a:rPr lang="ru-RU" smtClean="0"/>
-              <a:t>16.06.2017</a:t>
+              <a:t>17.06.2017</a:t>
             </a:fld>
             <a:endParaRPr lang="ru-RU"/>
           </a:p>
@@ -3594,216 +3594,6 @@
             <a:fld id="{8AF177A2-331A-49A6-919F-173C51BBA4D7}" type="slidenum">
               <a:rPr lang="ru-RU" smtClean="0"/>
               <a:t>10</a:t>
-            </a:fld>
-            <a:endParaRPr lang="ru-RU"/>
-          </a:p>
-        </p:txBody>
-      </p:sp>
-      <p:sp>
-        <p:nvSpPr>
-          <p:cNvPr id="6" name="Заголовок 1"/>
-          <p:cNvSpPr>
-            <a:spLocks noGrp="1"/>
-          </p:cNvSpPr>
-          <p:nvPr>
-            <p:ph type="title"/>
-          </p:nvPr>
-        </p:nvSpPr>
-        <p:spPr>
-          <a:xfrm>
-            <a:off x="812441" y="181938"/>
-            <a:ext cx="10701271" cy="1261167"/>
-          </a:xfrm>
-        </p:spPr>
-        <p:txBody>
-          <a:bodyPr>
-            <a:normAutofit/>
-          </a:bodyPr>
-          <a:lstStyle/>
-          <a:p>
-            <a:pPr algn="ctr"/>
-            <a:r>
-              <a:rPr lang="ru-RU" sz="3600" dirty="0" smtClean="0">
-                <a:solidFill>
-                  <a:srgbClr val="0070C0"/>
-                </a:solidFill>
-                <a:latin typeface="Times New Roman" panose="02020603050405020304" pitchFamily="18" charset="0"/>
-                <a:cs typeface="Times New Roman" panose="02020603050405020304" pitchFamily="18" charset="0"/>
-              </a:rPr>
-              <a:t>Результаты </a:t>
-            </a:r>
-            <a:r>
-              <a:rPr lang="ru-RU" sz="3600" dirty="0" smtClean="0">
-                <a:solidFill>
-                  <a:srgbClr val="0070C0"/>
-                </a:solidFill>
-                <a:latin typeface="Times New Roman" panose="02020603050405020304" pitchFamily="18" charset="0"/>
-                <a:cs typeface="Times New Roman" panose="02020603050405020304" pitchFamily="18" charset="0"/>
-              </a:rPr>
-              <a:t>запросов</a:t>
-            </a:r>
-            <a:endParaRPr lang="ru-RU" sz="3600" dirty="0">
-              <a:solidFill>
-                <a:srgbClr val="0070C0"/>
-              </a:solidFill>
-              <a:latin typeface="Times New Roman" panose="02020603050405020304" pitchFamily="18" charset="0"/>
-              <a:cs typeface="Times New Roman" panose="02020603050405020304" pitchFamily="18" charset="0"/>
-            </a:endParaRPr>
-          </a:p>
-        </p:txBody>
-      </p:sp>
-      <p:sp>
-        <p:nvSpPr>
-          <p:cNvPr id="4" name="Объект 3"/>
-          <p:cNvSpPr>
-            <a:spLocks noGrp="1"/>
-          </p:cNvSpPr>
-          <p:nvPr>
-            <p:ph idx="1"/>
-          </p:nvPr>
-        </p:nvSpPr>
-        <p:spPr>
-          <a:xfrm>
-            <a:off x="838200" y="1223493"/>
-            <a:ext cx="10515600" cy="4953470"/>
-          </a:xfrm>
-        </p:spPr>
-        <p:txBody>
-          <a:bodyPr>
-            <a:normAutofit/>
-          </a:bodyPr>
-          <a:lstStyle/>
-          <a:p>
-            <a:pPr marL="0" indent="0">
-              <a:buNone/>
-            </a:pPr>
-            <a:r>
-              <a:rPr lang="ru-RU" sz="2400" dirty="0">
-                <a:latin typeface="Times New Roman" panose="02020603050405020304" pitchFamily="18" charset="0"/>
-                <a:cs typeface="Times New Roman" panose="02020603050405020304" pitchFamily="18" charset="0"/>
-              </a:rPr>
-              <a:t>Запрос </a:t>
-            </a:r>
-            <a:r>
-              <a:rPr lang="ru-RU" sz="2400" dirty="0" smtClean="0">
-                <a:latin typeface="Times New Roman" panose="02020603050405020304" pitchFamily="18" charset="0"/>
-                <a:cs typeface="Times New Roman" panose="02020603050405020304" pitchFamily="18" charset="0"/>
-              </a:rPr>
-              <a:t>4</a:t>
-            </a:r>
-            <a:r>
-              <a:rPr lang="ru-RU" sz="2400" dirty="0" smtClean="0">
-                <a:latin typeface="Times New Roman" panose="02020603050405020304" pitchFamily="18" charset="0"/>
-                <a:cs typeface="Times New Roman" panose="02020603050405020304" pitchFamily="18" charset="0"/>
-              </a:rPr>
-              <a:t>. </a:t>
-            </a:r>
-            <a:r>
-              <a:rPr lang="ru-RU" sz="2400" dirty="0" smtClean="0">
-                <a:latin typeface="Times New Roman" panose="02020603050405020304" pitchFamily="18" charset="0"/>
-                <a:cs typeface="Times New Roman" panose="02020603050405020304" pitchFamily="18" charset="0"/>
-              </a:rPr>
-              <a:t>История </a:t>
-            </a:r>
-            <a:r>
-              <a:rPr lang="ru-RU" sz="2400" dirty="0" smtClean="0">
-                <a:latin typeface="Times New Roman" panose="02020603050405020304" pitchFamily="18" charset="0"/>
-                <a:cs typeface="Times New Roman" panose="02020603050405020304" pitchFamily="18" charset="0"/>
-              </a:rPr>
-              <a:t>изменений задачи</a:t>
-            </a:r>
-            <a:endParaRPr lang="ru-RU" sz="2400" dirty="0">
-              <a:latin typeface="Times New Roman" panose="02020603050405020304" pitchFamily="18" charset="0"/>
-              <a:cs typeface="Times New Roman" panose="02020603050405020304" pitchFamily="18" charset="0"/>
-            </a:endParaRPr>
-          </a:p>
-        </p:txBody>
-      </p:sp>
-      <p:pic>
-        <p:nvPicPr>
-          <p:cNvPr id="3" name="Рисунок 2"/>
-          <p:cNvPicPr>
-            <a:picLocks noChangeAspect="1"/>
-          </p:cNvPicPr>
-          <p:nvPr/>
-        </p:nvPicPr>
-        <p:blipFill>
-          <a:blip r:embed="rId2">
-            <a:extLst>
-              <a:ext uri="{28A0092B-C50C-407E-A947-70E740481C1C}">
-                <a14:useLocalDpi xmlns:a14="http://schemas.microsoft.com/office/drawing/2010/main" val="0"/>
-              </a:ext>
-            </a:extLst>
-          </a:blip>
-          <a:stretch>
-            <a:fillRect/>
-          </a:stretch>
-        </p:blipFill>
-        <p:spPr>
-          <a:xfrm>
-            <a:off x="858590" y="1660634"/>
-            <a:ext cx="10066520" cy="4878278"/>
-          </a:xfrm>
-          <a:prstGeom prst="rect">
-            <a:avLst/>
-          </a:prstGeom>
-        </p:spPr>
-      </p:pic>
-    </p:spTree>
-    <p:extLst>
-      <p:ext uri="{BB962C8B-B14F-4D97-AF65-F5344CB8AC3E}">
-        <p14:creationId xmlns:p14="http://schemas.microsoft.com/office/powerpoint/2010/main" val="1457705727"/>
-      </p:ext>
-    </p:extLst>
-  </p:cSld>
-  <p:clrMapOvr>
-    <a:masterClrMapping/>
-  </p:clrMapOvr>
-  <p:timing>
-    <p:tnLst>
-      <p:par>
-        <p:cTn id="1" dur="indefinite" restart="never" nodeType="tmRoot"/>
-      </p:par>
-    </p:tnLst>
-  </p:timing>
-</p:sld>
-</file>
-
-<file path=ppt/slides/slide11.xml><?xml version="1.0" encoding="utf-8"?>
-<p:sld xmlns:a="http://schemas.openxmlformats.org/drawingml/2006/main" xmlns:r="http://schemas.openxmlformats.org/officeDocument/2006/relationships" xmlns:p="http://schemas.openxmlformats.org/presentationml/2006/main">
-  <p:cSld>
-    <p:spTree>
-      <p:nvGrpSpPr>
-        <p:cNvPr id="1" name=""/>
-        <p:cNvGrpSpPr/>
-        <p:nvPr/>
-      </p:nvGrpSpPr>
-      <p:grpSpPr>
-        <a:xfrm>
-          <a:off x="0" y="0"/>
-          <a:ext cx="0" cy="0"/>
-          <a:chOff x="0" y="0"/>
-          <a:chExt cx="0" cy="0"/>
-        </a:xfrm>
-      </p:grpSpPr>
-      <p:sp>
-        <p:nvSpPr>
-          <p:cNvPr id="2" name="Номер слайда 1"/>
-          <p:cNvSpPr>
-            <a:spLocks noGrp="1"/>
-          </p:cNvSpPr>
-          <p:nvPr>
-            <p:ph type="sldNum" sz="quarter" idx="12"/>
-          </p:nvPr>
-        </p:nvSpPr>
-        <p:spPr/>
-        <p:txBody>
-          <a:bodyPr/>
-          <a:lstStyle/>
-          <a:p>
-            <a:fld id="{8AF177A2-331A-49A6-919F-173C51BBA4D7}" type="slidenum">
-              <a:rPr lang="ru-RU" smtClean="0"/>
-              <a:t>11</a:t>
             </a:fld>
             <a:endParaRPr lang="ru-RU"/>
           </a:p>
@@ -4522,7 +4312,7 @@
 </p:sld>
 </file>
 
-<file path=ppt/slides/slide12.xml><?xml version="1.0" encoding="utf-8"?>
+<file path=ppt/slides/slide11.xml><?xml version="1.0" encoding="utf-8"?>
 <p:sld xmlns:a="http://schemas.openxmlformats.org/drawingml/2006/main" xmlns:r="http://schemas.openxmlformats.org/officeDocument/2006/relationships" xmlns:p="http://schemas.openxmlformats.org/presentationml/2006/main">
   <p:cSld>
     <p:spTree>
@@ -4556,7 +4346,7 @@
           <a:p>
             <a:fld id="{8AF177A2-331A-49A6-919F-173C51BBA4D7}" type="slidenum">
               <a:rPr lang="ru-RU" smtClean="0"/>
-              <a:t>12</a:t>
+              <a:t>11</a:t>
             </a:fld>
             <a:endParaRPr lang="ru-RU"/>
           </a:p>
@@ -5118,7 +4908,7 @@
                             </p:stCondLst>
                             <p:childTnLst>
                               <p:par>
-                                <p:cTn id="5" presetID="10" presetClass="entr" presetSubtype="0" fill="hold" grpId="0" nodeType="clickEffect">
+                                <p:cTn id="5" presetID="21" presetClass="entr" presetSubtype="1" fill="hold" grpId="0" nodeType="clickEffect">
                                   <p:stCondLst>
                                     <p:cond delay="0"/>
                                   </p:stCondLst>
@@ -5141,9 +4931,9 @@
                                         <p:strVal val="visible"/>
                                       </p:to>
                                     </p:set>
-                                    <p:animEffect transition="in" filter="fade">
+                                    <p:animEffect transition="in" filter="wheel(1)">
                                       <p:cBhvr>
-                                        <p:cTn id="7" dur="750"/>
+                                        <p:cTn id="7" dur="2000"/>
                                         <p:tgtEl>
                                           <p:spTgt spid="7"/>
                                         </p:tgtEl>
@@ -5152,33 +4942,15 @@
                                   </p:childTnLst>
                                 </p:cTn>
                               </p:par>
-                            </p:childTnLst>
-                          </p:cTn>
-                        </p:par>
-                      </p:childTnLst>
-                    </p:cTn>
-                  </p:par>
-                  <p:par>
-                    <p:cTn id="8" fill="hold">
-                      <p:stCondLst>
-                        <p:cond delay="indefinite"/>
-                      </p:stCondLst>
-                      <p:childTnLst>
-                        <p:par>
-                          <p:cTn id="9" fill="hold">
-                            <p:stCondLst>
-                              <p:cond delay="0"/>
-                            </p:stCondLst>
-                            <p:childTnLst>
                               <p:par>
-                                <p:cTn id="10" presetID="21" presetClass="entr" presetSubtype="1" fill="hold" grpId="0" nodeType="clickEffect">
+                                <p:cTn id="8" presetID="21" presetClass="entr" presetSubtype="1" fill="hold" grpId="0" nodeType="withEffect">
                                   <p:stCondLst>
                                     <p:cond delay="0"/>
                                   </p:stCondLst>
                                   <p:childTnLst>
                                     <p:set>
                                       <p:cBhvr>
-                                        <p:cTn id="11" dur="1" fill="hold">
+                                        <p:cTn id="9" dur="1" fill="hold">
                                           <p:stCondLst>
                                             <p:cond delay="0"/>
                                           </p:stCondLst>
@@ -5196,7 +4968,7 @@
                                     </p:set>
                                     <p:animEffect transition="in" filter="wheel(1)">
                                       <p:cBhvr>
-                                        <p:cTn id="12" dur="2000"/>
+                                        <p:cTn id="10" dur="2000"/>
                                         <p:tgtEl>
                                           <p:spTgt spid="34"/>
                                         </p:tgtEl>
@@ -5206,20 +4978,20 @@
                                 </p:cTn>
                               </p:par>
                               <p:par>
-                                <p:cTn id="13" presetID="21" presetClass="entr" presetSubtype="1" fill="hold" grpId="0" nodeType="withEffect">
+                                <p:cTn id="11" presetID="21" presetClass="entr" presetSubtype="1" fill="hold" grpId="0" nodeType="withEffect">
                                   <p:stCondLst>
                                     <p:cond delay="0"/>
                                   </p:stCondLst>
                                   <p:childTnLst>
                                     <p:set>
                                       <p:cBhvr>
-                                        <p:cTn id="14" dur="1" fill="hold">
+                                        <p:cTn id="12" dur="1" fill="hold">
                                           <p:stCondLst>
                                             <p:cond delay="0"/>
                                           </p:stCondLst>
                                         </p:cTn>
                                         <p:tgtEl>
-                                          <p:spTgt spid="38"/>
+                                          <p:spTgt spid="39"/>
                                         </p:tgtEl>
                                         <p:attrNameLst>
                                           <p:attrName>style.visibility</p:attrName>
@@ -5231,48 +5003,30 @@
                                     </p:set>
                                     <p:animEffect transition="in" filter="wheel(1)">
                                       <p:cBhvr>
-                                        <p:cTn id="15" dur="2000"/>
-                                        <p:tgtEl>
-                                          <p:spTgt spid="38"/>
+                                        <p:cTn id="13" dur="2000"/>
+                                        <p:tgtEl>
+                                          <p:spTgt spid="39"/>
                                         </p:tgtEl>
                                       </p:cBhvr>
                                     </p:animEffect>
                                   </p:childTnLst>
                                 </p:cTn>
                               </p:par>
-                            </p:childTnLst>
-                          </p:cTn>
-                        </p:par>
-                      </p:childTnLst>
-                    </p:cTn>
-                  </p:par>
-                  <p:par>
-                    <p:cTn id="16" fill="hold">
-                      <p:stCondLst>
-                        <p:cond delay="indefinite"/>
-                      </p:stCondLst>
-                      <p:childTnLst>
-                        <p:par>
-                          <p:cTn id="17" fill="hold">
-                            <p:stCondLst>
-                              <p:cond delay="0"/>
-                            </p:stCondLst>
-                            <p:childTnLst>
                               <p:par>
-                                <p:cTn id="18" presetID="21" presetClass="entr" presetSubtype="1" fill="hold" grpId="0" nodeType="clickEffect">
+                                <p:cTn id="14" presetID="21" presetClass="entr" presetSubtype="1" fill="hold" grpId="0" nodeType="withEffect">
                                   <p:stCondLst>
                                     <p:cond delay="0"/>
                                   </p:stCondLst>
                                   <p:childTnLst>
                                     <p:set>
                                       <p:cBhvr>
-                                        <p:cTn id="19" dur="1" fill="hold">
+                                        <p:cTn id="15" dur="1" fill="hold">
                                           <p:stCondLst>
                                             <p:cond delay="0"/>
                                           </p:stCondLst>
                                         </p:cTn>
                                         <p:tgtEl>
-                                          <p:spTgt spid="39"/>
+                                          <p:spTgt spid="41"/>
                                         </p:tgtEl>
                                         <p:attrNameLst>
                                           <p:attrName>style.visibility</p:attrName>
@@ -5284,9 +5038,9 @@
                                     </p:set>
                                     <p:animEffect transition="in" filter="wheel(1)">
                                       <p:cBhvr>
-                                        <p:cTn id="20" dur="2000"/>
-                                        <p:tgtEl>
-                                          <p:spTgt spid="39"/>
+                                        <p:cTn id="16" dur="2000"/>
+                                        <p:tgtEl>
+                                          <p:spTgt spid="41"/>
                                         </p:tgtEl>
                                       </p:cBhvr>
                                     </p:animEffect>
@@ -5294,20 +5048,20 @@
                                 </p:cTn>
                               </p:par>
                               <p:par>
-                                <p:cTn id="21" presetID="21" presetClass="entr" presetSubtype="1" fill="hold" grpId="0" nodeType="withEffect">
+                                <p:cTn id="17" presetID="21" presetClass="entr" presetSubtype="1" fill="hold" grpId="0" nodeType="withEffect">
                                   <p:stCondLst>
                                     <p:cond delay="0"/>
                                   </p:stCondLst>
                                   <p:childTnLst>
                                     <p:set>
                                       <p:cBhvr>
-                                        <p:cTn id="22" dur="1" fill="hold">
+                                        <p:cTn id="18" dur="1" fill="hold">
                                           <p:stCondLst>
                                             <p:cond delay="0"/>
                                           </p:stCondLst>
                                         </p:cTn>
                                         <p:tgtEl>
-                                          <p:spTgt spid="40"/>
+                                          <p:spTgt spid="45"/>
                                         </p:tgtEl>
                                         <p:attrNameLst>
                                           <p:attrName>style.visibility</p:attrName>
@@ -5319,35 +5073,87 @@
                                     </p:set>
                                     <p:animEffect transition="in" filter="wheel(1)">
                                       <p:cBhvr>
-                                        <p:cTn id="23" dur="2000"/>
-                                        <p:tgtEl>
-                                          <p:spTgt spid="40"/>
+                                        <p:cTn id="19" dur="2000"/>
+                                        <p:tgtEl>
+                                          <p:spTgt spid="45"/>
                                         </p:tgtEl>
                                       </p:cBhvr>
                                     </p:animEffect>
                                   </p:childTnLst>
                                 </p:cTn>
                               </p:par>
-                            </p:childTnLst>
-                          </p:cTn>
-                        </p:par>
-                      </p:childTnLst>
-                    </p:cTn>
-                  </p:par>
-                  <p:par>
-                    <p:cTn id="24" fill="hold">
-                      <p:stCondLst>
-                        <p:cond delay="indefinite"/>
-                      </p:stCondLst>
-                      <p:childTnLst>
-                        <p:par>
-                          <p:cTn id="25" fill="hold">
-                            <p:stCondLst>
-                              <p:cond delay="0"/>
-                            </p:stCondLst>
-                            <p:childTnLst>
                               <p:par>
-                                <p:cTn id="26" presetID="21" presetClass="entr" presetSubtype="1" fill="hold" grpId="0" nodeType="clickEffect">
+                                <p:cTn id="20" presetID="21" presetClass="entr" presetSubtype="1" fill="hold" grpId="0" nodeType="withEffect">
+                                  <p:stCondLst>
+                                    <p:cond delay="0"/>
+                                  </p:stCondLst>
+                                  <p:childTnLst>
+                                    <p:set>
+                                      <p:cBhvr>
+                                        <p:cTn id="21" dur="1" fill="hold">
+                                          <p:stCondLst>
+                                            <p:cond delay="0"/>
+                                          </p:stCondLst>
+                                        </p:cTn>
+                                        <p:tgtEl>
+                                          <p:spTgt spid="38"/>
+                                        </p:tgtEl>
+                                        <p:attrNameLst>
+                                          <p:attrName>style.visibility</p:attrName>
+                                        </p:attrNameLst>
+                                      </p:cBhvr>
+                                      <p:to>
+                                        <p:strVal val="visible"/>
+                                      </p:to>
+                                    </p:set>
+                                    <p:animEffect transition="in" filter="wheel(1)">
+                                      <p:cBhvr>
+                                        <p:cTn id="22" dur="2000"/>
+                                        <p:tgtEl>
+                                          <p:spTgt spid="38"/>
+                                        </p:tgtEl>
+                                      </p:cBhvr>
+                                    </p:animEffect>
+                                  </p:childTnLst>
+                                </p:cTn>
+                              </p:par>
+                              <p:par>
+                                <p:cTn id="23" presetID="21" presetClass="entr" presetSubtype="1" fill="hold" grpId="0" nodeType="withEffect">
+                                  <p:stCondLst>
+                                    <p:cond delay="0"/>
+                                  </p:stCondLst>
+                                  <p:childTnLst>
+                                    <p:set>
+                                      <p:cBhvr>
+                                        <p:cTn id="24" dur="1" fill="hold">
+                                          <p:stCondLst>
+                                            <p:cond delay="0"/>
+                                          </p:stCondLst>
+                                        </p:cTn>
+                                        <p:tgtEl>
+                                          <p:spTgt spid="40"/>
+                                        </p:tgtEl>
+                                        <p:attrNameLst>
+                                          <p:attrName>style.visibility</p:attrName>
+                                        </p:attrNameLst>
+                                      </p:cBhvr>
+                                      <p:to>
+                                        <p:strVal val="visible"/>
+                                      </p:to>
+                                    </p:set>
+                                    <p:animEffect transition="in" filter="wheel(1)">
+                                      <p:cBhvr>
+                                        <p:cTn id="25" dur="2000"/>
+                                        <p:tgtEl>
+                                          <p:spTgt spid="40"/>
+                                        </p:tgtEl>
+                                      </p:cBhvr>
+                                    </p:animEffect>
+                                  </p:childTnLst>
+                                </p:cTn>
+                              </p:par>
+                              <p:par>
+                                <p:cTn id="26" presetID="21" presetClass="entr" presetSubtype="1" fill="hold" grpId="0" nodeType="withEffect">
                                   <p:stCondLst>
                                     <p:cond delay="0"/>
                                   </p:stCondLst>
@@ -5360,7 +5166,7 @@
                                           </p:stCondLst>
                                         </p:cTn>
                                         <p:tgtEl>
-                                          <p:spTgt spid="41"/>
+                                          <p:spTgt spid="42"/>
                                         </p:tgtEl>
                                         <p:attrNameLst>
                                           <p:attrName>style.visibility</p:attrName>
@@ -5374,7 +5180,7 @@
                                       <p:cBhvr>
                                         <p:cTn id="28" dur="2000"/>
                                         <p:tgtEl>
-                                          <p:spTgt spid="41"/>
+                                          <p:spTgt spid="42"/>
                                         </p:tgtEl>
                                       </p:cBhvr>
                                     </p:animEffect>
@@ -5395,7 +5201,7 @@
                                           </p:stCondLst>
                                         </p:cTn>
                                         <p:tgtEl>
-                                          <p:spTgt spid="42"/>
+                                          <p:spTgt spid="46"/>
                                         </p:tgtEl>
                                         <p:attrNameLst>
                                           <p:attrName>style.visibility</p:attrName>
@@ -5408,94 +5214,6 @@
                                     <p:animEffect transition="in" filter="wheel(1)">
                                       <p:cBhvr>
                                         <p:cTn id="31" dur="2000"/>
-                                        <p:tgtEl>
-                                          <p:spTgt spid="42"/>
-                                        </p:tgtEl>
-                                      </p:cBhvr>
-                                    </p:animEffect>
-                                  </p:childTnLst>
-                                </p:cTn>
-                              </p:par>
-                            </p:childTnLst>
-                          </p:cTn>
-                        </p:par>
-                      </p:childTnLst>
-                    </p:cTn>
-                  </p:par>
-                  <p:par>
-                    <p:cTn id="32" fill="hold">
-                      <p:stCondLst>
-                        <p:cond delay="indefinite"/>
-                      </p:stCondLst>
-                      <p:childTnLst>
-                        <p:par>
-                          <p:cTn id="33" fill="hold">
-                            <p:stCondLst>
-                              <p:cond delay="0"/>
-                            </p:stCondLst>
-                            <p:childTnLst>
-                              <p:par>
-                                <p:cTn id="34" presetID="21" presetClass="entr" presetSubtype="1" fill="hold" grpId="0" nodeType="clickEffect">
-                                  <p:stCondLst>
-                                    <p:cond delay="0"/>
-                                  </p:stCondLst>
-                                  <p:childTnLst>
-                                    <p:set>
-                                      <p:cBhvr>
-                                        <p:cTn id="35" dur="1" fill="hold">
-                                          <p:stCondLst>
-                                            <p:cond delay="0"/>
-                                          </p:stCondLst>
-                                        </p:cTn>
-                                        <p:tgtEl>
-                                          <p:spTgt spid="45"/>
-                                        </p:tgtEl>
-                                        <p:attrNameLst>
-                                          <p:attrName>style.visibility</p:attrName>
-                                        </p:attrNameLst>
-                                      </p:cBhvr>
-                                      <p:to>
-                                        <p:strVal val="visible"/>
-                                      </p:to>
-                                    </p:set>
-                                    <p:animEffect transition="in" filter="wheel(1)">
-                                      <p:cBhvr>
-                                        <p:cTn id="36" dur="2000"/>
-                                        <p:tgtEl>
-                                          <p:spTgt spid="45"/>
-                                        </p:tgtEl>
-                                      </p:cBhvr>
-                                    </p:animEffect>
-                                  </p:childTnLst>
-                                </p:cTn>
-                              </p:par>
-                              <p:par>
-                                <p:cTn id="37" presetID="21" presetClass="entr" presetSubtype="1" fill="hold" grpId="0" nodeType="withEffect">
-                                  <p:stCondLst>
-                                    <p:cond delay="0"/>
-                                  </p:stCondLst>
-                                  <p:childTnLst>
-                                    <p:set>
-                                      <p:cBhvr>
-                                        <p:cTn id="38" dur="1" fill="hold">
-                                          <p:stCondLst>
-                                            <p:cond delay="0"/>
-                                          </p:stCondLst>
-                                        </p:cTn>
-                                        <p:tgtEl>
-                                          <p:spTgt spid="46"/>
-                                        </p:tgtEl>
-                                        <p:attrNameLst>
-                                          <p:attrName>style.visibility</p:attrName>
-                                        </p:attrNameLst>
-                                      </p:cBhvr>
-                                      <p:to>
-                                        <p:strVal val="visible"/>
-                                      </p:to>
-                                    </p:set>
-                                    <p:animEffect transition="in" filter="wheel(1)">
-                                      <p:cBhvr>
-                                        <p:cTn id="39" dur="2000"/>
                                         <p:tgtEl>
                                           <p:spTgt spid="46"/>
                                         </p:tgtEl>
@@ -5541,6 +5259,931 @@
       <p:bldP spid="42" grpId="0"/>
       <p:bldP spid="45" grpId="0" animBg="1"/>
       <p:bldP spid="46" grpId="0"/>
+    </p:bldLst>
+  </p:timing>
+</p:sld>
+</file>
+
+<file path=ppt/slides/slide12.xml><?xml version="1.0" encoding="utf-8"?>
+<p:sld xmlns:a="http://schemas.openxmlformats.org/drawingml/2006/main" xmlns:r="http://schemas.openxmlformats.org/officeDocument/2006/relationships" xmlns:p="http://schemas.openxmlformats.org/presentationml/2006/main">
+  <p:cSld>
+    <p:spTree>
+      <p:nvGrpSpPr>
+        <p:cNvPr id="1" name=""/>
+        <p:cNvGrpSpPr/>
+        <p:nvPr/>
+      </p:nvGrpSpPr>
+      <p:grpSpPr>
+        <a:xfrm>
+          <a:off x="0" y="0"/>
+          <a:ext cx="0" cy="0"/>
+          <a:chOff x="0" y="0"/>
+          <a:chExt cx="0" cy="0"/>
+        </a:xfrm>
+      </p:grpSpPr>
+      <p:sp>
+        <p:nvSpPr>
+          <p:cNvPr id="4" name="Номер слайда 3"/>
+          <p:cNvSpPr>
+            <a:spLocks noGrp="1"/>
+          </p:cNvSpPr>
+          <p:nvPr>
+            <p:ph type="sldNum" sz="quarter" idx="12"/>
+          </p:nvPr>
+        </p:nvSpPr>
+        <p:spPr>
+          <a:xfrm>
+            <a:off x="8584842" y="6356350"/>
+            <a:ext cx="2743200" cy="365125"/>
+          </a:xfrm>
+        </p:spPr>
+        <p:txBody>
+          <a:bodyPr/>
+          <a:lstStyle/>
+          <a:p>
+            <a:fld id="{8AF177A2-331A-49A6-919F-173C51BBA4D7}" type="slidenum">
+              <a:rPr lang="ru-RU" smtClean="0"/>
+              <a:t>12</a:t>
+            </a:fld>
+            <a:endParaRPr lang="ru-RU"/>
+          </a:p>
+        </p:txBody>
+      </p:sp>
+      <p:sp>
+        <p:nvSpPr>
+          <p:cNvPr id="5" name="Заголовок 1"/>
+          <p:cNvSpPr>
+            <a:spLocks noGrp="1"/>
+          </p:cNvSpPr>
+          <p:nvPr>
+            <p:ph type="title"/>
+          </p:nvPr>
+        </p:nvSpPr>
+        <p:spPr>
+          <a:xfrm>
+            <a:off x="812441" y="181938"/>
+            <a:ext cx="10701271" cy="1376406"/>
+          </a:xfrm>
+        </p:spPr>
+        <p:txBody>
+          <a:bodyPr>
+            <a:normAutofit/>
+          </a:bodyPr>
+          <a:lstStyle/>
+          <a:p>
+            <a:pPr algn="ctr"/>
+            <a:r>
+              <a:rPr lang="ru-RU" dirty="0" smtClean="0">
+                <a:solidFill>
+                  <a:srgbClr val="0070C0"/>
+                </a:solidFill>
+                <a:latin typeface="Times New Roman" panose="02020603050405020304" pitchFamily="18" charset="0"/>
+                <a:cs typeface="Times New Roman" panose="02020603050405020304" pitchFamily="18" charset="0"/>
+              </a:rPr>
+              <a:t>Выводы</a:t>
+            </a:r>
+            <a:endParaRPr lang="ru-RU" dirty="0">
+              <a:solidFill>
+                <a:srgbClr val="0070C0"/>
+              </a:solidFill>
+              <a:latin typeface="Times New Roman" panose="02020603050405020304" pitchFamily="18" charset="0"/>
+              <a:cs typeface="Times New Roman" panose="02020603050405020304" pitchFamily="18" charset="0"/>
+            </a:endParaRPr>
+          </a:p>
+        </p:txBody>
+      </p:sp>
+      <p:pic>
+        <p:nvPicPr>
+          <p:cNvPr id="2" name="Рисунок 1"/>
+          <p:cNvPicPr>
+            <a:picLocks noChangeAspect="1"/>
+          </p:cNvPicPr>
+          <p:nvPr/>
+        </p:nvPicPr>
+        <p:blipFill>
+          <a:blip r:embed="rId2" cstate="print">
+            <a:extLst>
+              <a:ext uri="{28A0092B-C50C-407E-A947-70E740481C1C}">
+                <a14:useLocalDpi xmlns:a14="http://schemas.microsoft.com/office/drawing/2010/main" val="0"/>
+              </a:ext>
+            </a:extLst>
+          </a:blip>
+          <a:stretch>
+            <a:fillRect/>
+          </a:stretch>
+        </p:blipFill>
+        <p:spPr>
+          <a:xfrm>
+            <a:off x="386366" y="-111348"/>
+            <a:ext cx="2125014" cy="2125014"/>
+          </a:xfrm>
+          <a:prstGeom prst="rect">
+            <a:avLst/>
+          </a:prstGeom>
+        </p:spPr>
+      </p:pic>
+      <p:sp>
+        <p:nvSpPr>
+          <p:cNvPr id="18" name="Объект 4"/>
+          <p:cNvSpPr>
+            <a:spLocks noGrp="1"/>
+          </p:cNvSpPr>
+          <p:nvPr>
+            <p:ph idx="1"/>
+          </p:nvPr>
+        </p:nvSpPr>
+        <p:spPr>
+          <a:xfrm>
+            <a:off x="682580" y="2013666"/>
+            <a:ext cx="10831132" cy="4232879"/>
+          </a:xfrm>
+        </p:spPr>
+        <p:txBody>
+          <a:bodyPr>
+            <a:normAutofit lnSpcReduction="10000"/>
+          </a:bodyPr>
+          <a:lstStyle/>
+          <a:p>
+            <a:pPr>
+              <a:spcAft>
+                <a:spcPts val="1000"/>
+              </a:spcAft>
+              <a:buClr>
+                <a:srgbClr val="0070C0"/>
+              </a:buClr>
+              <a:buFont typeface="Wingdings" panose="05000000000000000000" pitchFamily="2" charset="2"/>
+              <a:buChar char="Ø"/>
+            </a:pPr>
+            <a:r>
+              <a:rPr lang="ru-RU" sz="2400" dirty="0" smtClean="0">
+                <a:latin typeface="Times New Roman" panose="02020603050405020304" pitchFamily="18" charset="0"/>
+                <a:cs typeface="Times New Roman" panose="02020603050405020304" pitchFamily="18" charset="0"/>
+              </a:rPr>
+              <a:t>Разработана </a:t>
+            </a:r>
+            <a:r>
+              <a:rPr lang="ru-RU" sz="2400" dirty="0" err="1" smtClean="0">
+                <a:latin typeface="Times New Roman" panose="02020603050405020304" pitchFamily="18" charset="0"/>
+                <a:cs typeface="Times New Roman" panose="02020603050405020304" pitchFamily="18" charset="0"/>
+              </a:rPr>
+              <a:t>графовая</a:t>
+            </a:r>
+            <a:r>
+              <a:rPr lang="ru-RU" sz="2400" dirty="0" smtClean="0">
+                <a:latin typeface="Times New Roman" panose="02020603050405020304" pitchFamily="18" charset="0"/>
+                <a:cs typeface="Times New Roman" panose="02020603050405020304" pitchFamily="18" charset="0"/>
+              </a:rPr>
+              <a:t> база данных для системы управления проектами;</a:t>
+            </a:r>
+          </a:p>
+          <a:p>
+            <a:pPr>
+              <a:spcAft>
+                <a:spcPts val="1000"/>
+              </a:spcAft>
+              <a:buClr>
+                <a:srgbClr val="0070C0"/>
+              </a:buClr>
+              <a:buFont typeface="Wingdings" panose="05000000000000000000" pitchFamily="2" charset="2"/>
+              <a:buChar char="Ø"/>
+            </a:pPr>
+            <a:r>
+              <a:rPr lang="ru-RU" sz="2400" dirty="0" smtClean="0">
+                <a:latin typeface="Times New Roman" panose="02020603050405020304" pitchFamily="18" charset="0"/>
+                <a:cs typeface="Times New Roman" panose="02020603050405020304" pitchFamily="18" charset="0"/>
+              </a:rPr>
+              <a:t>Созданы скрипты для заполнени</a:t>
+            </a:r>
+            <a:r>
+              <a:rPr lang="ru-RU" sz="2400" dirty="0" smtClean="0">
+                <a:latin typeface="Times New Roman" panose="02020603050405020304" pitchFamily="18" charset="0"/>
+                <a:cs typeface="Times New Roman" panose="02020603050405020304" pitchFamily="18" charset="0"/>
+              </a:rPr>
+              <a:t>я </a:t>
+            </a:r>
+            <a:r>
+              <a:rPr lang="ru-RU" sz="2400" dirty="0" err="1" smtClean="0">
+                <a:latin typeface="Times New Roman" panose="02020603050405020304" pitchFamily="18" charset="0"/>
+                <a:cs typeface="Times New Roman" panose="02020603050405020304" pitchFamily="18" charset="0"/>
+              </a:rPr>
+              <a:t>графовой</a:t>
+            </a:r>
+            <a:r>
+              <a:rPr lang="ru-RU" sz="2400" dirty="0" smtClean="0">
+                <a:latin typeface="Times New Roman" panose="02020603050405020304" pitchFamily="18" charset="0"/>
+                <a:cs typeface="Times New Roman" panose="02020603050405020304" pitchFamily="18" charset="0"/>
+              </a:rPr>
+              <a:t> базы данных;</a:t>
+            </a:r>
+          </a:p>
+          <a:p>
+            <a:pPr>
+              <a:spcAft>
+                <a:spcPts val="1000"/>
+              </a:spcAft>
+              <a:buClr>
+                <a:srgbClr val="0070C0"/>
+              </a:buClr>
+              <a:buFont typeface="Wingdings" panose="05000000000000000000" pitchFamily="2" charset="2"/>
+              <a:buChar char="Ø"/>
+            </a:pPr>
+            <a:r>
+              <a:rPr lang="ru-RU" sz="2400" dirty="0" smtClean="0">
+                <a:latin typeface="Times New Roman" panose="02020603050405020304" pitchFamily="18" charset="0"/>
+                <a:cs typeface="Times New Roman" panose="02020603050405020304" pitchFamily="18" charset="0"/>
+              </a:rPr>
+              <a:t>Созданы запросы для извлечения основной информации о проектах;</a:t>
+            </a:r>
+          </a:p>
+          <a:p>
+            <a:pPr>
+              <a:spcAft>
+                <a:spcPts val="1000"/>
+              </a:spcAft>
+              <a:buClr>
+                <a:srgbClr val="0070C0"/>
+              </a:buClr>
+              <a:buFont typeface="Wingdings" panose="05000000000000000000" pitchFamily="2" charset="2"/>
+              <a:buChar char="Ø"/>
+            </a:pPr>
+            <a:r>
+              <a:rPr lang="ru-RU" sz="2400" dirty="0" smtClean="0">
+                <a:latin typeface="Times New Roman" panose="02020603050405020304" pitchFamily="18" charset="0"/>
+                <a:cs typeface="Times New Roman" panose="02020603050405020304" pitchFamily="18" charset="0"/>
+              </a:rPr>
+              <a:t>Проведена оценка условий труда по факторам тяжести и напряженности трудового процесса до и после разработанной </a:t>
+            </a:r>
+            <a:r>
+              <a:rPr lang="ru-RU" sz="2400" dirty="0" err="1" smtClean="0">
+                <a:latin typeface="Times New Roman" panose="02020603050405020304" pitchFamily="18" charset="0"/>
+                <a:cs typeface="Times New Roman" panose="02020603050405020304" pitchFamily="18" charset="0"/>
+              </a:rPr>
+              <a:t>графовой</a:t>
+            </a:r>
+            <a:r>
+              <a:rPr lang="ru-RU" sz="2400" dirty="0" smtClean="0">
+                <a:latin typeface="Times New Roman" panose="02020603050405020304" pitchFamily="18" charset="0"/>
+                <a:cs typeface="Times New Roman" panose="02020603050405020304" pitchFamily="18" charset="0"/>
+              </a:rPr>
+              <a:t> БД;</a:t>
+            </a:r>
+          </a:p>
+          <a:p>
+            <a:pPr>
+              <a:spcAft>
+                <a:spcPts val="1000"/>
+              </a:spcAft>
+              <a:buClr>
+                <a:srgbClr val="0070C0"/>
+              </a:buClr>
+              <a:buFont typeface="Wingdings" panose="05000000000000000000" pitchFamily="2" charset="2"/>
+              <a:buChar char="Ø"/>
+            </a:pPr>
+            <a:r>
+              <a:rPr lang="ru-RU" sz="2400" dirty="0" smtClean="0">
+                <a:latin typeface="Times New Roman" panose="02020603050405020304" pitchFamily="18" charset="0"/>
+                <a:cs typeface="Times New Roman" panose="02020603050405020304" pitchFamily="18" charset="0"/>
+              </a:rPr>
+              <a:t>Приведено обоснование экономической эффективности ВКР;</a:t>
+            </a:r>
+          </a:p>
+          <a:p>
+            <a:pPr>
+              <a:spcAft>
+                <a:spcPts val="1000"/>
+              </a:spcAft>
+              <a:buClr>
+                <a:srgbClr val="0070C0"/>
+              </a:buClr>
+              <a:buFont typeface="Wingdings" panose="05000000000000000000" pitchFamily="2" charset="2"/>
+              <a:buChar char="Ø"/>
+            </a:pPr>
+            <a:r>
+              <a:rPr lang="ru-RU" sz="2400" dirty="0" smtClean="0">
+                <a:latin typeface="Times New Roman" panose="02020603050405020304" pitchFamily="18" charset="0"/>
+                <a:cs typeface="Times New Roman" panose="02020603050405020304" pitchFamily="18" charset="0"/>
+              </a:rPr>
+              <a:t>Дальнейшее развитие работы предполагает разработку веб интерфейса и </a:t>
+            </a:r>
+            <a:r>
+              <a:rPr lang="en-US" sz="2400" dirty="0" smtClean="0">
+                <a:latin typeface="Times New Roman" panose="02020603050405020304" pitchFamily="18" charset="0"/>
+                <a:cs typeface="Times New Roman" panose="02020603050405020304" pitchFamily="18" charset="0"/>
+              </a:rPr>
+              <a:t>API </a:t>
+            </a:r>
+            <a:r>
+              <a:rPr lang="ru-RU" sz="2400" dirty="0" smtClean="0">
+                <a:latin typeface="Times New Roman" panose="02020603050405020304" pitchFamily="18" charset="0"/>
+                <a:cs typeface="Times New Roman" panose="02020603050405020304" pitchFamily="18" charset="0"/>
+              </a:rPr>
+              <a:t>для интегрирования проектов из существующих систем в разработанную </a:t>
+            </a:r>
+            <a:r>
+              <a:rPr lang="ru-RU" sz="2400" dirty="0" err="1" smtClean="0">
+                <a:latin typeface="Times New Roman" panose="02020603050405020304" pitchFamily="18" charset="0"/>
+                <a:cs typeface="Times New Roman" panose="02020603050405020304" pitchFamily="18" charset="0"/>
+              </a:rPr>
+              <a:t>графовую</a:t>
+            </a:r>
+            <a:r>
+              <a:rPr lang="ru-RU" sz="2400" dirty="0" smtClean="0">
+                <a:latin typeface="Times New Roman" panose="02020603050405020304" pitchFamily="18" charset="0"/>
+                <a:cs typeface="Times New Roman" panose="02020603050405020304" pitchFamily="18" charset="0"/>
+              </a:rPr>
+              <a:t> базу данных. </a:t>
+            </a:r>
+            <a:endParaRPr lang="ru-RU" sz="2400" dirty="0" smtClean="0">
+              <a:latin typeface="Times New Roman" panose="02020603050405020304" pitchFamily="18" charset="0"/>
+              <a:cs typeface="Times New Roman" panose="02020603050405020304" pitchFamily="18" charset="0"/>
+            </a:endParaRPr>
+          </a:p>
+          <a:p>
+            <a:pPr marL="0" indent="0">
+              <a:spcAft>
+                <a:spcPts val="1000"/>
+              </a:spcAft>
+              <a:buNone/>
+            </a:pPr>
+            <a:endParaRPr lang="ru-RU" sz="2400" dirty="0">
+              <a:latin typeface="Times New Roman" panose="02020603050405020304" pitchFamily="18" charset="0"/>
+              <a:cs typeface="Times New Roman" panose="02020603050405020304" pitchFamily="18" charset="0"/>
+            </a:endParaRPr>
+          </a:p>
+        </p:txBody>
+      </p:sp>
+    </p:spTree>
+    <p:extLst>
+      <p:ext uri="{BB962C8B-B14F-4D97-AF65-F5344CB8AC3E}">
+        <p14:creationId xmlns:p14="http://schemas.microsoft.com/office/powerpoint/2010/main" val="1446036354"/>
+      </p:ext>
+    </p:extLst>
+  </p:cSld>
+  <p:clrMapOvr>
+    <a:masterClrMapping/>
+  </p:clrMapOvr>
+  <p:timing>
+    <p:tnLst>
+      <p:par>
+        <p:cTn id="1" dur="indefinite" restart="never" nodeType="tmRoot">
+          <p:childTnLst>
+            <p:seq concurrent="1" nextAc="seek">
+              <p:cTn id="2" dur="indefinite" nodeType="mainSeq">
+                <p:childTnLst>
+                  <p:par>
+                    <p:cTn id="3" fill="hold">
+                      <p:stCondLst>
+                        <p:cond delay="indefinite"/>
+                        <p:cond evt="onBegin" delay="0">
+                          <p:tn val="2"/>
+                        </p:cond>
+                      </p:stCondLst>
+                      <p:childTnLst>
+                        <p:par>
+                          <p:cTn id="4" fill="hold">
+                            <p:stCondLst>
+                              <p:cond delay="0"/>
+                            </p:stCondLst>
+                            <p:childTnLst>
+                              <p:par>
+                                <p:cTn id="5" presetID="2" presetClass="entr" presetSubtype="4" fill="hold" grpId="0" nodeType="withEffect">
+                                  <p:stCondLst>
+                                    <p:cond delay="0"/>
+                                  </p:stCondLst>
+                                  <p:childTnLst>
+                                    <p:set>
+                                      <p:cBhvr>
+                                        <p:cTn id="6" dur="1" fill="hold">
+                                          <p:stCondLst>
+                                            <p:cond delay="0"/>
+                                          </p:stCondLst>
+                                        </p:cTn>
+                                        <p:tgtEl>
+                                          <p:spTgt spid="18">
+                                            <p:txEl>
+                                              <p:pRg st="0" end="0"/>
+                                            </p:txEl>
+                                          </p:spTgt>
+                                        </p:tgtEl>
+                                        <p:attrNameLst>
+                                          <p:attrName>style.visibility</p:attrName>
+                                        </p:attrNameLst>
+                                      </p:cBhvr>
+                                      <p:to>
+                                        <p:strVal val="visible"/>
+                                      </p:to>
+                                    </p:set>
+                                    <p:anim calcmode="lin" valueType="num">
+                                      <p:cBhvr additive="base">
+                                        <p:cTn id="7" dur="500" fill="hold"/>
+                                        <p:tgtEl>
+                                          <p:spTgt spid="18">
+                                            <p:txEl>
+                                              <p:pRg st="0" end="0"/>
+                                            </p:txEl>
+                                          </p:spTgt>
+                                        </p:tgtEl>
+                                        <p:attrNameLst>
+                                          <p:attrName>ppt_x</p:attrName>
+                                        </p:attrNameLst>
+                                      </p:cBhvr>
+                                      <p:tavLst>
+                                        <p:tav tm="0">
+                                          <p:val>
+                                            <p:strVal val="#ppt_x"/>
+                                          </p:val>
+                                        </p:tav>
+                                        <p:tav tm="100000">
+                                          <p:val>
+                                            <p:strVal val="#ppt_x"/>
+                                          </p:val>
+                                        </p:tav>
+                                      </p:tavLst>
+                                    </p:anim>
+                                    <p:anim calcmode="lin" valueType="num">
+                                      <p:cBhvr additive="base">
+                                        <p:cTn id="8" dur="500" fill="hold"/>
+                                        <p:tgtEl>
+                                          <p:spTgt spid="18">
+                                            <p:txEl>
+                                              <p:pRg st="0" end="0"/>
+                                            </p:txEl>
+                                          </p:spTgt>
+                                        </p:tgtEl>
+                                        <p:attrNameLst>
+                                          <p:attrName>ppt_y</p:attrName>
+                                        </p:attrNameLst>
+                                      </p:cBhvr>
+                                      <p:tavLst>
+                                        <p:tav tm="0">
+                                          <p:val>
+                                            <p:strVal val="1+#ppt_h/2"/>
+                                          </p:val>
+                                        </p:tav>
+                                        <p:tav tm="100000">
+                                          <p:val>
+                                            <p:strVal val="#ppt_y"/>
+                                          </p:val>
+                                        </p:tav>
+                                      </p:tavLst>
+                                    </p:anim>
+                                  </p:childTnLst>
+                                </p:cTn>
+                              </p:par>
+                              <p:par>
+                                <p:cTn id="9" presetID="2" presetClass="entr" presetSubtype="4" fill="hold" grpId="0" nodeType="withEffect">
+                                  <p:stCondLst>
+                                    <p:cond delay="0"/>
+                                  </p:stCondLst>
+                                  <p:childTnLst>
+                                    <p:set>
+                                      <p:cBhvr>
+                                        <p:cTn id="10" dur="1" fill="hold">
+                                          <p:stCondLst>
+                                            <p:cond delay="0"/>
+                                          </p:stCondLst>
+                                        </p:cTn>
+                                        <p:tgtEl>
+                                          <p:spTgt spid="18">
+                                            <p:txEl>
+                                              <p:pRg st="1" end="1"/>
+                                            </p:txEl>
+                                          </p:spTgt>
+                                        </p:tgtEl>
+                                        <p:attrNameLst>
+                                          <p:attrName>style.visibility</p:attrName>
+                                        </p:attrNameLst>
+                                      </p:cBhvr>
+                                      <p:to>
+                                        <p:strVal val="visible"/>
+                                      </p:to>
+                                    </p:set>
+                                    <p:anim calcmode="lin" valueType="num">
+                                      <p:cBhvr additive="base">
+                                        <p:cTn id="11" dur="500" fill="hold"/>
+                                        <p:tgtEl>
+                                          <p:spTgt spid="18">
+                                            <p:txEl>
+                                              <p:pRg st="1" end="1"/>
+                                            </p:txEl>
+                                          </p:spTgt>
+                                        </p:tgtEl>
+                                        <p:attrNameLst>
+                                          <p:attrName>ppt_x</p:attrName>
+                                        </p:attrNameLst>
+                                      </p:cBhvr>
+                                      <p:tavLst>
+                                        <p:tav tm="0">
+                                          <p:val>
+                                            <p:strVal val="#ppt_x"/>
+                                          </p:val>
+                                        </p:tav>
+                                        <p:tav tm="100000">
+                                          <p:val>
+                                            <p:strVal val="#ppt_x"/>
+                                          </p:val>
+                                        </p:tav>
+                                      </p:tavLst>
+                                    </p:anim>
+                                    <p:anim calcmode="lin" valueType="num">
+                                      <p:cBhvr additive="base">
+                                        <p:cTn id="12" dur="500" fill="hold"/>
+                                        <p:tgtEl>
+                                          <p:spTgt spid="18">
+                                            <p:txEl>
+                                              <p:pRg st="1" end="1"/>
+                                            </p:txEl>
+                                          </p:spTgt>
+                                        </p:tgtEl>
+                                        <p:attrNameLst>
+                                          <p:attrName>ppt_y</p:attrName>
+                                        </p:attrNameLst>
+                                      </p:cBhvr>
+                                      <p:tavLst>
+                                        <p:tav tm="0">
+                                          <p:val>
+                                            <p:strVal val="1+#ppt_h/2"/>
+                                          </p:val>
+                                        </p:tav>
+                                        <p:tav tm="100000">
+                                          <p:val>
+                                            <p:strVal val="#ppt_y"/>
+                                          </p:val>
+                                        </p:tav>
+                                      </p:tavLst>
+                                    </p:anim>
+                                  </p:childTnLst>
+                                </p:cTn>
+                              </p:par>
+                              <p:par>
+                                <p:cTn id="13" presetID="2" presetClass="entr" presetSubtype="4" fill="hold" grpId="0" nodeType="withEffect">
+                                  <p:stCondLst>
+                                    <p:cond delay="0"/>
+                                  </p:stCondLst>
+                                  <p:childTnLst>
+                                    <p:set>
+                                      <p:cBhvr>
+                                        <p:cTn id="14" dur="1" fill="hold">
+                                          <p:stCondLst>
+                                            <p:cond delay="0"/>
+                                          </p:stCondLst>
+                                        </p:cTn>
+                                        <p:tgtEl>
+                                          <p:spTgt spid="18">
+                                            <p:txEl>
+                                              <p:pRg st="2" end="2"/>
+                                            </p:txEl>
+                                          </p:spTgt>
+                                        </p:tgtEl>
+                                        <p:attrNameLst>
+                                          <p:attrName>style.visibility</p:attrName>
+                                        </p:attrNameLst>
+                                      </p:cBhvr>
+                                      <p:to>
+                                        <p:strVal val="visible"/>
+                                      </p:to>
+                                    </p:set>
+                                    <p:anim calcmode="lin" valueType="num">
+                                      <p:cBhvr additive="base">
+                                        <p:cTn id="15" dur="500" fill="hold"/>
+                                        <p:tgtEl>
+                                          <p:spTgt spid="18">
+                                            <p:txEl>
+                                              <p:pRg st="2" end="2"/>
+                                            </p:txEl>
+                                          </p:spTgt>
+                                        </p:tgtEl>
+                                        <p:attrNameLst>
+                                          <p:attrName>ppt_x</p:attrName>
+                                        </p:attrNameLst>
+                                      </p:cBhvr>
+                                      <p:tavLst>
+                                        <p:tav tm="0">
+                                          <p:val>
+                                            <p:strVal val="#ppt_x"/>
+                                          </p:val>
+                                        </p:tav>
+                                        <p:tav tm="100000">
+                                          <p:val>
+                                            <p:strVal val="#ppt_x"/>
+                                          </p:val>
+                                        </p:tav>
+                                      </p:tavLst>
+                                    </p:anim>
+                                    <p:anim calcmode="lin" valueType="num">
+                                      <p:cBhvr additive="base">
+                                        <p:cTn id="16" dur="500" fill="hold"/>
+                                        <p:tgtEl>
+                                          <p:spTgt spid="18">
+                                            <p:txEl>
+                                              <p:pRg st="2" end="2"/>
+                                            </p:txEl>
+                                          </p:spTgt>
+                                        </p:tgtEl>
+                                        <p:attrNameLst>
+                                          <p:attrName>ppt_y</p:attrName>
+                                        </p:attrNameLst>
+                                      </p:cBhvr>
+                                      <p:tavLst>
+                                        <p:tav tm="0">
+                                          <p:val>
+                                            <p:strVal val="1+#ppt_h/2"/>
+                                          </p:val>
+                                        </p:tav>
+                                        <p:tav tm="100000">
+                                          <p:val>
+                                            <p:strVal val="#ppt_y"/>
+                                          </p:val>
+                                        </p:tav>
+                                      </p:tavLst>
+                                    </p:anim>
+                                  </p:childTnLst>
+                                </p:cTn>
+                              </p:par>
+                              <p:par>
+                                <p:cTn id="17" presetID="2" presetClass="entr" presetSubtype="4" fill="hold" grpId="0" nodeType="withEffect">
+                                  <p:stCondLst>
+                                    <p:cond delay="0"/>
+                                  </p:stCondLst>
+                                  <p:childTnLst>
+                                    <p:set>
+                                      <p:cBhvr>
+                                        <p:cTn id="18" dur="1" fill="hold">
+                                          <p:stCondLst>
+                                            <p:cond delay="0"/>
+                                          </p:stCondLst>
+                                        </p:cTn>
+                                        <p:tgtEl>
+                                          <p:spTgt spid="18">
+                                            <p:txEl>
+                                              <p:pRg st="3" end="3"/>
+                                            </p:txEl>
+                                          </p:spTgt>
+                                        </p:tgtEl>
+                                        <p:attrNameLst>
+                                          <p:attrName>style.visibility</p:attrName>
+                                        </p:attrNameLst>
+                                      </p:cBhvr>
+                                      <p:to>
+                                        <p:strVal val="visible"/>
+                                      </p:to>
+                                    </p:set>
+                                    <p:anim calcmode="lin" valueType="num">
+                                      <p:cBhvr additive="base">
+                                        <p:cTn id="19" dur="500" fill="hold"/>
+                                        <p:tgtEl>
+                                          <p:spTgt spid="18">
+                                            <p:txEl>
+                                              <p:pRg st="3" end="3"/>
+                                            </p:txEl>
+                                          </p:spTgt>
+                                        </p:tgtEl>
+                                        <p:attrNameLst>
+                                          <p:attrName>ppt_x</p:attrName>
+                                        </p:attrNameLst>
+                                      </p:cBhvr>
+                                      <p:tavLst>
+                                        <p:tav tm="0">
+                                          <p:val>
+                                            <p:strVal val="#ppt_x"/>
+                                          </p:val>
+                                        </p:tav>
+                                        <p:tav tm="100000">
+                                          <p:val>
+                                            <p:strVal val="#ppt_x"/>
+                                          </p:val>
+                                        </p:tav>
+                                      </p:tavLst>
+                                    </p:anim>
+                                    <p:anim calcmode="lin" valueType="num">
+                                      <p:cBhvr additive="base">
+                                        <p:cTn id="20" dur="500" fill="hold"/>
+                                        <p:tgtEl>
+                                          <p:spTgt spid="18">
+                                            <p:txEl>
+                                              <p:pRg st="3" end="3"/>
+                                            </p:txEl>
+                                          </p:spTgt>
+                                        </p:tgtEl>
+                                        <p:attrNameLst>
+                                          <p:attrName>ppt_y</p:attrName>
+                                        </p:attrNameLst>
+                                      </p:cBhvr>
+                                      <p:tavLst>
+                                        <p:tav tm="0">
+                                          <p:val>
+                                            <p:strVal val="1+#ppt_h/2"/>
+                                          </p:val>
+                                        </p:tav>
+                                        <p:tav tm="100000">
+                                          <p:val>
+                                            <p:strVal val="#ppt_y"/>
+                                          </p:val>
+                                        </p:tav>
+                                      </p:tavLst>
+                                    </p:anim>
+                                  </p:childTnLst>
+                                </p:cTn>
+                              </p:par>
+                              <p:par>
+                                <p:cTn id="21" presetID="2" presetClass="entr" presetSubtype="4" fill="hold" grpId="0" nodeType="withEffect">
+                                  <p:stCondLst>
+                                    <p:cond delay="0"/>
+                                  </p:stCondLst>
+                                  <p:childTnLst>
+                                    <p:set>
+                                      <p:cBhvr>
+                                        <p:cTn id="22" dur="1" fill="hold">
+                                          <p:stCondLst>
+                                            <p:cond delay="0"/>
+                                          </p:stCondLst>
+                                        </p:cTn>
+                                        <p:tgtEl>
+                                          <p:spTgt spid="18">
+                                            <p:txEl>
+                                              <p:pRg st="4" end="4"/>
+                                            </p:txEl>
+                                          </p:spTgt>
+                                        </p:tgtEl>
+                                        <p:attrNameLst>
+                                          <p:attrName>style.visibility</p:attrName>
+                                        </p:attrNameLst>
+                                      </p:cBhvr>
+                                      <p:to>
+                                        <p:strVal val="visible"/>
+                                      </p:to>
+                                    </p:set>
+                                    <p:anim calcmode="lin" valueType="num">
+                                      <p:cBhvr additive="base">
+                                        <p:cTn id="23" dur="500" fill="hold"/>
+                                        <p:tgtEl>
+                                          <p:spTgt spid="18">
+                                            <p:txEl>
+                                              <p:pRg st="4" end="4"/>
+                                            </p:txEl>
+                                          </p:spTgt>
+                                        </p:tgtEl>
+                                        <p:attrNameLst>
+                                          <p:attrName>ppt_x</p:attrName>
+                                        </p:attrNameLst>
+                                      </p:cBhvr>
+                                      <p:tavLst>
+                                        <p:tav tm="0">
+                                          <p:val>
+                                            <p:strVal val="#ppt_x"/>
+                                          </p:val>
+                                        </p:tav>
+                                        <p:tav tm="100000">
+                                          <p:val>
+                                            <p:strVal val="#ppt_x"/>
+                                          </p:val>
+                                        </p:tav>
+                                      </p:tavLst>
+                                    </p:anim>
+                                    <p:anim calcmode="lin" valueType="num">
+                                      <p:cBhvr additive="base">
+                                        <p:cTn id="24" dur="500" fill="hold"/>
+                                        <p:tgtEl>
+                                          <p:spTgt spid="18">
+                                            <p:txEl>
+                                              <p:pRg st="4" end="4"/>
+                                            </p:txEl>
+                                          </p:spTgt>
+                                        </p:tgtEl>
+                                        <p:attrNameLst>
+                                          <p:attrName>ppt_y</p:attrName>
+                                        </p:attrNameLst>
+                                      </p:cBhvr>
+                                      <p:tavLst>
+                                        <p:tav tm="0">
+                                          <p:val>
+                                            <p:strVal val="1+#ppt_h/2"/>
+                                          </p:val>
+                                        </p:tav>
+                                        <p:tav tm="100000">
+                                          <p:val>
+                                            <p:strVal val="#ppt_y"/>
+                                          </p:val>
+                                        </p:tav>
+                                      </p:tavLst>
+                                    </p:anim>
+                                  </p:childTnLst>
+                                </p:cTn>
+                              </p:par>
+                              <p:par>
+                                <p:cTn id="25" presetID="2" presetClass="entr" presetSubtype="4" fill="hold" grpId="0" nodeType="withEffect">
+                                  <p:stCondLst>
+                                    <p:cond delay="0"/>
+                                  </p:stCondLst>
+                                  <p:childTnLst>
+                                    <p:set>
+                                      <p:cBhvr>
+                                        <p:cTn id="26" dur="1" fill="hold">
+                                          <p:stCondLst>
+                                            <p:cond delay="0"/>
+                                          </p:stCondLst>
+                                        </p:cTn>
+                                        <p:tgtEl>
+                                          <p:spTgt spid="18">
+                                            <p:txEl>
+                                              <p:pRg st="5" end="5"/>
+                                            </p:txEl>
+                                          </p:spTgt>
+                                        </p:tgtEl>
+                                        <p:attrNameLst>
+                                          <p:attrName>style.visibility</p:attrName>
+                                        </p:attrNameLst>
+                                      </p:cBhvr>
+                                      <p:to>
+                                        <p:strVal val="visible"/>
+                                      </p:to>
+                                    </p:set>
+                                    <p:anim calcmode="lin" valueType="num">
+                                      <p:cBhvr additive="base">
+                                        <p:cTn id="27" dur="500" fill="hold"/>
+                                        <p:tgtEl>
+                                          <p:spTgt spid="18">
+                                            <p:txEl>
+                                              <p:pRg st="5" end="5"/>
+                                            </p:txEl>
+                                          </p:spTgt>
+                                        </p:tgtEl>
+                                        <p:attrNameLst>
+                                          <p:attrName>ppt_x</p:attrName>
+                                        </p:attrNameLst>
+                                      </p:cBhvr>
+                                      <p:tavLst>
+                                        <p:tav tm="0">
+                                          <p:val>
+                                            <p:strVal val="#ppt_x"/>
+                                          </p:val>
+                                        </p:tav>
+                                        <p:tav tm="100000">
+                                          <p:val>
+                                            <p:strVal val="#ppt_x"/>
+                                          </p:val>
+                                        </p:tav>
+                                      </p:tavLst>
+                                    </p:anim>
+                                    <p:anim calcmode="lin" valueType="num">
+                                      <p:cBhvr additive="base">
+                                        <p:cTn id="28" dur="500" fill="hold"/>
+                                        <p:tgtEl>
+                                          <p:spTgt spid="18">
+                                            <p:txEl>
+                                              <p:pRg st="5" end="5"/>
+                                            </p:txEl>
+                                          </p:spTgt>
+                                        </p:tgtEl>
+                                        <p:attrNameLst>
+                                          <p:attrName>ppt_y</p:attrName>
+                                        </p:attrNameLst>
+                                      </p:cBhvr>
+                                      <p:tavLst>
+                                        <p:tav tm="0">
+                                          <p:val>
+                                            <p:strVal val="1+#ppt_h/2"/>
+                                          </p:val>
+                                        </p:tav>
+                                        <p:tav tm="100000">
+                                          <p:val>
+                                            <p:strVal val="#ppt_y"/>
+                                          </p:val>
+                                        </p:tav>
+                                      </p:tavLst>
+                                    </p:anim>
+                                  </p:childTnLst>
+                                </p:cTn>
+                              </p:par>
+                            </p:childTnLst>
+                          </p:cTn>
+                        </p:par>
+                      </p:childTnLst>
+                    </p:cTn>
+                  </p:par>
+                </p:childTnLst>
+              </p:cTn>
+              <p:prevCondLst>
+                <p:cond evt="onPrev" delay="0">
+                  <p:tgtEl>
+                    <p:sldTgt/>
+                  </p:tgtEl>
+                </p:cond>
+              </p:prevCondLst>
+              <p:nextCondLst>
+                <p:cond evt="onNext" delay="0">
+                  <p:tgtEl>
+                    <p:sldTgt/>
+                  </p:tgtEl>
+                </p:cond>
+              </p:nextCondLst>
+            </p:seq>
+          </p:childTnLst>
+        </p:cTn>
+      </p:par>
+    </p:tnLst>
+    <p:bldLst>
+      <p:bldP spid="18" grpId="0" build="p"/>
     </p:bldLst>
   </p:timing>
 </p:sld>
@@ -6488,7 +7131,27 @@
                 <a:latin typeface="Times New Roman" panose="02020603050405020304" pitchFamily="18" charset="0"/>
                 <a:cs typeface="Times New Roman" panose="02020603050405020304" pitchFamily="18" charset="0"/>
               </a:rPr>
-              <a:t>Создание тестовых скриптов для заполнения </a:t>
+              <a:t>Создание </a:t>
+            </a:r>
+            <a:r>
+              <a:rPr lang="ru-RU" sz="2000" dirty="0" smtClean="0">
+                <a:solidFill>
+                  <a:schemeClr val="tx1"/>
+                </a:solidFill>
+                <a:latin typeface="Times New Roman" panose="02020603050405020304" pitchFamily="18" charset="0"/>
+                <a:cs typeface="Times New Roman" panose="02020603050405020304" pitchFamily="18" charset="0"/>
+              </a:rPr>
+              <a:t>скриптов </a:t>
+            </a:r>
+            <a:r>
+              <a:rPr lang="ru-RU" sz="2000" dirty="0" smtClean="0">
+                <a:solidFill>
+                  <a:schemeClr val="tx1"/>
+                </a:solidFill>
+                <a:latin typeface="Times New Roman" panose="02020603050405020304" pitchFamily="18" charset="0"/>
+                <a:cs typeface="Times New Roman" panose="02020603050405020304" pitchFamily="18" charset="0"/>
+              </a:rPr>
+              <a:t>для заполнения </a:t>
             </a:r>
             <a:r>
               <a:rPr lang="ru-RU" sz="2000" dirty="0" err="1" smtClean="0">
@@ -6560,7 +7223,27 @@
                 <a:latin typeface="Times New Roman" panose="02020603050405020304" pitchFamily="18" charset="0"/>
                 <a:cs typeface="Times New Roman" panose="02020603050405020304" pitchFamily="18" charset="0"/>
               </a:rPr>
-              <a:t> модели данных и СУБД </a:t>
+              <a:t> модели данных и </a:t>
+            </a:r>
+            <a:r>
+              <a:rPr lang="ru-RU" sz="2000" b="1" dirty="0" smtClean="0">
+                <a:solidFill>
+                  <a:schemeClr val="tx1"/>
+                </a:solidFill>
+                <a:latin typeface="Times New Roman" panose="02020603050405020304" pitchFamily="18" charset="0"/>
+                <a:cs typeface="Times New Roman" panose="02020603050405020304" pitchFamily="18" charset="0"/>
+              </a:rPr>
+              <a:t>СУБД </a:t>
+            </a:r>
+            <a:r>
+              <a:rPr lang="en-US" sz="2000" b="1" dirty="0" smtClean="0">
+                <a:solidFill>
+                  <a:schemeClr val="tx1"/>
+                </a:solidFill>
+                <a:latin typeface="Times New Roman" panose="02020603050405020304" pitchFamily="18" charset="0"/>
+                <a:cs typeface="Times New Roman" panose="02020603050405020304" pitchFamily="18" charset="0"/>
+              </a:rPr>
+              <a:t>Neo4j</a:t>
             </a:r>
             <a:r>
               <a:rPr lang="en-US" sz="2000" dirty="0" smtClean="0">
@@ -6570,7 +7253,7 @@
                 <a:latin typeface="Times New Roman" panose="02020603050405020304" pitchFamily="18" charset="0"/>
                 <a:cs typeface="Times New Roman" panose="02020603050405020304" pitchFamily="18" charset="0"/>
               </a:rPr>
-              <a:t>Neo4j.</a:t>
+              <a:t>.</a:t>
             </a:r>
           </a:p>
         </p:txBody>
@@ -8528,13 +9211,13 @@
         </p:nvSpPr>
         <p:spPr>
           <a:xfrm>
-            <a:off x="2511188" y="1443104"/>
-            <a:ext cx="9002524" cy="4913245"/>
+            <a:off x="4965686" y="1880315"/>
+            <a:ext cx="6632812" cy="3719256"/>
           </a:xfrm>
         </p:spPr>
         <p:txBody>
           <a:bodyPr>
-            <a:normAutofit lnSpcReduction="10000"/>
+            <a:normAutofit/>
           </a:bodyPr>
           <a:lstStyle/>
           <a:p>
@@ -8543,12 +9226,16 @@
               <a:buAutoNum type="arabicPeriod"/>
             </a:pPr>
             <a:r>
-              <a:rPr lang="ru-RU" sz="2400" dirty="0" smtClean="0">
-                <a:latin typeface="Times New Roman" panose="02020603050405020304" pitchFamily="18" charset="0"/>
-                <a:cs typeface="Times New Roman" panose="02020603050405020304" pitchFamily="18" charset="0"/>
-              </a:rPr>
-              <a:t>Гибкость – дает возможность хранить одни и те же объекты с различными свойствами, что является удобным при интеграции систем;</a:t>
-            </a:r>
+              <a:rPr lang="ru-RU" dirty="0" smtClean="0">
+                <a:latin typeface="Times New Roman" panose="02020603050405020304" pitchFamily="18" charset="0"/>
+                <a:cs typeface="Times New Roman" panose="02020603050405020304" pitchFamily="18" charset="0"/>
+              </a:rPr>
+              <a:t>Гибкая структура данных;</a:t>
+            </a:r>
+            <a:endParaRPr lang="ru-RU" dirty="0" smtClean="0">
+              <a:latin typeface="Times New Roman" panose="02020603050405020304" pitchFamily="18" charset="0"/>
+              <a:cs typeface="Times New Roman" panose="02020603050405020304" pitchFamily="18" charset="0"/>
+            </a:endParaRPr>
           </a:p>
           <a:p>
             <a:pPr marL="457200" indent="-457200">
@@ -8556,12 +9243,16 @@
               <a:buAutoNum type="arabicPeriod"/>
             </a:pPr>
             <a:r>
-              <a:rPr lang="ru-RU" sz="2400" dirty="0" smtClean="0">
-                <a:latin typeface="Times New Roman" panose="02020603050405020304" pitchFamily="18" charset="0"/>
-                <a:cs typeface="Times New Roman" panose="02020603050405020304" pitchFamily="18" charset="0"/>
-              </a:rPr>
-              <a:t>Ощутимый прирост производительности при работе со связанными данными;</a:t>
-            </a:r>
+              <a:rPr lang="ru-RU" dirty="0" smtClean="0">
+                <a:latin typeface="Times New Roman" panose="02020603050405020304" pitchFamily="18" charset="0"/>
+                <a:cs typeface="Times New Roman" panose="02020603050405020304" pitchFamily="18" charset="0"/>
+              </a:rPr>
+              <a:t>Высокая производительность;</a:t>
+            </a:r>
+            <a:endParaRPr lang="ru-RU" dirty="0" smtClean="0">
+              <a:latin typeface="Times New Roman" panose="02020603050405020304" pitchFamily="18" charset="0"/>
+              <a:cs typeface="Times New Roman" panose="02020603050405020304" pitchFamily="18" charset="0"/>
+            </a:endParaRPr>
           </a:p>
           <a:p>
             <a:pPr marL="457200" indent="-457200">
@@ -8569,11 +9260,11 @@
               <a:buAutoNum type="arabicPeriod"/>
             </a:pPr>
             <a:r>
-              <a:rPr lang="ru-RU" sz="2400" dirty="0" smtClean="0">
-                <a:latin typeface="Times New Roman" panose="02020603050405020304" pitchFamily="18" charset="0"/>
-                <a:cs typeface="Times New Roman" panose="02020603050405020304" pitchFamily="18" charset="0"/>
-              </a:rPr>
-              <a:t>Современный способ развертывания;</a:t>
+              <a:rPr lang="ru-RU" dirty="0" smtClean="0">
+                <a:latin typeface="Times New Roman" panose="02020603050405020304" pitchFamily="18" charset="0"/>
+                <a:cs typeface="Times New Roman" panose="02020603050405020304" pitchFamily="18" charset="0"/>
+              </a:rPr>
+              <a:t>Возможность расширения;</a:t>
             </a:r>
           </a:p>
           <a:p>
@@ -8582,11 +9273,18 @@
               <a:buAutoNum type="arabicPeriod"/>
             </a:pPr>
             <a:r>
-              <a:rPr lang="ru-RU" sz="2400" dirty="0" smtClean="0">
-                <a:latin typeface="Times New Roman" panose="02020603050405020304" pitchFamily="18" charset="0"/>
-                <a:cs typeface="Times New Roman" panose="02020603050405020304" pitchFamily="18" charset="0"/>
-              </a:rPr>
-              <a:t>Возможность расширения без нарушения существующих запросов и функционала приложения или системы;</a:t>
+              <a:rPr lang="ru-RU" dirty="0" smtClean="0">
+                <a:latin typeface="Times New Roman" panose="02020603050405020304" pitchFamily="18" charset="0"/>
+                <a:cs typeface="Times New Roman" panose="02020603050405020304" pitchFamily="18" charset="0"/>
+              </a:rPr>
+              <a:t>Графический </a:t>
+            </a:r>
+            <a:r>
+              <a:rPr lang="ru-RU" dirty="0" smtClean="0">
+                <a:latin typeface="Times New Roman" panose="02020603050405020304" pitchFamily="18" charset="0"/>
+                <a:cs typeface="Times New Roman" panose="02020603050405020304" pitchFamily="18" charset="0"/>
+              </a:rPr>
+              <a:t>интерфейс визуализации данных;</a:t>
             </a:r>
           </a:p>
           <a:p>
@@ -8595,141 +9293,33 @@
               <a:buAutoNum type="arabicPeriod"/>
             </a:pPr>
             <a:r>
-              <a:rPr lang="ru-RU" sz="2400" dirty="0" smtClean="0">
-                <a:latin typeface="Times New Roman" panose="02020603050405020304" pitchFamily="18" charset="0"/>
-                <a:cs typeface="Times New Roman" panose="02020603050405020304" pitchFamily="18" charset="0"/>
-              </a:rPr>
-              <a:t>Графический интерфейс визуализации </a:t>
-            </a:r>
-            <a:r>
-              <a:rPr lang="ru-RU" sz="2400" dirty="0" smtClean="0">
-                <a:latin typeface="Times New Roman" panose="02020603050405020304" pitchFamily="18" charset="0"/>
-                <a:cs typeface="Times New Roman" panose="02020603050405020304" pitchFamily="18" charset="0"/>
-              </a:rPr>
-              <a:t>данных</a:t>
-            </a:r>
-            <a:r>
-              <a:rPr lang="ru-RU" sz="2400" dirty="0" smtClean="0">
-                <a:latin typeface="Times New Roman" panose="02020603050405020304" pitchFamily="18" charset="0"/>
-                <a:cs typeface="Times New Roman" panose="02020603050405020304" pitchFamily="18" charset="0"/>
-              </a:rPr>
-              <a:t>;</a:t>
-            </a:r>
-          </a:p>
-          <a:p>
-            <a:pPr marL="457200" indent="-457200">
-              <a:buFont typeface="+mj-lt"/>
-              <a:buAutoNum type="arabicPeriod"/>
-            </a:pPr>
-            <a:r>
-              <a:rPr lang="ru-RU" sz="2400" dirty="0" smtClean="0">
-                <a:latin typeface="Times New Roman" panose="02020603050405020304" pitchFamily="18" charset="0"/>
-                <a:cs typeface="Times New Roman" panose="02020603050405020304" pitchFamily="18" charset="0"/>
-              </a:rPr>
-              <a:t>Поддержка транзакций </a:t>
-            </a:r>
-            <a:r>
-              <a:rPr lang="en-US" sz="2400" dirty="0" smtClean="0">
-                <a:latin typeface="Times New Roman" panose="02020603050405020304" pitchFamily="18" charset="0"/>
-                <a:cs typeface="Times New Roman" panose="02020603050405020304" pitchFamily="18" charset="0"/>
-              </a:rPr>
-              <a:t>ACID</a:t>
-            </a:r>
-            <a:r>
-              <a:rPr lang="ru-RU" sz="2400" dirty="0" smtClean="0">
-                <a:latin typeface="Times New Roman" panose="02020603050405020304" pitchFamily="18" charset="0"/>
-                <a:cs typeface="Times New Roman" panose="02020603050405020304" pitchFamily="18" charset="0"/>
-              </a:rPr>
-              <a:t>;</a:t>
-            </a:r>
-          </a:p>
-          <a:p>
-            <a:pPr marL="457200" indent="-457200">
-              <a:buFont typeface="+mj-lt"/>
-              <a:buAutoNum type="arabicPeriod"/>
-            </a:pPr>
-            <a:r>
-              <a:rPr lang="ru-RU" sz="2400" dirty="0" smtClean="0">
-                <a:latin typeface="Times New Roman" panose="02020603050405020304" pitchFamily="18" charset="0"/>
-                <a:cs typeface="Times New Roman" panose="02020603050405020304" pitchFamily="18" charset="0"/>
-              </a:rPr>
-              <a:t>Собственный </a:t>
-            </a:r>
-            <a:r>
-              <a:rPr lang="ru-RU" sz="2400" dirty="0" err="1" smtClean="0">
-                <a:latin typeface="Times New Roman" panose="02020603050405020304" pitchFamily="18" charset="0"/>
-                <a:cs typeface="Times New Roman" panose="02020603050405020304" pitchFamily="18" charset="0"/>
-              </a:rPr>
-              <a:t>графовый</a:t>
-            </a:r>
-            <a:r>
-              <a:rPr lang="ru-RU" sz="2400" dirty="0" smtClean="0">
-                <a:latin typeface="Times New Roman" panose="02020603050405020304" pitchFamily="18" charset="0"/>
-                <a:cs typeface="Times New Roman" panose="02020603050405020304" pitchFamily="18" charset="0"/>
-              </a:rPr>
-              <a:t> язык запросов </a:t>
-            </a:r>
-            <a:r>
-              <a:rPr lang="en-US" sz="2400" dirty="0" smtClean="0">
+              <a:rPr lang="ru-RU" dirty="0">
+                <a:latin typeface="Times New Roman" panose="02020603050405020304" pitchFamily="18" charset="0"/>
+                <a:cs typeface="Times New Roman" panose="02020603050405020304" pitchFamily="18" charset="0"/>
+              </a:rPr>
+              <a:t>Я</a:t>
+            </a:r>
+            <a:r>
+              <a:rPr lang="ru-RU" dirty="0" smtClean="0">
+                <a:latin typeface="Times New Roman" panose="02020603050405020304" pitchFamily="18" charset="0"/>
+                <a:cs typeface="Times New Roman" panose="02020603050405020304" pitchFamily="18" charset="0"/>
+              </a:rPr>
+              <a:t>зык запросов </a:t>
+            </a:r>
+            <a:r>
+              <a:rPr lang="en-US" dirty="0" smtClean="0">
                 <a:latin typeface="Times New Roman" panose="02020603050405020304" pitchFamily="18" charset="0"/>
                 <a:cs typeface="Times New Roman" panose="02020603050405020304" pitchFamily="18" charset="0"/>
               </a:rPr>
               <a:t>Cypher</a:t>
             </a:r>
             <a:r>
-              <a:rPr lang="ru-RU" sz="2400" dirty="0" smtClean="0">
-                <a:latin typeface="Times New Roman" panose="02020603050405020304" pitchFamily="18" charset="0"/>
-                <a:cs typeface="Times New Roman" panose="02020603050405020304" pitchFamily="18" charset="0"/>
-              </a:rPr>
-              <a:t>;</a:t>
-            </a:r>
-          </a:p>
-          <a:p>
-            <a:pPr marL="457200" indent="-457200">
-              <a:buFont typeface="+mj-lt"/>
-              <a:buAutoNum type="arabicPeriod"/>
-            </a:pPr>
-            <a:r>
-              <a:rPr lang="ru-RU" sz="2400" dirty="0" smtClean="0">
-                <a:latin typeface="Times New Roman" panose="02020603050405020304" pitchFamily="18" charset="0"/>
-                <a:cs typeface="Times New Roman" panose="02020603050405020304" pitchFamily="18" charset="0"/>
-              </a:rPr>
-              <a:t>Облачный сервис «</a:t>
-            </a:r>
-            <a:r>
-              <a:rPr lang="en-US" sz="2400" dirty="0" smtClean="0">
-                <a:latin typeface="Times New Roman" panose="02020603050405020304" pitchFamily="18" charset="0"/>
-                <a:cs typeface="Times New Roman" panose="02020603050405020304" pitchFamily="18" charset="0"/>
-              </a:rPr>
-              <a:t>Neo4j Browser Sync</a:t>
-            </a:r>
-            <a:r>
-              <a:rPr lang="ru-RU" sz="2400" dirty="0" smtClean="0">
-                <a:latin typeface="Times New Roman" panose="02020603050405020304" pitchFamily="18" charset="0"/>
-                <a:cs typeface="Times New Roman" panose="02020603050405020304" pitchFamily="18" charset="0"/>
-              </a:rPr>
-              <a:t>». </a:t>
-            </a:r>
-            <a:endParaRPr lang="en-US" sz="2400" dirty="0" smtClean="0">
-              <a:latin typeface="Times New Roman" panose="02020603050405020304" pitchFamily="18" charset="0"/>
-              <a:cs typeface="Times New Roman" panose="02020603050405020304" pitchFamily="18" charset="0"/>
-            </a:endParaRPr>
-          </a:p>
-          <a:p>
-            <a:pPr marL="457200" indent="-457200">
-              <a:buFont typeface="+mj-lt"/>
-              <a:buAutoNum type="arabicPeriod"/>
-            </a:pPr>
-            <a:endParaRPr lang="ru-RU" sz="2400" dirty="0" smtClean="0">
-              <a:latin typeface="Times New Roman" panose="02020603050405020304" pitchFamily="18" charset="0"/>
-              <a:cs typeface="Times New Roman" panose="02020603050405020304" pitchFamily="18" charset="0"/>
-            </a:endParaRPr>
-          </a:p>
-          <a:p>
-            <a:pPr marL="457200" indent="-457200">
-              <a:buFont typeface="+mj-lt"/>
-              <a:buAutoNum type="arabicPeriod"/>
-            </a:pPr>
+              <a:rPr lang="ru-RU" dirty="0">
+                <a:latin typeface="Times New Roman" panose="02020603050405020304" pitchFamily="18" charset="0"/>
+                <a:cs typeface="Times New Roman" panose="02020603050405020304" pitchFamily="18" charset="0"/>
+              </a:rPr>
+              <a:t>.</a:t>
+            </a:r>
             <a:endParaRPr lang="ru-RU" sz="2400" dirty="0" smtClean="0">
               <a:latin typeface="Times New Roman" panose="02020603050405020304" pitchFamily="18" charset="0"/>
               <a:cs typeface="Times New Roman" panose="02020603050405020304" pitchFamily="18" charset="0"/>
@@ -8844,7 +9434,7 @@
       </p:sp>
       <p:pic>
         <p:nvPicPr>
-          <p:cNvPr id="5" name="Рисунок 4"/>
+          <p:cNvPr id="3" name="Рисунок 2"/>
           <p:cNvPicPr>
             <a:picLocks noChangeAspect="1"/>
           </p:cNvPicPr>
@@ -8864,8 +9454,8 @@
         </p:blipFill>
         <p:spPr>
           <a:xfrm>
-            <a:off x="385310" y="2002092"/>
-            <a:ext cx="1965964" cy="2252477"/>
+            <a:off x="580621" y="2215838"/>
+            <a:ext cx="4039673" cy="2106401"/>
           </a:xfrm>
           <a:prstGeom prst="rect">
             <a:avLst/>
@@ -8894,6 +9484,9 @@
                     <p:cTn id="3" fill="hold">
                       <p:stCondLst>
                         <p:cond delay="indefinite"/>
+                        <p:cond evt="onBegin" delay="0">
+                          <p:tn val="2"/>
+                        </p:cond>
                       </p:stCondLst>
                       <p:childTnLst>
                         <p:par>
@@ -8903,7 +9496,7 @@
                             </p:stCondLst>
                             <p:childTnLst>
                               <p:par>
-                                <p:cTn id="5" presetID="10" presetClass="entr" presetSubtype="0" fill="hold" nodeType="clickEffect">
+                                <p:cTn id="5" presetID="10" presetClass="entr" presetSubtype="0" fill="hold" grpId="0" nodeType="withEffect">
                                   <p:stCondLst>
                                     <p:cond delay="0"/>
                                   </p:stCondLst>
@@ -8916,7 +9509,11 @@
                                           </p:stCondLst>
                                         </p:cTn>
                                         <p:tgtEl>
-                                          <p:spTgt spid="5"/>
+                                          <p:spTgt spid="4">
+                                            <p:txEl>
+                                              <p:pRg st="0" end="0"/>
+                                            </p:txEl>
+                                          </p:spTgt>
                                         </p:tgtEl>
                                         <p:attrNameLst>
                                           <p:attrName>style.visibility</p:attrName>
@@ -8929,45 +9526,6 @@
                                     <p:animEffect transition="in" filter="fade">
                                       <p:cBhvr>
                                         <p:cTn id="7" dur="500"/>
-                                        <p:tgtEl>
-                                          <p:spTgt spid="5"/>
-                                        </p:tgtEl>
-                                      </p:cBhvr>
-                                    </p:animEffect>
-                                  </p:childTnLst>
-                                </p:cTn>
-                              </p:par>
-                              <p:par>
-                                <p:cTn id="8" presetID="10" presetClass="entr" presetSubtype="0" fill="hold" grpId="0" nodeType="withEffect">
-                                  <p:stCondLst>
-                                    <p:cond delay="0"/>
-                                  </p:stCondLst>
-                                  <p:childTnLst>
-                                    <p:set>
-                                      <p:cBhvr>
-                                        <p:cTn id="9" dur="1" fill="hold">
-                                          <p:stCondLst>
-                                            <p:cond delay="0"/>
-                                          </p:stCondLst>
-                                        </p:cTn>
-                                        <p:tgtEl>
-                                          <p:spTgt spid="4">
-                                            <p:txEl>
-                                              <p:pRg st="0" end="0"/>
-                                            </p:txEl>
-                                          </p:spTgt>
-                                        </p:tgtEl>
-                                        <p:attrNameLst>
-                                          <p:attrName>style.visibility</p:attrName>
-                                        </p:attrNameLst>
-                                      </p:cBhvr>
-                                      <p:to>
-                                        <p:strVal val="visible"/>
-                                      </p:to>
-                                    </p:set>
-                                    <p:animEffect transition="in" filter="fade">
-                                      <p:cBhvr>
-                                        <p:cTn id="10" dur="500"/>
                                         <p:tgtEl>
                                           <p:spTgt spid="4">
                                             <p:txEl>
@@ -8987,26 +9545,26 @@
                     </p:cTn>
                   </p:par>
                   <p:par>
-                    <p:cTn id="11" fill="hold">
+                    <p:cTn id="8" fill="hold">
                       <p:stCondLst>
                         <p:cond delay="indefinite"/>
                       </p:stCondLst>
                       <p:childTnLst>
                         <p:par>
-                          <p:cTn id="12" fill="hold">
+                          <p:cTn id="9" fill="hold">
                             <p:stCondLst>
                               <p:cond delay="0"/>
                             </p:stCondLst>
                             <p:childTnLst>
                               <p:par>
-                                <p:cTn id="13" presetID="10" presetClass="entr" presetSubtype="0" fill="hold" grpId="0" nodeType="clickEffect">
+                                <p:cTn id="10" presetID="10" presetClass="entr" presetSubtype="0" fill="hold" grpId="0" nodeType="clickEffect">
                                   <p:stCondLst>
                                     <p:cond delay="0"/>
                                   </p:stCondLst>
                                   <p:childTnLst>
                                     <p:set>
                                       <p:cBhvr>
-                                        <p:cTn id="14" dur="1" fill="hold">
+                                        <p:cTn id="11" dur="1" fill="hold">
                                           <p:stCondLst>
                                             <p:cond delay="0"/>
                                           </p:stCondLst>
@@ -9028,7 +9586,7 @@
                                     </p:set>
                                     <p:animEffect transition="in" filter="fade">
                                       <p:cBhvr>
-                                        <p:cTn id="15" dur="500"/>
+                                        <p:cTn id="12" dur="500"/>
                                         <p:tgtEl>
                                           <p:spTgt spid="4">
                                             <p:txEl>
@@ -9048,26 +9606,26 @@
                     </p:cTn>
                   </p:par>
                   <p:par>
-                    <p:cTn id="16" fill="hold">
+                    <p:cTn id="13" fill="hold">
                       <p:stCondLst>
                         <p:cond delay="indefinite"/>
                       </p:stCondLst>
                       <p:childTnLst>
                         <p:par>
-                          <p:cTn id="17" fill="hold">
+                          <p:cTn id="14" fill="hold">
                             <p:stCondLst>
                               <p:cond delay="0"/>
                             </p:stCondLst>
                             <p:childTnLst>
                               <p:par>
-                                <p:cTn id="18" presetID="10" presetClass="entr" presetSubtype="0" fill="hold" grpId="0" nodeType="clickEffect">
+                                <p:cTn id="15" presetID="10" presetClass="entr" presetSubtype="0" fill="hold" grpId="0" nodeType="clickEffect">
                                   <p:stCondLst>
                                     <p:cond delay="0"/>
                                   </p:stCondLst>
                                   <p:childTnLst>
                                     <p:set>
                                       <p:cBhvr>
-                                        <p:cTn id="19" dur="1" fill="hold">
+                                        <p:cTn id="16" dur="1" fill="hold">
                                           <p:stCondLst>
                                             <p:cond delay="0"/>
                                           </p:stCondLst>
@@ -9089,7 +9647,7 @@
                                     </p:set>
                                     <p:animEffect transition="in" filter="fade">
                                       <p:cBhvr>
-                                        <p:cTn id="20" dur="500"/>
+                                        <p:cTn id="17" dur="500"/>
                                         <p:tgtEl>
                                           <p:spTgt spid="4">
                                             <p:txEl>
@@ -9109,26 +9667,26 @@
                     </p:cTn>
                   </p:par>
                   <p:par>
-                    <p:cTn id="21" fill="hold">
+                    <p:cTn id="18" fill="hold">
                       <p:stCondLst>
                         <p:cond delay="indefinite"/>
                       </p:stCondLst>
                       <p:childTnLst>
                         <p:par>
-                          <p:cTn id="22" fill="hold">
+                          <p:cTn id="19" fill="hold">
                             <p:stCondLst>
                               <p:cond delay="0"/>
                             </p:stCondLst>
                             <p:childTnLst>
                               <p:par>
-                                <p:cTn id="23" presetID="10" presetClass="entr" presetSubtype="0" fill="hold" grpId="0" nodeType="clickEffect">
+                                <p:cTn id="20" presetID="10" presetClass="entr" presetSubtype="0" fill="hold" grpId="0" nodeType="clickEffect">
                                   <p:stCondLst>
                                     <p:cond delay="0"/>
                                   </p:stCondLst>
                                   <p:childTnLst>
                                     <p:set>
                                       <p:cBhvr>
-                                        <p:cTn id="24" dur="1" fill="hold">
+                                        <p:cTn id="21" dur="1" fill="hold">
                                           <p:stCondLst>
                                             <p:cond delay="0"/>
                                           </p:stCondLst>
@@ -9150,7 +9708,7 @@
                                     </p:set>
                                     <p:animEffect transition="in" filter="fade">
                                       <p:cBhvr>
-                                        <p:cTn id="25" dur="500"/>
+                                        <p:cTn id="22" dur="500"/>
                                         <p:tgtEl>
                                           <p:spTgt spid="4">
                                             <p:txEl>
@@ -9170,26 +9728,26 @@
                     </p:cTn>
                   </p:par>
                   <p:par>
-                    <p:cTn id="26" fill="hold">
+                    <p:cTn id="23" fill="hold">
                       <p:stCondLst>
                         <p:cond delay="indefinite"/>
                       </p:stCondLst>
                       <p:childTnLst>
                         <p:par>
-                          <p:cTn id="27" fill="hold">
+                          <p:cTn id="24" fill="hold">
                             <p:stCondLst>
                               <p:cond delay="0"/>
                             </p:stCondLst>
                             <p:childTnLst>
                               <p:par>
-                                <p:cTn id="28" presetID="10" presetClass="entr" presetSubtype="0" fill="hold" grpId="0" nodeType="clickEffect">
+                                <p:cTn id="25" presetID="10" presetClass="entr" presetSubtype="0" fill="hold" grpId="0" nodeType="clickEffect">
                                   <p:stCondLst>
                                     <p:cond delay="0"/>
                                   </p:stCondLst>
                                   <p:childTnLst>
                                     <p:set>
                                       <p:cBhvr>
-                                        <p:cTn id="29" dur="1" fill="hold">
+                                        <p:cTn id="26" dur="1" fill="hold">
                                           <p:stCondLst>
                                             <p:cond delay="0"/>
                                           </p:stCondLst>
@@ -9211,194 +9769,11 @@
                                     </p:set>
                                     <p:animEffect transition="in" filter="fade">
                                       <p:cBhvr>
-                                        <p:cTn id="30" dur="500"/>
+                                        <p:cTn id="27" dur="500"/>
                                         <p:tgtEl>
                                           <p:spTgt spid="4">
                                             <p:txEl>
                                               <p:pRg st="4" end="4"/>
-                                            </p:txEl>
-                                          </p:spTgt>
-                                        </p:tgtEl>
-                                      </p:cBhvr>
-                                    </p:animEffect>
-                                  </p:childTnLst>
-                                </p:cTn>
-                              </p:par>
-                            </p:childTnLst>
-                          </p:cTn>
-                        </p:par>
-                      </p:childTnLst>
-                    </p:cTn>
-                  </p:par>
-                  <p:par>
-                    <p:cTn id="31" fill="hold">
-                      <p:stCondLst>
-                        <p:cond delay="indefinite"/>
-                      </p:stCondLst>
-                      <p:childTnLst>
-                        <p:par>
-                          <p:cTn id="32" fill="hold">
-                            <p:stCondLst>
-                              <p:cond delay="0"/>
-                            </p:stCondLst>
-                            <p:childTnLst>
-                              <p:par>
-                                <p:cTn id="33" presetID="10" presetClass="entr" presetSubtype="0" fill="hold" grpId="0" nodeType="clickEffect">
-                                  <p:stCondLst>
-                                    <p:cond delay="0"/>
-                                  </p:stCondLst>
-                                  <p:childTnLst>
-                                    <p:set>
-                                      <p:cBhvr>
-                                        <p:cTn id="34" dur="1" fill="hold">
-                                          <p:stCondLst>
-                                            <p:cond delay="0"/>
-                                          </p:stCondLst>
-                                        </p:cTn>
-                                        <p:tgtEl>
-                                          <p:spTgt spid="4">
-                                            <p:txEl>
-                                              <p:pRg st="5" end="5"/>
-                                            </p:txEl>
-                                          </p:spTgt>
-                                        </p:tgtEl>
-                                        <p:attrNameLst>
-                                          <p:attrName>style.visibility</p:attrName>
-                                        </p:attrNameLst>
-                                      </p:cBhvr>
-                                      <p:to>
-                                        <p:strVal val="visible"/>
-                                      </p:to>
-                                    </p:set>
-                                    <p:animEffect transition="in" filter="fade">
-                                      <p:cBhvr>
-                                        <p:cTn id="35" dur="500"/>
-                                        <p:tgtEl>
-                                          <p:spTgt spid="4">
-                                            <p:txEl>
-                                              <p:pRg st="5" end="5"/>
-                                            </p:txEl>
-                                          </p:spTgt>
-                                        </p:tgtEl>
-                                      </p:cBhvr>
-                                    </p:animEffect>
-                                  </p:childTnLst>
-                                </p:cTn>
-                              </p:par>
-                            </p:childTnLst>
-                          </p:cTn>
-                        </p:par>
-                      </p:childTnLst>
-                    </p:cTn>
-                  </p:par>
-                  <p:par>
-                    <p:cTn id="36" fill="hold">
-                      <p:stCondLst>
-                        <p:cond delay="indefinite"/>
-                      </p:stCondLst>
-                      <p:childTnLst>
-                        <p:par>
-                          <p:cTn id="37" fill="hold">
-                            <p:stCondLst>
-                              <p:cond delay="0"/>
-                            </p:stCondLst>
-                            <p:childTnLst>
-                              <p:par>
-                                <p:cTn id="38" presetID="10" presetClass="entr" presetSubtype="0" fill="hold" grpId="0" nodeType="clickEffect">
-                                  <p:stCondLst>
-                                    <p:cond delay="0"/>
-                                  </p:stCondLst>
-                                  <p:childTnLst>
-                                    <p:set>
-                                      <p:cBhvr>
-                                        <p:cTn id="39" dur="1" fill="hold">
-                                          <p:stCondLst>
-                                            <p:cond delay="0"/>
-                                          </p:stCondLst>
-                                        </p:cTn>
-                                        <p:tgtEl>
-                                          <p:spTgt spid="4">
-                                            <p:txEl>
-                                              <p:pRg st="6" end="6"/>
-                                            </p:txEl>
-                                          </p:spTgt>
-                                        </p:tgtEl>
-                                        <p:attrNameLst>
-                                          <p:attrName>style.visibility</p:attrName>
-                                        </p:attrNameLst>
-                                      </p:cBhvr>
-                                      <p:to>
-                                        <p:strVal val="visible"/>
-                                      </p:to>
-                                    </p:set>
-                                    <p:animEffect transition="in" filter="fade">
-                                      <p:cBhvr>
-                                        <p:cTn id="40" dur="500"/>
-                                        <p:tgtEl>
-                                          <p:spTgt spid="4">
-                                            <p:txEl>
-                                              <p:pRg st="6" end="6"/>
-                                            </p:txEl>
-                                          </p:spTgt>
-                                        </p:tgtEl>
-                                      </p:cBhvr>
-                                    </p:animEffect>
-                                  </p:childTnLst>
-                                </p:cTn>
-                              </p:par>
-                            </p:childTnLst>
-                          </p:cTn>
-                        </p:par>
-                      </p:childTnLst>
-                    </p:cTn>
-                  </p:par>
-                  <p:par>
-                    <p:cTn id="41" fill="hold">
-                      <p:stCondLst>
-                        <p:cond delay="indefinite"/>
-                      </p:stCondLst>
-                      <p:childTnLst>
-                        <p:par>
-                          <p:cTn id="42" fill="hold">
-                            <p:stCondLst>
-                              <p:cond delay="0"/>
-                            </p:stCondLst>
-                            <p:childTnLst>
-                              <p:par>
-                                <p:cTn id="43" presetID="10" presetClass="entr" presetSubtype="0" fill="hold" grpId="0" nodeType="clickEffect">
-                                  <p:stCondLst>
-                                    <p:cond delay="0"/>
-                                  </p:stCondLst>
-                                  <p:childTnLst>
-                                    <p:set>
-                                      <p:cBhvr>
-                                        <p:cTn id="44" dur="1" fill="hold">
-                                          <p:stCondLst>
-                                            <p:cond delay="0"/>
-                                          </p:stCondLst>
-                                        </p:cTn>
-                                        <p:tgtEl>
-                                          <p:spTgt spid="4">
-                                            <p:txEl>
-                                              <p:pRg st="7" end="7"/>
-                                            </p:txEl>
-                                          </p:spTgt>
-                                        </p:tgtEl>
-                                        <p:attrNameLst>
-                                          <p:attrName>style.visibility</p:attrName>
-                                        </p:attrNameLst>
-                                      </p:cBhvr>
-                                      <p:to>
-                                        <p:strVal val="visible"/>
-                                      </p:to>
-                                    </p:set>
-                                    <p:animEffect transition="in" filter="fade">
-                                      <p:cBhvr>
-                                        <p:cTn id="45" dur="500"/>
-                                        <p:tgtEl>
-                                          <p:spTgt spid="4">
-                                            <p:txEl>
-                                              <p:pRg st="7" end="7"/>
                                             </p:txEl>
                                           </p:spTgt>
                                         </p:tgtEl>
@@ -9589,35 +9964,7 @@
                 <a:latin typeface="Times New Roman" panose="02020603050405020304" pitchFamily="18" charset="0"/>
                 <a:cs typeface="Times New Roman" panose="02020603050405020304" pitchFamily="18" charset="0"/>
               </a:rPr>
-              <a:t> база </a:t>
-            </a:r>
-            <a:r>
-              <a:rPr lang="ru-RU" dirty="0" smtClean="0">
-                <a:latin typeface="Times New Roman" panose="02020603050405020304" pitchFamily="18" charset="0"/>
-                <a:cs typeface="Times New Roman" panose="02020603050405020304" pitchFamily="18" charset="0"/>
-              </a:rPr>
-              <a:t>данных дл</a:t>
-            </a:r>
-            <a:r>
-              <a:rPr lang="ru-RU" dirty="0" smtClean="0">
-                <a:latin typeface="Times New Roman" panose="02020603050405020304" pitchFamily="18" charset="0"/>
-                <a:cs typeface="Times New Roman" panose="02020603050405020304" pitchFamily="18" charset="0"/>
-              </a:rPr>
-              <a:t>я системы управления проектами</a:t>
-            </a:r>
-            <a:r>
-              <a:rPr lang="ru-RU" dirty="0" smtClean="0">
-                <a:latin typeface="Times New Roman" panose="02020603050405020304" pitchFamily="18" charset="0"/>
-                <a:cs typeface="Times New Roman" panose="02020603050405020304" pitchFamily="18" charset="0"/>
-              </a:rPr>
-              <a:t> хранит следующие </a:t>
-            </a:r>
-            <a:r>
-              <a:rPr lang="ru-RU" dirty="0" smtClean="0">
-                <a:latin typeface="Times New Roman" panose="02020603050405020304" pitchFamily="18" charset="0"/>
-                <a:cs typeface="Times New Roman" panose="02020603050405020304" pitchFamily="18" charset="0"/>
-              </a:rPr>
-              <a:t>данные:</a:t>
+              <a:t> база данных для системы управления проектами хранит следующие данные:</a:t>
             </a:r>
           </a:p>
           <a:p>
@@ -10535,12 +10882,12 @@
         <p:spPr>
           <a:xfrm>
             <a:off x="812441" y="181938"/>
-            <a:ext cx="10701271" cy="1261167"/>
+            <a:ext cx="10701271" cy="423369"/>
           </a:xfrm>
         </p:spPr>
         <p:txBody>
           <a:bodyPr>
-            <a:normAutofit/>
+            <a:normAutofit fontScale="90000"/>
           </a:bodyPr>
           <a:lstStyle/>
           <a:p>
@@ -10587,7 +10934,7 @@
       </p:sp>
       <p:pic>
         <p:nvPicPr>
-          <p:cNvPr id="5" name="Объект 4"/>
+          <p:cNvPr id="4" name="Объект 3"/>
           <p:cNvPicPr>
             <a:picLocks noGrp="1" noChangeAspect="1"/>
           </p:cNvPicPr>
@@ -10596,7 +10943,7 @@
           </p:nvPr>
         </p:nvPicPr>
         <p:blipFill>
-          <a:blip r:embed="rId2">
+          <a:blip r:embed="rId2" cstate="print">
             <a:extLst>
               <a:ext uri="{28A0092B-C50C-407E-A947-70E740481C1C}">
                 <a14:useLocalDpi xmlns:a14="http://schemas.microsoft.com/office/drawing/2010/main" val="0"/>
@@ -10609,8 +10956,8 @@
         </p:blipFill>
         <p:spPr>
           <a:xfrm>
-            <a:off x="629891" y="1156501"/>
-            <a:ext cx="11118814" cy="5094174"/>
+            <a:off x="129021" y="708338"/>
+            <a:ext cx="11921642" cy="5830575"/>
           </a:xfrm>
         </p:spPr>
       </p:pic>
@@ -10686,8 +11033,8 @@
         </p:nvSpPr>
         <p:spPr>
           <a:xfrm>
-            <a:off x="812441" y="181938"/>
-            <a:ext cx="10701271" cy="1261167"/>
+            <a:off x="812441" y="90152"/>
+            <a:ext cx="10701271" cy="837127"/>
           </a:xfrm>
         </p:spPr>
         <p:txBody>
@@ -10705,17 +11052,7 @@
                 <a:latin typeface="Times New Roman" panose="02020603050405020304" pitchFamily="18" charset="0"/>
                 <a:cs typeface="Times New Roman" panose="02020603050405020304" pitchFamily="18" charset="0"/>
               </a:rPr>
-              <a:t>Результаты </a:t>
-            </a:r>
-            <a:r>
-              <a:rPr lang="ru-RU" sz="3600" dirty="0" smtClean="0">
-                <a:solidFill>
-                  <a:srgbClr val="0070C0"/>
-                </a:solidFill>
-                <a:latin typeface="Times New Roman" panose="02020603050405020304" pitchFamily="18" charset="0"/>
-                <a:cs typeface="Times New Roman" panose="02020603050405020304" pitchFamily="18" charset="0"/>
-              </a:rPr>
-              <a:t>запросов</a:t>
+              <a:t>Результаты запросов</a:t>
             </a:r>
             <a:endParaRPr lang="ru-RU" sz="3600" dirty="0">
               <a:solidFill>
@@ -10739,8 +11076,8 @@
         </p:nvSpPr>
         <p:spPr>
           <a:xfrm>
-            <a:off x="838200" y="1173707"/>
-            <a:ext cx="10515600" cy="5003256"/>
+            <a:off x="838200" y="798490"/>
+            <a:ext cx="10515600" cy="5378473"/>
           </a:xfrm>
         </p:spPr>
         <p:txBody>
@@ -10764,28 +11101,29 @@
                 <a:latin typeface="Times New Roman" panose="02020603050405020304" pitchFamily="18" charset="0"/>
                 <a:cs typeface="Times New Roman" panose="02020603050405020304" pitchFamily="18" charset="0"/>
               </a:rPr>
-              <a:t>1. </a:t>
+              <a:t>1. Информация </a:t>
             </a:r>
             <a:r>
               <a:rPr lang="ru-RU" sz="2400" dirty="0" smtClean="0">
                 <a:latin typeface="Times New Roman" panose="02020603050405020304" pitchFamily="18" charset="0"/>
                 <a:cs typeface="Times New Roman" panose="02020603050405020304" pitchFamily="18" charset="0"/>
               </a:rPr>
-              <a:t>Выборка всех данных</a:t>
-            </a:r>
-            <a:endParaRPr lang="ru-RU" sz="2400" dirty="0">
-              <a:latin typeface="Times New Roman" panose="02020603050405020304" pitchFamily="18" charset="0"/>
-              <a:cs typeface="Times New Roman" panose="02020603050405020304" pitchFamily="18" charset="0"/>
-            </a:endParaRPr>
+              <a:t>о </a:t>
+            </a:r>
+            <a:r>
+              <a:rPr lang="ru-RU" sz="2400" dirty="0" smtClean="0">
+                <a:latin typeface="Times New Roman" panose="02020603050405020304" pitchFamily="18" charset="0"/>
+                <a:cs typeface="Times New Roman" panose="02020603050405020304" pitchFamily="18" charset="0"/>
+              </a:rPr>
+              <a:t>проектах</a:t>
+            </a:r>
           </a:p>
         </p:txBody>
       </p:sp>
       <p:pic>
         <p:nvPicPr>
-          <p:cNvPr id="7" name="Рисунок 6"/>
-          <p:cNvPicPr>
-            <a:picLocks noChangeAspect="1"/>
-          </p:cNvPicPr>
+          <p:cNvPr id="8" name="Рисунок 7" descr="C:\Users\User\Downloads\graph (6).png"/>
+          <p:cNvPicPr/>
           <p:nvPr/>
         </p:nvPicPr>
         <p:blipFill>
@@ -10796,24 +11134,147 @@
               </a:ext>
             </a:extLst>
           </a:blip>
+          <a:srcRect/>
           <a:stretch>
             <a:fillRect/>
           </a:stretch>
         </p:blipFill>
-        <p:spPr>
+        <p:spPr bwMode="auto">
           <a:xfrm>
-            <a:off x="838200" y="1564247"/>
-            <a:ext cx="10257430" cy="4974665"/>
+            <a:off x="2421228" y="2156753"/>
+            <a:ext cx="7959143" cy="4382159"/>
           </a:xfrm>
           <a:prstGeom prst="rect">
             <a:avLst/>
           </a:prstGeom>
+          <a:noFill/>
+          <a:ln>
+            <a:noFill/>
+          </a:ln>
         </p:spPr>
       </p:pic>
+      <p:sp>
+        <p:nvSpPr>
+          <p:cNvPr id="9" name="Скругленный прямоугольник 8"/>
+          <p:cNvSpPr/>
+          <p:nvPr/>
+        </p:nvSpPr>
+        <p:spPr>
+          <a:xfrm>
+            <a:off x="838200" y="1247682"/>
+            <a:ext cx="5417712" cy="682579"/>
+          </a:xfrm>
+          <a:prstGeom prst="roundRect">
+            <a:avLst/>
+          </a:prstGeom>
+          <a:noFill/>
+        </p:spPr>
+        <p:style>
+          <a:lnRef idx="2">
+            <a:schemeClr val="accent1">
+              <a:shade val="50000"/>
+            </a:schemeClr>
+          </a:lnRef>
+          <a:fillRef idx="1">
+            <a:schemeClr val="accent1"/>
+          </a:fillRef>
+          <a:effectRef idx="0">
+            <a:schemeClr val="accent1"/>
+          </a:effectRef>
+          <a:fontRef idx="minor">
+            <a:schemeClr val="lt1"/>
+          </a:fontRef>
+        </p:style>
+        <p:txBody>
+          <a:bodyPr rtlCol="0" anchor="ctr"/>
+          <a:lstStyle/>
+          <a:p>
+            <a:r>
+              <a:rPr lang="en-US" dirty="0">
+                <a:solidFill>
+                  <a:schemeClr val="tx1"/>
+                </a:solidFill>
+                <a:latin typeface="Courier New" panose="02070309020205020404" pitchFamily="49" charset="0"/>
+                <a:cs typeface="Courier New" panose="02070309020205020404" pitchFamily="49" charset="0"/>
+              </a:rPr>
+              <a:t>MATCH</a:t>
+            </a:r>
+            <a:r>
+              <a:rPr lang="ru-RU" dirty="0">
+                <a:solidFill>
+                  <a:schemeClr val="tx1"/>
+                </a:solidFill>
+                <a:latin typeface="Courier New" panose="02070309020205020404" pitchFamily="49" charset="0"/>
+                <a:cs typeface="Courier New" panose="02070309020205020404" pitchFamily="49" charset="0"/>
+              </a:rPr>
+              <a:t> </a:t>
+            </a:r>
+            <a:r>
+              <a:rPr lang="en-US" dirty="0">
+                <a:solidFill>
+                  <a:schemeClr val="tx1"/>
+                </a:solidFill>
+                <a:latin typeface="Courier New" panose="02070309020205020404" pitchFamily="49" charset="0"/>
+                <a:cs typeface="Courier New" panose="02070309020205020404" pitchFamily="49" charset="0"/>
+              </a:rPr>
+              <a:t>(</a:t>
+            </a:r>
+            <a:r>
+              <a:rPr lang="en-US" dirty="0" err="1">
+                <a:solidFill>
+                  <a:schemeClr val="tx1"/>
+                </a:solidFill>
+                <a:latin typeface="Courier New" panose="02070309020205020404" pitchFamily="49" charset="0"/>
+                <a:cs typeface="Courier New" panose="02070309020205020404" pitchFamily="49" charset="0"/>
+              </a:rPr>
+              <a:t>p:Project</a:t>
+            </a:r>
+            <a:r>
+              <a:rPr lang="en-US" dirty="0">
+                <a:solidFill>
+                  <a:schemeClr val="tx1"/>
+                </a:solidFill>
+                <a:latin typeface="Courier New" panose="02070309020205020404" pitchFamily="49" charset="0"/>
+                <a:cs typeface="Courier New" panose="02070309020205020404" pitchFamily="49" charset="0"/>
+              </a:rPr>
+              <a:t>)--(n)</a:t>
+            </a:r>
+          </a:p>
+          <a:p>
+            <a:r>
+              <a:rPr lang="en-US" dirty="0">
+                <a:solidFill>
+                  <a:schemeClr val="tx1"/>
+                </a:solidFill>
+                <a:latin typeface="Courier New" panose="02070309020205020404" pitchFamily="49" charset="0"/>
+                <a:cs typeface="Courier New" panose="02070309020205020404" pitchFamily="49" charset="0"/>
+              </a:rPr>
+              <a:t>RETURN p AS Project, n AS </a:t>
+            </a:r>
+            <a:r>
+              <a:rPr lang="en-US" dirty="0" smtClean="0">
+                <a:solidFill>
+                  <a:schemeClr val="tx1"/>
+                </a:solidFill>
+                <a:latin typeface="Courier New" panose="02070309020205020404" pitchFamily="49" charset="0"/>
+                <a:cs typeface="Courier New" panose="02070309020205020404" pitchFamily="49" charset="0"/>
+              </a:rPr>
+              <a:t>Description</a:t>
+            </a:r>
+            <a:endParaRPr lang="ru-RU" dirty="0">
+              <a:solidFill>
+                <a:schemeClr val="tx1"/>
+              </a:solidFill>
+              <a:latin typeface="Courier New" panose="02070309020205020404" pitchFamily="49" charset="0"/>
+              <a:cs typeface="Courier New" panose="02070309020205020404" pitchFamily="49" charset="0"/>
+            </a:endParaRPr>
+          </a:p>
+        </p:txBody>
+      </p:sp>
     </p:spTree>
     <p:extLst>
       <p:ext uri="{BB962C8B-B14F-4D97-AF65-F5344CB8AC3E}">
-        <p14:creationId xmlns:p14="http://schemas.microsoft.com/office/powerpoint/2010/main" val="2440991727"/>
+        <p14:creationId xmlns:p14="http://schemas.microsoft.com/office/powerpoint/2010/main" val="540927037"/>
       </p:ext>
     </p:extLst>
   </p:cSld>
@@ -10882,8 +11343,8 @@
         </p:nvSpPr>
         <p:spPr>
           <a:xfrm>
-            <a:off x="812441" y="181938"/>
-            <a:ext cx="10701271" cy="1261167"/>
+            <a:off x="812441" y="181939"/>
+            <a:ext cx="10701271" cy="706704"/>
           </a:xfrm>
         </p:spPr>
         <p:txBody>
@@ -10901,17 +11362,7 @@
                 <a:latin typeface="Times New Roman" panose="02020603050405020304" pitchFamily="18" charset="0"/>
                 <a:cs typeface="Times New Roman" panose="02020603050405020304" pitchFamily="18" charset="0"/>
               </a:rPr>
-              <a:t>Результаты </a:t>
-            </a:r>
-            <a:r>
-              <a:rPr lang="ru-RU" sz="3600" dirty="0" smtClean="0">
-                <a:solidFill>
-                  <a:srgbClr val="0070C0"/>
-                </a:solidFill>
-                <a:latin typeface="Times New Roman" panose="02020603050405020304" pitchFamily="18" charset="0"/>
-                <a:cs typeface="Times New Roman" panose="02020603050405020304" pitchFamily="18" charset="0"/>
-              </a:rPr>
-              <a:t>запросов</a:t>
+              <a:t>Результаты запросов</a:t>
             </a:r>
             <a:endParaRPr lang="ru-RU" sz="3600" dirty="0">
               <a:solidFill>
@@ -10935,8 +11386,8 @@
         </p:nvSpPr>
         <p:spPr>
           <a:xfrm>
-            <a:off x="838200" y="1223493"/>
-            <a:ext cx="10515600" cy="4953470"/>
+            <a:off x="838200" y="798490"/>
+            <a:ext cx="10515600" cy="5378473"/>
           </a:xfrm>
         </p:spPr>
         <p:txBody>
@@ -10967,18 +11418,484 @@
                 <a:latin typeface="Times New Roman" panose="02020603050405020304" pitchFamily="18" charset="0"/>
                 <a:cs typeface="Times New Roman" panose="02020603050405020304" pitchFamily="18" charset="0"/>
               </a:rPr>
-              <a:t>. Сведения о проектах</a:t>
-            </a:r>
-            <a:endParaRPr lang="ru-RU" sz="2400" dirty="0">
-              <a:latin typeface="Times New Roman" panose="02020603050405020304" pitchFamily="18" charset="0"/>
-              <a:cs typeface="Times New Roman" panose="02020603050405020304" pitchFamily="18" charset="0"/>
+              <a:t>. Информация о конкретной задаче</a:t>
+            </a:r>
+          </a:p>
+        </p:txBody>
+      </p:sp>
+      <p:sp>
+        <p:nvSpPr>
+          <p:cNvPr id="3" name="Скругленный прямоугольник 2"/>
+          <p:cNvSpPr/>
+          <p:nvPr/>
+        </p:nvSpPr>
+        <p:spPr>
+          <a:xfrm>
+            <a:off x="210355" y="1252542"/>
+            <a:ext cx="11771290" cy="2266683"/>
+          </a:xfrm>
+          <a:prstGeom prst="roundRect">
+            <a:avLst/>
+          </a:prstGeom>
+          <a:noFill/>
+        </p:spPr>
+        <p:style>
+          <a:lnRef idx="2">
+            <a:schemeClr val="accent1">
+              <a:shade val="50000"/>
+            </a:schemeClr>
+          </a:lnRef>
+          <a:fillRef idx="1">
+            <a:schemeClr val="accent1"/>
+          </a:fillRef>
+          <a:effectRef idx="0">
+            <a:schemeClr val="accent1"/>
+          </a:effectRef>
+          <a:fontRef idx="minor">
+            <a:schemeClr val="lt1"/>
+          </a:fontRef>
+        </p:style>
+        <p:txBody>
+          <a:bodyPr rtlCol="0" anchor="ctr"/>
+          <a:lstStyle/>
+          <a:p>
+            <a:r>
+              <a:rPr lang="en-US" dirty="0">
+                <a:solidFill>
+                  <a:schemeClr val="tx1"/>
+                </a:solidFill>
+                <a:latin typeface="Courier New" panose="02070309020205020404" pitchFamily="49" charset="0"/>
+                <a:cs typeface="Courier New" panose="02070309020205020404" pitchFamily="49" charset="0"/>
+              </a:rPr>
+              <a:t>MATCH </a:t>
+            </a:r>
+          </a:p>
+          <a:p>
+            <a:r>
+              <a:rPr lang="en-US" dirty="0">
+                <a:solidFill>
+                  <a:schemeClr val="tx1"/>
+                </a:solidFill>
+                <a:latin typeface="Courier New" panose="02070309020205020404" pitchFamily="49" charset="0"/>
+                <a:cs typeface="Courier New" panose="02070309020205020404" pitchFamily="49" charset="0"/>
+              </a:rPr>
+              <a:t>(</a:t>
+            </a:r>
+            <a:r>
+              <a:rPr lang="en-US" dirty="0" err="1">
+                <a:solidFill>
+                  <a:schemeClr val="tx1"/>
+                </a:solidFill>
+                <a:latin typeface="Courier New" panose="02070309020205020404" pitchFamily="49" charset="0"/>
+                <a:cs typeface="Courier New" panose="02070309020205020404" pitchFamily="49" charset="0"/>
+              </a:rPr>
+              <a:t>i:Issue</a:t>
+            </a:r>
+            <a:r>
+              <a:rPr lang="en-US" dirty="0">
+                <a:solidFill>
+                  <a:schemeClr val="tx1"/>
+                </a:solidFill>
+                <a:latin typeface="Courier New" panose="02070309020205020404" pitchFamily="49" charset="0"/>
+                <a:cs typeface="Courier New" panose="02070309020205020404" pitchFamily="49" charset="0"/>
+              </a:rPr>
+              <a:t>)-[:</a:t>
+            </a:r>
+            <a:r>
+              <a:rPr lang="en-US" dirty="0" err="1">
+                <a:solidFill>
+                  <a:schemeClr val="tx1"/>
+                </a:solidFill>
+                <a:latin typeface="Courier New" panose="02070309020205020404" pitchFamily="49" charset="0"/>
+                <a:cs typeface="Courier New" panose="02070309020205020404" pitchFamily="49" charset="0"/>
+              </a:rPr>
+              <a:t>Type_of_issue</a:t>
+            </a:r>
+            <a:r>
+              <a:rPr lang="en-US" dirty="0">
+                <a:solidFill>
+                  <a:schemeClr val="tx1"/>
+                </a:solidFill>
+                <a:latin typeface="Courier New" panose="02070309020205020404" pitchFamily="49" charset="0"/>
+                <a:cs typeface="Courier New" panose="02070309020205020404" pitchFamily="49" charset="0"/>
+              </a:rPr>
+              <a:t>]-(</a:t>
+            </a:r>
+            <a:r>
+              <a:rPr lang="en-US" dirty="0" err="1">
+                <a:solidFill>
+                  <a:schemeClr val="tx1"/>
+                </a:solidFill>
+                <a:latin typeface="Courier New" panose="02070309020205020404" pitchFamily="49" charset="0"/>
+                <a:cs typeface="Courier New" panose="02070309020205020404" pitchFamily="49" charset="0"/>
+              </a:rPr>
+              <a:t>t:Issue_type</a:t>
+            </a:r>
+            <a:r>
+              <a:rPr lang="en-US" dirty="0">
+                <a:solidFill>
+                  <a:schemeClr val="tx1"/>
+                </a:solidFill>
+                <a:latin typeface="Courier New" panose="02070309020205020404" pitchFamily="49" charset="0"/>
+                <a:cs typeface="Courier New" panose="02070309020205020404" pitchFamily="49" charset="0"/>
+              </a:rPr>
+              <a:t>),</a:t>
+            </a:r>
+          </a:p>
+          <a:p>
+            <a:r>
+              <a:rPr lang="en-US" dirty="0">
+                <a:solidFill>
+                  <a:schemeClr val="tx1"/>
+                </a:solidFill>
+                <a:latin typeface="Courier New" panose="02070309020205020404" pitchFamily="49" charset="0"/>
+                <a:cs typeface="Courier New" panose="02070309020205020404" pitchFamily="49" charset="0"/>
+              </a:rPr>
+              <a:t>(</a:t>
+            </a:r>
+            <a:r>
+              <a:rPr lang="en-US" dirty="0" err="1">
+                <a:solidFill>
+                  <a:schemeClr val="tx1"/>
+                </a:solidFill>
+                <a:latin typeface="Courier New" panose="02070309020205020404" pitchFamily="49" charset="0"/>
+                <a:cs typeface="Courier New" panose="02070309020205020404" pitchFamily="49" charset="0"/>
+              </a:rPr>
+              <a:t>i:Issue</a:t>
+            </a:r>
+            <a:r>
+              <a:rPr lang="en-US" dirty="0">
+                <a:solidFill>
+                  <a:schemeClr val="tx1"/>
+                </a:solidFill>
+                <a:latin typeface="Courier New" panose="02070309020205020404" pitchFamily="49" charset="0"/>
+                <a:cs typeface="Courier New" panose="02070309020205020404" pitchFamily="49" charset="0"/>
+              </a:rPr>
+              <a:t>)-[:</a:t>
+            </a:r>
+            <a:r>
+              <a:rPr lang="en-US" dirty="0" err="1">
+                <a:solidFill>
+                  <a:schemeClr val="tx1"/>
+                </a:solidFill>
+                <a:latin typeface="Courier New" panose="02070309020205020404" pitchFamily="49" charset="0"/>
+                <a:cs typeface="Courier New" panose="02070309020205020404" pitchFamily="49" charset="0"/>
+              </a:rPr>
+              <a:t>Status_of_issue</a:t>
+            </a:r>
+            <a:r>
+              <a:rPr lang="en-US" dirty="0">
+                <a:solidFill>
+                  <a:schemeClr val="tx1"/>
+                </a:solidFill>
+                <a:latin typeface="Courier New" panose="02070309020205020404" pitchFamily="49" charset="0"/>
+                <a:cs typeface="Courier New" panose="02070309020205020404" pitchFamily="49" charset="0"/>
+              </a:rPr>
+              <a:t>]-(</a:t>
+            </a:r>
+            <a:r>
+              <a:rPr lang="en-US" dirty="0" err="1">
+                <a:solidFill>
+                  <a:schemeClr val="tx1"/>
+                </a:solidFill>
+                <a:latin typeface="Courier New" panose="02070309020205020404" pitchFamily="49" charset="0"/>
+                <a:cs typeface="Courier New" panose="02070309020205020404" pitchFamily="49" charset="0"/>
+              </a:rPr>
+              <a:t>s:Issue_status</a:t>
+            </a:r>
+            <a:r>
+              <a:rPr lang="en-US" dirty="0">
+                <a:solidFill>
+                  <a:schemeClr val="tx1"/>
+                </a:solidFill>
+                <a:latin typeface="Courier New" panose="02070309020205020404" pitchFamily="49" charset="0"/>
+                <a:cs typeface="Courier New" panose="02070309020205020404" pitchFamily="49" charset="0"/>
+              </a:rPr>
+              <a:t>),</a:t>
+            </a:r>
+          </a:p>
+          <a:p>
+            <a:r>
+              <a:rPr lang="en-US" dirty="0">
+                <a:solidFill>
+                  <a:schemeClr val="tx1"/>
+                </a:solidFill>
+                <a:latin typeface="Courier New" panose="02070309020205020404" pitchFamily="49" charset="0"/>
+                <a:cs typeface="Courier New" panose="02070309020205020404" pitchFamily="49" charset="0"/>
+              </a:rPr>
+              <a:t>(</a:t>
+            </a:r>
+            <a:r>
+              <a:rPr lang="en-US" dirty="0" err="1">
+                <a:solidFill>
+                  <a:schemeClr val="tx1"/>
+                </a:solidFill>
+                <a:latin typeface="Courier New" panose="02070309020205020404" pitchFamily="49" charset="0"/>
+                <a:cs typeface="Courier New" panose="02070309020205020404" pitchFamily="49" charset="0"/>
+              </a:rPr>
+              <a:t>i:Issue</a:t>
+            </a:r>
+            <a:r>
+              <a:rPr lang="en-US" dirty="0">
+                <a:solidFill>
+                  <a:schemeClr val="tx1"/>
+                </a:solidFill>
+                <a:latin typeface="Courier New" panose="02070309020205020404" pitchFamily="49" charset="0"/>
+                <a:cs typeface="Courier New" panose="02070309020205020404" pitchFamily="49" charset="0"/>
+              </a:rPr>
+              <a:t>)-[:Priority]-(</a:t>
+            </a:r>
+            <a:r>
+              <a:rPr lang="en-US" dirty="0" err="1">
+                <a:solidFill>
+                  <a:schemeClr val="tx1"/>
+                </a:solidFill>
+                <a:latin typeface="Courier New" panose="02070309020205020404" pitchFamily="49" charset="0"/>
+                <a:cs typeface="Courier New" panose="02070309020205020404" pitchFamily="49" charset="0"/>
+              </a:rPr>
+              <a:t>p:Issue_priority</a:t>
+            </a:r>
+            <a:r>
+              <a:rPr lang="en-US" dirty="0">
+                <a:solidFill>
+                  <a:schemeClr val="tx1"/>
+                </a:solidFill>
+                <a:latin typeface="Courier New" panose="02070309020205020404" pitchFamily="49" charset="0"/>
+                <a:cs typeface="Courier New" panose="02070309020205020404" pitchFamily="49" charset="0"/>
+              </a:rPr>
+              <a:t>),</a:t>
+            </a:r>
+          </a:p>
+          <a:p>
+            <a:r>
+              <a:rPr lang="en-US" dirty="0">
+                <a:solidFill>
+                  <a:schemeClr val="tx1"/>
+                </a:solidFill>
+                <a:latin typeface="Courier New" panose="02070309020205020404" pitchFamily="49" charset="0"/>
+                <a:cs typeface="Courier New" panose="02070309020205020404" pitchFamily="49" charset="0"/>
+              </a:rPr>
+              <a:t>(</a:t>
+            </a:r>
+            <a:r>
+              <a:rPr lang="en-US" dirty="0" err="1">
+                <a:solidFill>
+                  <a:schemeClr val="tx1"/>
+                </a:solidFill>
+                <a:latin typeface="Courier New" panose="02070309020205020404" pitchFamily="49" charset="0"/>
+                <a:cs typeface="Courier New" panose="02070309020205020404" pitchFamily="49" charset="0"/>
+              </a:rPr>
+              <a:t>i:Issue</a:t>
+            </a:r>
+            <a:r>
+              <a:rPr lang="en-US" dirty="0">
+                <a:solidFill>
+                  <a:schemeClr val="tx1"/>
+                </a:solidFill>
+                <a:latin typeface="Courier New" panose="02070309020205020404" pitchFamily="49" charset="0"/>
+                <a:cs typeface="Courier New" panose="02070309020205020404" pitchFamily="49" charset="0"/>
+              </a:rPr>
+              <a:t>)-[:</a:t>
+            </a:r>
+            <a:r>
+              <a:rPr lang="en-US" dirty="0" err="1">
+                <a:solidFill>
+                  <a:schemeClr val="tx1"/>
+                </a:solidFill>
+                <a:latin typeface="Courier New" panose="02070309020205020404" pitchFamily="49" charset="0"/>
+                <a:cs typeface="Courier New" panose="02070309020205020404" pitchFamily="49" charset="0"/>
+              </a:rPr>
+              <a:t>Link_to</a:t>
+            </a:r>
+            <a:r>
+              <a:rPr lang="en-US" dirty="0">
+                <a:solidFill>
+                  <a:schemeClr val="tx1"/>
+                </a:solidFill>
+                <a:latin typeface="Courier New" panose="02070309020205020404" pitchFamily="49" charset="0"/>
+                <a:cs typeface="Courier New" panose="02070309020205020404" pitchFamily="49" charset="0"/>
+              </a:rPr>
+              <a:t>]-(</a:t>
+            </a:r>
+            <a:r>
+              <a:rPr lang="en-US" dirty="0" err="1">
+                <a:solidFill>
+                  <a:schemeClr val="tx1"/>
+                </a:solidFill>
+                <a:latin typeface="Courier New" panose="02070309020205020404" pitchFamily="49" charset="0"/>
+                <a:cs typeface="Courier New" panose="02070309020205020404" pitchFamily="49" charset="0"/>
+              </a:rPr>
+              <a:t>r:Repository</a:t>
+            </a:r>
+            <a:r>
+              <a:rPr lang="en-US" dirty="0">
+                <a:solidFill>
+                  <a:schemeClr val="tx1"/>
+                </a:solidFill>
+                <a:latin typeface="Courier New" panose="02070309020205020404" pitchFamily="49" charset="0"/>
+                <a:cs typeface="Courier New" panose="02070309020205020404" pitchFamily="49" charset="0"/>
+              </a:rPr>
+              <a:t>),</a:t>
+            </a:r>
+          </a:p>
+          <a:p>
+            <a:r>
+              <a:rPr lang="en-US" dirty="0">
+                <a:solidFill>
+                  <a:schemeClr val="tx1"/>
+                </a:solidFill>
+                <a:latin typeface="Courier New" panose="02070309020205020404" pitchFamily="49" charset="0"/>
+                <a:cs typeface="Courier New" panose="02070309020205020404" pitchFamily="49" charset="0"/>
+              </a:rPr>
+              <a:t>(</a:t>
+            </a:r>
+            <a:r>
+              <a:rPr lang="en-US" dirty="0" err="1">
+                <a:solidFill>
+                  <a:schemeClr val="tx1"/>
+                </a:solidFill>
+                <a:latin typeface="Courier New" panose="02070309020205020404" pitchFamily="49" charset="0"/>
+                <a:cs typeface="Courier New" panose="02070309020205020404" pitchFamily="49" charset="0"/>
+              </a:rPr>
+              <a:t>i:Issue</a:t>
+            </a:r>
+            <a:r>
+              <a:rPr lang="en-US" dirty="0">
+                <a:solidFill>
+                  <a:schemeClr val="tx1"/>
+                </a:solidFill>
+                <a:latin typeface="Courier New" panose="02070309020205020404" pitchFamily="49" charset="0"/>
+                <a:cs typeface="Courier New" panose="02070309020205020404" pitchFamily="49" charset="0"/>
+              </a:rPr>
+              <a:t>)-[:</a:t>
+            </a:r>
+            <a:r>
+              <a:rPr lang="en-US" dirty="0" err="1">
+                <a:solidFill>
+                  <a:schemeClr val="tx1"/>
+                </a:solidFill>
+                <a:latin typeface="Courier New" panose="02070309020205020404" pitchFamily="49" charset="0"/>
+                <a:cs typeface="Courier New" panose="02070309020205020404" pitchFamily="49" charset="0"/>
+              </a:rPr>
+              <a:t>Executes_the</a:t>
+            </a:r>
+            <a:r>
+              <a:rPr lang="en-US" dirty="0">
+                <a:solidFill>
+                  <a:schemeClr val="tx1"/>
+                </a:solidFill>
+                <a:latin typeface="Courier New" panose="02070309020205020404" pitchFamily="49" charset="0"/>
+                <a:cs typeface="Courier New" panose="02070309020205020404" pitchFamily="49" charset="0"/>
+              </a:rPr>
+              <a:t>]-(</a:t>
+            </a:r>
+            <a:r>
+              <a:rPr lang="en-US" dirty="0" err="1">
+                <a:solidFill>
+                  <a:schemeClr val="tx1"/>
+                </a:solidFill>
+                <a:latin typeface="Courier New" panose="02070309020205020404" pitchFamily="49" charset="0"/>
+                <a:cs typeface="Courier New" panose="02070309020205020404" pitchFamily="49" charset="0"/>
+              </a:rPr>
+              <a:t>d:Developer</a:t>
+            </a:r>
+            <a:r>
+              <a:rPr lang="en-US" dirty="0">
+                <a:solidFill>
+                  <a:schemeClr val="tx1"/>
+                </a:solidFill>
+                <a:latin typeface="Courier New" panose="02070309020205020404" pitchFamily="49" charset="0"/>
+                <a:cs typeface="Courier New" panose="02070309020205020404" pitchFamily="49" charset="0"/>
+              </a:rPr>
+              <a:t>)</a:t>
+            </a:r>
+          </a:p>
+          <a:p>
+            <a:r>
+              <a:rPr lang="en-US" dirty="0">
+                <a:solidFill>
+                  <a:schemeClr val="tx1"/>
+                </a:solidFill>
+                <a:latin typeface="Courier New" panose="02070309020205020404" pitchFamily="49" charset="0"/>
+                <a:cs typeface="Courier New" panose="02070309020205020404" pitchFamily="49" charset="0"/>
+              </a:rPr>
+              <a:t>WHERE i.name = "Parsing parameters"</a:t>
+            </a:r>
+          </a:p>
+          <a:p>
+            <a:r>
+              <a:rPr lang="en-US" dirty="0">
+                <a:solidFill>
+                  <a:schemeClr val="tx1"/>
+                </a:solidFill>
+                <a:latin typeface="Courier New" panose="02070309020205020404" pitchFamily="49" charset="0"/>
+                <a:cs typeface="Courier New" panose="02070309020205020404" pitchFamily="49" charset="0"/>
+              </a:rPr>
+              <a:t>RETURN </a:t>
+            </a:r>
+            <a:r>
+              <a:rPr lang="en-US" dirty="0" err="1">
+                <a:solidFill>
+                  <a:schemeClr val="tx1"/>
+                </a:solidFill>
+                <a:latin typeface="Courier New" panose="02070309020205020404" pitchFamily="49" charset="0"/>
+                <a:cs typeface="Courier New" panose="02070309020205020404" pitchFamily="49" charset="0"/>
+              </a:rPr>
+              <a:t>i</a:t>
+            </a:r>
+            <a:r>
+              <a:rPr lang="en-US" dirty="0">
+                <a:solidFill>
+                  <a:schemeClr val="tx1"/>
+                </a:solidFill>
+                <a:latin typeface="Courier New" panose="02070309020205020404" pitchFamily="49" charset="0"/>
+                <a:cs typeface="Courier New" panose="02070309020205020404" pitchFamily="49" charset="0"/>
+              </a:rPr>
+              <a:t> AS issue, t AS type, s AS status, p AS priority, </a:t>
+            </a:r>
+            <a:r>
+              <a:rPr lang="en-US" dirty="0" smtClean="0">
+                <a:solidFill>
+                  <a:schemeClr val="tx1"/>
+                </a:solidFill>
+                <a:latin typeface="Courier New" panose="02070309020205020404" pitchFamily="49" charset="0"/>
+                <a:cs typeface="Courier New" panose="02070309020205020404" pitchFamily="49" charset="0"/>
+              </a:rPr>
+              <a:t>d </a:t>
+            </a:r>
+            <a:r>
+              <a:rPr lang="en-US" dirty="0">
+                <a:solidFill>
+                  <a:schemeClr val="tx1"/>
+                </a:solidFill>
+                <a:latin typeface="Courier New" panose="02070309020205020404" pitchFamily="49" charset="0"/>
+                <a:cs typeface="Courier New" panose="02070309020205020404" pitchFamily="49" charset="0"/>
+              </a:rPr>
+              <a:t>AS developer, r AS </a:t>
+            </a:r>
+            <a:r>
+              <a:rPr lang="en-US" dirty="0" smtClean="0">
+                <a:solidFill>
+                  <a:schemeClr val="tx1"/>
+                </a:solidFill>
+                <a:latin typeface="Courier New" panose="02070309020205020404" pitchFamily="49" charset="0"/>
+                <a:cs typeface="Courier New" panose="02070309020205020404" pitchFamily="49" charset="0"/>
+              </a:rPr>
+              <a:t>repo</a:t>
+            </a:r>
+            <a:endParaRPr lang="en-US" dirty="0">
+              <a:solidFill>
+                <a:schemeClr val="tx1"/>
+              </a:solidFill>
+              <a:latin typeface="Courier New" panose="02070309020205020404" pitchFamily="49" charset="0"/>
+              <a:cs typeface="Courier New" panose="02070309020205020404" pitchFamily="49" charset="0"/>
             </a:endParaRPr>
           </a:p>
         </p:txBody>
       </p:sp>
       <p:pic>
         <p:nvPicPr>
-          <p:cNvPr id="3" name="Рисунок 2"/>
+          <p:cNvPr id="7" name="Рисунок 6"/>
           <p:cNvPicPr>
             <a:picLocks noChangeAspect="1"/>
           </p:cNvPicPr>
@@ -10998,8 +11915,8 @@
         </p:blipFill>
         <p:spPr>
           <a:xfrm>
-            <a:off x="838200" y="1622492"/>
-            <a:ext cx="10084158" cy="4898019"/>
+            <a:off x="3965033" y="3698612"/>
+            <a:ext cx="4645567" cy="3012360"/>
           </a:xfrm>
           <a:prstGeom prst="rect">
             <a:avLst/>
@@ -11009,7 +11926,7 @@
     </p:spTree>
     <p:extLst>
       <p:ext uri="{BB962C8B-B14F-4D97-AF65-F5344CB8AC3E}">
-        <p14:creationId xmlns:p14="http://schemas.microsoft.com/office/powerpoint/2010/main" val="540927037"/>
+        <p14:creationId xmlns:p14="http://schemas.microsoft.com/office/powerpoint/2010/main" val="1885052711"/>
       </p:ext>
     </p:extLst>
   </p:cSld>
@@ -11078,8 +11995,8 @@
         </p:nvSpPr>
         <p:spPr>
           <a:xfrm>
-            <a:off x="812441" y="181938"/>
-            <a:ext cx="10701271" cy="1261167"/>
+            <a:off x="812441" y="141669"/>
+            <a:ext cx="10701271" cy="772732"/>
           </a:xfrm>
         </p:spPr>
         <p:txBody>
@@ -11097,17 +12014,7 @@
                 <a:latin typeface="Times New Roman" panose="02020603050405020304" pitchFamily="18" charset="0"/>
                 <a:cs typeface="Times New Roman" panose="02020603050405020304" pitchFamily="18" charset="0"/>
               </a:rPr>
-              <a:t>Результаты </a:t>
-            </a:r>
-            <a:r>
-              <a:rPr lang="ru-RU" sz="3600" dirty="0" smtClean="0">
-                <a:solidFill>
-                  <a:srgbClr val="0070C0"/>
-                </a:solidFill>
-                <a:latin typeface="Times New Roman" panose="02020603050405020304" pitchFamily="18" charset="0"/>
-                <a:cs typeface="Times New Roman" panose="02020603050405020304" pitchFamily="18" charset="0"/>
-              </a:rPr>
-              <a:t>запросов</a:t>
+              <a:t>Результаты запросов</a:t>
             </a:r>
             <a:endParaRPr lang="ru-RU" sz="3600" dirty="0">
               <a:solidFill>
@@ -11131,8 +12038,8 @@
         </p:nvSpPr>
         <p:spPr>
           <a:xfrm>
-            <a:off x="838200" y="1223493"/>
-            <a:ext cx="10515600" cy="4953470"/>
+            <a:off x="838200" y="785611"/>
+            <a:ext cx="10515600" cy="5391352"/>
           </a:xfrm>
         </p:spPr>
         <p:txBody>
@@ -11152,18 +12059,25 @@
               <a:t>Запрос </a:t>
             </a:r>
             <a:r>
+              <a:rPr lang="ru-RU" sz="2400" dirty="0">
+                <a:latin typeface="Times New Roman" panose="02020603050405020304" pitchFamily="18" charset="0"/>
+                <a:cs typeface="Times New Roman" panose="02020603050405020304" pitchFamily="18" charset="0"/>
+              </a:rPr>
+              <a:t>3</a:t>
+            </a:r>
+            <a:r>
               <a:rPr lang="ru-RU" sz="2400" dirty="0" smtClean="0">
                 <a:latin typeface="Times New Roman" panose="02020603050405020304" pitchFamily="18" charset="0"/>
                 <a:cs typeface="Times New Roman" panose="02020603050405020304" pitchFamily="18" charset="0"/>
               </a:rPr>
-              <a:t>3</a:t>
+              <a:t>. </a:t>
             </a:r>
             <a:r>
               <a:rPr lang="ru-RU" sz="2400" dirty="0" smtClean="0">
                 <a:latin typeface="Times New Roman" panose="02020603050405020304" pitchFamily="18" charset="0"/>
                 <a:cs typeface="Times New Roman" panose="02020603050405020304" pitchFamily="18" charset="0"/>
               </a:rPr>
-              <a:t>. Сведения о задаче</a:t>
+              <a:t>История изменений задачи</a:t>
             </a:r>
             <a:endParaRPr lang="ru-RU" sz="2400" dirty="0">
               <a:latin typeface="Times New Roman" panose="02020603050405020304" pitchFamily="18" charset="0"/>
@@ -11172,9 +12086,367 @@
           </a:p>
         </p:txBody>
       </p:sp>
+      <p:sp>
+        <p:nvSpPr>
+          <p:cNvPr id="5" name="Скругленный прямоугольник 4"/>
+          <p:cNvSpPr/>
+          <p:nvPr/>
+        </p:nvSpPr>
+        <p:spPr>
+          <a:xfrm>
+            <a:off x="812441" y="1232659"/>
+            <a:ext cx="9762187" cy="1983347"/>
+          </a:xfrm>
+          <a:prstGeom prst="roundRect">
+            <a:avLst/>
+          </a:prstGeom>
+          <a:noFill/>
+        </p:spPr>
+        <p:style>
+          <a:lnRef idx="2">
+            <a:schemeClr val="accent1">
+              <a:shade val="50000"/>
+            </a:schemeClr>
+          </a:lnRef>
+          <a:fillRef idx="1">
+            <a:schemeClr val="accent1"/>
+          </a:fillRef>
+          <a:effectRef idx="0">
+            <a:schemeClr val="accent1"/>
+          </a:effectRef>
+          <a:fontRef idx="minor">
+            <a:schemeClr val="lt1"/>
+          </a:fontRef>
+        </p:style>
+        <p:txBody>
+          <a:bodyPr rtlCol="0" anchor="ctr"/>
+          <a:lstStyle/>
+          <a:p>
+            <a:r>
+              <a:rPr lang="en-US" dirty="0">
+                <a:solidFill>
+                  <a:schemeClr val="tx1"/>
+                </a:solidFill>
+                <a:latin typeface="Courier New" panose="02070309020205020404" pitchFamily="49" charset="0"/>
+                <a:cs typeface="Courier New" panose="02070309020205020404" pitchFamily="49" charset="0"/>
+              </a:rPr>
+              <a:t>MATCH</a:t>
+            </a:r>
+          </a:p>
+          <a:p>
+            <a:r>
+              <a:rPr lang="en-US" dirty="0">
+                <a:solidFill>
+                  <a:schemeClr val="tx1"/>
+                </a:solidFill>
+                <a:latin typeface="Courier New" panose="02070309020205020404" pitchFamily="49" charset="0"/>
+                <a:cs typeface="Courier New" panose="02070309020205020404" pitchFamily="49" charset="0"/>
+              </a:rPr>
+              <a:t>(</a:t>
+            </a:r>
+            <a:r>
+              <a:rPr lang="en-US" dirty="0" err="1">
+                <a:solidFill>
+                  <a:schemeClr val="tx1"/>
+                </a:solidFill>
+                <a:latin typeface="Courier New" panose="02070309020205020404" pitchFamily="49" charset="0"/>
+                <a:cs typeface="Courier New" panose="02070309020205020404" pitchFamily="49" charset="0"/>
+              </a:rPr>
+              <a:t>i:Issue</a:t>
+            </a:r>
+            <a:r>
+              <a:rPr lang="en-US" dirty="0">
+                <a:solidFill>
+                  <a:schemeClr val="tx1"/>
+                </a:solidFill>
+                <a:latin typeface="Courier New" panose="02070309020205020404" pitchFamily="49" charset="0"/>
+                <a:cs typeface="Courier New" panose="02070309020205020404" pitchFamily="49" charset="0"/>
+              </a:rPr>
+              <a:t>)-[:</a:t>
+            </a:r>
+            <a:r>
+              <a:rPr lang="en-US" dirty="0" err="1">
+                <a:solidFill>
+                  <a:schemeClr val="tx1"/>
+                </a:solidFill>
+                <a:latin typeface="Courier New" panose="02070309020205020404" pitchFamily="49" charset="0"/>
+                <a:cs typeface="Courier New" panose="02070309020205020404" pitchFamily="49" charset="0"/>
+              </a:rPr>
+              <a:t>Start_of</a:t>
+            </a:r>
+            <a:r>
+              <a:rPr lang="en-US" dirty="0">
+                <a:solidFill>
+                  <a:schemeClr val="tx1"/>
+                </a:solidFill>
+                <a:latin typeface="Courier New" panose="02070309020205020404" pitchFamily="49" charset="0"/>
+                <a:cs typeface="Courier New" panose="02070309020205020404" pitchFamily="49" charset="0"/>
+              </a:rPr>
+              <a:t>]-(</a:t>
+            </a:r>
+            <a:r>
+              <a:rPr lang="en-US" dirty="0" err="1">
+                <a:solidFill>
+                  <a:schemeClr val="tx1"/>
+                </a:solidFill>
+                <a:latin typeface="Courier New" panose="02070309020205020404" pitchFamily="49" charset="0"/>
+                <a:cs typeface="Courier New" panose="02070309020205020404" pitchFamily="49" charset="0"/>
+              </a:rPr>
+              <a:t>c:Commit</a:t>
+            </a:r>
+            <a:r>
+              <a:rPr lang="en-US" dirty="0">
+                <a:solidFill>
+                  <a:schemeClr val="tx1"/>
+                </a:solidFill>
+                <a:latin typeface="Courier New" panose="02070309020205020404" pitchFamily="49" charset="0"/>
+                <a:cs typeface="Courier New" panose="02070309020205020404" pitchFamily="49" charset="0"/>
+              </a:rPr>
+              <a:t>),</a:t>
+            </a:r>
+          </a:p>
+          <a:p>
+            <a:r>
+              <a:rPr lang="en-US" dirty="0">
+                <a:solidFill>
+                  <a:schemeClr val="tx1"/>
+                </a:solidFill>
+                <a:latin typeface="Courier New" panose="02070309020205020404" pitchFamily="49" charset="0"/>
+                <a:cs typeface="Courier New" panose="02070309020205020404" pitchFamily="49" charset="0"/>
+              </a:rPr>
+              <a:t>(</a:t>
+            </a:r>
+            <a:r>
+              <a:rPr lang="en-US" dirty="0" err="1">
+                <a:solidFill>
+                  <a:schemeClr val="tx1"/>
+                </a:solidFill>
+                <a:latin typeface="Courier New" panose="02070309020205020404" pitchFamily="49" charset="0"/>
+                <a:cs typeface="Courier New" panose="02070309020205020404" pitchFamily="49" charset="0"/>
+              </a:rPr>
+              <a:t>d:Developer</a:t>
+            </a:r>
+            <a:r>
+              <a:rPr lang="en-US" dirty="0">
+                <a:solidFill>
+                  <a:schemeClr val="tx1"/>
+                </a:solidFill>
+                <a:latin typeface="Courier New" panose="02070309020205020404" pitchFamily="49" charset="0"/>
+                <a:cs typeface="Courier New" panose="02070309020205020404" pitchFamily="49" charset="0"/>
+              </a:rPr>
+              <a:t>)-[:</a:t>
+            </a:r>
+            <a:r>
+              <a:rPr lang="en-US" dirty="0" err="1">
+                <a:solidFill>
+                  <a:schemeClr val="tx1"/>
+                </a:solidFill>
+                <a:latin typeface="Courier New" panose="02070309020205020404" pitchFamily="49" charset="0"/>
+                <a:cs typeface="Courier New" panose="02070309020205020404" pitchFamily="49" charset="0"/>
+              </a:rPr>
+              <a:t>Executes_the</a:t>
+            </a:r>
+            <a:r>
+              <a:rPr lang="en-US" dirty="0">
+                <a:solidFill>
+                  <a:schemeClr val="tx1"/>
+                </a:solidFill>
+                <a:latin typeface="Courier New" panose="02070309020205020404" pitchFamily="49" charset="0"/>
+                <a:cs typeface="Courier New" panose="02070309020205020404" pitchFamily="49" charset="0"/>
+              </a:rPr>
+              <a:t>]-(</a:t>
+            </a:r>
+            <a:r>
+              <a:rPr lang="en-US" dirty="0" err="1">
+                <a:solidFill>
+                  <a:schemeClr val="tx1"/>
+                </a:solidFill>
+                <a:latin typeface="Courier New" panose="02070309020205020404" pitchFamily="49" charset="0"/>
+                <a:cs typeface="Courier New" panose="02070309020205020404" pitchFamily="49" charset="0"/>
+              </a:rPr>
+              <a:t>i:Issue</a:t>
+            </a:r>
+            <a:r>
+              <a:rPr lang="en-US" dirty="0">
+                <a:solidFill>
+                  <a:schemeClr val="tx1"/>
+                </a:solidFill>
+                <a:latin typeface="Courier New" panose="02070309020205020404" pitchFamily="49" charset="0"/>
+                <a:cs typeface="Courier New" panose="02070309020205020404" pitchFamily="49" charset="0"/>
+              </a:rPr>
+              <a:t>),</a:t>
+            </a:r>
+          </a:p>
+          <a:p>
+            <a:r>
+              <a:rPr lang="en-US" dirty="0">
+                <a:solidFill>
+                  <a:schemeClr val="tx1"/>
+                </a:solidFill>
+                <a:latin typeface="Courier New" panose="02070309020205020404" pitchFamily="49" charset="0"/>
+                <a:cs typeface="Courier New" panose="02070309020205020404" pitchFamily="49" charset="0"/>
+              </a:rPr>
+              <a:t>(</a:t>
+            </a:r>
+            <a:r>
+              <a:rPr lang="en-US" dirty="0" err="1">
+                <a:solidFill>
+                  <a:schemeClr val="tx1"/>
+                </a:solidFill>
+                <a:latin typeface="Courier New" panose="02070309020205020404" pitchFamily="49" charset="0"/>
+                <a:cs typeface="Courier New" panose="02070309020205020404" pitchFamily="49" charset="0"/>
+              </a:rPr>
+              <a:t>c:Commit</a:t>
+            </a:r>
+            <a:r>
+              <a:rPr lang="en-US" dirty="0">
+                <a:solidFill>
+                  <a:schemeClr val="tx1"/>
+                </a:solidFill>
+                <a:latin typeface="Courier New" panose="02070309020205020404" pitchFamily="49" charset="0"/>
+                <a:cs typeface="Courier New" panose="02070309020205020404" pitchFamily="49" charset="0"/>
+              </a:rPr>
+              <a:t>)-[:</a:t>
+            </a:r>
+            <a:r>
+              <a:rPr lang="en-US" dirty="0" err="1">
+                <a:solidFill>
+                  <a:schemeClr val="tx1"/>
+                </a:solidFill>
+                <a:latin typeface="Courier New" panose="02070309020205020404" pitchFamily="49" charset="0"/>
+                <a:cs typeface="Courier New" panose="02070309020205020404" pitchFamily="49" charset="0"/>
+              </a:rPr>
+              <a:t>Link_to</a:t>
+            </a:r>
+            <a:r>
+              <a:rPr lang="en-US" dirty="0">
+                <a:solidFill>
+                  <a:schemeClr val="tx1"/>
+                </a:solidFill>
+                <a:latin typeface="Courier New" panose="02070309020205020404" pitchFamily="49" charset="0"/>
+                <a:cs typeface="Courier New" panose="02070309020205020404" pitchFamily="49" charset="0"/>
+              </a:rPr>
+              <a:t>]-&gt;(</a:t>
+            </a:r>
+            <a:r>
+              <a:rPr lang="en-US" dirty="0" err="1">
+                <a:solidFill>
+                  <a:schemeClr val="tx1"/>
+                </a:solidFill>
+                <a:latin typeface="Courier New" panose="02070309020205020404" pitchFamily="49" charset="0"/>
+                <a:cs typeface="Courier New" panose="02070309020205020404" pitchFamily="49" charset="0"/>
+              </a:rPr>
+              <a:t>r:Repository</a:t>
+            </a:r>
+            <a:r>
+              <a:rPr lang="en-US" dirty="0">
+                <a:solidFill>
+                  <a:schemeClr val="tx1"/>
+                </a:solidFill>
+                <a:latin typeface="Courier New" panose="02070309020205020404" pitchFamily="49" charset="0"/>
+                <a:cs typeface="Courier New" panose="02070309020205020404" pitchFamily="49" charset="0"/>
+              </a:rPr>
+              <a:t>),</a:t>
+            </a:r>
+          </a:p>
+          <a:p>
+            <a:r>
+              <a:rPr lang="en-US" dirty="0">
+                <a:solidFill>
+                  <a:schemeClr val="tx1"/>
+                </a:solidFill>
+                <a:latin typeface="Courier New" panose="02070309020205020404" pitchFamily="49" charset="0"/>
+                <a:cs typeface="Courier New" panose="02070309020205020404" pitchFamily="49" charset="0"/>
+              </a:rPr>
+              <a:t>(</a:t>
+            </a:r>
+            <a:r>
+              <a:rPr lang="en-US" dirty="0" err="1">
+                <a:solidFill>
+                  <a:schemeClr val="tx1"/>
+                </a:solidFill>
+                <a:latin typeface="Courier New" panose="02070309020205020404" pitchFamily="49" charset="0"/>
+                <a:cs typeface="Courier New" panose="02070309020205020404" pitchFamily="49" charset="0"/>
+              </a:rPr>
+              <a:t>c:Commit</a:t>
+            </a:r>
+            <a:r>
+              <a:rPr lang="en-US" dirty="0">
+                <a:solidFill>
+                  <a:schemeClr val="tx1"/>
+                </a:solidFill>
+                <a:latin typeface="Courier New" panose="02070309020205020404" pitchFamily="49" charset="0"/>
+                <a:cs typeface="Courier New" panose="02070309020205020404" pitchFamily="49" charset="0"/>
+              </a:rPr>
+              <a:t>)-[:Next*]-&gt;(n)</a:t>
+            </a:r>
+          </a:p>
+          <a:p>
+            <a:r>
+              <a:rPr lang="en-US" dirty="0">
+                <a:solidFill>
+                  <a:schemeClr val="tx1"/>
+                </a:solidFill>
+                <a:latin typeface="Courier New" panose="02070309020205020404" pitchFamily="49" charset="0"/>
+                <a:cs typeface="Courier New" panose="02070309020205020404" pitchFamily="49" charset="0"/>
+              </a:rPr>
+              <a:t>WHERE i.name = "SEEK function for DA module"</a:t>
+            </a:r>
+          </a:p>
+          <a:p>
+            <a:r>
+              <a:rPr lang="en-US" dirty="0">
+                <a:solidFill>
+                  <a:schemeClr val="tx1"/>
+                </a:solidFill>
+                <a:latin typeface="Courier New" panose="02070309020205020404" pitchFamily="49" charset="0"/>
+                <a:cs typeface="Courier New" panose="02070309020205020404" pitchFamily="49" charset="0"/>
+              </a:rPr>
+              <a:t>RETURN d AS Developer, </a:t>
+            </a:r>
+            <a:r>
+              <a:rPr lang="en-US" dirty="0" err="1">
+                <a:solidFill>
+                  <a:schemeClr val="tx1"/>
+                </a:solidFill>
+                <a:latin typeface="Courier New" panose="02070309020205020404" pitchFamily="49" charset="0"/>
+                <a:cs typeface="Courier New" panose="02070309020205020404" pitchFamily="49" charset="0"/>
+              </a:rPr>
+              <a:t>i</a:t>
+            </a:r>
+            <a:r>
+              <a:rPr lang="en-US" dirty="0">
+                <a:solidFill>
+                  <a:schemeClr val="tx1"/>
+                </a:solidFill>
+                <a:latin typeface="Courier New" panose="02070309020205020404" pitchFamily="49" charset="0"/>
+                <a:cs typeface="Courier New" panose="02070309020205020404" pitchFamily="49" charset="0"/>
+              </a:rPr>
+              <a:t> AS Issue, c AS Commit, r AS Repo, n AS </a:t>
+            </a:r>
+            <a:r>
+              <a:rPr lang="en-US" dirty="0" smtClean="0">
+                <a:solidFill>
+                  <a:schemeClr val="tx1"/>
+                </a:solidFill>
+                <a:latin typeface="Courier New" panose="02070309020205020404" pitchFamily="49" charset="0"/>
+                <a:cs typeface="Courier New" panose="02070309020205020404" pitchFamily="49" charset="0"/>
+              </a:rPr>
+              <a:t>Next</a:t>
+            </a:r>
+            <a:endParaRPr lang="en-US" dirty="0">
+              <a:solidFill>
+                <a:schemeClr val="tx1"/>
+              </a:solidFill>
+              <a:latin typeface="Courier New" panose="02070309020205020404" pitchFamily="49" charset="0"/>
+              <a:cs typeface="Courier New" panose="02070309020205020404" pitchFamily="49" charset="0"/>
+            </a:endParaRPr>
+          </a:p>
+        </p:txBody>
+      </p:sp>
       <p:pic>
         <p:nvPicPr>
-          <p:cNvPr id="5" name="Рисунок 4"/>
+          <p:cNvPr id="9" name="Рисунок 8"/>
           <p:cNvPicPr>
             <a:picLocks noChangeAspect="1"/>
           </p:cNvPicPr>
@@ -11194,8 +12466,8 @@
         </p:blipFill>
         <p:spPr>
           <a:xfrm>
-            <a:off x="838199" y="1622492"/>
-            <a:ext cx="10868109" cy="4300636"/>
+            <a:off x="2551153" y="3315437"/>
+            <a:ext cx="7089694" cy="3505468"/>
           </a:xfrm>
           <a:prstGeom prst="rect">
             <a:avLst/>
@@ -11205,7 +12477,7 @@
     </p:spTree>
     <p:extLst>
       <p:ext uri="{BB962C8B-B14F-4D97-AF65-F5344CB8AC3E}">
-        <p14:creationId xmlns:p14="http://schemas.microsoft.com/office/powerpoint/2010/main" val="1885052711"/>
+        <p14:creationId xmlns:p14="http://schemas.microsoft.com/office/powerpoint/2010/main" val="1457705727"/>
       </p:ext>
     </p:extLst>
   </p:cSld>
